--- a/fuentes/contenidos/grado10/guion01/MapaConceptualMA_10_01_CO.pptx
+++ b/fuentes/contenidos/grado10/guion01/MapaConceptualMA_10_01_CO.pptx
@@ -8,7 +8,7 @@
     <p:sldId id="256" r:id="rId2"/>
   </p:sldIdLst>
   <p:sldSz cx="9144000" cy="6858000" type="letter"/>
-  <p:notesSz cx="6794500" cy="9918700"/>
+  <p:notesSz cx="7315200" cy="9601200"/>
   <p:defaultTextStyle>
     <a:defPPr>
       <a:defRPr lang="es-ES"/>
@@ -139,13 +139,6 @@
   <p:clrMapOvr>
     <a:masterClrMapping/>
   </p:clrMapOvr>
-  <p:timing>
-    <p:tnLst>
-      <p:par>
-        <p:cTn id="1" dur="indefinite" restart="never" nodeType="tmRoot"/>
-      </p:par>
-    </p:tnLst>
-  </p:timing>
 </p:sldLayout>
 </file>
 
@@ -176,13 +169,6 @@
   <p:clrMapOvr>
     <a:masterClrMapping/>
   </p:clrMapOvr>
-  <p:timing>
-    <p:tnLst>
-      <p:par>
-        <p:cTn id="1" dur="indefinite" restart="never" nodeType="tmRoot"/>
-      </p:par>
-    </p:tnLst>
-  </p:timing>
 </p:sldLayout>
 </file>
 
@@ -213,13 +199,6 @@
   <p:clrMapOvr>
     <a:masterClrMapping/>
   </p:clrMapOvr>
-  <p:timing>
-    <p:tnLst>
-      <p:par>
-        <p:cTn id="1" dur="indefinite" restart="never" nodeType="tmRoot"/>
-      </p:par>
-    </p:tnLst>
-  </p:timing>
 </p:sldLayout>
 </file>
 
@@ -250,13 +229,6 @@
   <p:clrMapOvr>
     <a:masterClrMapping/>
   </p:clrMapOvr>
-  <p:timing>
-    <p:tnLst>
-      <p:par>
-        <p:cTn id="1" dur="indefinite" restart="never" nodeType="tmRoot"/>
-      </p:par>
-    </p:tnLst>
-  </p:timing>
 </p:sldLayout>
 </file>
 
@@ -287,13 +259,6 @@
   <p:clrMapOvr>
     <a:masterClrMapping/>
   </p:clrMapOvr>
-  <p:timing>
-    <p:tnLst>
-      <p:par>
-        <p:cTn id="1" dur="indefinite" restart="never" nodeType="tmRoot"/>
-      </p:par>
-    </p:tnLst>
-  </p:timing>
 </p:sldLayout>
 </file>
 
@@ -324,13 +289,6 @@
   <p:clrMapOvr>
     <a:masterClrMapping/>
   </p:clrMapOvr>
-  <p:timing>
-    <p:tnLst>
-      <p:par>
-        <p:cTn id="1" dur="indefinite" restart="never" nodeType="tmRoot"/>
-      </p:par>
-    </p:tnLst>
-  </p:timing>
 </p:sldLayout>
 </file>
 
@@ -361,13 +319,6 @@
   <p:clrMapOvr>
     <a:masterClrMapping/>
   </p:clrMapOvr>
-  <p:timing>
-    <p:tnLst>
-      <p:par>
-        <p:cTn id="1" dur="indefinite" restart="never" nodeType="tmRoot"/>
-      </p:par>
-    </p:tnLst>
-  </p:timing>
 </p:sldLayout>
 </file>
 
@@ -398,13 +349,6 @@
   <p:clrMapOvr>
     <a:masterClrMapping/>
   </p:clrMapOvr>
-  <p:timing>
-    <p:tnLst>
-      <p:par>
-        <p:cTn id="1" dur="indefinite" restart="never" nodeType="tmRoot"/>
-      </p:par>
-    </p:tnLst>
-  </p:timing>
 </p:sldLayout>
 </file>
 
@@ -450,7 +394,7 @@
           <a:p>
             <a:fld id="{5001C876-01F7-4317-94B9-1AE222133113}" type="datetimeFigureOut">
               <a:rPr lang="es-ES" smtClean="0"/>
-              <a:t>22/07/2016</a:t>
+              <a:t>23/07/2016</a:t>
             </a:fld>
             <a:endParaRPr lang="es-ES"/>
           </a:p>
@@ -524,13 +468,6 @@
   <p:clrMapOvr>
     <a:masterClrMapping/>
   </p:clrMapOvr>
-  <p:timing>
-    <p:tnLst>
-      <p:par>
-        <p:cTn id="1" dur="indefinite" restart="never" nodeType="tmRoot"/>
-      </p:par>
-    </p:tnLst>
-  </p:timing>
 </p:sldLayout>
 </file>
 
@@ -561,13 +498,6 @@
   <p:clrMapOvr>
     <a:masterClrMapping/>
   </p:clrMapOvr>
-  <p:timing>
-    <p:tnLst>
-      <p:par>
-        <p:cTn id="1" dur="indefinite" restart="never" nodeType="tmRoot"/>
-      </p:par>
-    </p:tnLst>
-  </p:timing>
 </p:sldLayout>
 </file>
 
@@ -598,13 +528,6 @@
   <p:clrMapOvr>
     <a:masterClrMapping/>
   </p:clrMapOvr>
-  <p:timing>
-    <p:tnLst>
-      <p:par>
-        <p:cTn id="1" dur="indefinite" restart="never" nodeType="tmRoot"/>
-      </p:par>
-    </p:tnLst>
-  </p:timing>
 </p:sldLayout>
 </file>
 
@@ -654,16 +577,12 @@
           <a:p>
             <a:pPr algn="ctr"/>
             <a:r>
-              <a:rPr lang="es-ES" sz="1100" dirty="0" smtClean="0">
+              <a:rPr lang="es-ES" sz="1100" dirty="0">
                 <a:latin typeface="Arial" panose="020B0604020202020204" pitchFamily="34" charset="0"/>
                 <a:cs typeface="Arial" panose="020B0604020202020204" pitchFamily="34" charset="0"/>
               </a:rPr>
               <a:t>© Editorial Planeta Colombiana S.A., 2016.</a:t>
             </a:r>
-            <a:endParaRPr lang="es-ES" sz="1100" dirty="0">
-              <a:latin typeface="Arial" panose="020B0604020202020204" pitchFamily="34" charset="0"/>
-              <a:cs typeface="Arial" panose="020B0604020202020204" pitchFamily="34" charset="0"/>
-            </a:endParaRPr>
           </a:p>
         </p:txBody>
       </p:sp>
@@ -718,13 +637,6 @@
     <p:sldLayoutId id="2147483670" r:id="rId10"/>
     <p:sldLayoutId id="2147483671" r:id="rId11"/>
   </p:sldLayoutIdLst>
-  <p:timing>
-    <p:tnLst>
-      <p:par>
-        <p:cTn id="1" dur="indefinite" restart="never" nodeType="tmRoot"/>
-      </p:par>
-    </p:tnLst>
-  </p:timing>
   <p:txStyles>
     <p:titleStyle>
       <a:lvl1pPr algn="l" defTabSz="914400" rtl="0" eaLnBrk="1" latinLnBrk="0" hangingPunct="1">
@@ -1068,16 +980,12 @@
           <a:p>
             <a:pPr algn="ctr"/>
             <a:r>
-              <a:rPr lang="es-ES" sz="1600" dirty="0" smtClean="0">
+              <a:rPr lang="es-ES" sz="1600" dirty="0">
                 <a:latin typeface="Arial" panose="020B0604020202020204" pitchFamily="34" charset="0"/>
                 <a:cs typeface="Arial" panose="020B0604020202020204" pitchFamily="34" charset="0"/>
               </a:rPr>
               <a:t>Las funciones reales</a:t>
             </a:r>
-            <a:endParaRPr lang="es-ES" sz="1600" dirty="0">
-              <a:latin typeface="Arial" panose="020B0604020202020204" pitchFamily="34" charset="0"/>
-              <a:cs typeface="Arial" panose="020B0604020202020204" pitchFamily="34" charset="0"/>
-            </a:endParaRPr>
           </a:p>
         </p:txBody>
       </p:sp>
@@ -1089,7 +997,7 @@
         </p:nvSpPr>
         <p:spPr>
           <a:xfrm>
-            <a:off x="1175742" y="1136135"/>
+            <a:off x="1456740" y="1119497"/>
             <a:ext cx="1444410" cy="620160"/>
           </a:xfrm>
           <a:prstGeom prst="rect">
@@ -1131,33 +1039,32 @@
           <a:p>
             <a:pPr algn="ctr"/>
             <a:r>
-              <a:rPr lang="es-ES" sz="1050" b="1" dirty="0" smtClean="0">
+              <a:rPr lang="es-ES" sz="1050" b="1" dirty="0">
                 <a:latin typeface="Arial" panose="020B0604020202020204" pitchFamily="34" charset="0"/>
                 <a:cs typeface="Arial" panose="020B0604020202020204" pitchFamily="34" charset="0"/>
               </a:rPr>
               <a:t>Las relaciones que se establecen entre dos variables</a:t>
             </a:r>
-            <a:endParaRPr lang="es-ES" sz="1050" b="1" dirty="0">
-              <a:latin typeface="Arial" panose="020B0604020202020204" pitchFamily="34" charset="0"/>
-              <a:cs typeface="Arial" panose="020B0604020202020204" pitchFamily="34" charset="0"/>
-            </a:endParaRPr>
           </a:p>
         </p:txBody>
       </p:sp>
       <p:cxnSp>
         <p:nvCxnSpPr>
           <p:cNvPr id="12" name="Conector angular 11"/>
-          <p:cNvCxnSpPr/>
+          <p:cNvCxnSpPr>
+            <a:stCxn id="4" idx="2"/>
+            <a:endCxn id="130" idx="0"/>
+          </p:cNvCxnSpPr>
           <p:nvPr/>
         </p:nvCxnSpPr>
         <p:spPr>
           <a:xfrm rot="5400000">
-            <a:off x="3430179" y="-1039630"/>
-            <a:ext cx="269821" cy="3195498"/>
+            <a:off x="3384705" y="-768972"/>
+            <a:ext cx="166785" cy="2567000"/>
           </a:xfrm>
           <a:prstGeom prst="bentConnector3">
             <a:avLst>
-              <a:gd name="adj1" fmla="val 41160"/>
+              <a:gd name="adj1" fmla="val 50000"/>
             </a:avLst>
           </a:prstGeom>
           <a:ln w="12700">
@@ -1205,16 +1112,12 @@
           <a:p>
             <a:pPr algn="ctr"/>
             <a:r>
-              <a:rPr lang="es-ES" sz="900" dirty="0" smtClean="0">
+              <a:rPr lang="es-ES" sz="900" dirty="0">
                 <a:latin typeface="Arial" panose="020B0604020202020204" pitchFamily="34" charset="0"/>
                 <a:cs typeface="Arial" panose="020B0604020202020204" pitchFamily="34" charset="0"/>
               </a:rPr>
               <a:t>denominadas</a:t>
             </a:r>
-            <a:endParaRPr lang="es-ES" sz="900" dirty="0">
-              <a:latin typeface="Arial" panose="020B0604020202020204" pitchFamily="34" charset="0"/>
-              <a:cs typeface="Arial" panose="020B0604020202020204" pitchFamily="34" charset="0"/>
-            </a:endParaRPr>
           </a:p>
         </p:txBody>
       </p:sp>
@@ -1263,7 +1166,7 @@
           <a:p>
             <a:pPr algn="ctr"/>
             <a:r>
-              <a:rPr lang="es-ES" sz="900" dirty="0" smtClean="0">
+              <a:rPr lang="es-ES" sz="900" dirty="0">
                 <a:solidFill>
                   <a:schemeClr val="bg1"/>
                 </a:solidFill>
@@ -1271,6 +1174,401 @@
                 <a:cs typeface="Arial" panose="020B0604020202020204" pitchFamily="34" charset="0"/>
               </a:rPr>
               <a:t>variable independiente</a:t>
+            </a:r>
+          </a:p>
+        </p:txBody>
+      </p:sp>
+      <p:sp>
+        <p:nvSpPr>
+          <p:cNvPr id="67" name="CuadroTexto 66" descr="Conector entre nodos" title="conector"/>
+          <p:cNvSpPr txBox="1"/>
+          <p:nvPr/>
+        </p:nvSpPr>
+        <p:spPr>
+          <a:xfrm>
+            <a:off x="507890" y="3010276"/>
+            <a:ext cx="937234" cy="230832"/>
+          </a:xfrm>
+          <a:prstGeom prst="rect">
+            <a:avLst/>
+          </a:prstGeom>
+          <a:noFill/>
+        </p:spPr>
+        <p:txBody>
+          <a:bodyPr wrap="square" rtlCol="0">
+            <a:spAutoFit/>
+          </a:bodyPr>
+          <a:lstStyle/>
+          <a:p>
+            <a:pPr algn="ctr"/>
+            <a:r>
+              <a:rPr lang="es-ES" sz="900" dirty="0">
+                <a:latin typeface="Arial" panose="020B0604020202020204" pitchFamily="34" charset="0"/>
+                <a:cs typeface="Arial" panose="020B0604020202020204" pitchFamily="34" charset="0"/>
+              </a:rPr>
+              <a:t>es aquella que</a:t>
+            </a:r>
+          </a:p>
+        </p:txBody>
+      </p:sp>
+      <p:cxnSp>
+        <p:nvCxnSpPr>
+          <p:cNvPr id="68" name="Conector angular 67"/>
+          <p:cNvCxnSpPr/>
+          <p:nvPr/>
+        </p:nvCxnSpPr>
+        <p:spPr>
+          <a:xfrm rot="5400000">
+            <a:off x="886264" y="2968748"/>
+            <a:ext cx="143026" cy="877"/>
+          </a:xfrm>
+          <a:prstGeom prst="bentConnector3">
+            <a:avLst>
+              <a:gd name="adj1" fmla="val 50000"/>
+            </a:avLst>
+          </a:prstGeom>
+          <a:ln w="12700">
+            <a:solidFill>
+              <a:schemeClr val="tx1"/>
+            </a:solidFill>
+          </a:ln>
+        </p:spPr>
+        <p:style>
+          <a:lnRef idx="1">
+            <a:schemeClr val="accent1"/>
+          </a:lnRef>
+          <a:fillRef idx="0">
+            <a:schemeClr val="accent1"/>
+          </a:fillRef>
+          <a:effectRef idx="0">
+            <a:schemeClr val="accent1"/>
+          </a:effectRef>
+          <a:fontRef idx="minor">
+            <a:schemeClr val="tx1"/>
+          </a:fontRef>
+        </p:style>
+      </p:cxnSp>
+      <p:sp>
+        <p:nvSpPr>
+          <p:cNvPr id="72" name="Rectángulo 71" descr="Nodo de tercer nivel" title="Nodo03"/>
+          <p:cNvSpPr/>
+          <p:nvPr/>
+        </p:nvSpPr>
+        <p:spPr>
+          <a:xfrm>
+            <a:off x="497086" y="3323312"/>
+            <a:ext cx="883571" cy="306143"/>
+          </a:xfrm>
+          <a:prstGeom prst="rect">
+            <a:avLst/>
+          </a:prstGeom>
+          <a:solidFill>
+            <a:schemeClr val="bg2">
+              <a:lumMod val="90000"/>
+            </a:schemeClr>
+          </a:solidFill>
+          <a:ln>
+            <a:solidFill>
+              <a:schemeClr val="tx1"/>
+            </a:solidFill>
+          </a:ln>
+        </p:spPr>
+        <p:style>
+          <a:lnRef idx="2">
+            <a:schemeClr val="accent6"/>
+          </a:lnRef>
+          <a:fillRef idx="1">
+            <a:schemeClr val="lt1"/>
+          </a:fillRef>
+          <a:effectRef idx="0">
+            <a:schemeClr val="accent6"/>
+          </a:effectRef>
+          <a:fontRef idx="minor">
+            <a:schemeClr val="dk1"/>
+          </a:fontRef>
+        </p:style>
+        <p:txBody>
+          <a:bodyPr rtlCol="0" anchor="ctr"/>
+          <a:lstStyle/>
+          <a:p>
+            <a:pPr algn="ctr"/>
+            <a:r>
+              <a:rPr lang="es-ES" sz="900" dirty="0">
+                <a:solidFill>
+                  <a:schemeClr val="tx1"/>
+                </a:solidFill>
+                <a:latin typeface="Arial" panose="020B0604020202020204" pitchFamily="34" charset="0"/>
+                <a:cs typeface="Arial" panose="020B0604020202020204" pitchFamily="34" charset="0"/>
+              </a:rPr>
+              <a:t>toma valores arbitrarios</a:t>
+            </a:r>
+          </a:p>
+        </p:txBody>
+      </p:sp>
+      <p:sp>
+        <p:nvSpPr>
+          <p:cNvPr id="73" name="Rectángulo 72" descr="Nodo de cuarto nivel&#10;" title="Nodo04"/>
+          <p:cNvSpPr/>
+          <p:nvPr/>
+        </p:nvSpPr>
+        <p:spPr>
+          <a:xfrm>
+            <a:off x="395548" y="4165766"/>
+            <a:ext cx="1042399" cy="344921"/>
+          </a:xfrm>
+          <a:prstGeom prst="rect">
+            <a:avLst/>
+          </a:prstGeom>
+          <a:solidFill>
+            <a:schemeClr val="bg1"/>
+          </a:solidFill>
+          <a:ln>
+            <a:solidFill>
+              <a:schemeClr val="tx1"/>
+            </a:solidFill>
+          </a:ln>
+        </p:spPr>
+        <p:style>
+          <a:lnRef idx="2">
+            <a:schemeClr val="accent6"/>
+          </a:lnRef>
+          <a:fillRef idx="1">
+            <a:schemeClr val="lt1"/>
+          </a:fillRef>
+          <a:effectRef idx="0">
+            <a:schemeClr val="accent6"/>
+          </a:effectRef>
+          <a:fontRef idx="minor">
+            <a:schemeClr val="dk1"/>
+          </a:fontRef>
+        </p:style>
+        <p:txBody>
+          <a:bodyPr rtlCol="0" anchor="ctr"/>
+          <a:lstStyle/>
+          <a:p>
+            <a:pPr algn="ctr"/>
+            <a:r>
+              <a:rPr lang="es-ES" sz="900" dirty="0">
+                <a:solidFill>
+                  <a:schemeClr val="tx1"/>
+                </a:solidFill>
+                <a:latin typeface="Arial" panose="020B0604020202020204" pitchFamily="34" charset="0"/>
+                <a:cs typeface="Arial" panose="020B0604020202020204" pitchFamily="34" charset="0"/>
+              </a:rPr>
+              <a:t>sobre el eje </a:t>
+            </a:r>
+            <a:r>
+              <a:rPr lang="es-ES" sz="900" i="1" dirty="0">
+                <a:solidFill>
+                  <a:schemeClr val="tx1"/>
+                </a:solidFill>
+                <a:latin typeface="Arial" panose="020B0604020202020204" pitchFamily="34" charset="0"/>
+                <a:cs typeface="Arial" panose="020B0604020202020204" pitchFamily="34" charset="0"/>
+              </a:rPr>
+              <a:t>X</a:t>
+            </a:r>
+            <a:r>
+              <a:rPr lang="es-ES" sz="900" dirty="0">
+                <a:solidFill>
+                  <a:schemeClr val="tx1"/>
+                </a:solidFill>
+                <a:latin typeface="Arial" panose="020B0604020202020204" pitchFamily="34" charset="0"/>
+                <a:cs typeface="Arial" panose="020B0604020202020204" pitchFamily="34" charset="0"/>
+              </a:rPr>
+              <a:t> o de abscisas</a:t>
+            </a:r>
+          </a:p>
+        </p:txBody>
+      </p:sp>
+      <p:sp>
+        <p:nvSpPr>
+          <p:cNvPr id="75" name="CuadroTexto 74" descr="Conector entre nodos" title="conector"/>
+          <p:cNvSpPr txBox="1"/>
+          <p:nvPr/>
+        </p:nvSpPr>
+        <p:spPr>
+          <a:xfrm>
+            <a:off x="374590" y="3732177"/>
+            <a:ext cx="1117174" cy="230832"/>
+          </a:xfrm>
+          <a:prstGeom prst="rect">
+            <a:avLst/>
+          </a:prstGeom>
+          <a:noFill/>
+        </p:spPr>
+        <p:txBody>
+          <a:bodyPr wrap="square" rtlCol="0">
+            <a:spAutoFit/>
+          </a:bodyPr>
+          <a:lstStyle/>
+          <a:p>
+            <a:pPr algn="ctr"/>
+            <a:r>
+              <a:rPr lang="es-ES" sz="900" dirty="0">
+                <a:latin typeface="Arial" panose="020B0604020202020204" pitchFamily="34" charset="0"/>
+                <a:cs typeface="Arial" panose="020B0604020202020204" pitchFamily="34" charset="0"/>
+              </a:rPr>
+              <a:t>se representa</a:t>
+            </a:r>
+          </a:p>
+        </p:txBody>
+      </p:sp>
+      <p:cxnSp>
+        <p:nvCxnSpPr>
+          <p:cNvPr id="82" name="Conector angular 81"/>
+          <p:cNvCxnSpPr/>
+          <p:nvPr/>
+        </p:nvCxnSpPr>
+        <p:spPr>
+          <a:xfrm rot="16200000" flipH="1">
+            <a:off x="852128" y="4061428"/>
+            <a:ext cx="212150" cy="1732"/>
+          </a:xfrm>
+          <a:prstGeom prst="bentConnector3">
+            <a:avLst>
+              <a:gd name="adj1" fmla="val 95187"/>
+            </a:avLst>
+          </a:prstGeom>
+          <a:ln w="12700">
+            <a:solidFill>
+              <a:schemeClr val="tx1"/>
+            </a:solidFill>
+          </a:ln>
+        </p:spPr>
+        <p:style>
+          <a:lnRef idx="1">
+            <a:schemeClr val="accent1"/>
+          </a:lnRef>
+          <a:fillRef idx="0">
+            <a:schemeClr val="accent1"/>
+          </a:fillRef>
+          <a:effectRef idx="0">
+            <a:schemeClr val="accent1"/>
+          </a:effectRef>
+          <a:fontRef idx="minor">
+            <a:schemeClr val="tx1"/>
+          </a:fontRef>
+        </p:style>
+      </p:cxnSp>
+      <p:sp>
+        <p:nvSpPr>
+          <p:cNvPr id="130" name="CuadroTexto 129" descr="Conector entre nodos" title="conector"/>
+          <p:cNvSpPr txBox="1"/>
+          <p:nvPr/>
+        </p:nvSpPr>
+        <p:spPr>
+          <a:xfrm>
+            <a:off x="1968224" y="597921"/>
+            <a:ext cx="432746" cy="230832"/>
+          </a:xfrm>
+          <a:prstGeom prst="rect">
+            <a:avLst/>
+          </a:prstGeom>
+          <a:noFill/>
+        </p:spPr>
+        <p:txBody>
+          <a:bodyPr wrap="square" rtlCol="0">
+            <a:spAutoFit/>
+          </a:bodyPr>
+          <a:lstStyle/>
+          <a:p>
+            <a:pPr algn="ctr"/>
+            <a:r>
+              <a:rPr lang="es-ES" sz="900" dirty="0">
+                <a:latin typeface="Arial" panose="020B0604020202020204" pitchFamily="34" charset="0"/>
+                <a:cs typeface="Arial" panose="020B0604020202020204" pitchFamily="34" charset="0"/>
+              </a:rPr>
+              <a:t>son</a:t>
+            </a:r>
+          </a:p>
+        </p:txBody>
+      </p:sp>
+      <p:sp>
+        <p:nvSpPr>
+          <p:cNvPr id="218" name="CuadroTexto 217" descr="Conector entre nodos" title="conector"/>
+          <p:cNvSpPr txBox="1"/>
+          <p:nvPr/>
+        </p:nvSpPr>
+        <p:spPr>
+          <a:xfrm>
+            <a:off x="2883356" y="2109603"/>
+            <a:ext cx="748168" cy="230832"/>
+          </a:xfrm>
+          <a:prstGeom prst="rect">
+            <a:avLst/>
+          </a:prstGeom>
+          <a:noFill/>
+        </p:spPr>
+        <p:txBody>
+          <a:bodyPr wrap="square" rtlCol="0">
+            <a:spAutoFit/>
+          </a:bodyPr>
+          <a:lstStyle/>
+          <a:p>
+            <a:pPr algn="ctr"/>
+            <a:r>
+              <a:rPr lang="es-ES" sz="900" dirty="0">
+                <a:latin typeface="Arial" panose="020B0604020202020204" pitchFamily="34" charset="0"/>
+                <a:cs typeface="Arial" panose="020B0604020202020204" pitchFamily="34" charset="0"/>
+              </a:rPr>
+              <a:t>se pueden</a:t>
+            </a:r>
+          </a:p>
+        </p:txBody>
+      </p:sp>
+      <p:sp>
+        <p:nvSpPr>
+          <p:cNvPr id="220" name="Rectángulo 219" descr="Nodo de segundo nivel" title="Nodo02"/>
+          <p:cNvSpPr/>
+          <p:nvPr/>
+        </p:nvSpPr>
+        <p:spPr>
+          <a:xfrm>
+            <a:off x="3646976" y="4125344"/>
+            <a:ext cx="652586" cy="283083"/>
+          </a:xfrm>
+          <a:prstGeom prst="rect">
+            <a:avLst/>
+          </a:prstGeom>
+          <a:solidFill>
+            <a:schemeClr val="bg2">
+              <a:lumMod val="50000"/>
+            </a:schemeClr>
+          </a:solidFill>
+          <a:ln>
+            <a:solidFill>
+              <a:schemeClr val="tx1"/>
+            </a:solidFill>
+          </a:ln>
+        </p:spPr>
+        <p:style>
+          <a:lnRef idx="2">
+            <a:schemeClr val="accent6"/>
+          </a:lnRef>
+          <a:fillRef idx="1">
+            <a:schemeClr val="lt1"/>
+          </a:fillRef>
+          <a:effectRef idx="0">
+            <a:schemeClr val="accent6"/>
+          </a:effectRef>
+          <a:fontRef idx="minor">
+            <a:schemeClr val="dk1"/>
+          </a:fontRef>
+        </p:style>
+        <p:txBody>
+          <a:bodyPr rtlCol="0" anchor="ctr"/>
+          <a:lstStyle/>
+          <a:p>
+            <a:pPr algn="ctr"/>
+            <a:r>
+              <a:rPr lang="es-ES" sz="900" dirty="0" err="1">
+                <a:solidFill>
+                  <a:schemeClr val="bg1"/>
+                </a:solidFill>
+                <a:latin typeface="Arial" panose="020B0604020202020204" pitchFamily="34" charset="0"/>
+                <a:cs typeface="Arial" panose="020B0604020202020204" pitchFamily="34" charset="0"/>
+              </a:rPr>
+              <a:t>inyectiva</a:t>
             </a:r>
             <a:endParaRPr lang="es-ES" sz="900" dirty="0">
               <a:solidFill>
@@ -1282,16 +1580,56 @@
           </a:p>
         </p:txBody>
       </p:sp>
+      <p:cxnSp>
+        <p:nvCxnSpPr>
+          <p:cNvPr id="221" name="Conector angular 220"/>
+          <p:cNvCxnSpPr>
+            <a:stCxn id="85" idx="2"/>
+            <a:endCxn id="220" idx="0"/>
+          </p:cNvCxnSpPr>
+          <p:nvPr/>
+        </p:nvCxnSpPr>
+        <p:spPr>
+          <a:xfrm rot="5400000">
+            <a:off x="2781692" y="2924288"/>
+            <a:ext cx="2392634" cy="9479"/>
+          </a:xfrm>
+          <a:prstGeom prst="bentConnector3">
+            <a:avLst>
+              <a:gd name="adj1" fmla="val 50000"/>
+            </a:avLst>
+          </a:prstGeom>
+          <a:ln w="12700">
+            <a:solidFill>
+              <a:schemeClr val="tx1"/>
+            </a:solidFill>
+          </a:ln>
+        </p:spPr>
+        <p:style>
+          <a:lnRef idx="1">
+            <a:schemeClr val="accent1"/>
+          </a:lnRef>
+          <a:fillRef idx="0">
+            <a:schemeClr val="accent1"/>
+          </a:fillRef>
+          <a:effectRef idx="0">
+            <a:schemeClr val="accent1"/>
+          </a:effectRef>
+          <a:fontRef idx="minor">
+            <a:schemeClr val="tx1"/>
+          </a:fontRef>
+        </p:style>
+      </p:cxnSp>
       <p:sp>
         <p:nvSpPr>
-          <p:cNvPr id="67" name="CuadroTexto 66" descr="Conector entre nodos" title="conector"/>
+          <p:cNvPr id="222" name="CuadroTexto 221" descr="Conector entre nodos" title="conector"/>
           <p:cNvSpPr txBox="1"/>
           <p:nvPr/>
         </p:nvSpPr>
         <p:spPr>
           <a:xfrm>
-            <a:off x="507890" y="3010276"/>
-            <a:ext cx="937234" cy="230832"/>
+            <a:off x="3702767" y="4515615"/>
+            <a:ext cx="558588" cy="230832"/>
           </a:xfrm>
           <a:prstGeom prst="rect">
             <a:avLst/>
@@ -1306,66 +1644,25 @@
           <a:p>
             <a:pPr algn="ctr"/>
             <a:r>
-              <a:rPr lang="es-ES" sz="900" dirty="0" smtClean="0">
-                <a:latin typeface="Arial" panose="020B0604020202020204" pitchFamily="34" charset="0"/>
-                <a:cs typeface="Arial" panose="020B0604020202020204" pitchFamily="34" charset="0"/>
-              </a:rPr>
-              <a:t>es aquella que</a:t>
-            </a:r>
-            <a:endParaRPr lang="es-ES" sz="900" dirty="0">
-              <a:latin typeface="Arial" panose="020B0604020202020204" pitchFamily="34" charset="0"/>
-              <a:cs typeface="Arial" panose="020B0604020202020204" pitchFamily="34" charset="0"/>
-            </a:endParaRPr>
+              <a:rPr lang="es-ES" sz="900" dirty="0">
+                <a:latin typeface="Arial" panose="020B0604020202020204" pitchFamily="34" charset="0"/>
+                <a:cs typeface="Arial" panose="020B0604020202020204" pitchFamily="34" charset="0"/>
+              </a:rPr>
+              <a:t>son</a:t>
+            </a:r>
           </a:p>
         </p:txBody>
       </p:sp>
-      <p:cxnSp>
-        <p:nvCxnSpPr>
-          <p:cNvPr id="68" name="Conector angular 67"/>
-          <p:cNvCxnSpPr/>
-          <p:nvPr/>
-        </p:nvCxnSpPr>
-        <p:spPr>
-          <a:xfrm rot="5400000">
-            <a:off x="886264" y="2968748"/>
-            <a:ext cx="143026" cy="877"/>
-          </a:xfrm>
-          <a:prstGeom prst="bentConnector3">
-            <a:avLst>
-              <a:gd name="adj1" fmla="val 50000"/>
-            </a:avLst>
-          </a:prstGeom>
-          <a:ln w="12700">
-            <a:solidFill>
-              <a:schemeClr val="tx1"/>
-            </a:solidFill>
-          </a:ln>
-        </p:spPr>
-        <p:style>
-          <a:lnRef idx="1">
-            <a:schemeClr val="accent1"/>
-          </a:lnRef>
-          <a:fillRef idx="0">
-            <a:schemeClr val="accent1"/>
-          </a:fillRef>
-          <a:effectRef idx="0">
-            <a:schemeClr val="accent1"/>
-          </a:effectRef>
-          <a:fontRef idx="minor">
-            <a:schemeClr val="tx1"/>
-          </a:fontRef>
-        </p:style>
-      </p:cxnSp>
       <p:sp>
         <p:nvSpPr>
-          <p:cNvPr id="72" name="Rectángulo 71" descr="Nodo de tercer nivel" title="Nodo03"/>
+          <p:cNvPr id="256" name="Rectángulo 255" descr="Nodo de tercer nivel" title="Nodo03"/>
           <p:cNvSpPr/>
           <p:nvPr/>
         </p:nvSpPr>
         <p:spPr>
           <a:xfrm>
-            <a:off x="497086" y="3323312"/>
-            <a:ext cx="883571" cy="306143"/>
+            <a:off x="3462630" y="4921745"/>
+            <a:ext cx="1016558" cy="1010983"/>
           </a:xfrm>
           <a:prstGeom prst="rect">
             <a:avLst/>
@@ -1401,117 +1698,68 @@
           <a:p>
             <a:pPr algn="ctr"/>
             <a:r>
-              <a:rPr lang="es-ES" sz="900" dirty="0" smtClean="0">
+              <a:rPr lang="es-ES" sz="900" dirty="0">
                 <a:solidFill>
                   <a:schemeClr val="tx1"/>
                 </a:solidFill>
                 <a:latin typeface="Arial" panose="020B0604020202020204" pitchFamily="34" charset="0"/>
                 <a:cs typeface="Arial" panose="020B0604020202020204" pitchFamily="34" charset="0"/>
               </a:rPr>
-              <a:t>toma valores arbitrarios</a:t>
-            </a:r>
-            <a:endParaRPr lang="es-ES" sz="900" dirty="0">
-              <a:solidFill>
-                <a:schemeClr val="tx1"/>
-              </a:solidFill>
-              <a:latin typeface="Arial" panose="020B0604020202020204" pitchFamily="34" charset="0"/>
-              <a:cs typeface="Arial" panose="020B0604020202020204" pitchFamily="34" charset="0"/>
-            </a:endParaRPr>
+              <a:t>funciones tales que para elementos diferentes del dominio asigna imágenes diferentes</a:t>
+            </a:r>
           </a:p>
         </p:txBody>
       </p:sp>
+      <p:cxnSp>
+        <p:nvCxnSpPr>
+          <p:cNvPr id="336" name="Conector angular 335"/>
+          <p:cNvCxnSpPr>
+            <a:stCxn id="4" idx="2"/>
+            <a:endCxn id="361" idx="0"/>
+          </p:cNvCxnSpPr>
+          <p:nvPr/>
+        </p:nvCxnSpPr>
+        <p:spPr>
+          <a:xfrm rot="16200000" flipH="1">
+            <a:off x="5837953" y="-655221"/>
+            <a:ext cx="188325" cy="2361037"/>
+          </a:xfrm>
+          <a:prstGeom prst="bentConnector3">
+            <a:avLst>
+              <a:gd name="adj1" fmla="val 50000"/>
+            </a:avLst>
+          </a:prstGeom>
+          <a:ln w="12700">
+            <a:solidFill>
+              <a:schemeClr val="tx1"/>
+            </a:solidFill>
+          </a:ln>
+        </p:spPr>
+        <p:style>
+          <a:lnRef idx="1">
+            <a:schemeClr val="accent1"/>
+          </a:lnRef>
+          <a:fillRef idx="0">
+            <a:schemeClr val="accent1"/>
+          </a:fillRef>
+          <a:effectRef idx="0">
+            <a:schemeClr val="accent1"/>
+          </a:effectRef>
+          <a:fontRef idx="minor">
+            <a:schemeClr val="tx1"/>
+          </a:fontRef>
+        </p:style>
+      </p:cxnSp>
       <p:sp>
         <p:nvSpPr>
-          <p:cNvPr id="73" name="Rectángulo 72" descr="Nodo de cuarto nivel&#10;" title="Nodo04"/>
-          <p:cNvSpPr/>
+          <p:cNvPr id="361" name="CuadroTexto 360" descr="Conector entre nodos" title="conector"/>
+          <p:cNvSpPr txBox="1"/>
           <p:nvPr/>
         </p:nvSpPr>
         <p:spPr>
           <a:xfrm>
-            <a:off x="395548" y="4165766"/>
-            <a:ext cx="1042399" cy="344921"/>
-          </a:xfrm>
-          <a:prstGeom prst="rect">
-            <a:avLst/>
-          </a:prstGeom>
-          <a:solidFill>
-            <a:schemeClr val="bg1"/>
-          </a:solidFill>
-          <a:ln>
-            <a:solidFill>
-              <a:schemeClr val="tx1"/>
-            </a:solidFill>
-          </a:ln>
-        </p:spPr>
-        <p:style>
-          <a:lnRef idx="2">
-            <a:schemeClr val="accent6"/>
-          </a:lnRef>
-          <a:fillRef idx="1">
-            <a:schemeClr val="lt1"/>
-          </a:fillRef>
-          <a:effectRef idx="0">
-            <a:schemeClr val="accent6"/>
-          </a:effectRef>
-          <a:fontRef idx="minor">
-            <a:schemeClr val="dk1"/>
-          </a:fontRef>
-        </p:style>
-        <p:txBody>
-          <a:bodyPr rtlCol="0" anchor="ctr"/>
-          <a:lstStyle/>
-          <a:p>
-            <a:pPr algn="ctr"/>
-            <a:r>
-              <a:rPr lang="es-ES" sz="900" dirty="0" smtClean="0">
-                <a:solidFill>
-                  <a:schemeClr val="tx1"/>
-                </a:solidFill>
-                <a:latin typeface="Arial" panose="020B0604020202020204" pitchFamily="34" charset="0"/>
-                <a:cs typeface="Arial" panose="020B0604020202020204" pitchFamily="34" charset="0"/>
-              </a:rPr>
-              <a:t>sobre el eje </a:t>
-            </a:r>
-            <a:r>
-              <a:rPr lang="es-ES" sz="900" i="1" dirty="0" smtClean="0">
-                <a:solidFill>
-                  <a:schemeClr val="tx1"/>
-                </a:solidFill>
-                <a:latin typeface="Arial" panose="020B0604020202020204" pitchFamily="34" charset="0"/>
-                <a:cs typeface="Arial" panose="020B0604020202020204" pitchFamily="34" charset="0"/>
-              </a:rPr>
-              <a:t>X</a:t>
-            </a:r>
-            <a:r>
-              <a:rPr lang="es-ES" sz="900" dirty="0" smtClean="0">
-                <a:solidFill>
-                  <a:schemeClr val="tx1"/>
-                </a:solidFill>
-                <a:latin typeface="Arial" panose="020B0604020202020204" pitchFamily="34" charset="0"/>
-                <a:cs typeface="Arial" panose="020B0604020202020204" pitchFamily="34" charset="0"/>
-              </a:rPr>
-              <a:t> o de abscisas</a:t>
-            </a:r>
-            <a:endParaRPr lang="es-ES" sz="900" dirty="0">
-              <a:solidFill>
-                <a:schemeClr val="tx1"/>
-              </a:solidFill>
-              <a:latin typeface="Arial" panose="020B0604020202020204" pitchFamily="34" charset="0"/>
-              <a:cs typeface="Arial" panose="020B0604020202020204" pitchFamily="34" charset="0"/>
-            </a:endParaRPr>
-          </a:p>
-        </p:txBody>
-      </p:sp>
-      <p:sp>
-        <p:nvSpPr>
-          <p:cNvPr id="75" name="CuadroTexto 74" descr="Conector entre nodos" title="conector"/>
-          <p:cNvSpPr txBox="1"/>
-          <p:nvPr/>
-        </p:nvSpPr>
-        <p:spPr>
-          <a:xfrm>
-            <a:off x="374590" y="3732177"/>
-            <a:ext cx="1117174" cy="230832"/>
+            <a:off x="6551418" y="619461"/>
+            <a:ext cx="1122431" cy="230832"/>
           </a:xfrm>
           <a:prstGeom prst="rect">
             <a:avLst/>
@@ -1526,140 +1774,25 @@
           <a:p>
             <a:pPr algn="ctr"/>
             <a:r>
-              <a:rPr lang="es-ES" sz="900" dirty="0" smtClean="0">
-                <a:latin typeface="Arial" panose="020B0604020202020204" pitchFamily="34" charset="0"/>
-                <a:cs typeface="Arial" panose="020B0604020202020204" pitchFamily="34" charset="0"/>
-              </a:rPr>
-              <a:t>se representa</a:t>
-            </a:r>
-            <a:endParaRPr lang="es-ES" sz="900" dirty="0">
-              <a:latin typeface="Arial" panose="020B0604020202020204" pitchFamily="34" charset="0"/>
-              <a:cs typeface="Arial" panose="020B0604020202020204" pitchFamily="34" charset="0"/>
-            </a:endParaRPr>
-          </a:p>
-        </p:txBody>
-      </p:sp>
-      <p:cxnSp>
-        <p:nvCxnSpPr>
-          <p:cNvPr id="82" name="Conector angular 81"/>
-          <p:cNvCxnSpPr/>
-          <p:nvPr/>
-        </p:nvCxnSpPr>
-        <p:spPr>
-          <a:xfrm rot="16200000" flipH="1">
-            <a:off x="852128" y="4061428"/>
-            <a:ext cx="212150" cy="1732"/>
-          </a:xfrm>
-          <a:prstGeom prst="bentConnector3">
-            <a:avLst>
-              <a:gd name="adj1" fmla="val 95187"/>
-            </a:avLst>
-          </a:prstGeom>
-          <a:ln w="12700">
-            <a:solidFill>
-              <a:schemeClr val="tx1"/>
-            </a:solidFill>
-          </a:ln>
-        </p:spPr>
-        <p:style>
-          <a:lnRef idx="1">
-            <a:schemeClr val="accent1"/>
-          </a:lnRef>
-          <a:fillRef idx="0">
-            <a:schemeClr val="accent1"/>
-          </a:fillRef>
-          <a:effectRef idx="0">
-            <a:schemeClr val="accent1"/>
-          </a:effectRef>
-          <a:fontRef idx="minor">
-            <a:schemeClr val="tx1"/>
-          </a:fontRef>
-        </p:style>
-      </p:cxnSp>
-      <p:sp>
-        <p:nvSpPr>
-          <p:cNvPr id="130" name="CuadroTexto 129" descr="Conector entre nodos" title="conector"/>
-          <p:cNvSpPr txBox="1"/>
-          <p:nvPr/>
-        </p:nvSpPr>
-        <p:spPr>
-          <a:xfrm>
-            <a:off x="1392254" y="728704"/>
-            <a:ext cx="1122431" cy="230832"/>
-          </a:xfrm>
-          <a:prstGeom prst="rect">
-            <a:avLst/>
-          </a:prstGeom>
-          <a:noFill/>
-        </p:spPr>
-        <p:txBody>
-          <a:bodyPr wrap="square" rtlCol="0">
-            <a:spAutoFit/>
-          </a:bodyPr>
-          <a:lstStyle/>
-          <a:p>
-            <a:pPr algn="ctr"/>
-            <a:r>
-              <a:rPr lang="es-ES" sz="900" dirty="0" smtClean="0">
-                <a:latin typeface="Arial" panose="020B0604020202020204" pitchFamily="34" charset="0"/>
-                <a:cs typeface="Arial" panose="020B0604020202020204" pitchFamily="34" charset="0"/>
-              </a:rPr>
-              <a:t>son</a:t>
-            </a:r>
-            <a:endParaRPr lang="es-ES" sz="900" dirty="0">
-              <a:latin typeface="Arial" panose="020B0604020202020204" pitchFamily="34" charset="0"/>
-              <a:cs typeface="Arial" panose="020B0604020202020204" pitchFamily="34" charset="0"/>
-            </a:endParaRPr>
+              <a:rPr lang="es-ES" sz="900" dirty="0">
+                <a:latin typeface="Arial" panose="020B0604020202020204" pitchFamily="34" charset="0"/>
+                <a:cs typeface="Arial" panose="020B0604020202020204" pitchFamily="34" charset="0"/>
+              </a:rPr>
+              <a:t>pueden ser</a:t>
+            </a:r>
           </a:p>
         </p:txBody>
       </p:sp>
       <p:sp>
         <p:nvSpPr>
-          <p:cNvPr id="218" name="CuadroTexto 217" descr="Conector entre nodos" title="conector"/>
-          <p:cNvSpPr txBox="1"/>
+          <p:cNvPr id="119" name="Rectángulo 118" descr="Nodo de segundo nivel" title="Nodo02"/>
+          <p:cNvSpPr/>
           <p:nvPr/>
         </p:nvSpPr>
         <p:spPr>
           <a:xfrm>
-            <a:off x="2768067" y="2120765"/>
-            <a:ext cx="748168" cy="230832"/>
-          </a:xfrm>
-          <a:prstGeom prst="rect">
-            <a:avLst/>
-          </a:prstGeom>
-          <a:noFill/>
-        </p:spPr>
-        <p:txBody>
-          <a:bodyPr wrap="square" rtlCol="0">
-            <a:spAutoFit/>
-          </a:bodyPr>
-          <a:lstStyle/>
-          <a:p>
-            <a:pPr algn="ctr"/>
-            <a:r>
-              <a:rPr lang="es-ES" sz="900" dirty="0" smtClean="0">
-                <a:latin typeface="Arial" panose="020B0604020202020204" pitchFamily="34" charset="0"/>
-                <a:cs typeface="Arial" panose="020B0604020202020204" pitchFamily="34" charset="0"/>
-              </a:rPr>
-              <a:t>se pueden</a:t>
-            </a:r>
-            <a:endParaRPr lang="es-ES" sz="900" dirty="0">
-              <a:latin typeface="Arial" panose="020B0604020202020204" pitchFamily="34" charset="0"/>
-              <a:cs typeface="Arial" panose="020B0604020202020204" pitchFamily="34" charset="0"/>
-            </a:endParaRPr>
-          </a:p>
-        </p:txBody>
-      </p:sp>
-      <p:sp>
-        <p:nvSpPr>
-          <p:cNvPr id="220" name="Rectángulo 219" descr="Nodo de segundo nivel" title="Nodo02"/>
-          <p:cNvSpPr/>
-          <p:nvPr/>
-        </p:nvSpPr>
-        <p:spPr>
-          <a:xfrm>
-            <a:off x="2796967" y="4256114"/>
-            <a:ext cx="652586" cy="283083"/>
+            <a:off x="1475907" y="2558597"/>
+            <a:ext cx="866356" cy="338295"/>
           </a:xfrm>
           <a:prstGeom prst="rect">
             <a:avLst/>
@@ -1695,14 +1828,616 @@
           <a:p>
             <a:pPr algn="ctr"/>
             <a:r>
-              <a:rPr lang="es-ES" sz="900" dirty="0" err="1" smtClean="0">
+              <a:rPr lang="es-ES" sz="900" dirty="0">
                 <a:solidFill>
                   <a:schemeClr val="bg1"/>
                 </a:solidFill>
                 <a:latin typeface="Arial" panose="020B0604020202020204" pitchFamily="34" charset="0"/>
                 <a:cs typeface="Arial" panose="020B0604020202020204" pitchFamily="34" charset="0"/>
               </a:rPr>
-              <a:t>inyectiva</a:t>
+              <a:t>variable dependiente</a:t>
+            </a:r>
+          </a:p>
+        </p:txBody>
+      </p:sp>
+      <p:sp>
+        <p:nvSpPr>
+          <p:cNvPr id="121" name="CuadroTexto 120" descr="Conector entre nodos" title="conector"/>
+          <p:cNvSpPr txBox="1"/>
+          <p:nvPr/>
+        </p:nvSpPr>
+        <p:spPr>
+          <a:xfrm>
+            <a:off x="1524688" y="3005183"/>
+            <a:ext cx="938144" cy="230832"/>
+          </a:xfrm>
+          <a:prstGeom prst="rect">
+            <a:avLst/>
+          </a:prstGeom>
+          <a:noFill/>
+        </p:spPr>
+        <p:txBody>
+          <a:bodyPr wrap="square" rtlCol="0">
+            <a:spAutoFit/>
+          </a:bodyPr>
+          <a:lstStyle/>
+          <a:p>
+            <a:pPr algn="ctr"/>
+            <a:r>
+              <a:rPr lang="es-ES" sz="900" dirty="0">
+                <a:latin typeface="Arial" panose="020B0604020202020204" pitchFamily="34" charset="0"/>
+                <a:cs typeface="Arial" panose="020B0604020202020204" pitchFamily="34" charset="0"/>
+              </a:rPr>
+              <a:t>es aquella que</a:t>
+            </a:r>
+          </a:p>
+        </p:txBody>
+      </p:sp>
+      <p:sp>
+        <p:nvSpPr>
+          <p:cNvPr id="123" name="Rectángulo 122" descr="Nodo de tercer nivel" title="Nodo03"/>
+          <p:cNvSpPr/>
+          <p:nvPr/>
+        </p:nvSpPr>
+        <p:spPr>
+          <a:xfrm>
+            <a:off x="1482845" y="3325968"/>
+            <a:ext cx="1118926" cy="607194"/>
+          </a:xfrm>
+          <a:prstGeom prst="rect">
+            <a:avLst/>
+          </a:prstGeom>
+          <a:solidFill>
+            <a:schemeClr val="bg2">
+              <a:lumMod val="90000"/>
+            </a:schemeClr>
+          </a:solidFill>
+          <a:ln>
+            <a:solidFill>
+              <a:schemeClr val="tx1"/>
+            </a:solidFill>
+          </a:ln>
+        </p:spPr>
+        <p:style>
+          <a:lnRef idx="2">
+            <a:schemeClr val="accent6"/>
+          </a:lnRef>
+          <a:fillRef idx="1">
+            <a:schemeClr val="lt1"/>
+          </a:fillRef>
+          <a:effectRef idx="0">
+            <a:schemeClr val="accent6"/>
+          </a:effectRef>
+          <a:fontRef idx="minor">
+            <a:schemeClr val="dk1"/>
+          </a:fontRef>
+        </p:style>
+        <p:txBody>
+          <a:bodyPr rtlCol="0" anchor="ctr"/>
+          <a:lstStyle/>
+          <a:p>
+            <a:pPr algn="ctr"/>
+            <a:r>
+              <a:rPr lang="es-ES" sz="900" dirty="0">
+                <a:solidFill>
+                  <a:schemeClr val="tx1"/>
+                </a:solidFill>
+                <a:latin typeface="Arial" panose="020B0604020202020204" pitchFamily="34" charset="0"/>
+                <a:cs typeface="Arial" panose="020B0604020202020204" pitchFamily="34" charset="0"/>
+              </a:rPr>
+              <a:t>depende de los valores que tome la variable independiente</a:t>
+            </a:r>
+          </a:p>
+        </p:txBody>
+      </p:sp>
+      <p:cxnSp>
+        <p:nvCxnSpPr>
+          <p:cNvPr id="124" name="Conector angular 123"/>
+          <p:cNvCxnSpPr/>
+          <p:nvPr/>
+        </p:nvCxnSpPr>
+        <p:spPr>
+          <a:xfrm rot="5400000">
+            <a:off x="1868331" y="3258695"/>
+            <a:ext cx="143029" cy="875"/>
+          </a:xfrm>
+          <a:prstGeom prst="bentConnector3">
+            <a:avLst>
+              <a:gd name="adj1" fmla="val 50000"/>
+            </a:avLst>
+          </a:prstGeom>
+          <a:ln w="12700">
+            <a:solidFill>
+              <a:schemeClr val="tx1"/>
+            </a:solidFill>
+          </a:ln>
+        </p:spPr>
+        <p:style>
+          <a:lnRef idx="1">
+            <a:schemeClr val="accent1"/>
+          </a:lnRef>
+          <a:fillRef idx="0">
+            <a:schemeClr val="accent1"/>
+          </a:fillRef>
+          <a:effectRef idx="0">
+            <a:schemeClr val="accent1"/>
+          </a:effectRef>
+          <a:fontRef idx="minor">
+            <a:schemeClr val="tx1"/>
+          </a:fontRef>
+        </p:style>
+      </p:cxnSp>
+      <p:cxnSp>
+        <p:nvCxnSpPr>
+          <p:cNvPr id="125" name="Conector angular 124"/>
+          <p:cNvCxnSpPr/>
+          <p:nvPr/>
+        </p:nvCxnSpPr>
+        <p:spPr>
+          <a:xfrm rot="5400000" flipH="1" flipV="1">
+            <a:off x="1883865" y="3997334"/>
+            <a:ext cx="127078" cy="876"/>
+          </a:xfrm>
+          <a:prstGeom prst="bentConnector3">
+            <a:avLst>
+              <a:gd name="adj1" fmla="val 20309"/>
+            </a:avLst>
+          </a:prstGeom>
+          <a:ln w="12700">
+            <a:solidFill>
+              <a:schemeClr val="tx1"/>
+            </a:solidFill>
+          </a:ln>
+        </p:spPr>
+        <p:style>
+          <a:lnRef idx="1">
+            <a:schemeClr val="accent1"/>
+          </a:lnRef>
+          <a:fillRef idx="0">
+            <a:schemeClr val="accent1"/>
+          </a:fillRef>
+          <a:effectRef idx="0">
+            <a:schemeClr val="accent1"/>
+          </a:effectRef>
+          <a:fontRef idx="minor">
+            <a:schemeClr val="tx1"/>
+          </a:fontRef>
+        </p:style>
+      </p:cxnSp>
+      <p:sp>
+        <p:nvSpPr>
+          <p:cNvPr id="131" name="Rectángulo 130" descr="Nodo de cuarto nivel&#10;" title="Nodo04"/>
+          <p:cNvSpPr/>
+          <p:nvPr/>
+        </p:nvSpPr>
+        <p:spPr>
+          <a:xfrm>
+            <a:off x="1501620" y="4403079"/>
+            <a:ext cx="1000403" cy="353519"/>
+          </a:xfrm>
+          <a:prstGeom prst="rect">
+            <a:avLst/>
+          </a:prstGeom>
+          <a:solidFill>
+            <a:schemeClr val="bg1"/>
+          </a:solidFill>
+          <a:ln>
+            <a:solidFill>
+              <a:schemeClr val="tx1"/>
+            </a:solidFill>
+          </a:ln>
+        </p:spPr>
+        <p:style>
+          <a:lnRef idx="2">
+            <a:schemeClr val="accent6"/>
+          </a:lnRef>
+          <a:fillRef idx="1">
+            <a:schemeClr val="lt1"/>
+          </a:fillRef>
+          <a:effectRef idx="0">
+            <a:schemeClr val="accent6"/>
+          </a:effectRef>
+          <a:fontRef idx="minor">
+            <a:schemeClr val="dk1"/>
+          </a:fontRef>
+        </p:style>
+        <p:txBody>
+          <a:bodyPr rtlCol="0" anchor="ctr"/>
+          <a:lstStyle/>
+          <a:p>
+            <a:pPr algn="ctr"/>
+            <a:r>
+              <a:rPr lang="es-ES" sz="900" dirty="0">
+                <a:solidFill>
+                  <a:schemeClr val="tx1"/>
+                </a:solidFill>
+                <a:latin typeface="Arial" panose="020B0604020202020204" pitchFamily="34" charset="0"/>
+                <a:cs typeface="Arial" panose="020B0604020202020204" pitchFamily="34" charset="0"/>
+              </a:rPr>
+              <a:t>sobre el eje </a:t>
+            </a:r>
+            <a:r>
+              <a:rPr lang="es-ES" sz="900" i="1" dirty="0">
+                <a:solidFill>
+                  <a:schemeClr val="tx1"/>
+                </a:solidFill>
+                <a:latin typeface="Arial" panose="020B0604020202020204" pitchFamily="34" charset="0"/>
+                <a:cs typeface="Arial" panose="020B0604020202020204" pitchFamily="34" charset="0"/>
+              </a:rPr>
+              <a:t>Y o</a:t>
+            </a:r>
+            <a:r>
+              <a:rPr lang="es-ES" sz="900" dirty="0">
+                <a:solidFill>
+                  <a:schemeClr val="tx1"/>
+                </a:solidFill>
+                <a:latin typeface="Arial" panose="020B0604020202020204" pitchFamily="34" charset="0"/>
+                <a:cs typeface="Arial" panose="020B0604020202020204" pitchFamily="34" charset="0"/>
+              </a:rPr>
+              <a:t> de ordenadas</a:t>
+            </a:r>
+          </a:p>
+        </p:txBody>
+      </p:sp>
+      <p:sp>
+        <p:nvSpPr>
+          <p:cNvPr id="135" name="CuadroTexto 134" descr="Conector entre nodos" title="conector"/>
+          <p:cNvSpPr txBox="1"/>
+          <p:nvPr/>
+        </p:nvSpPr>
+        <p:spPr>
+          <a:xfrm>
+            <a:off x="1537901" y="4037207"/>
+            <a:ext cx="916998" cy="230832"/>
+          </a:xfrm>
+          <a:prstGeom prst="rect">
+            <a:avLst/>
+          </a:prstGeom>
+          <a:noFill/>
+        </p:spPr>
+        <p:txBody>
+          <a:bodyPr wrap="square" rtlCol="0">
+            <a:spAutoFit/>
+          </a:bodyPr>
+          <a:lstStyle/>
+          <a:p>
+            <a:pPr algn="ctr"/>
+            <a:r>
+              <a:rPr lang="es-ES" sz="900" dirty="0">
+                <a:latin typeface="Arial" panose="020B0604020202020204" pitchFamily="34" charset="0"/>
+                <a:cs typeface="Arial" panose="020B0604020202020204" pitchFamily="34" charset="0"/>
+              </a:rPr>
+              <a:t>se representa</a:t>
+            </a:r>
+          </a:p>
+        </p:txBody>
+      </p:sp>
+      <p:cxnSp>
+        <p:nvCxnSpPr>
+          <p:cNvPr id="136" name="Conector angular 135"/>
+          <p:cNvCxnSpPr/>
+          <p:nvPr/>
+        </p:nvCxnSpPr>
+        <p:spPr>
+          <a:xfrm rot="5400000">
+            <a:off x="1865981" y="4326205"/>
+            <a:ext cx="150138" cy="3285"/>
+          </a:xfrm>
+          <a:prstGeom prst="bentConnector3">
+            <a:avLst>
+              <a:gd name="adj1" fmla="val 884"/>
+            </a:avLst>
+          </a:prstGeom>
+          <a:ln w="12700">
+            <a:solidFill>
+              <a:schemeClr val="tx1"/>
+            </a:solidFill>
+          </a:ln>
+        </p:spPr>
+        <p:style>
+          <a:lnRef idx="1">
+            <a:schemeClr val="accent1"/>
+          </a:lnRef>
+          <a:fillRef idx="0">
+            <a:schemeClr val="accent1"/>
+          </a:fillRef>
+          <a:effectRef idx="0">
+            <a:schemeClr val="accent1"/>
+          </a:effectRef>
+          <a:fontRef idx="minor">
+            <a:schemeClr val="tx1"/>
+          </a:fontRef>
+        </p:style>
+      </p:cxnSp>
+      <p:cxnSp>
+        <p:nvCxnSpPr>
+          <p:cNvPr id="149" name="Conector angular 148"/>
+          <p:cNvCxnSpPr>
+            <a:stCxn id="130" idx="2"/>
+            <a:endCxn id="5" idx="0"/>
+          </p:cNvCxnSpPr>
+          <p:nvPr/>
+        </p:nvCxnSpPr>
+        <p:spPr>
+          <a:xfrm rot="5400000">
+            <a:off x="2036399" y="971299"/>
+            <a:ext cx="290744" cy="5652"/>
+          </a:xfrm>
+          <a:prstGeom prst="bentConnector3">
+            <a:avLst>
+              <a:gd name="adj1" fmla="val 50000"/>
+            </a:avLst>
+          </a:prstGeom>
+          <a:ln w="12700">
+            <a:solidFill>
+              <a:schemeClr val="tx1"/>
+            </a:solidFill>
+          </a:ln>
+        </p:spPr>
+        <p:style>
+          <a:lnRef idx="1">
+            <a:schemeClr val="accent1"/>
+          </a:lnRef>
+          <a:fillRef idx="0">
+            <a:schemeClr val="accent1"/>
+          </a:fillRef>
+          <a:effectRef idx="0">
+            <a:schemeClr val="accent1"/>
+          </a:effectRef>
+          <a:fontRef idx="minor">
+            <a:schemeClr val="tx1"/>
+          </a:fontRef>
+        </p:style>
+      </p:cxnSp>
+      <p:sp>
+        <p:nvSpPr>
+          <p:cNvPr id="160" name="Rectángulo 159" descr="Nodo de segundo nivel" title="Nodo02"/>
+          <p:cNvSpPr/>
+          <p:nvPr/>
+        </p:nvSpPr>
+        <p:spPr>
+          <a:xfrm>
+            <a:off x="2752306" y="2555256"/>
+            <a:ext cx="1010558" cy="678493"/>
+          </a:xfrm>
+          <a:prstGeom prst="rect">
+            <a:avLst/>
+          </a:prstGeom>
+          <a:solidFill>
+            <a:schemeClr val="bg2">
+              <a:lumMod val="50000"/>
+            </a:schemeClr>
+          </a:solidFill>
+          <a:ln>
+            <a:solidFill>
+              <a:schemeClr val="tx1"/>
+            </a:solidFill>
+          </a:ln>
+        </p:spPr>
+        <p:style>
+          <a:lnRef idx="2">
+            <a:schemeClr val="accent6"/>
+          </a:lnRef>
+          <a:fillRef idx="1">
+            <a:schemeClr val="lt1"/>
+          </a:fillRef>
+          <a:effectRef idx="0">
+            <a:schemeClr val="accent6"/>
+          </a:effectRef>
+          <a:fontRef idx="minor">
+            <a:schemeClr val="dk1"/>
+          </a:fontRef>
+        </p:style>
+        <p:txBody>
+          <a:bodyPr rtlCol="0" anchor="ctr"/>
+          <a:lstStyle/>
+          <a:p>
+            <a:r>
+              <a:rPr lang="es-ES" sz="900" dirty="0">
+                <a:solidFill>
+                  <a:schemeClr val="bg1"/>
+                </a:solidFill>
+                <a:latin typeface="Arial" panose="020B0604020202020204" pitchFamily="34" charset="0"/>
+                <a:cs typeface="Arial" panose="020B0604020202020204" pitchFamily="34" charset="0"/>
+              </a:rPr>
+              <a:t>representar en</a:t>
+            </a:r>
+          </a:p>
+          <a:p>
+            <a:pPr marL="171450" indent="-171450">
+              <a:buFont typeface="Arial" panose="020B0604020202020204" pitchFamily="34" charset="0"/>
+              <a:buChar char="•"/>
+            </a:pPr>
+            <a:r>
+              <a:rPr lang="es-ES" sz="900" dirty="0">
+                <a:solidFill>
+                  <a:schemeClr val="bg1"/>
+                </a:solidFill>
+                <a:latin typeface="Arial" panose="020B0604020202020204" pitchFamily="34" charset="0"/>
+                <a:cs typeface="Arial" panose="020B0604020202020204" pitchFamily="34" charset="0"/>
+              </a:rPr>
+              <a:t>gráficas</a:t>
+            </a:r>
+          </a:p>
+          <a:p>
+            <a:pPr marL="171450" indent="-171450">
+              <a:buFont typeface="Arial" panose="020B0604020202020204" pitchFamily="34" charset="0"/>
+              <a:buChar char="•"/>
+            </a:pPr>
+            <a:r>
+              <a:rPr lang="es-ES" sz="900" dirty="0">
+                <a:solidFill>
+                  <a:schemeClr val="bg1"/>
+                </a:solidFill>
+                <a:latin typeface="Arial" panose="020B0604020202020204" pitchFamily="34" charset="0"/>
+                <a:cs typeface="Arial" panose="020B0604020202020204" pitchFamily="34" charset="0"/>
+              </a:rPr>
+              <a:t>tablas</a:t>
+            </a:r>
+          </a:p>
+          <a:p>
+            <a:pPr marL="171450" indent="-171450">
+              <a:buFont typeface="Arial" panose="020B0604020202020204" pitchFamily="34" charset="0"/>
+              <a:buChar char="•"/>
+            </a:pPr>
+            <a:r>
+              <a:rPr lang="es-ES" sz="900" dirty="0">
+                <a:solidFill>
+                  <a:schemeClr val="bg1"/>
+                </a:solidFill>
+                <a:latin typeface="Arial" panose="020B0604020202020204" pitchFamily="34" charset="0"/>
+                <a:cs typeface="Arial" panose="020B0604020202020204" pitchFamily="34" charset="0"/>
+              </a:rPr>
+              <a:t>fórmulas</a:t>
+            </a:r>
+          </a:p>
+        </p:txBody>
+      </p:sp>
+      <p:sp>
+        <p:nvSpPr>
+          <p:cNvPr id="162" name="Rectángulo 161" descr="Nodo de primer nivel" title="Nodo01"/>
+          <p:cNvSpPr/>
+          <p:nvPr/>
+        </p:nvSpPr>
+        <p:spPr>
+          <a:xfrm>
+            <a:off x="3453653" y="1113147"/>
+            <a:ext cx="1070890" cy="266075"/>
+          </a:xfrm>
+          <a:prstGeom prst="rect">
+            <a:avLst/>
+          </a:prstGeom>
+          <a:solidFill>
+            <a:schemeClr val="bg1"/>
+          </a:solidFill>
+          <a:ln>
+            <a:solidFill>
+              <a:schemeClr val="tx1"/>
+            </a:solidFill>
+          </a:ln>
+          <a:effectLst>
+            <a:outerShdw blurRad="50800" dist="38100" dir="2700000" algn="tl" rotWithShape="0">
+              <a:prstClr val="black">
+                <a:alpha val="40000"/>
+              </a:prstClr>
+            </a:outerShdw>
+          </a:effectLst>
+        </p:spPr>
+        <p:style>
+          <a:lnRef idx="2">
+            <a:schemeClr val="accent6"/>
+          </a:lnRef>
+          <a:fillRef idx="1">
+            <a:schemeClr val="lt1"/>
+          </a:fillRef>
+          <a:effectRef idx="0">
+            <a:schemeClr val="accent6"/>
+          </a:effectRef>
+          <a:fontRef idx="minor">
+            <a:schemeClr val="dk1"/>
+          </a:fontRef>
+        </p:style>
+        <p:txBody>
+          <a:bodyPr rtlCol="0" anchor="ctr"/>
+          <a:lstStyle/>
+          <a:p>
+            <a:pPr algn="ctr"/>
+            <a:r>
+              <a:rPr lang="es-ES" sz="1050" b="1" dirty="0">
+                <a:latin typeface="Arial" panose="020B0604020202020204" pitchFamily="34" charset="0"/>
+                <a:cs typeface="Arial" panose="020B0604020202020204" pitchFamily="34" charset="0"/>
+              </a:rPr>
+              <a:t>Propiedades</a:t>
+            </a:r>
+          </a:p>
+        </p:txBody>
+      </p:sp>
+      <p:sp>
+        <p:nvSpPr>
+          <p:cNvPr id="163" name="CuadroTexto 162" descr="Conector entre nodos" title="conector"/>
+          <p:cNvSpPr txBox="1"/>
+          <p:nvPr/>
+        </p:nvSpPr>
+        <p:spPr>
+          <a:xfrm>
+            <a:off x="3645602" y="612921"/>
+            <a:ext cx="686992" cy="230832"/>
+          </a:xfrm>
+          <a:prstGeom prst="rect">
+            <a:avLst/>
+          </a:prstGeom>
+          <a:noFill/>
+        </p:spPr>
+        <p:txBody>
+          <a:bodyPr wrap="square" rtlCol="0">
+            <a:spAutoFit/>
+          </a:bodyPr>
+          <a:lstStyle/>
+          <a:p>
+            <a:pPr algn="ctr"/>
+            <a:r>
+              <a:rPr lang="es-ES" sz="900" dirty="0">
+                <a:latin typeface="Arial" panose="020B0604020202020204" pitchFamily="34" charset="0"/>
+                <a:cs typeface="Arial" panose="020B0604020202020204" pitchFamily="34" charset="0"/>
+              </a:rPr>
+              <a:t>poseen</a:t>
+            </a:r>
+          </a:p>
+        </p:txBody>
+      </p:sp>
+      <p:sp>
+        <p:nvSpPr>
+          <p:cNvPr id="170" name="Rectángulo 169" descr="Nodo de segundo nivel" title="Nodo02"/>
+          <p:cNvSpPr/>
+          <p:nvPr/>
+        </p:nvSpPr>
+        <p:spPr>
+          <a:xfrm>
+            <a:off x="4605763" y="4119858"/>
+            <a:ext cx="904498" cy="283826"/>
+          </a:xfrm>
+          <a:prstGeom prst="rect">
+            <a:avLst/>
+          </a:prstGeom>
+          <a:solidFill>
+            <a:schemeClr val="bg2">
+              <a:lumMod val="50000"/>
+            </a:schemeClr>
+          </a:solidFill>
+          <a:ln>
+            <a:solidFill>
+              <a:schemeClr val="tx1"/>
+            </a:solidFill>
+          </a:ln>
+        </p:spPr>
+        <p:style>
+          <a:lnRef idx="2">
+            <a:schemeClr val="accent6"/>
+          </a:lnRef>
+          <a:fillRef idx="1">
+            <a:schemeClr val="lt1"/>
+          </a:fillRef>
+          <a:effectRef idx="0">
+            <a:schemeClr val="accent6"/>
+          </a:effectRef>
+          <a:fontRef idx="minor">
+            <a:schemeClr val="dk1"/>
+          </a:fontRef>
+        </p:style>
+        <p:txBody>
+          <a:bodyPr rtlCol="0" anchor="ctr"/>
+          <a:lstStyle/>
+          <a:p>
+            <a:pPr algn="ctr"/>
+            <a:r>
+              <a:rPr lang="es-ES" sz="900" dirty="0" err="1">
+                <a:solidFill>
+                  <a:schemeClr val="bg1"/>
+                </a:solidFill>
+                <a:latin typeface="Arial" panose="020B0604020202020204" pitchFamily="34" charset="0"/>
+                <a:cs typeface="Arial" panose="020B0604020202020204" pitchFamily="34" charset="0"/>
+              </a:rPr>
+              <a:t>sobreyectiva</a:t>
             </a:r>
             <a:endParaRPr lang="es-ES" sz="900" dirty="0">
               <a:solidFill>
@@ -1714,229 +2449,16 @@
           </a:p>
         </p:txBody>
       </p:sp>
-      <p:cxnSp>
-        <p:nvCxnSpPr>
-          <p:cNvPr id="221" name="Conector angular 220"/>
-          <p:cNvCxnSpPr/>
-          <p:nvPr/>
-        </p:nvCxnSpPr>
-        <p:spPr>
-          <a:xfrm rot="10800000">
-            <a:off x="3154922" y="4261114"/>
-            <a:ext cx="1047762" cy="8488"/>
-          </a:xfrm>
-          <a:prstGeom prst="bentConnector4">
-            <a:avLst>
-              <a:gd name="adj1" fmla="val 383"/>
-              <a:gd name="adj2" fmla="val 1786958"/>
-            </a:avLst>
-          </a:prstGeom>
-          <a:ln w="12700">
-            <a:solidFill>
-              <a:schemeClr val="tx1"/>
-            </a:solidFill>
-          </a:ln>
-        </p:spPr>
-        <p:style>
-          <a:lnRef idx="1">
-            <a:schemeClr val="accent1"/>
-          </a:lnRef>
-          <a:fillRef idx="0">
-            <a:schemeClr val="accent1"/>
-          </a:fillRef>
-          <a:effectRef idx="0">
-            <a:schemeClr val="accent1"/>
-          </a:effectRef>
-          <a:fontRef idx="minor">
-            <a:schemeClr val="tx1"/>
-          </a:fontRef>
-        </p:style>
-      </p:cxnSp>
       <p:sp>
         <p:nvSpPr>
-          <p:cNvPr id="222" name="CuadroTexto 221" descr="Conector entre nodos" title="conector"/>
-          <p:cNvSpPr txBox="1"/>
+          <p:cNvPr id="173" name="Rectángulo 172" descr="Nodo de segundo nivel" title="Nodo02"/>
+          <p:cNvSpPr/>
           <p:nvPr/>
         </p:nvSpPr>
         <p:spPr>
           <a:xfrm>
-            <a:off x="2829590" y="4645635"/>
-            <a:ext cx="558588" cy="230832"/>
-          </a:xfrm>
-          <a:prstGeom prst="rect">
-            <a:avLst/>
-          </a:prstGeom>
-          <a:noFill/>
-        </p:spPr>
-        <p:txBody>
-          <a:bodyPr wrap="square" rtlCol="0">
-            <a:spAutoFit/>
-          </a:bodyPr>
-          <a:lstStyle/>
-          <a:p>
-            <a:pPr algn="ctr"/>
-            <a:r>
-              <a:rPr lang="es-ES" sz="900" dirty="0" smtClean="0">
-                <a:latin typeface="Arial" panose="020B0604020202020204" pitchFamily="34" charset="0"/>
-                <a:cs typeface="Arial" panose="020B0604020202020204" pitchFamily="34" charset="0"/>
-              </a:rPr>
-              <a:t>son</a:t>
-            </a:r>
-            <a:endParaRPr lang="es-ES" sz="900" dirty="0">
-              <a:latin typeface="Arial" panose="020B0604020202020204" pitchFamily="34" charset="0"/>
-              <a:cs typeface="Arial" panose="020B0604020202020204" pitchFamily="34" charset="0"/>
-            </a:endParaRPr>
-          </a:p>
-        </p:txBody>
-      </p:sp>
-      <p:sp>
-        <p:nvSpPr>
-          <p:cNvPr id="256" name="Rectángulo 255" descr="Nodo de tercer nivel" title="Nodo03"/>
-          <p:cNvSpPr/>
-          <p:nvPr/>
-        </p:nvSpPr>
-        <p:spPr>
-          <a:xfrm>
-            <a:off x="2572685" y="5081526"/>
-            <a:ext cx="1353039" cy="835523"/>
-          </a:xfrm>
-          <a:prstGeom prst="rect">
-            <a:avLst/>
-          </a:prstGeom>
-          <a:solidFill>
-            <a:schemeClr val="bg2">
-              <a:lumMod val="90000"/>
-            </a:schemeClr>
-          </a:solidFill>
-          <a:ln>
-            <a:solidFill>
-              <a:schemeClr val="tx1"/>
-            </a:solidFill>
-          </a:ln>
-        </p:spPr>
-        <p:style>
-          <a:lnRef idx="2">
-            <a:schemeClr val="accent6"/>
-          </a:lnRef>
-          <a:fillRef idx="1">
-            <a:schemeClr val="lt1"/>
-          </a:fillRef>
-          <a:effectRef idx="0">
-            <a:schemeClr val="accent6"/>
-          </a:effectRef>
-          <a:fontRef idx="minor">
-            <a:schemeClr val="dk1"/>
-          </a:fontRef>
-        </p:style>
-        <p:txBody>
-          <a:bodyPr rtlCol="0" anchor="ctr"/>
-          <a:lstStyle/>
-          <a:p>
-            <a:pPr algn="ctr"/>
-            <a:r>
-              <a:rPr lang="es-ES" sz="900" dirty="0" smtClean="0">
-                <a:solidFill>
-                  <a:schemeClr val="tx1"/>
-                </a:solidFill>
-                <a:latin typeface="Arial" panose="020B0604020202020204" pitchFamily="34" charset="0"/>
-                <a:cs typeface="Arial" panose="020B0604020202020204" pitchFamily="34" charset="0"/>
-              </a:rPr>
-              <a:t>funciones tales que para elementos diferentes del dominio asigna imágenes diferentes</a:t>
-            </a:r>
-            <a:endParaRPr lang="es-ES" sz="900" dirty="0">
-              <a:solidFill>
-                <a:schemeClr val="tx1"/>
-              </a:solidFill>
-              <a:latin typeface="Arial" panose="020B0604020202020204" pitchFamily="34" charset="0"/>
-              <a:cs typeface="Arial" panose="020B0604020202020204" pitchFamily="34" charset="0"/>
-            </a:endParaRPr>
-          </a:p>
-        </p:txBody>
-      </p:sp>
-      <p:cxnSp>
-        <p:nvCxnSpPr>
-          <p:cNvPr id="336" name="Conector angular 335"/>
-          <p:cNvCxnSpPr>
-            <a:endCxn id="361" idx="0"/>
-          </p:cNvCxnSpPr>
-          <p:nvPr/>
-        </p:nvCxnSpPr>
-        <p:spPr>
-          <a:xfrm>
-            <a:off x="5155099" y="531773"/>
-            <a:ext cx="1957535" cy="87688"/>
-          </a:xfrm>
-          <a:prstGeom prst="bentConnector2">
-            <a:avLst/>
-          </a:prstGeom>
-          <a:ln w="12700">
-            <a:solidFill>
-              <a:schemeClr val="tx1"/>
-            </a:solidFill>
-          </a:ln>
-        </p:spPr>
-        <p:style>
-          <a:lnRef idx="1">
-            <a:schemeClr val="accent1"/>
-          </a:lnRef>
-          <a:fillRef idx="0">
-            <a:schemeClr val="accent1"/>
-          </a:fillRef>
-          <a:effectRef idx="0">
-            <a:schemeClr val="accent1"/>
-          </a:effectRef>
-          <a:fontRef idx="minor">
-            <a:schemeClr val="tx1"/>
-          </a:fontRef>
-        </p:style>
-      </p:cxnSp>
-      <p:sp>
-        <p:nvSpPr>
-          <p:cNvPr id="361" name="CuadroTexto 360" descr="Conector entre nodos" title="conector"/>
-          <p:cNvSpPr txBox="1"/>
-          <p:nvPr/>
-        </p:nvSpPr>
-        <p:spPr>
-          <a:xfrm>
-            <a:off x="6551418" y="619461"/>
-            <a:ext cx="1122431" cy="230832"/>
-          </a:xfrm>
-          <a:prstGeom prst="rect">
-            <a:avLst/>
-          </a:prstGeom>
-          <a:noFill/>
-        </p:spPr>
-        <p:txBody>
-          <a:bodyPr wrap="square" rtlCol="0">
-            <a:spAutoFit/>
-          </a:bodyPr>
-          <a:lstStyle/>
-          <a:p>
-            <a:pPr algn="ctr"/>
-            <a:r>
-              <a:rPr lang="es-ES" sz="900" dirty="0" smtClean="0">
-                <a:latin typeface="Arial" panose="020B0604020202020204" pitchFamily="34" charset="0"/>
-                <a:cs typeface="Arial" panose="020B0604020202020204" pitchFamily="34" charset="0"/>
-              </a:rPr>
-              <a:t>pueden ser</a:t>
-            </a:r>
-            <a:endParaRPr lang="es-ES" sz="900" dirty="0">
-              <a:latin typeface="Arial" panose="020B0604020202020204" pitchFamily="34" charset="0"/>
-              <a:cs typeface="Arial" panose="020B0604020202020204" pitchFamily="34" charset="0"/>
-            </a:endParaRPr>
-          </a:p>
-        </p:txBody>
-      </p:sp>
-      <p:sp>
-        <p:nvSpPr>
-          <p:cNvPr id="119" name="Rectángulo 118" descr="Nodo de segundo nivel" title="Nodo02"/>
-          <p:cNvSpPr/>
-          <p:nvPr/>
-        </p:nvSpPr>
-        <p:spPr>
-          <a:xfrm>
-            <a:off x="1475907" y="2558597"/>
-            <a:ext cx="866356" cy="338295"/>
+            <a:off x="5800690" y="4119858"/>
+            <a:ext cx="741138" cy="269965"/>
           </a:xfrm>
           <a:prstGeom prst="rect">
             <a:avLst/>
@@ -1972,14 +2494,14 @@
           <a:p>
             <a:pPr algn="ctr"/>
             <a:r>
-              <a:rPr lang="es-ES" sz="900" dirty="0" smtClean="0">
+              <a:rPr lang="es-ES" sz="900" dirty="0" err="1">
                 <a:solidFill>
                   <a:schemeClr val="bg1"/>
                 </a:solidFill>
                 <a:latin typeface="Arial" panose="020B0604020202020204" pitchFamily="34" charset="0"/>
                 <a:cs typeface="Arial" panose="020B0604020202020204" pitchFamily="34" charset="0"/>
               </a:rPr>
-              <a:t>variable dependiente</a:t>
+              <a:t>biyectiva</a:t>
             </a:r>
             <a:endParaRPr lang="es-ES" sz="900" dirty="0">
               <a:solidFill>
@@ -1993,14 +2515,14 @@
       </p:sp>
       <p:sp>
         <p:nvSpPr>
-          <p:cNvPr id="121" name="CuadroTexto 120" descr="Conector entre nodos" title="conector"/>
+          <p:cNvPr id="85" name="CuadroTexto 84" descr="Conector entre nodos" title="conector"/>
           <p:cNvSpPr txBox="1"/>
           <p:nvPr/>
         </p:nvSpPr>
         <p:spPr>
           <a:xfrm>
-            <a:off x="1524688" y="3005183"/>
-            <a:ext cx="938144" cy="230832"/>
+            <a:off x="3421532" y="1517266"/>
+            <a:ext cx="1122431" cy="215444"/>
           </a:xfrm>
           <a:prstGeom prst="rect">
             <a:avLst/>
@@ -2015,29 +2537,407 @@
           <a:p>
             <a:pPr algn="ctr"/>
             <a:r>
-              <a:rPr lang="es-ES" sz="900" dirty="0" smtClean="0">
-                <a:latin typeface="Arial" panose="020B0604020202020204" pitchFamily="34" charset="0"/>
-                <a:cs typeface="Arial" panose="020B0604020202020204" pitchFamily="34" charset="0"/>
-              </a:rPr>
-              <a:t>es aquella que</a:t>
-            </a:r>
-            <a:endParaRPr lang="es-ES" sz="900" dirty="0">
-              <a:latin typeface="Arial" panose="020B0604020202020204" pitchFamily="34" charset="0"/>
-              <a:cs typeface="Arial" panose="020B0604020202020204" pitchFamily="34" charset="0"/>
-            </a:endParaRPr>
+              <a:rPr lang="es-ES" sz="800" dirty="0">
+                <a:latin typeface="Arial" panose="020B0604020202020204" pitchFamily="34" charset="0"/>
+                <a:cs typeface="Arial" panose="020B0604020202020204" pitchFamily="34" charset="0"/>
+              </a:rPr>
+              <a:t>tales como</a:t>
+            </a:r>
           </a:p>
         </p:txBody>
       </p:sp>
       <p:sp>
         <p:nvSpPr>
-          <p:cNvPr id="123" name="Rectángulo 122" descr="Nodo de tercer nivel" title="Nodo03"/>
+          <p:cNvPr id="87" name="Rectángulo 86" descr="Nodo de cuarto nivel&#10;" title="Nodo04"/>
           <p:cNvSpPr/>
           <p:nvPr/>
         </p:nvSpPr>
         <p:spPr>
           <a:xfrm>
-            <a:off x="1482845" y="3325968"/>
-            <a:ext cx="1118926" cy="607194"/>
+            <a:off x="463527" y="5015397"/>
+            <a:ext cx="857719" cy="368687"/>
+          </a:xfrm>
+          <a:prstGeom prst="rect">
+            <a:avLst/>
+          </a:prstGeom>
+          <a:solidFill>
+            <a:schemeClr val="bg1"/>
+          </a:solidFill>
+          <a:ln>
+            <a:solidFill>
+              <a:schemeClr val="tx1"/>
+            </a:solidFill>
+          </a:ln>
+        </p:spPr>
+        <p:style>
+          <a:lnRef idx="2">
+            <a:schemeClr val="accent6"/>
+          </a:lnRef>
+          <a:fillRef idx="1">
+            <a:schemeClr val="lt1"/>
+          </a:fillRef>
+          <a:effectRef idx="0">
+            <a:schemeClr val="accent6"/>
+          </a:effectRef>
+          <a:fontRef idx="minor">
+            <a:schemeClr val="dk1"/>
+          </a:fontRef>
+        </p:style>
+        <p:txBody>
+          <a:bodyPr rtlCol="0" anchor="ctr"/>
+          <a:lstStyle/>
+          <a:p>
+            <a:pPr algn="ctr"/>
+            <a:r>
+              <a:rPr lang="es-ES" sz="900" dirty="0">
+                <a:solidFill>
+                  <a:schemeClr val="tx1"/>
+                </a:solidFill>
+                <a:latin typeface="Arial" panose="020B0604020202020204" pitchFamily="34" charset="0"/>
+                <a:cs typeface="Arial" panose="020B0604020202020204" pitchFamily="34" charset="0"/>
+              </a:rPr>
+              <a:t>el </a:t>
+            </a:r>
+            <a:r>
+              <a:rPr lang="es-ES" sz="900" b="1" dirty="0">
+                <a:solidFill>
+                  <a:schemeClr val="tx1"/>
+                </a:solidFill>
+                <a:latin typeface="Arial" panose="020B0604020202020204" pitchFamily="34" charset="0"/>
+                <a:cs typeface="Arial" panose="020B0604020202020204" pitchFamily="34" charset="0"/>
+              </a:rPr>
+              <a:t>dominio</a:t>
+            </a:r>
+            <a:r>
+              <a:rPr lang="es-ES" sz="900" dirty="0">
+                <a:solidFill>
+                  <a:schemeClr val="tx1"/>
+                </a:solidFill>
+                <a:latin typeface="Arial" panose="020B0604020202020204" pitchFamily="34" charset="0"/>
+                <a:cs typeface="Arial" panose="020B0604020202020204" pitchFamily="34" charset="0"/>
+              </a:rPr>
+              <a:t> de la función</a:t>
+            </a:r>
+          </a:p>
+        </p:txBody>
+      </p:sp>
+      <p:sp>
+        <p:nvSpPr>
+          <p:cNvPr id="89" name="CuadroTexto 88" descr="Conector entre nodos" title="conector"/>
+          <p:cNvSpPr txBox="1"/>
+          <p:nvPr/>
+        </p:nvSpPr>
+        <p:spPr>
+          <a:xfrm>
+            <a:off x="610969" y="4627193"/>
+            <a:ext cx="633154" cy="230832"/>
+          </a:xfrm>
+          <a:prstGeom prst="rect">
+            <a:avLst/>
+          </a:prstGeom>
+          <a:noFill/>
+        </p:spPr>
+        <p:txBody>
+          <a:bodyPr wrap="square" rtlCol="0">
+            <a:spAutoFit/>
+          </a:bodyPr>
+          <a:lstStyle/>
+          <a:p>
+            <a:pPr algn="ctr"/>
+            <a:r>
+              <a:rPr lang="es-ES" sz="900" dirty="0">
+                <a:latin typeface="Arial" panose="020B0604020202020204" pitchFamily="34" charset="0"/>
+                <a:cs typeface="Arial" panose="020B0604020202020204" pitchFamily="34" charset="0"/>
+              </a:rPr>
+              <a:t>definen</a:t>
+            </a:r>
+          </a:p>
+        </p:txBody>
+      </p:sp>
+      <p:sp>
+        <p:nvSpPr>
+          <p:cNvPr id="90" name="CuadroTexto 89" descr="Conector entre nodos" title="conector"/>
+          <p:cNvSpPr txBox="1"/>
+          <p:nvPr/>
+        </p:nvSpPr>
+        <p:spPr>
+          <a:xfrm>
+            <a:off x="1507901" y="4853186"/>
+            <a:ext cx="878129" cy="230832"/>
+          </a:xfrm>
+          <a:prstGeom prst="rect">
+            <a:avLst/>
+          </a:prstGeom>
+          <a:noFill/>
+        </p:spPr>
+        <p:txBody>
+          <a:bodyPr wrap="square" rtlCol="0">
+            <a:spAutoFit/>
+          </a:bodyPr>
+          <a:lstStyle/>
+          <a:p>
+            <a:pPr algn="ctr"/>
+            <a:r>
+              <a:rPr lang="es-ES" sz="900" dirty="0">
+                <a:latin typeface="Arial" panose="020B0604020202020204" pitchFamily="34" charset="0"/>
+                <a:cs typeface="Arial" panose="020B0604020202020204" pitchFamily="34" charset="0"/>
+              </a:rPr>
+              <a:t>conforman</a:t>
+            </a:r>
+          </a:p>
+        </p:txBody>
+      </p:sp>
+      <p:sp>
+        <p:nvSpPr>
+          <p:cNvPr id="91" name="Rectángulo 90" descr="Nodo de cuarto nivel&#10;" title="Nodo04"/>
+          <p:cNvSpPr/>
+          <p:nvPr/>
+        </p:nvSpPr>
+        <p:spPr>
+          <a:xfrm>
+            <a:off x="1581996" y="5233800"/>
+            <a:ext cx="760614" cy="353519"/>
+          </a:xfrm>
+          <a:prstGeom prst="rect">
+            <a:avLst/>
+          </a:prstGeom>
+          <a:solidFill>
+            <a:schemeClr val="bg1"/>
+          </a:solidFill>
+          <a:ln>
+            <a:solidFill>
+              <a:schemeClr val="tx1"/>
+            </a:solidFill>
+          </a:ln>
+        </p:spPr>
+        <p:style>
+          <a:lnRef idx="2">
+            <a:schemeClr val="accent6"/>
+          </a:lnRef>
+          <a:fillRef idx="1">
+            <a:schemeClr val="lt1"/>
+          </a:fillRef>
+          <a:effectRef idx="0">
+            <a:schemeClr val="accent6"/>
+          </a:effectRef>
+          <a:fontRef idx="minor">
+            <a:schemeClr val="dk1"/>
+          </a:fontRef>
+        </p:style>
+        <p:txBody>
+          <a:bodyPr rtlCol="0" anchor="ctr"/>
+          <a:lstStyle/>
+          <a:p>
+            <a:pPr algn="ctr"/>
+            <a:r>
+              <a:rPr lang="es-ES" sz="900" dirty="0">
+                <a:solidFill>
+                  <a:schemeClr val="tx1"/>
+                </a:solidFill>
+                <a:latin typeface="Arial" panose="020B0604020202020204" pitchFamily="34" charset="0"/>
+                <a:cs typeface="Arial" panose="020B0604020202020204" pitchFamily="34" charset="0"/>
+              </a:rPr>
+              <a:t>el recorrido o </a:t>
+            </a:r>
+            <a:r>
+              <a:rPr lang="es-ES" sz="900" b="1" dirty="0">
+                <a:solidFill>
+                  <a:schemeClr val="tx1"/>
+                </a:solidFill>
+                <a:latin typeface="Arial" panose="020B0604020202020204" pitchFamily="34" charset="0"/>
+                <a:cs typeface="Arial" panose="020B0604020202020204" pitchFamily="34" charset="0"/>
+              </a:rPr>
+              <a:t>rango</a:t>
+            </a:r>
+          </a:p>
+        </p:txBody>
+      </p:sp>
+      <p:sp>
+        <p:nvSpPr>
+          <p:cNvPr id="92" name="Rectángulo 91" descr="Nodo de cuarto nivel&#10;" title="Nodo04"/>
+          <p:cNvSpPr/>
+          <p:nvPr/>
+        </p:nvSpPr>
+        <p:spPr>
+          <a:xfrm>
+            <a:off x="420246" y="5959346"/>
+            <a:ext cx="960411" cy="690969"/>
+          </a:xfrm>
+          <a:prstGeom prst="rect">
+            <a:avLst/>
+          </a:prstGeom>
+          <a:solidFill>
+            <a:schemeClr val="bg1"/>
+          </a:solidFill>
+          <a:ln>
+            <a:solidFill>
+              <a:schemeClr val="tx1"/>
+            </a:solidFill>
+          </a:ln>
+        </p:spPr>
+        <p:style>
+          <a:lnRef idx="2">
+            <a:schemeClr val="accent6"/>
+          </a:lnRef>
+          <a:fillRef idx="1">
+            <a:schemeClr val="lt1"/>
+          </a:fillRef>
+          <a:effectRef idx="0">
+            <a:schemeClr val="accent6"/>
+          </a:effectRef>
+          <a:fontRef idx="minor">
+            <a:schemeClr val="dk1"/>
+          </a:fontRef>
+        </p:style>
+        <p:txBody>
+          <a:bodyPr rtlCol="0" anchor="ctr"/>
+          <a:lstStyle/>
+          <a:p>
+            <a:pPr algn="ctr"/>
+            <a:r>
+              <a:rPr lang="es-ES" sz="900" dirty="0">
+                <a:solidFill>
+                  <a:schemeClr val="tx1"/>
+                </a:solidFill>
+                <a:latin typeface="Arial" panose="020B0604020202020204" pitchFamily="34" charset="0"/>
+                <a:cs typeface="Arial" panose="020B0604020202020204" pitchFamily="34" charset="0"/>
+              </a:rPr>
+              <a:t>el conjunto numérico para los cuales está definida la función</a:t>
+            </a:r>
+          </a:p>
+        </p:txBody>
+      </p:sp>
+      <p:sp>
+        <p:nvSpPr>
+          <p:cNvPr id="93" name="CuadroTexto 92" descr="Conector entre nodos" title="conector"/>
+          <p:cNvSpPr txBox="1"/>
+          <p:nvPr/>
+        </p:nvSpPr>
+        <p:spPr>
+          <a:xfrm>
+            <a:off x="610969" y="5549318"/>
+            <a:ext cx="577721" cy="230832"/>
+          </a:xfrm>
+          <a:prstGeom prst="rect">
+            <a:avLst/>
+          </a:prstGeom>
+          <a:noFill/>
+        </p:spPr>
+        <p:txBody>
+          <a:bodyPr wrap="square" rtlCol="0">
+            <a:spAutoFit/>
+          </a:bodyPr>
+          <a:lstStyle/>
+          <a:p>
+            <a:pPr algn="ctr"/>
+            <a:r>
+              <a:rPr lang="es-ES" sz="900" dirty="0">
+                <a:latin typeface="Arial" panose="020B0604020202020204" pitchFamily="34" charset="0"/>
+                <a:cs typeface="Arial" panose="020B0604020202020204" pitchFamily="34" charset="0"/>
+              </a:rPr>
+              <a:t>que es</a:t>
+            </a:r>
+          </a:p>
+        </p:txBody>
+      </p:sp>
+      <p:sp>
+        <p:nvSpPr>
+          <p:cNvPr id="94" name="CuadroTexto 93" descr="Conector entre nodos" title="conector"/>
+          <p:cNvSpPr txBox="1"/>
+          <p:nvPr/>
+        </p:nvSpPr>
+        <p:spPr>
+          <a:xfrm>
+            <a:off x="1532602" y="5665507"/>
+            <a:ext cx="730690" cy="230832"/>
+          </a:xfrm>
+          <a:prstGeom prst="rect">
+            <a:avLst/>
+          </a:prstGeom>
+          <a:noFill/>
+        </p:spPr>
+        <p:txBody>
+          <a:bodyPr wrap="square" rtlCol="0">
+            <a:spAutoFit/>
+          </a:bodyPr>
+          <a:lstStyle/>
+          <a:p>
+            <a:pPr algn="ctr"/>
+            <a:r>
+              <a:rPr lang="es-ES" sz="900" dirty="0">
+                <a:latin typeface="Arial" panose="020B0604020202020204" pitchFamily="34" charset="0"/>
+                <a:cs typeface="Arial" panose="020B0604020202020204" pitchFamily="34" charset="0"/>
+              </a:rPr>
+              <a:t>que es</a:t>
+            </a:r>
+          </a:p>
+        </p:txBody>
+      </p:sp>
+      <p:sp>
+        <p:nvSpPr>
+          <p:cNvPr id="95" name="Rectángulo 94" descr="Nodo de cuarto nivel&#10;" title="Nodo04"/>
+          <p:cNvSpPr/>
+          <p:nvPr/>
+        </p:nvSpPr>
+        <p:spPr>
+          <a:xfrm>
+            <a:off x="1459971" y="6004232"/>
+            <a:ext cx="1241859" cy="701692"/>
+          </a:xfrm>
+          <a:prstGeom prst="rect">
+            <a:avLst/>
+          </a:prstGeom>
+          <a:solidFill>
+            <a:schemeClr val="bg1"/>
+          </a:solidFill>
+          <a:ln>
+            <a:solidFill>
+              <a:schemeClr val="tx1"/>
+            </a:solidFill>
+          </a:ln>
+        </p:spPr>
+        <p:style>
+          <a:lnRef idx="2">
+            <a:schemeClr val="accent6"/>
+          </a:lnRef>
+          <a:fillRef idx="1">
+            <a:schemeClr val="lt1"/>
+          </a:fillRef>
+          <a:effectRef idx="0">
+            <a:schemeClr val="accent6"/>
+          </a:effectRef>
+          <a:fontRef idx="minor">
+            <a:schemeClr val="dk1"/>
+          </a:fontRef>
+        </p:style>
+        <p:txBody>
+          <a:bodyPr rtlCol="0" anchor="ctr"/>
+          <a:lstStyle/>
+          <a:p>
+            <a:pPr algn="ctr"/>
+            <a:r>
+              <a:rPr lang="es-ES" sz="900" dirty="0">
+                <a:solidFill>
+                  <a:schemeClr val="tx1"/>
+                </a:solidFill>
+                <a:latin typeface="Arial" panose="020B0604020202020204" pitchFamily="34" charset="0"/>
+                <a:cs typeface="Arial" panose="020B0604020202020204" pitchFamily="34" charset="0"/>
+              </a:rPr>
+              <a:t>el conjunto formado por las imágenes de los elementos del dominio a través de la función</a:t>
+            </a:r>
+          </a:p>
+        </p:txBody>
+      </p:sp>
+      <p:sp>
+        <p:nvSpPr>
+          <p:cNvPr id="100" name="Rectángulo 99" descr="Nodo de tercer nivel" title="Nodo03"/>
+          <p:cNvSpPr/>
+          <p:nvPr/>
+        </p:nvSpPr>
+        <p:spPr>
+          <a:xfrm>
+            <a:off x="4543963" y="4921745"/>
+            <a:ext cx="1012628" cy="1209877"/>
           </a:xfrm>
           <a:prstGeom prst="rect">
             <a:avLst/>
@@ -2073,35 +2973,128 @@
           <a:p>
             <a:pPr algn="ctr"/>
             <a:r>
-              <a:rPr lang="es-ES" sz="900" dirty="0" smtClean="0">
+              <a:rPr lang="es-ES" sz="900" dirty="0">
                 <a:solidFill>
                   <a:schemeClr val="tx1"/>
                 </a:solidFill>
                 <a:latin typeface="Arial" panose="020B0604020202020204" pitchFamily="34" charset="0"/>
                 <a:cs typeface="Arial" panose="020B0604020202020204" pitchFamily="34" charset="0"/>
               </a:rPr>
-              <a:t>depende de los valores que tome la variable independiente</a:t>
-            </a:r>
-            <a:endParaRPr lang="es-ES" sz="900" dirty="0">
-              <a:solidFill>
-                <a:schemeClr val="tx1"/>
-              </a:solidFill>
-              <a:latin typeface="Arial" panose="020B0604020202020204" pitchFamily="34" charset="0"/>
-              <a:cs typeface="Arial" panose="020B0604020202020204" pitchFamily="34" charset="0"/>
-            </a:endParaRPr>
+              <a:t>funciones en las que todos los elementos del recorrido son imágenes de por lo menos, un elemento del dominio</a:t>
+            </a:r>
+          </a:p>
+        </p:txBody>
+      </p:sp>
+      <p:sp>
+        <p:nvSpPr>
+          <p:cNvPr id="101" name="Rectángulo 100" descr="Nodo de tercer nivel" title="Nodo03"/>
+          <p:cNvSpPr/>
+          <p:nvPr/>
+        </p:nvSpPr>
+        <p:spPr>
+          <a:xfrm>
+            <a:off x="5630831" y="4904981"/>
+            <a:ext cx="1085743" cy="779879"/>
+          </a:xfrm>
+          <a:prstGeom prst="rect">
+            <a:avLst/>
+          </a:prstGeom>
+          <a:solidFill>
+            <a:schemeClr val="bg2">
+              <a:lumMod val="90000"/>
+            </a:schemeClr>
+          </a:solidFill>
+          <a:ln>
+            <a:solidFill>
+              <a:schemeClr val="tx1"/>
+            </a:solidFill>
+          </a:ln>
+        </p:spPr>
+        <p:style>
+          <a:lnRef idx="2">
+            <a:schemeClr val="accent6"/>
+          </a:lnRef>
+          <a:fillRef idx="1">
+            <a:schemeClr val="lt1"/>
+          </a:fillRef>
+          <a:effectRef idx="0">
+            <a:schemeClr val="accent6"/>
+          </a:effectRef>
+          <a:fontRef idx="minor">
+            <a:schemeClr val="dk1"/>
+          </a:fontRef>
+        </p:style>
+        <p:txBody>
+          <a:bodyPr rtlCol="0" anchor="ctr"/>
+          <a:lstStyle/>
+          <a:p>
+            <a:pPr algn="ctr"/>
+            <a:r>
+              <a:rPr lang="es-ES" sz="900" dirty="0">
+                <a:solidFill>
+                  <a:schemeClr val="tx1"/>
+                </a:solidFill>
+                <a:latin typeface="Arial" panose="020B0604020202020204" pitchFamily="34" charset="0"/>
+                <a:cs typeface="Arial" panose="020B0604020202020204" pitchFamily="34" charset="0"/>
+              </a:rPr>
+              <a:t>funciones que cumplen con ser </a:t>
+            </a:r>
+            <a:r>
+              <a:rPr lang="es-ES" sz="900" dirty="0" err="1">
+                <a:solidFill>
+                  <a:schemeClr val="tx1"/>
+                </a:solidFill>
+                <a:latin typeface="Arial" panose="020B0604020202020204" pitchFamily="34" charset="0"/>
+                <a:cs typeface="Arial" panose="020B0604020202020204" pitchFamily="34" charset="0"/>
+              </a:rPr>
+              <a:t>inyectivas</a:t>
+            </a:r>
+            <a:r>
+              <a:rPr lang="es-ES" sz="900" dirty="0">
+                <a:solidFill>
+                  <a:schemeClr val="tx1"/>
+                </a:solidFill>
+                <a:latin typeface="Arial" panose="020B0604020202020204" pitchFamily="34" charset="0"/>
+                <a:cs typeface="Arial" panose="020B0604020202020204" pitchFamily="34" charset="0"/>
+              </a:rPr>
+              <a:t> y </a:t>
+            </a:r>
+            <a:r>
+              <a:rPr lang="es-ES" sz="900" dirty="0" err="1">
+                <a:solidFill>
+                  <a:schemeClr val="tx1"/>
+                </a:solidFill>
+                <a:latin typeface="Arial" panose="020B0604020202020204" pitchFamily="34" charset="0"/>
+                <a:cs typeface="Arial" panose="020B0604020202020204" pitchFamily="34" charset="0"/>
+              </a:rPr>
+              <a:t>sobreyectivas</a:t>
+            </a:r>
+            <a:r>
+              <a:rPr lang="es-ES" sz="900" dirty="0">
+                <a:solidFill>
+                  <a:schemeClr val="tx1"/>
+                </a:solidFill>
+                <a:latin typeface="Arial" panose="020B0604020202020204" pitchFamily="34" charset="0"/>
+                <a:cs typeface="Arial" panose="020B0604020202020204" pitchFamily="34" charset="0"/>
+              </a:rPr>
+              <a:t> simultáneamente</a:t>
+            </a:r>
           </a:p>
         </p:txBody>
       </p:sp>
       <p:cxnSp>
         <p:nvCxnSpPr>
-          <p:cNvPr id="124" name="Conector angular 123"/>
-          <p:cNvCxnSpPr/>
+          <p:cNvPr id="105" name="Conector angular 104"/>
+          <p:cNvCxnSpPr>
+            <a:stCxn id="361" idx="2"/>
+            <a:endCxn id="154" idx="0"/>
+          </p:cNvCxnSpPr>
           <p:nvPr/>
         </p:nvCxnSpPr>
         <p:spPr>
-          <a:xfrm rot="5400000">
-            <a:off x="1868331" y="3258695"/>
-            <a:ext cx="143029" cy="875"/>
+          <a:xfrm rot="16200000" flipH="1">
+            <a:off x="7727997" y="234929"/>
+            <a:ext cx="284080" cy="1514807"/>
           </a:xfrm>
           <a:prstGeom prst="bentConnector3">
             <a:avLst>
@@ -2129,53 +3122,16 @@
           </a:fontRef>
         </p:style>
       </p:cxnSp>
-      <p:cxnSp>
-        <p:nvCxnSpPr>
-          <p:cNvPr id="125" name="Conector angular 124"/>
-          <p:cNvCxnSpPr/>
-          <p:nvPr/>
-        </p:nvCxnSpPr>
-        <p:spPr>
-          <a:xfrm rot="5400000" flipH="1" flipV="1">
-            <a:off x="1883865" y="3997334"/>
-            <a:ext cx="127078" cy="876"/>
-          </a:xfrm>
-          <a:prstGeom prst="bentConnector3">
-            <a:avLst>
-              <a:gd name="adj1" fmla="val 20309"/>
-            </a:avLst>
-          </a:prstGeom>
-          <a:ln w="12700">
-            <a:solidFill>
-              <a:schemeClr val="tx1"/>
-            </a:solidFill>
-          </a:ln>
-        </p:spPr>
-        <p:style>
-          <a:lnRef idx="1">
-            <a:schemeClr val="accent1"/>
-          </a:lnRef>
-          <a:fillRef idx="0">
-            <a:schemeClr val="accent1"/>
-          </a:fillRef>
-          <a:effectRef idx="0">
-            <a:schemeClr val="accent1"/>
-          </a:effectRef>
-          <a:fontRef idx="minor">
-            <a:schemeClr val="tx1"/>
-          </a:fontRef>
-        </p:style>
-      </p:cxnSp>
       <p:sp>
         <p:nvSpPr>
-          <p:cNvPr id="131" name="Rectángulo 130" descr="Nodo de cuarto nivel&#10;" title="Nodo04"/>
+          <p:cNvPr id="145" name="Rectángulo 144" descr="Nodo de primer nivel" title="Nodo01"/>
           <p:cNvSpPr/>
           <p:nvPr/>
         </p:nvSpPr>
         <p:spPr>
           <a:xfrm>
-            <a:off x="1501620" y="4403079"/>
-            <a:ext cx="1000403" cy="353519"/>
+            <a:off x="4729689" y="1135497"/>
+            <a:ext cx="981161" cy="256876"/>
           </a:xfrm>
           <a:prstGeom prst="rect">
             <a:avLst/>
@@ -2188,6 +3144,13 @@
               <a:schemeClr val="tx1"/>
             </a:solidFill>
           </a:ln>
+          <a:effectLst>
+            <a:outerShdw blurRad="50800" dist="38100" dir="2700000" algn="tl" rotWithShape="0">
+              <a:prstClr val="black">
+                <a:alpha val="40000"/>
+              </a:prstClr>
+            </a:outerShdw>
+          </a:effectLst>
         </p:spPr>
         <p:style>
           <a:lnRef idx="2">
@@ -2209,166 +3172,209 @@
           <a:p>
             <a:pPr algn="ctr"/>
             <a:r>
-              <a:rPr lang="es-ES" sz="900" dirty="0" smtClean="0">
-                <a:solidFill>
-                  <a:schemeClr val="tx1"/>
-                </a:solidFill>
-                <a:latin typeface="Arial" panose="020B0604020202020204" pitchFamily="34" charset="0"/>
-                <a:cs typeface="Arial" panose="020B0604020202020204" pitchFamily="34" charset="0"/>
-              </a:rPr>
-              <a:t>sobre el eje </a:t>
-            </a:r>
-            <a:r>
-              <a:rPr lang="es-ES" sz="900" i="1" dirty="0" smtClean="0">
-                <a:solidFill>
-                  <a:schemeClr val="tx1"/>
-                </a:solidFill>
-                <a:latin typeface="Arial" panose="020B0604020202020204" pitchFamily="34" charset="0"/>
-                <a:cs typeface="Arial" panose="020B0604020202020204" pitchFamily="34" charset="0"/>
-              </a:rPr>
-              <a:t>Y o</a:t>
-            </a:r>
-            <a:r>
-              <a:rPr lang="es-ES" sz="900" dirty="0" smtClean="0">
-                <a:solidFill>
-                  <a:schemeClr val="tx1"/>
-                </a:solidFill>
-                <a:latin typeface="Arial" panose="020B0604020202020204" pitchFamily="34" charset="0"/>
-                <a:cs typeface="Arial" panose="020B0604020202020204" pitchFamily="34" charset="0"/>
-              </a:rPr>
-              <a:t> de ordenadas</a:t>
-            </a:r>
-            <a:endParaRPr lang="es-ES" sz="900" dirty="0">
-              <a:solidFill>
-                <a:schemeClr val="tx1"/>
-              </a:solidFill>
-              <a:latin typeface="Arial" panose="020B0604020202020204" pitchFamily="34" charset="0"/>
-              <a:cs typeface="Arial" panose="020B0604020202020204" pitchFamily="34" charset="0"/>
-            </a:endParaRPr>
+              <a:rPr lang="es-ES" sz="1050" b="1" dirty="0">
+                <a:latin typeface="Arial" panose="020B0604020202020204" pitchFamily="34" charset="0"/>
+                <a:cs typeface="Arial" panose="020B0604020202020204" pitchFamily="34" charset="0"/>
+              </a:rPr>
+              <a:t>Polinómicas</a:t>
+            </a:r>
+            <a:r>
+              <a:rPr lang="es-ES" sz="1200" b="1" dirty="0">
+                <a:latin typeface="Arial" panose="020B0604020202020204" pitchFamily="34" charset="0"/>
+                <a:cs typeface="Arial" panose="020B0604020202020204" pitchFamily="34" charset="0"/>
+              </a:rPr>
+              <a:t> </a:t>
+            </a:r>
           </a:p>
         </p:txBody>
       </p:sp>
       <p:sp>
         <p:nvSpPr>
-          <p:cNvPr id="135" name="CuadroTexto 134" descr="Conector entre nodos" title="conector"/>
-          <p:cNvSpPr txBox="1"/>
+          <p:cNvPr id="151" name="Rectángulo 150" descr="Nodo de primer nivel" title="Nodo01"/>
+          <p:cNvSpPr/>
           <p:nvPr/>
         </p:nvSpPr>
         <p:spPr>
           <a:xfrm>
-            <a:off x="1537901" y="4037207"/>
-            <a:ext cx="916998" cy="230832"/>
+            <a:off x="5918280" y="1143466"/>
+            <a:ext cx="1127238" cy="245838"/>
           </a:xfrm>
           <a:prstGeom prst="rect">
             <a:avLst/>
           </a:prstGeom>
-          <a:noFill/>
-        </p:spPr>
+          <a:solidFill>
+            <a:schemeClr val="bg1"/>
+          </a:solidFill>
+          <a:ln>
+            <a:solidFill>
+              <a:schemeClr val="tx1"/>
+            </a:solidFill>
+          </a:ln>
+          <a:effectLst>
+            <a:outerShdw blurRad="50800" dist="38100" dir="2700000" algn="tl" rotWithShape="0">
+              <a:prstClr val="black">
+                <a:alpha val="40000"/>
+              </a:prstClr>
+            </a:outerShdw>
+          </a:effectLst>
+        </p:spPr>
+        <p:style>
+          <a:lnRef idx="2">
+            <a:schemeClr val="accent6"/>
+          </a:lnRef>
+          <a:fillRef idx="1">
+            <a:schemeClr val="lt1"/>
+          </a:fillRef>
+          <a:effectRef idx="0">
+            <a:schemeClr val="accent6"/>
+          </a:effectRef>
+          <a:fontRef idx="minor">
+            <a:schemeClr val="dk1"/>
+          </a:fontRef>
+        </p:style>
         <p:txBody>
-          <a:bodyPr wrap="square" rtlCol="0">
-            <a:spAutoFit/>
-          </a:bodyPr>
+          <a:bodyPr rtlCol="0" anchor="ctr"/>
           <a:lstStyle/>
           <a:p>
             <a:pPr algn="ctr"/>
             <a:r>
-              <a:rPr lang="es-ES" sz="900" dirty="0" smtClean="0">
-                <a:latin typeface="Arial" panose="020B0604020202020204" pitchFamily="34" charset="0"/>
-                <a:cs typeface="Arial" panose="020B0604020202020204" pitchFamily="34" charset="0"/>
-              </a:rPr>
-              <a:t>se representa</a:t>
-            </a:r>
-            <a:endParaRPr lang="es-ES" sz="900" dirty="0">
-              <a:latin typeface="Arial" panose="020B0604020202020204" pitchFamily="34" charset="0"/>
-              <a:cs typeface="Arial" panose="020B0604020202020204" pitchFamily="34" charset="0"/>
-            </a:endParaRPr>
+              <a:rPr lang="es-ES" sz="1050" b="1" dirty="0">
+                <a:latin typeface="Arial" panose="020B0604020202020204" pitchFamily="34" charset="0"/>
+                <a:cs typeface="Arial" panose="020B0604020202020204" pitchFamily="34" charset="0"/>
+              </a:rPr>
+              <a:t>Trascendentes</a:t>
+            </a:r>
           </a:p>
         </p:txBody>
       </p:sp>
-      <p:cxnSp>
-        <p:nvCxnSpPr>
-          <p:cNvPr id="136" name="Conector angular 135"/>
-          <p:cNvCxnSpPr/>
-          <p:nvPr/>
-        </p:nvCxnSpPr>
-        <p:spPr>
-          <a:xfrm rot="5400000">
-            <a:off x="1865981" y="4326205"/>
-            <a:ext cx="150138" cy="3285"/>
-          </a:xfrm>
-          <a:prstGeom prst="bentConnector3">
-            <a:avLst>
-              <a:gd name="adj1" fmla="val 884"/>
-            </a:avLst>
-          </a:prstGeom>
-          <a:ln w="12700">
-            <a:solidFill>
-              <a:schemeClr val="tx1"/>
-            </a:solidFill>
-          </a:ln>
-        </p:spPr>
-        <p:style>
-          <a:lnRef idx="1">
-            <a:schemeClr val="accent1"/>
-          </a:lnRef>
-          <a:fillRef idx="0">
-            <a:schemeClr val="accent1"/>
-          </a:fillRef>
-          <a:effectRef idx="0">
-            <a:schemeClr val="accent1"/>
-          </a:effectRef>
-          <a:fontRef idx="minor">
-            <a:schemeClr val="tx1"/>
-          </a:fontRef>
-        </p:style>
-      </p:cxnSp>
-      <p:cxnSp>
-        <p:nvCxnSpPr>
-          <p:cNvPr id="149" name="Conector angular 148"/>
-          <p:cNvCxnSpPr/>
-          <p:nvPr/>
-        </p:nvCxnSpPr>
-        <p:spPr>
-          <a:xfrm rot="16200000" flipH="1">
-            <a:off x="1860398" y="1018930"/>
-            <a:ext cx="212150" cy="1732"/>
-          </a:xfrm>
-          <a:prstGeom prst="bentConnector3">
-            <a:avLst>
-              <a:gd name="adj1" fmla="val 95187"/>
-            </a:avLst>
-          </a:prstGeom>
-          <a:ln w="12700">
-            <a:solidFill>
-              <a:schemeClr val="tx1"/>
-            </a:solidFill>
-          </a:ln>
-        </p:spPr>
-        <p:style>
-          <a:lnRef idx="1">
-            <a:schemeClr val="accent1"/>
-          </a:lnRef>
-          <a:fillRef idx="0">
-            <a:schemeClr val="accent1"/>
-          </a:fillRef>
-          <a:effectRef idx="0">
-            <a:schemeClr val="accent1"/>
-          </a:effectRef>
-          <a:fontRef idx="minor">
-            <a:schemeClr val="tx1"/>
-          </a:fontRef>
-        </p:style>
-      </p:cxnSp>
       <p:sp>
         <p:nvSpPr>
-          <p:cNvPr id="160" name="Rectángulo 159" descr="Nodo de segundo nivel" title="Nodo02"/>
+          <p:cNvPr id="153" name="Rectángulo 152" descr="Nodo de primer nivel" title="Nodo01"/>
           <p:cNvSpPr/>
           <p:nvPr/>
         </p:nvSpPr>
         <p:spPr>
           <a:xfrm>
-            <a:off x="2636872" y="2544423"/>
-            <a:ext cx="1010558" cy="678493"/>
+            <a:off x="7130083" y="1140476"/>
+            <a:ext cx="952566" cy="241540"/>
+          </a:xfrm>
+          <a:prstGeom prst="rect">
+            <a:avLst/>
+          </a:prstGeom>
+          <a:solidFill>
+            <a:schemeClr val="bg1"/>
+          </a:solidFill>
+          <a:ln>
+            <a:solidFill>
+              <a:schemeClr val="tx1"/>
+            </a:solidFill>
+          </a:ln>
+          <a:effectLst>
+            <a:outerShdw blurRad="50800" dist="38100" dir="2700000" algn="tl" rotWithShape="0">
+              <a:prstClr val="black">
+                <a:alpha val="40000"/>
+              </a:prstClr>
+            </a:outerShdw>
+          </a:effectLst>
+        </p:spPr>
+        <p:style>
+          <a:lnRef idx="2">
+            <a:schemeClr val="accent6"/>
+          </a:lnRef>
+          <a:fillRef idx="1">
+            <a:schemeClr val="lt1"/>
+          </a:fillRef>
+          <a:effectRef idx="0">
+            <a:schemeClr val="accent6"/>
+          </a:effectRef>
+          <a:fontRef idx="minor">
+            <a:schemeClr val="dk1"/>
+          </a:fontRef>
+        </p:style>
+        <p:txBody>
+          <a:bodyPr rtlCol="0" anchor="ctr"/>
+          <a:lstStyle/>
+          <a:p>
+            <a:pPr algn="ctr"/>
+            <a:r>
+              <a:rPr lang="es-ES" sz="1050" b="1" dirty="0">
+                <a:latin typeface="Arial" panose="020B0604020202020204" pitchFamily="34" charset="0"/>
+                <a:cs typeface="Arial" panose="020B0604020202020204" pitchFamily="34" charset="0"/>
+              </a:rPr>
+              <a:t>Racionales</a:t>
+            </a:r>
+          </a:p>
+        </p:txBody>
+      </p:sp>
+      <p:sp>
+        <p:nvSpPr>
+          <p:cNvPr id="154" name="Rectángulo 153" descr="Nodo de primer nivel" title="Nodo01"/>
+          <p:cNvSpPr/>
+          <p:nvPr/>
+        </p:nvSpPr>
+        <p:spPr>
+          <a:xfrm>
+            <a:off x="8152394" y="1134373"/>
+            <a:ext cx="950093" cy="253730"/>
+          </a:xfrm>
+          <a:prstGeom prst="rect">
+            <a:avLst/>
+          </a:prstGeom>
+          <a:solidFill>
+            <a:schemeClr val="bg1"/>
+          </a:solidFill>
+          <a:ln>
+            <a:solidFill>
+              <a:schemeClr val="tx1"/>
+            </a:solidFill>
+          </a:ln>
+          <a:effectLst>
+            <a:outerShdw blurRad="50800" dist="38100" dir="2700000" algn="tl" rotWithShape="0">
+              <a:prstClr val="black">
+                <a:alpha val="40000"/>
+              </a:prstClr>
+            </a:outerShdw>
+          </a:effectLst>
+        </p:spPr>
+        <p:style>
+          <a:lnRef idx="2">
+            <a:schemeClr val="accent6"/>
+          </a:lnRef>
+          <a:fillRef idx="1">
+            <a:schemeClr val="lt1"/>
+          </a:fillRef>
+          <a:effectRef idx="0">
+            <a:schemeClr val="accent6"/>
+          </a:effectRef>
+          <a:fontRef idx="minor">
+            <a:schemeClr val="dk1"/>
+          </a:fontRef>
+        </p:style>
+        <p:txBody>
+          <a:bodyPr rtlCol="0" anchor="ctr"/>
+          <a:lstStyle/>
+          <a:p>
+            <a:pPr algn="ctr"/>
+            <a:r>
+              <a:rPr lang="es-ES" sz="1050" b="1" dirty="0">
+                <a:latin typeface="Arial" panose="020B0604020202020204" pitchFamily="34" charset="0"/>
+                <a:cs typeface="Arial" panose="020B0604020202020204" pitchFamily="34" charset="0"/>
+              </a:rPr>
+              <a:t>Irracionales</a:t>
+            </a:r>
+          </a:p>
+        </p:txBody>
+      </p:sp>
+      <p:sp>
+        <p:nvSpPr>
+          <p:cNvPr id="161" name="Rectángulo 160" descr="Nodo de segundo nivel" title="Nodo02"/>
+          <p:cNvSpPr/>
+          <p:nvPr/>
+        </p:nvSpPr>
+        <p:spPr>
+          <a:xfrm>
+            <a:off x="6995365" y="4122776"/>
+            <a:ext cx="1012137" cy="544605"/>
           </a:xfrm>
           <a:prstGeom prst="rect">
             <a:avLst/>
@@ -2402,63 +3408,329 @@
           <a:bodyPr rtlCol="0" anchor="ctr"/>
           <a:lstStyle/>
           <a:p>
-            <a:r>
-              <a:rPr lang="es-ES" sz="900" dirty="0" smtClean="0">
+            <a:pPr algn="ctr"/>
+            <a:r>
+              <a:rPr lang="es-ES" sz="900" dirty="0">
                 <a:solidFill>
                   <a:schemeClr val="bg1"/>
                 </a:solidFill>
                 <a:latin typeface="Arial" panose="020B0604020202020204" pitchFamily="34" charset="0"/>
                 <a:cs typeface="Arial" panose="020B0604020202020204" pitchFamily="34" charset="0"/>
               </a:rPr>
-              <a:t>representar en</a:t>
-            </a:r>
-          </a:p>
-          <a:p>
-            <a:pPr marL="171450" indent="-171450">
-              <a:buFont typeface="Arial" panose="020B0604020202020204" pitchFamily="34" charset="0"/>
-              <a:buChar char="•"/>
-            </a:pPr>
-            <a:r>
-              <a:rPr lang="es-ES" sz="900" dirty="0" smtClean="0">
+              <a:t>crecientes, decrecientes o constantes</a:t>
+            </a:r>
+          </a:p>
+        </p:txBody>
+      </p:sp>
+      <p:sp>
+        <p:nvSpPr>
+          <p:cNvPr id="165" name="CuadroTexto 164" descr="Conector entre nodos" title="conector"/>
+          <p:cNvSpPr txBox="1"/>
+          <p:nvPr/>
+        </p:nvSpPr>
+        <p:spPr>
+          <a:xfrm>
+            <a:off x="4665144" y="1498624"/>
+            <a:ext cx="1117174" cy="230836"/>
+          </a:xfrm>
+          <a:prstGeom prst="rect">
+            <a:avLst/>
+          </a:prstGeom>
+          <a:noFill/>
+        </p:spPr>
+        <p:txBody>
+          <a:bodyPr wrap="square" rtlCol="0">
+            <a:spAutoFit/>
+          </a:bodyPr>
+          <a:lstStyle/>
+          <a:p>
+            <a:pPr algn="ctr"/>
+            <a:r>
+              <a:rPr lang="es-ES" sz="900" dirty="0">
+                <a:latin typeface="Arial" panose="020B0604020202020204" pitchFamily="34" charset="0"/>
+                <a:cs typeface="Arial" panose="020B0604020202020204" pitchFamily="34" charset="0"/>
+              </a:rPr>
+              <a:t>son aquellas que</a:t>
+            </a:r>
+          </a:p>
+        </p:txBody>
+      </p:sp>
+      <p:sp>
+        <p:nvSpPr>
+          <p:cNvPr id="166" name="Rectángulo 165" descr="Nodo de segundo nivel" title="Nodo02"/>
+          <p:cNvSpPr/>
+          <p:nvPr/>
+        </p:nvSpPr>
+        <p:spPr>
+          <a:xfrm>
+            <a:off x="4618625" y="1880657"/>
+            <a:ext cx="1194264" cy="508114"/>
+          </a:xfrm>
+          <a:prstGeom prst="rect">
+            <a:avLst/>
+          </a:prstGeom>
+          <a:solidFill>
+            <a:schemeClr val="bg2">
+              <a:lumMod val="50000"/>
+            </a:schemeClr>
+          </a:solidFill>
+          <a:ln>
+            <a:solidFill>
+              <a:schemeClr val="tx1"/>
+            </a:solidFill>
+          </a:ln>
+        </p:spPr>
+        <p:style>
+          <a:lnRef idx="2">
+            <a:schemeClr val="accent6"/>
+          </a:lnRef>
+          <a:fillRef idx="1">
+            <a:schemeClr val="lt1"/>
+          </a:fillRef>
+          <a:effectRef idx="0">
+            <a:schemeClr val="accent6"/>
+          </a:effectRef>
+          <a:fontRef idx="minor">
+            <a:schemeClr val="dk1"/>
+          </a:fontRef>
+        </p:style>
+        <p:txBody>
+          <a:bodyPr rtlCol="0" anchor="ctr"/>
+          <a:lstStyle/>
+          <a:p>
+            <a:pPr algn="ctr"/>
+            <a:r>
+              <a:rPr lang="es-ES" sz="900" dirty="0">
                 <a:solidFill>
                   <a:schemeClr val="bg1"/>
                 </a:solidFill>
                 <a:latin typeface="Arial" panose="020B0604020202020204" pitchFamily="34" charset="0"/>
                 <a:cs typeface="Arial" panose="020B0604020202020204" pitchFamily="34" charset="0"/>
               </a:rPr>
-              <a:t>gráficas</a:t>
-            </a:r>
-          </a:p>
-          <a:p>
-            <a:pPr marL="171450" indent="-171450">
-              <a:buFont typeface="Arial" panose="020B0604020202020204" pitchFamily="34" charset="0"/>
-              <a:buChar char="•"/>
-            </a:pPr>
-            <a:r>
-              <a:rPr lang="es-ES" sz="900" dirty="0" smtClean="0">
+              <a:t>tienen la forma:</a:t>
+            </a:r>
+          </a:p>
+          <a:p>
+            <a:pPr algn="ctr"/>
+            <a:r>
+              <a:rPr lang="pt-BR" sz="900" i="1" dirty="0">
                 <a:solidFill>
                   <a:schemeClr val="bg1"/>
                 </a:solidFill>
                 <a:latin typeface="Arial" panose="020B0604020202020204" pitchFamily="34" charset="0"/>
                 <a:cs typeface="Arial" panose="020B0604020202020204" pitchFamily="34" charset="0"/>
               </a:rPr>
-              <a:t>tablas</a:t>
-            </a:r>
-          </a:p>
-          <a:p>
-            <a:pPr marL="171450" indent="-171450">
-              <a:buFont typeface="Arial" panose="020B0604020202020204" pitchFamily="34" charset="0"/>
-              <a:buChar char="•"/>
-            </a:pPr>
-            <a:r>
-              <a:rPr lang="es-ES" sz="900" dirty="0" smtClean="0">
+              <a:t>f</a:t>
+            </a:r>
+            <a:r>
+              <a:rPr lang="pt-BR" sz="900" dirty="0">
                 <a:solidFill>
                   <a:schemeClr val="bg1"/>
                 </a:solidFill>
                 <a:latin typeface="Arial" panose="020B0604020202020204" pitchFamily="34" charset="0"/>
                 <a:cs typeface="Arial" panose="020B0604020202020204" pitchFamily="34" charset="0"/>
               </a:rPr>
-              <a:t>fórmulas</a:t>
+              <a:t>(</a:t>
+            </a:r>
+            <a:r>
+              <a:rPr lang="pt-BR" sz="900" i="1" dirty="0">
+                <a:solidFill>
+                  <a:schemeClr val="bg1"/>
+                </a:solidFill>
+                <a:latin typeface="Arial" panose="020B0604020202020204" pitchFamily="34" charset="0"/>
+                <a:cs typeface="Arial" panose="020B0604020202020204" pitchFamily="34" charset="0"/>
+              </a:rPr>
+              <a:t>x</a:t>
+            </a:r>
+            <a:r>
+              <a:rPr lang="pt-BR" sz="900" dirty="0">
+                <a:solidFill>
+                  <a:schemeClr val="bg1"/>
+                </a:solidFill>
+                <a:latin typeface="Arial" panose="020B0604020202020204" pitchFamily="34" charset="0"/>
+                <a:cs typeface="Arial" panose="020B0604020202020204" pitchFamily="34" charset="0"/>
+              </a:rPr>
+              <a:t>) = </a:t>
+            </a:r>
+            <a:r>
+              <a:rPr lang="pt-BR" sz="900" i="1" dirty="0" err="1">
+                <a:solidFill>
+                  <a:schemeClr val="bg1"/>
+                </a:solidFill>
+                <a:latin typeface="Arial" panose="020B0604020202020204" pitchFamily="34" charset="0"/>
+                <a:cs typeface="Arial" panose="020B0604020202020204" pitchFamily="34" charset="0"/>
+              </a:rPr>
+              <a:t>a</a:t>
+            </a:r>
+            <a:r>
+              <a:rPr lang="pt-BR" sz="900" i="1" baseline="-25000" dirty="0" err="1">
+                <a:solidFill>
+                  <a:schemeClr val="bg1"/>
+                </a:solidFill>
+                <a:latin typeface="Arial" panose="020B0604020202020204" pitchFamily="34" charset="0"/>
+                <a:cs typeface="Arial" panose="020B0604020202020204" pitchFamily="34" charset="0"/>
+              </a:rPr>
+              <a:t>n</a:t>
+            </a:r>
+            <a:r>
+              <a:rPr lang="pt-BR" sz="900" i="1" dirty="0" err="1">
+                <a:solidFill>
+                  <a:schemeClr val="bg1"/>
+                </a:solidFill>
+                <a:latin typeface="Arial" panose="020B0604020202020204" pitchFamily="34" charset="0"/>
+                <a:cs typeface="Arial" panose="020B0604020202020204" pitchFamily="34" charset="0"/>
+              </a:rPr>
+              <a:t>x</a:t>
+            </a:r>
+            <a:r>
+              <a:rPr lang="pt-BR" sz="900" i="1" baseline="30000" dirty="0" err="1">
+                <a:solidFill>
+                  <a:schemeClr val="bg1"/>
+                </a:solidFill>
+                <a:latin typeface="Arial" panose="020B0604020202020204" pitchFamily="34" charset="0"/>
+                <a:cs typeface="Arial" panose="020B0604020202020204" pitchFamily="34" charset="0"/>
+              </a:rPr>
+              <a:t>n</a:t>
+            </a:r>
+            <a:r>
+              <a:rPr lang="pt-BR" sz="900" dirty="0">
+                <a:solidFill>
+                  <a:schemeClr val="bg1"/>
+                </a:solidFill>
+                <a:latin typeface="Arial" panose="020B0604020202020204" pitchFamily="34" charset="0"/>
+                <a:cs typeface="Arial" panose="020B0604020202020204" pitchFamily="34" charset="0"/>
+              </a:rPr>
+              <a:t> + </a:t>
+            </a:r>
+            <a:r>
+              <a:rPr lang="pt-BR" sz="900" i="1" dirty="0">
+                <a:solidFill>
+                  <a:schemeClr val="bg1"/>
+                </a:solidFill>
+                <a:latin typeface="Arial" panose="020B0604020202020204" pitchFamily="34" charset="0"/>
+                <a:cs typeface="Arial" panose="020B0604020202020204" pitchFamily="34" charset="0"/>
+              </a:rPr>
+              <a:t>a</a:t>
+            </a:r>
+            <a:r>
+              <a:rPr lang="pt-BR" sz="900" i="1" baseline="-25000" dirty="0">
+                <a:solidFill>
+                  <a:schemeClr val="bg1"/>
+                </a:solidFill>
+                <a:latin typeface="Arial" panose="020B0604020202020204" pitchFamily="34" charset="0"/>
+                <a:cs typeface="Arial" panose="020B0604020202020204" pitchFamily="34" charset="0"/>
+              </a:rPr>
+              <a:t>n</a:t>
+            </a:r>
+            <a:r>
+              <a:rPr lang="pt-BR" sz="900" baseline="-25000" dirty="0">
+                <a:solidFill>
+                  <a:schemeClr val="bg1"/>
+                </a:solidFill>
+                <a:latin typeface="Arial" panose="020B0604020202020204" pitchFamily="34" charset="0"/>
+                <a:cs typeface="Arial" panose="020B0604020202020204" pitchFamily="34" charset="0"/>
+              </a:rPr>
+              <a:t>-1</a:t>
+            </a:r>
+            <a:r>
+              <a:rPr lang="pt-BR" sz="900" i="1" dirty="0">
+                <a:solidFill>
+                  <a:schemeClr val="bg1"/>
+                </a:solidFill>
+                <a:latin typeface="Arial" panose="020B0604020202020204" pitchFamily="34" charset="0"/>
+                <a:cs typeface="Arial" panose="020B0604020202020204" pitchFamily="34" charset="0"/>
+              </a:rPr>
+              <a:t>x</a:t>
+            </a:r>
+            <a:r>
+              <a:rPr lang="pt-BR" sz="900" i="1" baseline="30000" dirty="0">
+                <a:solidFill>
+                  <a:schemeClr val="bg1"/>
+                </a:solidFill>
+                <a:latin typeface="Arial" panose="020B0604020202020204" pitchFamily="34" charset="0"/>
+                <a:cs typeface="Arial" panose="020B0604020202020204" pitchFamily="34" charset="0"/>
+              </a:rPr>
+              <a:t>n</a:t>
+            </a:r>
+            <a:r>
+              <a:rPr lang="pt-BR" sz="900" baseline="30000" dirty="0">
+                <a:solidFill>
+                  <a:schemeClr val="bg1"/>
+                </a:solidFill>
+                <a:latin typeface="Arial" panose="020B0604020202020204" pitchFamily="34" charset="0"/>
+                <a:cs typeface="Arial" panose="020B0604020202020204" pitchFamily="34" charset="0"/>
+              </a:rPr>
+              <a:t>-1</a:t>
+            </a:r>
+            <a:r>
+              <a:rPr lang="pt-BR" sz="900" dirty="0">
+                <a:solidFill>
+                  <a:schemeClr val="bg1"/>
+                </a:solidFill>
+                <a:latin typeface="Arial" panose="020B0604020202020204" pitchFamily="34" charset="0"/>
+                <a:cs typeface="Arial" panose="020B0604020202020204" pitchFamily="34" charset="0"/>
+              </a:rPr>
+              <a:t> + ... + </a:t>
+            </a:r>
+            <a:r>
+              <a:rPr lang="pt-BR" sz="900" i="1" dirty="0">
+                <a:solidFill>
+                  <a:schemeClr val="bg1"/>
+                </a:solidFill>
+                <a:latin typeface="Arial" panose="020B0604020202020204" pitchFamily="34" charset="0"/>
+                <a:cs typeface="Arial" panose="020B0604020202020204" pitchFamily="34" charset="0"/>
+              </a:rPr>
+              <a:t>a</a:t>
+            </a:r>
+            <a:r>
+              <a:rPr lang="pt-BR" sz="900" baseline="-25000" dirty="0">
+                <a:solidFill>
+                  <a:schemeClr val="bg1"/>
+                </a:solidFill>
+                <a:latin typeface="Arial" panose="020B0604020202020204" pitchFamily="34" charset="0"/>
+                <a:cs typeface="Arial" panose="020B0604020202020204" pitchFamily="34" charset="0"/>
+              </a:rPr>
+              <a:t>1</a:t>
+            </a:r>
+            <a:r>
+              <a:rPr lang="pt-BR" sz="900" i="1" dirty="0">
+                <a:solidFill>
+                  <a:schemeClr val="bg1"/>
+                </a:solidFill>
+                <a:latin typeface="Arial" panose="020B0604020202020204" pitchFamily="34" charset="0"/>
+                <a:cs typeface="Arial" panose="020B0604020202020204" pitchFamily="34" charset="0"/>
+              </a:rPr>
+              <a:t>x</a:t>
+            </a:r>
+            <a:r>
+              <a:rPr lang="pt-BR" sz="900" dirty="0">
+                <a:solidFill>
+                  <a:schemeClr val="bg1"/>
+                </a:solidFill>
+                <a:latin typeface="Arial" panose="020B0604020202020204" pitchFamily="34" charset="0"/>
+                <a:cs typeface="Arial" panose="020B0604020202020204" pitchFamily="34" charset="0"/>
+              </a:rPr>
+              <a:t> + </a:t>
+            </a:r>
+            <a:r>
+              <a:rPr lang="pt-BR" sz="900" i="1" dirty="0">
+                <a:solidFill>
+                  <a:schemeClr val="bg1"/>
+                </a:solidFill>
+                <a:latin typeface="Arial" panose="020B0604020202020204" pitchFamily="34" charset="0"/>
+                <a:cs typeface="Arial" panose="020B0604020202020204" pitchFamily="34" charset="0"/>
+              </a:rPr>
+              <a:t>a</a:t>
+            </a:r>
+            <a:r>
+              <a:rPr lang="pt-BR" sz="900" baseline="-25000" dirty="0">
+                <a:solidFill>
+                  <a:schemeClr val="bg1"/>
+                </a:solidFill>
+                <a:latin typeface="Arial" panose="020B0604020202020204" pitchFamily="34" charset="0"/>
+                <a:cs typeface="Arial" panose="020B0604020202020204" pitchFamily="34" charset="0"/>
+              </a:rPr>
+              <a:t>o</a:t>
             </a:r>
             <a:endParaRPr lang="es-ES" sz="900" dirty="0">
               <a:solidFill>
@@ -2472,77 +3744,14 @@
       </p:sp>
       <p:sp>
         <p:nvSpPr>
-          <p:cNvPr id="162" name="Rectángulo 161" descr="Nodo de primer nivel" title="Nodo01"/>
-          <p:cNvSpPr/>
+          <p:cNvPr id="167" name="CuadroTexto 166" descr="Conector entre nodos" title="conector"/>
+          <p:cNvSpPr txBox="1"/>
           <p:nvPr/>
         </p:nvSpPr>
         <p:spPr>
           <a:xfrm>
-            <a:off x="3519133" y="1067354"/>
-            <a:ext cx="1177979" cy="321950"/>
-          </a:xfrm>
-          <a:prstGeom prst="rect">
-            <a:avLst/>
-          </a:prstGeom>
-          <a:solidFill>
-            <a:schemeClr val="bg1"/>
-          </a:solidFill>
-          <a:ln>
-            <a:solidFill>
-              <a:schemeClr val="tx1"/>
-            </a:solidFill>
-          </a:ln>
-          <a:effectLst>
-            <a:outerShdw blurRad="50800" dist="38100" dir="2700000" algn="tl" rotWithShape="0">
-              <a:prstClr val="black">
-                <a:alpha val="40000"/>
-              </a:prstClr>
-            </a:outerShdw>
-          </a:effectLst>
-        </p:spPr>
-        <p:style>
-          <a:lnRef idx="2">
-            <a:schemeClr val="accent6"/>
-          </a:lnRef>
-          <a:fillRef idx="1">
-            <a:schemeClr val="lt1"/>
-          </a:fillRef>
-          <a:effectRef idx="0">
-            <a:schemeClr val="accent6"/>
-          </a:effectRef>
-          <a:fontRef idx="minor">
-            <a:schemeClr val="dk1"/>
-          </a:fontRef>
-        </p:style>
-        <p:txBody>
-          <a:bodyPr rtlCol="0" anchor="ctr"/>
-          <a:lstStyle/>
-          <a:p>
-            <a:pPr algn="ctr"/>
-            <a:r>
-              <a:rPr lang="es-ES" sz="1050" b="1" dirty="0" smtClean="0">
-                <a:latin typeface="Arial" panose="020B0604020202020204" pitchFamily="34" charset="0"/>
-                <a:cs typeface="Arial" panose="020B0604020202020204" pitchFamily="34" charset="0"/>
-              </a:rPr>
-              <a:t>Propiedades</a:t>
-            </a:r>
-            <a:endParaRPr lang="es-ES" sz="1050" b="1" dirty="0">
-              <a:latin typeface="Arial" panose="020B0604020202020204" pitchFamily="34" charset="0"/>
-              <a:cs typeface="Arial" panose="020B0604020202020204" pitchFamily="34" charset="0"/>
-            </a:endParaRPr>
-          </a:p>
-        </p:txBody>
-      </p:sp>
-      <p:sp>
-        <p:nvSpPr>
-          <p:cNvPr id="163" name="CuadroTexto 162" descr="Conector entre nodos" title="conector"/>
-          <p:cNvSpPr txBox="1"/>
-          <p:nvPr/>
-        </p:nvSpPr>
-        <p:spPr>
-          <a:xfrm>
-            <a:off x="3862500" y="718592"/>
-            <a:ext cx="686992" cy="230832"/>
+            <a:off x="4703848" y="2527525"/>
+            <a:ext cx="1020392" cy="230832"/>
           </a:xfrm>
           <a:prstGeom prst="rect">
             <a:avLst/>
@@ -2557,29 +3766,176 @@
           <a:p>
             <a:pPr algn="ctr"/>
             <a:r>
-              <a:rPr lang="es-ES" sz="900" dirty="0" smtClean="0">
-                <a:latin typeface="Arial" panose="020B0604020202020204" pitchFamily="34" charset="0"/>
-                <a:cs typeface="Arial" panose="020B0604020202020204" pitchFamily="34" charset="0"/>
-              </a:rPr>
-              <a:t>poseen</a:t>
-            </a:r>
-            <a:endParaRPr lang="es-ES" sz="900" dirty="0">
-              <a:latin typeface="Arial" panose="020B0604020202020204" pitchFamily="34" charset="0"/>
-              <a:cs typeface="Arial" panose="020B0604020202020204" pitchFamily="34" charset="0"/>
-            </a:endParaRPr>
+              <a:rPr lang="es-ES" sz="900" dirty="0">
+                <a:latin typeface="Arial" panose="020B0604020202020204" pitchFamily="34" charset="0"/>
+                <a:cs typeface="Arial" panose="020B0604020202020204" pitchFamily="34" charset="0"/>
+              </a:rPr>
+              <a:t>se clasifican en</a:t>
+            </a:r>
           </a:p>
         </p:txBody>
       </p:sp>
       <p:sp>
         <p:nvSpPr>
-          <p:cNvPr id="170" name="Rectángulo 169" descr="Nodo de segundo nivel" title="Nodo02"/>
+          <p:cNvPr id="168" name="Rectángulo 167" descr="Nodo de tercer nivel" title="Nodo03"/>
           <p:cNvSpPr/>
           <p:nvPr/>
         </p:nvSpPr>
         <p:spPr>
           <a:xfrm>
-            <a:off x="3704391" y="4247553"/>
-            <a:ext cx="904498" cy="275639"/>
+            <a:off x="4669691" y="2883479"/>
+            <a:ext cx="1088705" cy="669904"/>
+          </a:xfrm>
+          <a:prstGeom prst="rect">
+            <a:avLst/>
+          </a:prstGeom>
+          <a:solidFill>
+            <a:schemeClr val="bg2">
+              <a:lumMod val="90000"/>
+            </a:schemeClr>
+          </a:solidFill>
+          <a:ln>
+            <a:solidFill>
+              <a:schemeClr val="tx1"/>
+            </a:solidFill>
+          </a:ln>
+        </p:spPr>
+        <p:style>
+          <a:lnRef idx="2">
+            <a:schemeClr val="accent6"/>
+          </a:lnRef>
+          <a:fillRef idx="1">
+            <a:schemeClr val="lt1"/>
+          </a:fillRef>
+          <a:effectRef idx="0">
+            <a:schemeClr val="accent6"/>
+          </a:effectRef>
+          <a:fontRef idx="minor">
+            <a:schemeClr val="dk1"/>
+          </a:fontRef>
+        </p:style>
+        <p:txBody>
+          <a:bodyPr rtlCol="0" anchor="ctr"/>
+          <a:lstStyle/>
+          <a:p>
+            <a:pPr marL="171450" indent="-171450">
+              <a:buFont typeface="Arial" panose="020B0604020202020204" pitchFamily="34" charset="0"/>
+              <a:buChar char="•"/>
+            </a:pPr>
+            <a:r>
+              <a:rPr lang="es-ES" sz="900" dirty="0">
+                <a:solidFill>
+                  <a:schemeClr val="tx1"/>
+                </a:solidFill>
+                <a:latin typeface="Arial" panose="020B0604020202020204" pitchFamily="34" charset="0"/>
+                <a:cs typeface="Arial" panose="020B0604020202020204" pitchFamily="34" charset="0"/>
+              </a:rPr>
+              <a:t>lineales</a:t>
+            </a:r>
+          </a:p>
+          <a:p>
+            <a:pPr marL="171450" indent="-171450">
+              <a:buFont typeface="Arial" panose="020B0604020202020204" pitchFamily="34" charset="0"/>
+              <a:buChar char="•"/>
+            </a:pPr>
+            <a:r>
+              <a:rPr lang="es-ES" sz="900" dirty="0">
+                <a:solidFill>
+                  <a:schemeClr val="tx1"/>
+                </a:solidFill>
+                <a:latin typeface="Arial" panose="020B0604020202020204" pitchFamily="34" charset="0"/>
+                <a:cs typeface="Arial" panose="020B0604020202020204" pitchFamily="34" charset="0"/>
+              </a:rPr>
+              <a:t>cuadráticas</a:t>
+            </a:r>
+          </a:p>
+          <a:p>
+            <a:pPr marL="171450" indent="-171450">
+              <a:buFont typeface="Arial" panose="020B0604020202020204" pitchFamily="34" charset="0"/>
+              <a:buChar char="•"/>
+            </a:pPr>
+            <a:r>
+              <a:rPr lang="es-ES" sz="900" dirty="0">
+                <a:solidFill>
+                  <a:schemeClr val="tx1"/>
+                </a:solidFill>
+                <a:latin typeface="Arial" panose="020B0604020202020204" pitchFamily="34" charset="0"/>
+                <a:cs typeface="Arial" panose="020B0604020202020204" pitchFamily="34" charset="0"/>
+              </a:rPr>
+              <a:t>cúbicas</a:t>
+            </a:r>
+          </a:p>
+          <a:p>
+            <a:pPr marL="171450" indent="-171450">
+              <a:buFont typeface="Arial" panose="020B0604020202020204" pitchFamily="34" charset="0"/>
+              <a:buChar char="•"/>
+            </a:pPr>
+            <a:r>
+              <a:rPr lang="es-ES" sz="900" dirty="0">
+                <a:solidFill>
+                  <a:schemeClr val="tx1"/>
+                </a:solidFill>
+                <a:latin typeface="Arial" panose="020B0604020202020204" pitchFamily="34" charset="0"/>
+                <a:cs typeface="Arial" panose="020B0604020202020204" pitchFamily="34" charset="0"/>
+              </a:rPr>
+              <a:t>de grado </a:t>
+            </a:r>
+            <a:r>
+              <a:rPr lang="es-ES" sz="900" i="1" dirty="0">
+                <a:solidFill>
+                  <a:schemeClr val="tx1"/>
+                </a:solidFill>
+                <a:latin typeface="Arial" panose="020B0604020202020204" pitchFamily="34" charset="0"/>
+                <a:cs typeface="Arial" panose="020B0604020202020204" pitchFamily="34" charset="0"/>
+              </a:rPr>
+              <a:t>n</a:t>
+            </a:r>
+          </a:p>
+        </p:txBody>
+      </p:sp>
+      <p:sp>
+        <p:nvSpPr>
+          <p:cNvPr id="169" name="CuadroTexto 168" descr="Conector entre nodos" title="conector"/>
+          <p:cNvSpPr txBox="1"/>
+          <p:nvPr/>
+        </p:nvSpPr>
+        <p:spPr>
+          <a:xfrm>
+            <a:off x="6106293" y="1493524"/>
+            <a:ext cx="742629" cy="230832"/>
+          </a:xfrm>
+          <a:prstGeom prst="rect">
+            <a:avLst/>
+          </a:prstGeom>
+          <a:noFill/>
+        </p:spPr>
+        <p:txBody>
+          <a:bodyPr wrap="square" rtlCol="0">
+            <a:spAutoFit/>
+          </a:bodyPr>
+          <a:lstStyle/>
+          <a:p>
+            <a:pPr algn="ctr"/>
+            <a:r>
+              <a:rPr lang="es-ES" sz="900" dirty="0">
+                <a:latin typeface="Arial" panose="020B0604020202020204" pitchFamily="34" charset="0"/>
+                <a:cs typeface="Arial" panose="020B0604020202020204" pitchFamily="34" charset="0"/>
+              </a:rPr>
+              <a:t>como</a:t>
+            </a:r>
+          </a:p>
+        </p:txBody>
+      </p:sp>
+      <p:sp>
+        <p:nvSpPr>
+          <p:cNvPr id="171" name="Rectángulo 170" descr="Nodo de segundo nivel" title="Nodo02"/>
+          <p:cNvSpPr/>
+          <p:nvPr/>
+        </p:nvSpPr>
+        <p:spPr>
+          <a:xfrm>
+            <a:off x="5868414" y="1882760"/>
+            <a:ext cx="1214043" cy="522290"/>
           </a:xfrm>
           <a:prstGeom prst="rect">
             <a:avLst/>
@@ -2612,1750 +3968,6 @@
         <p:txBody>
           <a:bodyPr rtlCol="0" anchor="ctr"/>
           <a:lstStyle/>
-          <a:p>
-            <a:pPr algn="ctr"/>
-            <a:r>
-              <a:rPr lang="es-ES" sz="900" dirty="0" err="1" smtClean="0">
-                <a:solidFill>
-                  <a:schemeClr val="bg1"/>
-                </a:solidFill>
-                <a:latin typeface="Arial" panose="020B0604020202020204" pitchFamily="34" charset="0"/>
-                <a:cs typeface="Arial" panose="020B0604020202020204" pitchFamily="34" charset="0"/>
-              </a:rPr>
-              <a:t>sobreyectiva</a:t>
-            </a:r>
-            <a:endParaRPr lang="es-ES" sz="900" dirty="0">
-              <a:solidFill>
-                <a:schemeClr val="bg1"/>
-              </a:solidFill>
-              <a:latin typeface="Arial" panose="020B0604020202020204" pitchFamily="34" charset="0"/>
-              <a:cs typeface="Arial" panose="020B0604020202020204" pitchFamily="34" charset="0"/>
-            </a:endParaRPr>
-          </a:p>
-        </p:txBody>
-      </p:sp>
-      <p:sp>
-        <p:nvSpPr>
-          <p:cNvPr id="173" name="Rectángulo 172" descr="Nodo de segundo nivel" title="Nodo02"/>
-          <p:cNvSpPr/>
-          <p:nvPr/>
-        </p:nvSpPr>
-        <p:spPr>
-          <a:xfrm>
-            <a:off x="5105159" y="4267133"/>
-            <a:ext cx="741138" cy="269965"/>
-          </a:xfrm>
-          <a:prstGeom prst="rect">
-            <a:avLst/>
-          </a:prstGeom>
-          <a:solidFill>
-            <a:schemeClr val="bg2">
-              <a:lumMod val="50000"/>
-            </a:schemeClr>
-          </a:solidFill>
-          <a:ln>
-            <a:solidFill>
-              <a:schemeClr val="tx1"/>
-            </a:solidFill>
-          </a:ln>
-        </p:spPr>
-        <p:style>
-          <a:lnRef idx="2">
-            <a:schemeClr val="accent6"/>
-          </a:lnRef>
-          <a:fillRef idx="1">
-            <a:schemeClr val="lt1"/>
-          </a:fillRef>
-          <a:effectRef idx="0">
-            <a:schemeClr val="accent6"/>
-          </a:effectRef>
-          <a:fontRef idx="minor">
-            <a:schemeClr val="dk1"/>
-          </a:fontRef>
-        </p:style>
-        <p:txBody>
-          <a:bodyPr rtlCol="0" anchor="ctr"/>
-          <a:lstStyle/>
-          <a:p>
-            <a:pPr algn="ctr"/>
-            <a:r>
-              <a:rPr lang="es-ES" sz="900" dirty="0" err="1" smtClean="0">
-                <a:solidFill>
-                  <a:schemeClr val="bg1"/>
-                </a:solidFill>
-                <a:latin typeface="Arial" panose="020B0604020202020204" pitchFamily="34" charset="0"/>
-                <a:cs typeface="Arial" panose="020B0604020202020204" pitchFamily="34" charset="0"/>
-              </a:rPr>
-              <a:t>biyectiva</a:t>
-            </a:r>
-            <a:endParaRPr lang="es-ES" sz="900" dirty="0">
-              <a:solidFill>
-                <a:schemeClr val="bg1"/>
-              </a:solidFill>
-              <a:latin typeface="Arial" panose="020B0604020202020204" pitchFamily="34" charset="0"/>
-              <a:cs typeface="Arial" panose="020B0604020202020204" pitchFamily="34" charset="0"/>
-            </a:endParaRPr>
-          </a:p>
-        </p:txBody>
-      </p:sp>
-      <p:sp>
-        <p:nvSpPr>
-          <p:cNvPr id="85" name="CuadroTexto 84" descr="Conector entre nodos" title="conector"/>
-          <p:cNvSpPr txBox="1"/>
-          <p:nvPr/>
-        </p:nvSpPr>
-        <p:spPr>
-          <a:xfrm>
-            <a:off x="3622806" y="1576033"/>
-            <a:ext cx="1122431" cy="215444"/>
-          </a:xfrm>
-          <a:prstGeom prst="rect">
-            <a:avLst/>
-          </a:prstGeom>
-          <a:noFill/>
-        </p:spPr>
-        <p:txBody>
-          <a:bodyPr wrap="square" rtlCol="0">
-            <a:spAutoFit/>
-          </a:bodyPr>
-          <a:lstStyle/>
-          <a:p>
-            <a:pPr algn="ctr"/>
-            <a:r>
-              <a:rPr lang="es-ES" sz="800" dirty="0" smtClean="0">
-                <a:latin typeface="Arial" panose="020B0604020202020204" pitchFamily="34" charset="0"/>
-                <a:cs typeface="Arial" panose="020B0604020202020204" pitchFamily="34" charset="0"/>
-              </a:rPr>
-              <a:t>tales como</a:t>
-            </a:r>
-            <a:endParaRPr lang="es-ES" sz="800" dirty="0">
-              <a:latin typeface="Arial" panose="020B0604020202020204" pitchFamily="34" charset="0"/>
-              <a:cs typeface="Arial" panose="020B0604020202020204" pitchFamily="34" charset="0"/>
-            </a:endParaRPr>
-          </a:p>
-        </p:txBody>
-      </p:sp>
-      <p:sp>
-        <p:nvSpPr>
-          <p:cNvPr id="87" name="Rectángulo 86" descr="Nodo de cuarto nivel&#10;" title="Nodo04"/>
-          <p:cNvSpPr/>
-          <p:nvPr/>
-        </p:nvSpPr>
-        <p:spPr>
-          <a:xfrm>
-            <a:off x="463527" y="5015397"/>
-            <a:ext cx="857719" cy="368687"/>
-          </a:xfrm>
-          <a:prstGeom prst="rect">
-            <a:avLst/>
-          </a:prstGeom>
-          <a:solidFill>
-            <a:schemeClr val="bg1"/>
-          </a:solidFill>
-          <a:ln>
-            <a:solidFill>
-              <a:schemeClr val="tx1"/>
-            </a:solidFill>
-          </a:ln>
-        </p:spPr>
-        <p:style>
-          <a:lnRef idx="2">
-            <a:schemeClr val="accent6"/>
-          </a:lnRef>
-          <a:fillRef idx="1">
-            <a:schemeClr val="lt1"/>
-          </a:fillRef>
-          <a:effectRef idx="0">
-            <a:schemeClr val="accent6"/>
-          </a:effectRef>
-          <a:fontRef idx="minor">
-            <a:schemeClr val="dk1"/>
-          </a:fontRef>
-        </p:style>
-        <p:txBody>
-          <a:bodyPr rtlCol="0" anchor="ctr"/>
-          <a:lstStyle/>
-          <a:p>
-            <a:pPr algn="ctr"/>
-            <a:r>
-              <a:rPr lang="es-ES" sz="900" dirty="0" smtClean="0">
-                <a:solidFill>
-                  <a:schemeClr val="tx1"/>
-                </a:solidFill>
-                <a:latin typeface="Arial" panose="020B0604020202020204" pitchFamily="34" charset="0"/>
-                <a:cs typeface="Arial" panose="020B0604020202020204" pitchFamily="34" charset="0"/>
-              </a:rPr>
-              <a:t>el </a:t>
-            </a:r>
-            <a:r>
-              <a:rPr lang="es-ES" sz="900" b="1" dirty="0" smtClean="0">
-                <a:solidFill>
-                  <a:schemeClr val="tx1"/>
-                </a:solidFill>
-                <a:latin typeface="Arial" panose="020B0604020202020204" pitchFamily="34" charset="0"/>
-                <a:cs typeface="Arial" panose="020B0604020202020204" pitchFamily="34" charset="0"/>
-              </a:rPr>
-              <a:t>dominio</a:t>
-            </a:r>
-            <a:r>
-              <a:rPr lang="es-ES" sz="900" dirty="0" smtClean="0">
-                <a:solidFill>
-                  <a:schemeClr val="tx1"/>
-                </a:solidFill>
-                <a:latin typeface="Arial" panose="020B0604020202020204" pitchFamily="34" charset="0"/>
-                <a:cs typeface="Arial" panose="020B0604020202020204" pitchFamily="34" charset="0"/>
-              </a:rPr>
-              <a:t> de la función</a:t>
-            </a:r>
-            <a:endParaRPr lang="es-ES" sz="900" dirty="0">
-              <a:solidFill>
-                <a:schemeClr val="tx1"/>
-              </a:solidFill>
-              <a:latin typeface="Arial" panose="020B0604020202020204" pitchFamily="34" charset="0"/>
-              <a:cs typeface="Arial" panose="020B0604020202020204" pitchFamily="34" charset="0"/>
-            </a:endParaRPr>
-          </a:p>
-        </p:txBody>
-      </p:sp>
-      <p:sp>
-        <p:nvSpPr>
-          <p:cNvPr id="89" name="CuadroTexto 88" descr="Conector entre nodos" title="conector"/>
-          <p:cNvSpPr txBox="1"/>
-          <p:nvPr/>
-        </p:nvSpPr>
-        <p:spPr>
-          <a:xfrm>
-            <a:off x="610969" y="4627193"/>
-            <a:ext cx="633154" cy="230832"/>
-          </a:xfrm>
-          <a:prstGeom prst="rect">
-            <a:avLst/>
-          </a:prstGeom>
-          <a:noFill/>
-        </p:spPr>
-        <p:txBody>
-          <a:bodyPr wrap="square" rtlCol="0">
-            <a:spAutoFit/>
-          </a:bodyPr>
-          <a:lstStyle/>
-          <a:p>
-            <a:pPr algn="ctr"/>
-            <a:r>
-              <a:rPr lang="es-ES" sz="900" dirty="0" smtClean="0">
-                <a:latin typeface="Arial" panose="020B0604020202020204" pitchFamily="34" charset="0"/>
-                <a:cs typeface="Arial" panose="020B0604020202020204" pitchFamily="34" charset="0"/>
-              </a:rPr>
-              <a:t>definen</a:t>
-            </a:r>
-            <a:endParaRPr lang="es-ES" sz="900" dirty="0">
-              <a:latin typeface="Arial" panose="020B0604020202020204" pitchFamily="34" charset="0"/>
-              <a:cs typeface="Arial" panose="020B0604020202020204" pitchFamily="34" charset="0"/>
-            </a:endParaRPr>
-          </a:p>
-        </p:txBody>
-      </p:sp>
-      <p:sp>
-        <p:nvSpPr>
-          <p:cNvPr id="90" name="CuadroTexto 89" descr="Conector entre nodos" title="conector"/>
-          <p:cNvSpPr txBox="1"/>
-          <p:nvPr/>
-        </p:nvSpPr>
-        <p:spPr>
-          <a:xfrm>
-            <a:off x="1507901" y="4853186"/>
-            <a:ext cx="878129" cy="230832"/>
-          </a:xfrm>
-          <a:prstGeom prst="rect">
-            <a:avLst/>
-          </a:prstGeom>
-          <a:noFill/>
-        </p:spPr>
-        <p:txBody>
-          <a:bodyPr wrap="square" rtlCol="0">
-            <a:spAutoFit/>
-          </a:bodyPr>
-          <a:lstStyle/>
-          <a:p>
-            <a:pPr algn="ctr"/>
-            <a:r>
-              <a:rPr lang="es-ES" sz="900" dirty="0" smtClean="0">
-                <a:latin typeface="Arial" panose="020B0604020202020204" pitchFamily="34" charset="0"/>
-                <a:cs typeface="Arial" panose="020B0604020202020204" pitchFamily="34" charset="0"/>
-              </a:rPr>
-              <a:t>conforman</a:t>
-            </a:r>
-            <a:endParaRPr lang="es-ES" sz="900" dirty="0">
-              <a:latin typeface="Arial" panose="020B0604020202020204" pitchFamily="34" charset="0"/>
-              <a:cs typeface="Arial" panose="020B0604020202020204" pitchFamily="34" charset="0"/>
-            </a:endParaRPr>
-          </a:p>
-        </p:txBody>
-      </p:sp>
-      <p:sp>
-        <p:nvSpPr>
-          <p:cNvPr id="91" name="Rectángulo 90" descr="Nodo de cuarto nivel&#10;" title="Nodo04"/>
-          <p:cNvSpPr/>
-          <p:nvPr/>
-        </p:nvSpPr>
-        <p:spPr>
-          <a:xfrm>
-            <a:off x="1581996" y="5233800"/>
-            <a:ext cx="760614" cy="353519"/>
-          </a:xfrm>
-          <a:prstGeom prst="rect">
-            <a:avLst/>
-          </a:prstGeom>
-          <a:solidFill>
-            <a:schemeClr val="bg1"/>
-          </a:solidFill>
-          <a:ln>
-            <a:solidFill>
-              <a:schemeClr val="tx1"/>
-            </a:solidFill>
-          </a:ln>
-        </p:spPr>
-        <p:style>
-          <a:lnRef idx="2">
-            <a:schemeClr val="accent6"/>
-          </a:lnRef>
-          <a:fillRef idx="1">
-            <a:schemeClr val="lt1"/>
-          </a:fillRef>
-          <a:effectRef idx="0">
-            <a:schemeClr val="accent6"/>
-          </a:effectRef>
-          <a:fontRef idx="minor">
-            <a:schemeClr val="dk1"/>
-          </a:fontRef>
-        </p:style>
-        <p:txBody>
-          <a:bodyPr rtlCol="0" anchor="ctr"/>
-          <a:lstStyle/>
-          <a:p>
-            <a:pPr algn="ctr"/>
-            <a:r>
-              <a:rPr lang="es-ES" sz="900" dirty="0" smtClean="0">
-                <a:solidFill>
-                  <a:schemeClr val="tx1"/>
-                </a:solidFill>
-                <a:latin typeface="Arial" panose="020B0604020202020204" pitchFamily="34" charset="0"/>
-                <a:cs typeface="Arial" panose="020B0604020202020204" pitchFamily="34" charset="0"/>
-              </a:rPr>
-              <a:t>el recorrido o </a:t>
-            </a:r>
-            <a:r>
-              <a:rPr lang="es-ES" sz="900" b="1" dirty="0" smtClean="0">
-                <a:solidFill>
-                  <a:schemeClr val="tx1"/>
-                </a:solidFill>
-                <a:latin typeface="Arial" panose="020B0604020202020204" pitchFamily="34" charset="0"/>
-                <a:cs typeface="Arial" panose="020B0604020202020204" pitchFamily="34" charset="0"/>
-              </a:rPr>
-              <a:t>rango</a:t>
-            </a:r>
-            <a:endParaRPr lang="es-ES" sz="900" b="1" dirty="0">
-              <a:solidFill>
-                <a:schemeClr val="tx1"/>
-              </a:solidFill>
-              <a:latin typeface="Arial" panose="020B0604020202020204" pitchFamily="34" charset="0"/>
-              <a:cs typeface="Arial" panose="020B0604020202020204" pitchFamily="34" charset="0"/>
-            </a:endParaRPr>
-          </a:p>
-        </p:txBody>
-      </p:sp>
-      <p:sp>
-        <p:nvSpPr>
-          <p:cNvPr id="92" name="Rectángulo 91" descr="Nodo de cuarto nivel&#10;" title="Nodo04"/>
-          <p:cNvSpPr/>
-          <p:nvPr/>
-        </p:nvSpPr>
-        <p:spPr>
-          <a:xfrm>
-            <a:off x="420246" y="5959346"/>
-            <a:ext cx="960411" cy="690969"/>
-          </a:xfrm>
-          <a:prstGeom prst="rect">
-            <a:avLst/>
-          </a:prstGeom>
-          <a:solidFill>
-            <a:schemeClr val="bg1"/>
-          </a:solidFill>
-          <a:ln>
-            <a:solidFill>
-              <a:schemeClr val="tx1"/>
-            </a:solidFill>
-          </a:ln>
-        </p:spPr>
-        <p:style>
-          <a:lnRef idx="2">
-            <a:schemeClr val="accent6"/>
-          </a:lnRef>
-          <a:fillRef idx="1">
-            <a:schemeClr val="lt1"/>
-          </a:fillRef>
-          <a:effectRef idx="0">
-            <a:schemeClr val="accent6"/>
-          </a:effectRef>
-          <a:fontRef idx="minor">
-            <a:schemeClr val="dk1"/>
-          </a:fontRef>
-        </p:style>
-        <p:txBody>
-          <a:bodyPr rtlCol="0" anchor="ctr"/>
-          <a:lstStyle/>
-          <a:p>
-            <a:pPr algn="ctr"/>
-            <a:r>
-              <a:rPr lang="es-ES" sz="900" dirty="0" smtClean="0">
-                <a:solidFill>
-                  <a:schemeClr val="tx1"/>
-                </a:solidFill>
-                <a:latin typeface="Arial" panose="020B0604020202020204" pitchFamily="34" charset="0"/>
-                <a:cs typeface="Arial" panose="020B0604020202020204" pitchFamily="34" charset="0"/>
-              </a:rPr>
-              <a:t>el conjunto numérico para los </a:t>
-            </a:r>
-            <a:r>
-              <a:rPr lang="es-ES" sz="900" dirty="0" smtClean="0">
-                <a:solidFill>
-                  <a:schemeClr val="tx1"/>
-                </a:solidFill>
-                <a:latin typeface="Arial" panose="020B0604020202020204" pitchFamily="34" charset="0"/>
-                <a:cs typeface="Arial" panose="020B0604020202020204" pitchFamily="34" charset="0"/>
-              </a:rPr>
-              <a:t>cuales </a:t>
-            </a:r>
-            <a:r>
-              <a:rPr lang="es-ES" sz="900" dirty="0" smtClean="0">
-                <a:solidFill>
-                  <a:schemeClr val="tx1"/>
-                </a:solidFill>
-                <a:latin typeface="Arial" panose="020B0604020202020204" pitchFamily="34" charset="0"/>
-                <a:cs typeface="Arial" panose="020B0604020202020204" pitchFamily="34" charset="0"/>
-              </a:rPr>
-              <a:t>está definida la función</a:t>
-            </a:r>
-            <a:endParaRPr lang="es-ES" sz="900" dirty="0">
-              <a:solidFill>
-                <a:schemeClr val="tx1"/>
-              </a:solidFill>
-              <a:latin typeface="Arial" panose="020B0604020202020204" pitchFamily="34" charset="0"/>
-              <a:cs typeface="Arial" panose="020B0604020202020204" pitchFamily="34" charset="0"/>
-            </a:endParaRPr>
-          </a:p>
-        </p:txBody>
-      </p:sp>
-      <p:sp>
-        <p:nvSpPr>
-          <p:cNvPr id="93" name="CuadroTexto 92" descr="Conector entre nodos" title="conector"/>
-          <p:cNvSpPr txBox="1"/>
-          <p:nvPr/>
-        </p:nvSpPr>
-        <p:spPr>
-          <a:xfrm>
-            <a:off x="610969" y="5549318"/>
-            <a:ext cx="577721" cy="230832"/>
-          </a:xfrm>
-          <a:prstGeom prst="rect">
-            <a:avLst/>
-          </a:prstGeom>
-          <a:noFill/>
-        </p:spPr>
-        <p:txBody>
-          <a:bodyPr wrap="square" rtlCol="0">
-            <a:spAutoFit/>
-          </a:bodyPr>
-          <a:lstStyle/>
-          <a:p>
-            <a:pPr algn="ctr"/>
-            <a:r>
-              <a:rPr lang="es-ES" sz="900" dirty="0" smtClean="0">
-                <a:latin typeface="Arial" panose="020B0604020202020204" pitchFamily="34" charset="0"/>
-                <a:cs typeface="Arial" panose="020B0604020202020204" pitchFamily="34" charset="0"/>
-              </a:rPr>
-              <a:t>que es</a:t>
-            </a:r>
-            <a:endParaRPr lang="es-ES" sz="900" dirty="0">
-              <a:latin typeface="Arial" panose="020B0604020202020204" pitchFamily="34" charset="0"/>
-              <a:cs typeface="Arial" panose="020B0604020202020204" pitchFamily="34" charset="0"/>
-            </a:endParaRPr>
-          </a:p>
-        </p:txBody>
-      </p:sp>
-      <p:sp>
-        <p:nvSpPr>
-          <p:cNvPr id="94" name="CuadroTexto 93" descr="Conector entre nodos" title="conector"/>
-          <p:cNvSpPr txBox="1"/>
-          <p:nvPr/>
-        </p:nvSpPr>
-        <p:spPr>
-          <a:xfrm>
-            <a:off x="1532602" y="5665507"/>
-            <a:ext cx="730690" cy="230832"/>
-          </a:xfrm>
-          <a:prstGeom prst="rect">
-            <a:avLst/>
-          </a:prstGeom>
-          <a:noFill/>
-        </p:spPr>
-        <p:txBody>
-          <a:bodyPr wrap="square" rtlCol="0">
-            <a:spAutoFit/>
-          </a:bodyPr>
-          <a:lstStyle/>
-          <a:p>
-            <a:pPr algn="ctr"/>
-            <a:r>
-              <a:rPr lang="es-ES" sz="900" dirty="0" smtClean="0">
-                <a:latin typeface="Arial" panose="020B0604020202020204" pitchFamily="34" charset="0"/>
-                <a:cs typeface="Arial" panose="020B0604020202020204" pitchFamily="34" charset="0"/>
-              </a:rPr>
-              <a:t>que es</a:t>
-            </a:r>
-            <a:endParaRPr lang="es-ES" sz="900" dirty="0">
-              <a:latin typeface="Arial" panose="020B0604020202020204" pitchFamily="34" charset="0"/>
-              <a:cs typeface="Arial" panose="020B0604020202020204" pitchFamily="34" charset="0"/>
-            </a:endParaRPr>
-          </a:p>
-        </p:txBody>
-      </p:sp>
-      <p:sp>
-        <p:nvSpPr>
-          <p:cNvPr id="95" name="Rectángulo 94" descr="Nodo de cuarto nivel&#10;" title="Nodo04"/>
-          <p:cNvSpPr/>
-          <p:nvPr/>
-        </p:nvSpPr>
-        <p:spPr>
-          <a:xfrm>
-            <a:off x="1459971" y="6004232"/>
-            <a:ext cx="1241859" cy="701692"/>
-          </a:xfrm>
-          <a:prstGeom prst="rect">
-            <a:avLst/>
-          </a:prstGeom>
-          <a:solidFill>
-            <a:schemeClr val="bg1"/>
-          </a:solidFill>
-          <a:ln>
-            <a:solidFill>
-              <a:schemeClr val="tx1"/>
-            </a:solidFill>
-          </a:ln>
-        </p:spPr>
-        <p:style>
-          <a:lnRef idx="2">
-            <a:schemeClr val="accent6"/>
-          </a:lnRef>
-          <a:fillRef idx="1">
-            <a:schemeClr val="lt1"/>
-          </a:fillRef>
-          <a:effectRef idx="0">
-            <a:schemeClr val="accent6"/>
-          </a:effectRef>
-          <a:fontRef idx="minor">
-            <a:schemeClr val="dk1"/>
-          </a:fontRef>
-        </p:style>
-        <p:txBody>
-          <a:bodyPr rtlCol="0" anchor="ctr"/>
-          <a:lstStyle/>
-          <a:p>
-            <a:pPr algn="ctr"/>
-            <a:r>
-              <a:rPr lang="es-ES" sz="900" dirty="0" smtClean="0">
-                <a:solidFill>
-                  <a:schemeClr val="tx1"/>
-                </a:solidFill>
-                <a:latin typeface="Arial" panose="020B0604020202020204" pitchFamily="34" charset="0"/>
-                <a:cs typeface="Arial" panose="020B0604020202020204" pitchFamily="34" charset="0"/>
-              </a:rPr>
-              <a:t>el conjunto formado por las imágenes de los elementos del dominio a través de la función</a:t>
-            </a:r>
-            <a:endParaRPr lang="es-ES" sz="900" dirty="0">
-              <a:solidFill>
-                <a:schemeClr val="tx1"/>
-              </a:solidFill>
-              <a:latin typeface="Arial" panose="020B0604020202020204" pitchFamily="34" charset="0"/>
-              <a:cs typeface="Arial" panose="020B0604020202020204" pitchFamily="34" charset="0"/>
-            </a:endParaRPr>
-          </a:p>
-        </p:txBody>
-      </p:sp>
-      <p:sp>
-        <p:nvSpPr>
-          <p:cNvPr id="100" name="Rectángulo 99" descr="Nodo de tercer nivel" title="Nodo03"/>
-          <p:cNvSpPr/>
-          <p:nvPr/>
-        </p:nvSpPr>
-        <p:spPr>
-          <a:xfrm>
-            <a:off x="3112416" y="6031195"/>
-            <a:ext cx="1896235" cy="648101"/>
-          </a:xfrm>
-          <a:prstGeom prst="rect">
-            <a:avLst/>
-          </a:prstGeom>
-          <a:solidFill>
-            <a:schemeClr val="bg2">
-              <a:lumMod val="90000"/>
-            </a:schemeClr>
-          </a:solidFill>
-          <a:ln>
-            <a:solidFill>
-              <a:schemeClr val="tx1"/>
-            </a:solidFill>
-          </a:ln>
-        </p:spPr>
-        <p:style>
-          <a:lnRef idx="2">
-            <a:schemeClr val="accent6"/>
-          </a:lnRef>
-          <a:fillRef idx="1">
-            <a:schemeClr val="lt1"/>
-          </a:fillRef>
-          <a:effectRef idx="0">
-            <a:schemeClr val="accent6"/>
-          </a:effectRef>
-          <a:fontRef idx="minor">
-            <a:schemeClr val="dk1"/>
-          </a:fontRef>
-        </p:style>
-        <p:txBody>
-          <a:bodyPr rtlCol="0" anchor="ctr"/>
-          <a:lstStyle/>
-          <a:p>
-            <a:pPr algn="ctr"/>
-            <a:r>
-              <a:rPr lang="es-ES" sz="900" dirty="0" smtClean="0">
-                <a:solidFill>
-                  <a:schemeClr val="tx1"/>
-                </a:solidFill>
-                <a:latin typeface="Arial" panose="020B0604020202020204" pitchFamily="34" charset="0"/>
-                <a:cs typeface="Arial" panose="020B0604020202020204" pitchFamily="34" charset="0"/>
-              </a:rPr>
-              <a:t>funciones en las que todos los elementos del recorrido son imágenes de por lo menos, un elemento del dominio</a:t>
-            </a:r>
-            <a:endParaRPr lang="es-ES" sz="900" dirty="0">
-              <a:solidFill>
-                <a:schemeClr val="tx1"/>
-              </a:solidFill>
-              <a:latin typeface="Arial" panose="020B0604020202020204" pitchFamily="34" charset="0"/>
-              <a:cs typeface="Arial" panose="020B0604020202020204" pitchFamily="34" charset="0"/>
-            </a:endParaRPr>
-          </a:p>
-        </p:txBody>
-      </p:sp>
-      <p:sp>
-        <p:nvSpPr>
-          <p:cNvPr id="101" name="Rectángulo 100" descr="Nodo de tercer nivel" title="Nodo03"/>
-          <p:cNvSpPr/>
-          <p:nvPr/>
-        </p:nvSpPr>
-        <p:spPr>
-          <a:xfrm>
-            <a:off x="4958694" y="5053044"/>
-            <a:ext cx="1085743" cy="779879"/>
-          </a:xfrm>
-          <a:prstGeom prst="rect">
-            <a:avLst/>
-          </a:prstGeom>
-          <a:solidFill>
-            <a:schemeClr val="bg2">
-              <a:lumMod val="90000"/>
-            </a:schemeClr>
-          </a:solidFill>
-          <a:ln>
-            <a:solidFill>
-              <a:schemeClr val="tx1"/>
-            </a:solidFill>
-          </a:ln>
-        </p:spPr>
-        <p:style>
-          <a:lnRef idx="2">
-            <a:schemeClr val="accent6"/>
-          </a:lnRef>
-          <a:fillRef idx="1">
-            <a:schemeClr val="lt1"/>
-          </a:fillRef>
-          <a:effectRef idx="0">
-            <a:schemeClr val="accent6"/>
-          </a:effectRef>
-          <a:fontRef idx="minor">
-            <a:schemeClr val="dk1"/>
-          </a:fontRef>
-        </p:style>
-        <p:txBody>
-          <a:bodyPr rtlCol="0" anchor="ctr"/>
-          <a:lstStyle/>
-          <a:p>
-            <a:pPr algn="ctr"/>
-            <a:r>
-              <a:rPr lang="es-ES" sz="900" dirty="0" smtClean="0">
-                <a:solidFill>
-                  <a:schemeClr val="tx1"/>
-                </a:solidFill>
-                <a:latin typeface="Arial" panose="020B0604020202020204" pitchFamily="34" charset="0"/>
-                <a:cs typeface="Arial" panose="020B0604020202020204" pitchFamily="34" charset="0"/>
-              </a:rPr>
-              <a:t>funciones que cumplen con ser </a:t>
-            </a:r>
-            <a:r>
-              <a:rPr lang="es-ES" sz="900" dirty="0" err="1" smtClean="0">
-                <a:solidFill>
-                  <a:schemeClr val="tx1"/>
-                </a:solidFill>
-                <a:latin typeface="Arial" panose="020B0604020202020204" pitchFamily="34" charset="0"/>
-                <a:cs typeface="Arial" panose="020B0604020202020204" pitchFamily="34" charset="0"/>
-              </a:rPr>
-              <a:t>inyectivas</a:t>
-            </a:r>
-            <a:r>
-              <a:rPr lang="es-ES" sz="900" dirty="0" smtClean="0">
-                <a:solidFill>
-                  <a:schemeClr val="tx1"/>
-                </a:solidFill>
-                <a:latin typeface="Arial" panose="020B0604020202020204" pitchFamily="34" charset="0"/>
-                <a:cs typeface="Arial" panose="020B0604020202020204" pitchFamily="34" charset="0"/>
-              </a:rPr>
-              <a:t> y </a:t>
-            </a:r>
-            <a:r>
-              <a:rPr lang="es-ES" sz="900" dirty="0" err="1" smtClean="0">
-                <a:solidFill>
-                  <a:schemeClr val="tx1"/>
-                </a:solidFill>
-                <a:latin typeface="Arial" panose="020B0604020202020204" pitchFamily="34" charset="0"/>
-                <a:cs typeface="Arial" panose="020B0604020202020204" pitchFamily="34" charset="0"/>
-              </a:rPr>
-              <a:t>sobreyectivas</a:t>
-            </a:r>
-            <a:r>
-              <a:rPr lang="es-ES" sz="900" dirty="0" smtClean="0">
-                <a:solidFill>
-                  <a:schemeClr val="tx1"/>
-                </a:solidFill>
-                <a:latin typeface="Arial" panose="020B0604020202020204" pitchFamily="34" charset="0"/>
-                <a:cs typeface="Arial" panose="020B0604020202020204" pitchFamily="34" charset="0"/>
-              </a:rPr>
-              <a:t> simultáneamente</a:t>
-            </a:r>
-            <a:endParaRPr lang="es-ES" sz="900" dirty="0">
-              <a:solidFill>
-                <a:schemeClr val="tx1"/>
-              </a:solidFill>
-              <a:latin typeface="Arial" panose="020B0604020202020204" pitchFamily="34" charset="0"/>
-              <a:cs typeface="Arial" panose="020B0604020202020204" pitchFamily="34" charset="0"/>
-            </a:endParaRPr>
-          </a:p>
-        </p:txBody>
-      </p:sp>
-      <p:cxnSp>
-        <p:nvCxnSpPr>
-          <p:cNvPr id="105" name="Conector angular 104"/>
-          <p:cNvCxnSpPr/>
-          <p:nvPr/>
-        </p:nvCxnSpPr>
-        <p:spPr>
-          <a:xfrm>
-            <a:off x="6935769" y="954999"/>
-            <a:ext cx="1745776" cy="472754"/>
-          </a:xfrm>
-          <a:prstGeom prst="bentConnector3">
-            <a:avLst>
-              <a:gd name="adj1" fmla="val 100195"/>
-            </a:avLst>
-          </a:prstGeom>
-          <a:ln w="12700">
-            <a:solidFill>
-              <a:schemeClr val="tx1"/>
-            </a:solidFill>
-          </a:ln>
-        </p:spPr>
-        <p:style>
-          <a:lnRef idx="1">
-            <a:schemeClr val="accent1"/>
-          </a:lnRef>
-          <a:fillRef idx="0">
-            <a:schemeClr val="accent1"/>
-          </a:fillRef>
-          <a:effectRef idx="0">
-            <a:schemeClr val="accent1"/>
-          </a:effectRef>
-          <a:fontRef idx="minor">
-            <a:schemeClr val="tx1"/>
-          </a:fontRef>
-        </p:style>
-      </p:cxnSp>
-      <p:sp>
-        <p:nvSpPr>
-          <p:cNvPr id="145" name="Rectángulo 144" descr="Nodo de primer nivel" title="Nodo01"/>
-          <p:cNvSpPr/>
-          <p:nvPr/>
-        </p:nvSpPr>
-        <p:spPr>
-          <a:xfrm>
-            <a:off x="5274549" y="1136135"/>
-            <a:ext cx="981161" cy="256876"/>
-          </a:xfrm>
-          <a:prstGeom prst="rect">
-            <a:avLst/>
-          </a:prstGeom>
-          <a:solidFill>
-            <a:schemeClr val="bg1"/>
-          </a:solidFill>
-          <a:ln>
-            <a:solidFill>
-              <a:schemeClr val="tx1"/>
-            </a:solidFill>
-          </a:ln>
-          <a:effectLst>
-            <a:outerShdw blurRad="50800" dist="38100" dir="2700000" algn="tl" rotWithShape="0">
-              <a:prstClr val="black">
-                <a:alpha val="40000"/>
-              </a:prstClr>
-            </a:outerShdw>
-          </a:effectLst>
-        </p:spPr>
-        <p:style>
-          <a:lnRef idx="2">
-            <a:schemeClr val="accent6"/>
-          </a:lnRef>
-          <a:fillRef idx="1">
-            <a:schemeClr val="lt1"/>
-          </a:fillRef>
-          <a:effectRef idx="0">
-            <a:schemeClr val="accent6"/>
-          </a:effectRef>
-          <a:fontRef idx="minor">
-            <a:schemeClr val="dk1"/>
-          </a:fontRef>
-        </p:style>
-        <p:txBody>
-          <a:bodyPr rtlCol="0" anchor="ctr"/>
-          <a:lstStyle/>
-          <a:p>
-            <a:pPr algn="ctr"/>
-            <a:r>
-              <a:rPr lang="es-ES" sz="1050" b="1" dirty="0" smtClean="0">
-                <a:latin typeface="Arial" panose="020B0604020202020204" pitchFamily="34" charset="0"/>
-                <a:cs typeface="Arial" panose="020B0604020202020204" pitchFamily="34" charset="0"/>
-              </a:rPr>
-              <a:t>Polinómicas</a:t>
-            </a:r>
-            <a:r>
-              <a:rPr lang="es-ES" sz="1200" b="1" dirty="0" smtClean="0">
-                <a:latin typeface="Arial" panose="020B0604020202020204" pitchFamily="34" charset="0"/>
-                <a:cs typeface="Arial" panose="020B0604020202020204" pitchFamily="34" charset="0"/>
-              </a:rPr>
-              <a:t> </a:t>
-            </a:r>
-            <a:endParaRPr lang="es-ES" sz="1200" b="1" dirty="0">
-              <a:latin typeface="Arial" panose="020B0604020202020204" pitchFamily="34" charset="0"/>
-              <a:cs typeface="Arial" panose="020B0604020202020204" pitchFamily="34" charset="0"/>
-            </a:endParaRPr>
-          </a:p>
-        </p:txBody>
-      </p:sp>
-      <p:sp>
-        <p:nvSpPr>
-          <p:cNvPr id="151" name="Rectángulo 150" descr="Nodo de primer nivel" title="Nodo01"/>
-          <p:cNvSpPr/>
-          <p:nvPr/>
-        </p:nvSpPr>
-        <p:spPr>
-          <a:xfrm>
-            <a:off x="6343017" y="1461266"/>
-            <a:ext cx="1127238" cy="245838"/>
-          </a:xfrm>
-          <a:prstGeom prst="rect">
-            <a:avLst/>
-          </a:prstGeom>
-          <a:solidFill>
-            <a:schemeClr val="bg1"/>
-          </a:solidFill>
-          <a:ln>
-            <a:solidFill>
-              <a:schemeClr val="tx1"/>
-            </a:solidFill>
-          </a:ln>
-          <a:effectLst>
-            <a:outerShdw blurRad="50800" dist="38100" dir="2700000" algn="tl" rotWithShape="0">
-              <a:prstClr val="black">
-                <a:alpha val="40000"/>
-              </a:prstClr>
-            </a:outerShdw>
-          </a:effectLst>
-        </p:spPr>
-        <p:style>
-          <a:lnRef idx="2">
-            <a:schemeClr val="accent6"/>
-          </a:lnRef>
-          <a:fillRef idx="1">
-            <a:schemeClr val="lt1"/>
-          </a:fillRef>
-          <a:effectRef idx="0">
-            <a:schemeClr val="accent6"/>
-          </a:effectRef>
-          <a:fontRef idx="minor">
-            <a:schemeClr val="dk1"/>
-          </a:fontRef>
-        </p:style>
-        <p:txBody>
-          <a:bodyPr rtlCol="0" anchor="ctr"/>
-          <a:lstStyle/>
-          <a:p>
-            <a:pPr algn="ctr"/>
-            <a:r>
-              <a:rPr lang="es-ES" sz="1050" b="1" dirty="0" smtClean="0">
-                <a:latin typeface="Arial" panose="020B0604020202020204" pitchFamily="34" charset="0"/>
-                <a:cs typeface="Arial" panose="020B0604020202020204" pitchFamily="34" charset="0"/>
-              </a:rPr>
-              <a:t>Trascendentes</a:t>
-            </a:r>
-            <a:endParaRPr lang="es-ES" sz="1050" b="1" dirty="0">
-              <a:latin typeface="Arial" panose="020B0604020202020204" pitchFamily="34" charset="0"/>
-              <a:cs typeface="Arial" panose="020B0604020202020204" pitchFamily="34" charset="0"/>
-            </a:endParaRPr>
-          </a:p>
-        </p:txBody>
-      </p:sp>
-      <p:sp>
-        <p:nvSpPr>
-          <p:cNvPr id="153" name="Rectángulo 152" descr="Nodo de primer nivel" title="Nodo01"/>
-          <p:cNvSpPr/>
-          <p:nvPr/>
-        </p:nvSpPr>
-        <p:spPr>
-          <a:xfrm>
-            <a:off x="7346222" y="1131684"/>
-            <a:ext cx="1047823" cy="241540"/>
-          </a:xfrm>
-          <a:prstGeom prst="rect">
-            <a:avLst/>
-          </a:prstGeom>
-          <a:solidFill>
-            <a:schemeClr val="bg1"/>
-          </a:solidFill>
-          <a:ln>
-            <a:solidFill>
-              <a:schemeClr val="tx1"/>
-            </a:solidFill>
-          </a:ln>
-          <a:effectLst>
-            <a:outerShdw blurRad="50800" dist="38100" dir="2700000" algn="tl" rotWithShape="0">
-              <a:prstClr val="black">
-                <a:alpha val="40000"/>
-              </a:prstClr>
-            </a:outerShdw>
-          </a:effectLst>
-        </p:spPr>
-        <p:style>
-          <a:lnRef idx="2">
-            <a:schemeClr val="accent6"/>
-          </a:lnRef>
-          <a:fillRef idx="1">
-            <a:schemeClr val="lt1"/>
-          </a:fillRef>
-          <a:effectRef idx="0">
-            <a:schemeClr val="accent6"/>
-          </a:effectRef>
-          <a:fontRef idx="minor">
-            <a:schemeClr val="dk1"/>
-          </a:fontRef>
-        </p:style>
-        <p:txBody>
-          <a:bodyPr rtlCol="0" anchor="ctr"/>
-          <a:lstStyle/>
-          <a:p>
-            <a:pPr algn="ctr"/>
-            <a:r>
-              <a:rPr lang="es-ES" sz="1050" b="1" dirty="0" smtClean="0">
-                <a:latin typeface="Arial" panose="020B0604020202020204" pitchFamily="34" charset="0"/>
-                <a:cs typeface="Arial" panose="020B0604020202020204" pitchFamily="34" charset="0"/>
-              </a:rPr>
-              <a:t>Racionales</a:t>
-            </a:r>
-            <a:endParaRPr lang="es-ES" sz="1050" b="1" dirty="0">
-              <a:latin typeface="Arial" panose="020B0604020202020204" pitchFamily="34" charset="0"/>
-              <a:cs typeface="Arial" panose="020B0604020202020204" pitchFamily="34" charset="0"/>
-            </a:endParaRPr>
-          </a:p>
-        </p:txBody>
-      </p:sp>
-      <p:sp>
-        <p:nvSpPr>
-          <p:cNvPr id="154" name="Rectángulo 153" descr="Nodo de primer nivel" title="Nodo01"/>
-          <p:cNvSpPr/>
-          <p:nvPr/>
-        </p:nvSpPr>
-        <p:spPr>
-          <a:xfrm>
-            <a:off x="8047692" y="1432634"/>
-            <a:ext cx="950093" cy="253730"/>
-          </a:xfrm>
-          <a:prstGeom prst="rect">
-            <a:avLst/>
-          </a:prstGeom>
-          <a:solidFill>
-            <a:schemeClr val="bg1"/>
-          </a:solidFill>
-          <a:ln>
-            <a:solidFill>
-              <a:schemeClr val="tx1"/>
-            </a:solidFill>
-          </a:ln>
-          <a:effectLst>
-            <a:outerShdw blurRad="50800" dist="38100" dir="2700000" algn="tl" rotWithShape="0">
-              <a:prstClr val="black">
-                <a:alpha val="40000"/>
-              </a:prstClr>
-            </a:outerShdw>
-          </a:effectLst>
-        </p:spPr>
-        <p:style>
-          <a:lnRef idx="2">
-            <a:schemeClr val="accent6"/>
-          </a:lnRef>
-          <a:fillRef idx="1">
-            <a:schemeClr val="lt1"/>
-          </a:fillRef>
-          <a:effectRef idx="0">
-            <a:schemeClr val="accent6"/>
-          </a:effectRef>
-          <a:fontRef idx="minor">
-            <a:schemeClr val="dk1"/>
-          </a:fontRef>
-        </p:style>
-        <p:txBody>
-          <a:bodyPr rtlCol="0" anchor="ctr"/>
-          <a:lstStyle/>
-          <a:p>
-            <a:pPr algn="ctr"/>
-            <a:r>
-              <a:rPr lang="es-ES" sz="1050" b="1" dirty="0" smtClean="0">
-                <a:latin typeface="Arial" panose="020B0604020202020204" pitchFamily="34" charset="0"/>
-                <a:cs typeface="Arial" panose="020B0604020202020204" pitchFamily="34" charset="0"/>
-              </a:rPr>
-              <a:t>Irracionales</a:t>
-            </a:r>
-            <a:endParaRPr lang="es-ES" sz="1050" b="1" dirty="0">
-              <a:latin typeface="Arial" panose="020B0604020202020204" pitchFamily="34" charset="0"/>
-              <a:cs typeface="Arial" panose="020B0604020202020204" pitchFamily="34" charset="0"/>
-            </a:endParaRPr>
-          </a:p>
-        </p:txBody>
-      </p:sp>
-      <p:sp>
-        <p:nvSpPr>
-          <p:cNvPr id="161" name="Rectángulo 160" descr="Nodo de segundo nivel" title="Nodo02"/>
-          <p:cNvSpPr/>
-          <p:nvPr/>
-        </p:nvSpPr>
-        <p:spPr>
-          <a:xfrm>
-            <a:off x="5923747" y="4274687"/>
-            <a:ext cx="1012137" cy="544605"/>
-          </a:xfrm>
-          <a:prstGeom prst="rect">
-            <a:avLst/>
-          </a:prstGeom>
-          <a:solidFill>
-            <a:schemeClr val="bg2">
-              <a:lumMod val="50000"/>
-            </a:schemeClr>
-          </a:solidFill>
-          <a:ln>
-            <a:solidFill>
-              <a:schemeClr val="tx1"/>
-            </a:solidFill>
-          </a:ln>
-        </p:spPr>
-        <p:style>
-          <a:lnRef idx="2">
-            <a:schemeClr val="accent6"/>
-          </a:lnRef>
-          <a:fillRef idx="1">
-            <a:schemeClr val="lt1"/>
-          </a:fillRef>
-          <a:effectRef idx="0">
-            <a:schemeClr val="accent6"/>
-          </a:effectRef>
-          <a:fontRef idx="minor">
-            <a:schemeClr val="dk1"/>
-          </a:fontRef>
-        </p:style>
-        <p:txBody>
-          <a:bodyPr rtlCol="0" anchor="ctr"/>
-          <a:lstStyle/>
-          <a:p>
-            <a:pPr algn="ctr"/>
-            <a:r>
-              <a:rPr lang="es-ES" sz="900" dirty="0" smtClean="0">
-                <a:solidFill>
-                  <a:schemeClr val="bg1"/>
-                </a:solidFill>
-                <a:latin typeface="Arial" panose="020B0604020202020204" pitchFamily="34" charset="0"/>
-                <a:cs typeface="Arial" panose="020B0604020202020204" pitchFamily="34" charset="0"/>
-              </a:rPr>
-              <a:t>crecientes, decrecientes o constantes</a:t>
-            </a:r>
-            <a:endParaRPr lang="es-ES" sz="900" dirty="0">
-              <a:solidFill>
-                <a:schemeClr val="bg1"/>
-              </a:solidFill>
-              <a:latin typeface="Arial" panose="020B0604020202020204" pitchFamily="34" charset="0"/>
-              <a:cs typeface="Arial" panose="020B0604020202020204" pitchFamily="34" charset="0"/>
-            </a:endParaRPr>
-          </a:p>
-        </p:txBody>
-      </p:sp>
-      <p:sp>
-        <p:nvSpPr>
-          <p:cNvPr id="165" name="CuadroTexto 164" descr="Conector entre nodos" title="conector"/>
-          <p:cNvSpPr txBox="1"/>
-          <p:nvPr/>
-        </p:nvSpPr>
-        <p:spPr>
-          <a:xfrm>
-            <a:off x="5192935" y="1782247"/>
-            <a:ext cx="1117174" cy="230836"/>
-          </a:xfrm>
-          <a:prstGeom prst="rect">
-            <a:avLst/>
-          </a:prstGeom>
-          <a:noFill/>
-        </p:spPr>
-        <p:txBody>
-          <a:bodyPr wrap="square" rtlCol="0">
-            <a:spAutoFit/>
-          </a:bodyPr>
-          <a:lstStyle/>
-          <a:p>
-            <a:pPr algn="ctr"/>
-            <a:r>
-              <a:rPr lang="es-ES" sz="900" dirty="0" smtClean="0">
-                <a:latin typeface="Arial" panose="020B0604020202020204" pitchFamily="34" charset="0"/>
-                <a:cs typeface="Arial" panose="020B0604020202020204" pitchFamily="34" charset="0"/>
-              </a:rPr>
-              <a:t>son aquellas que</a:t>
-            </a:r>
-            <a:endParaRPr lang="es-ES" sz="900" dirty="0">
-              <a:latin typeface="Arial" panose="020B0604020202020204" pitchFamily="34" charset="0"/>
-              <a:cs typeface="Arial" panose="020B0604020202020204" pitchFamily="34" charset="0"/>
-            </a:endParaRPr>
-          </a:p>
-        </p:txBody>
-      </p:sp>
-      <p:sp>
-        <p:nvSpPr>
-          <p:cNvPr id="166" name="Rectángulo 165" descr="Nodo de segundo nivel" title="Nodo02"/>
-          <p:cNvSpPr/>
-          <p:nvPr/>
-        </p:nvSpPr>
-        <p:spPr>
-          <a:xfrm>
-            <a:off x="5136231" y="2187723"/>
-            <a:ext cx="1194264" cy="501241"/>
-          </a:xfrm>
-          <a:prstGeom prst="rect">
-            <a:avLst/>
-          </a:prstGeom>
-          <a:solidFill>
-            <a:schemeClr val="bg2">
-              <a:lumMod val="50000"/>
-            </a:schemeClr>
-          </a:solidFill>
-          <a:ln>
-            <a:solidFill>
-              <a:schemeClr val="tx1"/>
-            </a:solidFill>
-          </a:ln>
-        </p:spPr>
-        <p:style>
-          <a:lnRef idx="2">
-            <a:schemeClr val="accent6"/>
-          </a:lnRef>
-          <a:fillRef idx="1">
-            <a:schemeClr val="lt1"/>
-          </a:fillRef>
-          <a:effectRef idx="0">
-            <a:schemeClr val="accent6"/>
-          </a:effectRef>
-          <a:fontRef idx="minor">
-            <a:schemeClr val="dk1"/>
-          </a:fontRef>
-        </p:style>
-        <p:txBody>
-          <a:bodyPr rtlCol="0" anchor="ctr"/>
-          <a:lstStyle/>
-          <a:p>
-            <a:pPr algn="ctr"/>
-            <a:r>
-              <a:rPr lang="es-ES" sz="900" dirty="0" smtClean="0">
-                <a:solidFill>
-                  <a:schemeClr val="bg1"/>
-                </a:solidFill>
-                <a:latin typeface="Arial" panose="020B0604020202020204" pitchFamily="34" charset="0"/>
-                <a:cs typeface="Arial" panose="020B0604020202020204" pitchFamily="34" charset="0"/>
-              </a:rPr>
-              <a:t>tienen </a:t>
-            </a:r>
-            <a:r>
-              <a:rPr lang="es-ES" sz="900" dirty="0">
-                <a:solidFill>
-                  <a:schemeClr val="bg1"/>
-                </a:solidFill>
-                <a:latin typeface="Arial" panose="020B0604020202020204" pitchFamily="34" charset="0"/>
-                <a:cs typeface="Arial" panose="020B0604020202020204" pitchFamily="34" charset="0"/>
-              </a:rPr>
-              <a:t>la forma:</a:t>
-            </a:r>
-          </a:p>
-          <a:p>
-            <a:pPr algn="ctr"/>
-            <a:r>
-              <a:rPr lang="pt-BR" sz="900" i="1" dirty="0">
-                <a:solidFill>
-                  <a:schemeClr val="bg1"/>
-                </a:solidFill>
-                <a:latin typeface="Arial" panose="020B0604020202020204" pitchFamily="34" charset="0"/>
-                <a:cs typeface="Arial" panose="020B0604020202020204" pitchFamily="34" charset="0"/>
-              </a:rPr>
-              <a:t>f</a:t>
-            </a:r>
-            <a:r>
-              <a:rPr lang="pt-BR" sz="900" dirty="0">
-                <a:solidFill>
-                  <a:schemeClr val="bg1"/>
-                </a:solidFill>
-                <a:latin typeface="Arial" panose="020B0604020202020204" pitchFamily="34" charset="0"/>
-                <a:cs typeface="Arial" panose="020B0604020202020204" pitchFamily="34" charset="0"/>
-              </a:rPr>
-              <a:t>(</a:t>
-            </a:r>
-            <a:r>
-              <a:rPr lang="pt-BR" sz="900" i="1" dirty="0">
-                <a:solidFill>
-                  <a:schemeClr val="bg1"/>
-                </a:solidFill>
-                <a:latin typeface="Arial" panose="020B0604020202020204" pitchFamily="34" charset="0"/>
-                <a:cs typeface="Arial" panose="020B0604020202020204" pitchFamily="34" charset="0"/>
-              </a:rPr>
-              <a:t>x</a:t>
-            </a:r>
-            <a:r>
-              <a:rPr lang="pt-BR" sz="900" dirty="0">
-                <a:solidFill>
-                  <a:schemeClr val="bg1"/>
-                </a:solidFill>
-                <a:latin typeface="Arial" panose="020B0604020202020204" pitchFamily="34" charset="0"/>
-                <a:cs typeface="Arial" panose="020B0604020202020204" pitchFamily="34" charset="0"/>
-              </a:rPr>
-              <a:t>) = </a:t>
-            </a:r>
-            <a:r>
-              <a:rPr lang="pt-BR" sz="900" i="1" dirty="0" err="1">
-                <a:solidFill>
-                  <a:schemeClr val="bg1"/>
-                </a:solidFill>
-                <a:latin typeface="Arial" panose="020B0604020202020204" pitchFamily="34" charset="0"/>
-                <a:cs typeface="Arial" panose="020B0604020202020204" pitchFamily="34" charset="0"/>
-              </a:rPr>
-              <a:t>a</a:t>
-            </a:r>
-            <a:r>
-              <a:rPr lang="pt-BR" sz="900" i="1" baseline="-25000" dirty="0" err="1">
-                <a:solidFill>
-                  <a:schemeClr val="bg1"/>
-                </a:solidFill>
-                <a:latin typeface="Arial" panose="020B0604020202020204" pitchFamily="34" charset="0"/>
-                <a:cs typeface="Arial" panose="020B0604020202020204" pitchFamily="34" charset="0"/>
-              </a:rPr>
-              <a:t>n</a:t>
-            </a:r>
-            <a:r>
-              <a:rPr lang="pt-BR" sz="900" i="1" dirty="0" err="1">
-                <a:solidFill>
-                  <a:schemeClr val="bg1"/>
-                </a:solidFill>
-                <a:latin typeface="Arial" panose="020B0604020202020204" pitchFamily="34" charset="0"/>
-                <a:cs typeface="Arial" panose="020B0604020202020204" pitchFamily="34" charset="0"/>
-              </a:rPr>
-              <a:t>x</a:t>
-            </a:r>
-            <a:r>
-              <a:rPr lang="pt-BR" sz="900" i="1" baseline="30000" dirty="0" err="1">
-                <a:solidFill>
-                  <a:schemeClr val="bg1"/>
-                </a:solidFill>
-                <a:latin typeface="Arial" panose="020B0604020202020204" pitchFamily="34" charset="0"/>
-                <a:cs typeface="Arial" panose="020B0604020202020204" pitchFamily="34" charset="0"/>
-              </a:rPr>
-              <a:t>n</a:t>
-            </a:r>
-            <a:r>
-              <a:rPr lang="pt-BR" sz="900" dirty="0">
-                <a:solidFill>
-                  <a:schemeClr val="bg1"/>
-                </a:solidFill>
-                <a:latin typeface="Arial" panose="020B0604020202020204" pitchFamily="34" charset="0"/>
-                <a:cs typeface="Arial" panose="020B0604020202020204" pitchFamily="34" charset="0"/>
-              </a:rPr>
-              <a:t> + </a:t>
-            </a:r>
-            <a:r>
-              <a:rPr lang="pt-BR" sz="900" i="1" dirty="0">
-                <a:solidFill>
-                  <a:schemeClr val="bg1"/>
-                </a:solidFill>
-                <a:latin typeface="Arial" panose="020B0604020202020204" pitchFamily="34" charset="0"/>
-                <a:cs typeface="Arial" panose="020B0604020202020204" pitchFamily="34" charset="0"/>
-              </a:rPr>
-              <a:t>a</a:t>
-            </a:r>
-            <a:r>
-              <a:rPr lang="pt-BR" sz="900" i="1" baseline="-25000" dirty="0">
-                <a:solidFill>
-                  <a:schemeClr val="bg1"/>
-                </a:solidFill>
-                <a:latin typeface="Arial" panose="020B0604020202020204" pitchFamily="34" charset="0"/>
-                <a:cs typeface="Arial" panose="020B0604020202020204" pitchFamily="34" charset="0"/>
-              </a:rPr>
-              <a:t>n</a:t>
-            </a:r>
-            <a:r>
-              <a:rPr lang="pt-BR" sz="900" baseline="-25000" dirty="0">
-                <a:solidFill>
-                  <a:schemeClr val="bg1"/>
-                </a:solidFill>
-                <a:latin typeface="Arial" panose="020B0604020202020204" pitchFamily="34" charset="0"/>
-                <a:cs typeface="Arial" panose="020B0604020202020204" pitchFamily="34" charset="0"/>
-              </a:rPr>
-              <a:t>-1</a:t>
-            </a:r>
-            <a:r>
-              <a:rPr lang="pt-BR" sz="900" i="1" dirty="0">
-                <a:solidFill>
-                  <a:schemeClr val="bg1"/>
-                </a:solidFill>
-                <a:latin typeface="Arial" panose="020B0604020202020204" pitchFamily="34" charset="0"/>
-                <a:cs typeface="Arial" panose="020B0604020202020204" pitchFamily="34" charset="0"/>
-              </a:rPr>
-              <a:t>x</a:t>
-            </a:r>
-            <a:r>
-              <a:rPr lang="pt-BR" sz="900" i="1" baseline="30000" dirty="0">
-                <a:solidFill>
-                  <a:schemeClr val="bg1"/>
-                </a:solidFill>
-                <a:latin typeface="Arial" panose="020B0604020202020204" pitchFamily="34" charset="0"/>
-                <a:cs typeface="Arial" panose="020B0604020202020204" pitchFamily="34" charset="0"/>
-              </a:rPr>
-              <a:t>n</a:t>
-            </a:r>
-            <a:r>
-              <a:rPr lang="pt-BR" sz="900" baseline="30000" dirty="0">
-                <a:solidFill>
-                  <a:schemeClr val="bg1"/>
-                </a:solidFill>
-                <a:latin typeface="Arial" panose="020B0604020202020204" pitchFamily="34" charset="0"/>
-                <a:cs typeface="Arial" panose="020B0604020202020204" pitchFamily="34" charset="0"/>
-              </a:rPr>
-              <a:t>-1</a:t>
-            </a:r>
-            <a:r>
-              <a:rPr lang="pt-BR" sz="900" dirty="0">
-                <a:solidFill>
-                  <a:schemeClr val="bg1"/>
-                </a:solidFill>
-                <a:latin typeface="Arial" panose="020B0604020202020204" pitchFamily="34" charset="0"/>
-                <a:cs typeface="Arial" panose="020B0604020202020204" pitchFamily="34" charset="0"/>
-              </a:rPr>
-              <a:t> + ... + </a:t>
-            </a:r>
-            <a:r>
-              <a:rPr lang="pt-BR" sz="900" i="1" dirty="0">
-                <a:solidFill>
-                  <a:schemeClr val="bg1"/>
-                </a:solidFill>
-                <a:latin typeface="Arial" panose="020B0604020202020204" pitchFamily="34" charset="0"/>
-                <a:cs typeface="Arial" panose="020B0604020202020204" pitchFamily="34" charset="0"/>
-              </a:rPr>
-              <a:t>a</a:t>
-            </a:r>
-            <a:r>
-              <a:rPr lang="pt-BR" sz="900" baseline="-25000" dirty="0">
-                <a:solidFill>
-                  <a:schemeClr val="bg1"/>
-                </a:solidFill>
-                <a:latin typeface="Arial" panose="020B0604020202020204" pitchFamily="34" charset="0"/>
-                <a:cs typeface="Arial" panose="020B0604020202020204" pitchFamily="34" charset="0"/>
-              </a:rPr>
-              <a:t>1</a:t>
-            </a:r>
-            <a:r>
-              <a:rPr lang="pt-BR" sz="900" i="1" dirty="0">
-                <a:solidFill>
-                  <a:schemeClr val="bg1"/>
-                </a:solidFill>
-                <a:latin typeface="Arial" panose="020B0604020202020204" pitchFamily="34" charset="0"/>
-                <a:cs typeface="Arial" panose="020B0604020202020204" pitchFamily="34" charset="0"/>
-              </a:rPr>
-              <a:t>x</a:t>
-            </a:r>
-            <a:r>
-              <a:rPr lang="pt-BR" sz="900" dirty="0">
-                <a:solidFill>
-                  <a:schemeClr val="bg1"/>
-                </a:solidFill>
-                <a:latin typeface="Arial" panose="020B0604020202020204" pitchFamily="34" charset="0"/>
-                <a:cs typeface="Arial" panose="020B0604020202020204" pitchFamily="34" charset="0"/>
-              </a:rPr>
-              <a:t> + </a:t>
-            </a:r>
-            <a:r>
-              <a:rPr lang="pt-BR" sz="900" i="1" dirty="0">
-                <a:solidFill>
-                  <a:schemeClr val="bg1"/>
-                </a:solidFill>
-                <a:latin typeface="Arial" panose="020B0604020202020204" pitchFamily="34" charset="0"/>
-                <a:cs typeface="Arial" panose="020B0604020202020204" pitchFamily="34" charset="0"/>
-              </a:rPr>
-              <a:t>a</a:t>
-            </a:r>
-            <a:r>
-              <a:rPr lang="pt-BR" sz="900" baseline="-25000" dirty="0">
-                <a:solidFill>
-                  <a:schemeClr val="bg1"/>
-                </a:solidFill>
-                <a:latin typeface="Arial" panose="020B0604020202020204" pitchFamily="34" charset="0"/>
-                <a:cs typeface="Arial" panose="020B0604020202020204" pitchFamily="34" charset="0"/>
-              </a:rPr>
-              <a:t>o</a:t>
-            </a:r>
-            <a:endParaRPr lang="es-ES" sz="900" dirty="0">
-              <a:solidFill>
-                <a:schemeClr val="bg1"/>
-              </a:solidFill>
-              <a:latin typeface="Arial" panose="020B0604020202020204" pitchFamily="34" charset="0"/>
-              <a:cs typeface="Arial" panose="020B0604020202020204" pitchFamily="34" charset="0"/>
-            </a:endParaRPr>
-          </a:p>
-        </p:txBody>
-      </p:sp>
-      <p:sp>
-        <p:nvSpPr>
-          <p:cNvPr id="167" name="CuadroTexto 166" descr="Conector entre nodos" title="conector"/>
-          <p:cNvSpPr txBox="1"/>
-          <p:nvPr/>
-        </p:nvSpPr>
-        <p:spPr>
-          <a:xfrm>
-            <a:off x="5172146" y="2872109"/>
-            <a:ext cx="1122431" cy="230832"/>
-          </a:xfrm>
-          <a:prstGeom prst="rect">
-            <a:avLst/>
-          </a:prstGeom>
-          <a:noFill/>
-        </p:spPr>
-        <p:txBody>
-          <a:bodyPr wrap="square" rtlCol="0">
-            <a:spAutoFit/>
-          </a:bodyPr>
-          <a:lstStyle/>
-          <a:p>
-            <a:pPr algn="ctr"/>
-            <a:r>
-              <a:rPr lang="es-ES" sz="900" dirty="0" smtClean="0">
-                <a:latin typeface="Arial" panose="020B0604020202020204" pitchFamily="34" charset="0"/>
-                <a:cs typeface="Arial" panose="020B0604020202020204" pitchFamily="34" charset="0"/>
-              </a:rPr>
-              <a:t>se clasifican </a:t>
-            </a:r>
-            <a:r>
-              <a:rPr lang="es-ES" sz="900" dirty="0">
-                <a:latin typeface="Arial" panose="020B0604020202020204" pitchFamily="34" charset="0"/>
-                <a:cs typeface="Arial" panose="020B0604020202020204" pitchFamily="34" charset="0"/>
-              </a:rPr>
-              <a:t>e</a:t>
-            </a:r>
-            <a:r>
-              <a:rPr lang="es-ES" sz="900" dirty="0" smtClean="0">
-                <a:latin typeface="Arial" panose="020B0604020202020204" pitchFamily="34" charset="0"/>
-                <a:cs typeface="Arial" panose="020B0604020202020204" pitchFamily="34" charset="0"/>
-              </a:rPr>
-              <a:t>n</a:t>
-            </a:r>
-            <a:endParaRPr lang="es-ES" sz="900" dirty="0">
-              <a:latin typeface="Arial" panose="020B0604020202020204" pitchFamily="34" charset="0"/>
-              <a:cs typeface="Arial" panose="020B0604020202020204" pitchFamily="34" charset="0"/>
-            </a:endParaRPr>
-          </a:p>
-        </p:txBody>
-      </p:sp>
-      <p:sp>
-        <p:nvSpPr>
-          <p:cNvPr id="168" name="Rectángulo 167" descr="Nodo de tercer nivel" title="Nodo03"/>
-          <p:cNvSpPr/>
-          <p:nvPr/>
-        </p:nvSpPr>
-        <p:spPr>
-          <a:xfrm>
-            <a:off x="5241790" y="3263258"/>
-            <a:ext cx="1088705" cy="669904"/>
-          </a:xfrm>
-          <a:prstGeom prst="rect">
-            <a:avLst/>
-          </a:prstGeom>
-          <a:solidFill>
-            <a:schemeClr val="bg2">
-              <a:lumMod val="90000"/>
-            </a:schemeClr>
-          </a:solidFill>
-          <a:ln>
-            <a:solidFill>
-              <a:schemeClr val="tx1"/>
-            </a:solidFill>
-          </a:ln>
-        </p:spPr>
-        <p:style>
-          <a:lnRef idx="2">
-            <a:schemeClr val="accent6"/>
-          </a:lnRef>
-          <a:fillRef idx="1">
-            <a:schemeClr val="lt1"/>
-          </a:fillRef>
-          <a:effectRef idx="0">
-            <a:schemeClr val="accent6"/>
-          </a:effectRef>
-          <a:fontRef idx="minor">
-            <a:schemeClr val="dk1"/>
-          </a:fontRef>
-        </p:style>
-        <p:txBody>
-          <a:bodyPr rtlCol="0" anchor="ctr"/>
-          <a:lstStyle/>
-          <a:p>
-            <a:pPr marL="171450" indent="-171450">
-              <a:buFont typeface="Arial" panose="020B0604020202020204" pitchFamily="34" charset="0"/>
-              <a:buChar char="•"/>
-            </a:pPr>
-            <a:r>
-              <a:rPr lang="es-ES" sz="900" dirty="0" smtClean="0">
-                <a:solidFill>
-                  <a:schemeClr val="tx1"/>
-                </a:solidFill>
-                <a:latin typeface="Arial" panose="020B0604020202020204" pitchFamily="34" charset="0"/>
-                <a:cs typeface="Arial" panose="020B0604020202020204" pitchFamily="34" charset="0"/>
-              </a:rPr>
-              <a:t>lineales</a:t>
-            </a:r>
-          </a:p>
-          <a:p>
-            <a:pPr marL="171450" indent="-171450">
-              <a:buFont typeface="Arial" panose="020B0604020202020204" pitchFamily="34" charset="0"/>
-              <a:buChar char="•"/>
-            </a:pPr>
-            <a:r>
-              <a:rPr lang="es-ES" sz="900" dirty="0" smtClean="0">
-                <a:solidFill>
-                  <a:schemeClr val="tx1"/>
-                </a:solidFill>
-                <a:latin typeface="Arial" panose="020B0604020202020204" pitchFamily="34" charset="0"/>
-                <a:cs typeface="Arial" panose="020B0604020202020204" pitchFamily="34" charset="0"/>
-              </a:rPr>
-              <a:t>cuadráticas</a:t>
-            </a:r>
-          </a:p>
-          <a:p>
-            <a:pPr marL="171450" indent="-171450">
-              <a:buFont typeface="Arial" panose="020B0604020202020204" pitchFamily="34" charset="0"/>
-              <a:buChar char="•"/>
-            </a:pPr>
-            <a:r>
-              <a:rPr lang="es-ES" sz="900" dirty="0" smtClean="0">
-                <a:solidFill>
-                  <a:schemeClr val="tx1"/>
-                </a:solidFill>
-                <a:latin typeface="Arial" panose="020B0604020202020204" pitchFamily="34" charset="0"/>
-                <a:cs typeface="Arial" panose="020B0604020202020204" pitchFamily="34" charset="0"/>
-              </a:rPr>
-              <a:t>cúbicas</a:t>
-            </a:r>
-          </a:p>
-          <a:p>
-            <a:pPr marL="171450" indent="-171450">
-              <a:buFont typeface="Arial" panose="020B0604020202020204" pitchFamily="34" charset="0"/>
-              <a:buChar char="•"/>
-            </a:pPr>
-            <a:r>
-              <a:rPr lang="es-ES" sz="900" dirty="0" smtClean="0">
-                <a:solidFill>
-                  <a:schemeClr val="tx1"/>
-                </a:solidFill>
-                <a:latin typeface="Arial" panose="020B0604020202020204" pitchFamily="34" charset="0"/>
-                <a:cs typeface="Arial" panose="020B0604020202020204" pitchFamily="34" charset="0"/>
-              </a:rPr>
-              <a:t>de grado </a:t>
-            </a:r>
-            <a:r>
-              <a:rPr lang="es-ES" sz="900" i="1" dirty="0" smtClean="0">
-                <a:solidFill>
-                  <a:schemeClr val="tx1"/>
-                </a:solidFill>
-                <a:latin typeface="Arial" panose="020B0604020202020204" pitchFamily="34" charset="0"/>
-                <a:cs typeface="Arial" panose="020B0604020202020204" pitchFamily="34" charset="0"/>
-              </a:rPr>
-              <a:t>n</a:t>
-            </a:r>
-            <a:endParaRPr lang="es-ES" sz="900" i="1" dirty="0">
-              <a:solidFill>
-                <a:schemeClr val="tx1"/>
-              </a:solidFill>
-              <a:latin typeface="Arial" panose="020B0604020202020204" pitchFamily="34" charset="0"/>
-              <a:cs typeface="Arial" panose="020B0604020202020204" pitchFamily="34" charset="0"/>
-            </a:endParaRPr>
-          </a:p>
-        </p:txBody>
-      </p:sp>
-      <p:sp>
-        <p:nvSpPr>
-          <p:cNvPr id="169" name="CuadroTexto 168" descr="Conector entre nodos" title="conector"/>
-          <p:cNvSpPr txBox="1"/>
-          <p:nvPr/>
-        </p:nvSpPr>
-        <p:spPr>
-          <a:xfrm>
-            <a:off x="6555178" y="1872834"/>
-            <a:ext cx="742629" cy="230832"/>
-          </a:xfrm>
-          <a:prstGeom prst="rect">
-            <a:avLst/>
-          </a:prstGeom>
-          <a:noFill/>
-        </p:spPr>
-        <p:txBody>
-          <a:bodyPr wrap="square" rtlCol="0">
-            <a:spAutoFit/>
-          </a:bodyPr>
-          <a:lstStyle/>
-          <a:p>
-            <a:pPr algn="ctr"/>
-            <a:r>
-              <a:rPr lang="es-ES" sz="900" dirty="0" smtClean="0">
-                <a:latin typeface="Arial" panose="020B0604020202020204" pitchFamily="34" charset="0"/>
-                <a:cs typeface="Arial" panose="020B0604020202020204" pitchFamily="34" charset="0"/>
-              </a:rPr>
-              <a:t>como</a:t>
-            </a:r>
-            <a:endParaRPr lang="es-ES" sz="900" dirty="0">
-              <a:latin typeface="Arial" panose="020B0604020202020204" pitchFamily="34" charset="0"/>
-              <a:cs typeface="Arial" panose="020B0604020202020204" pitchFamily="34" charset="0"/>
-            </a:endParaRPr>
-          </a:p>
-        </p:txBody>
-      </p:sp>
-      <p:sp>
-        <p:nvSpPr>
-          <p:cNvPr id="171" name="Rectángulo 170" descr="Nodo de segundo nivel" title="Nodo02"/>
-          <p:cNvSpPr/>
-          <p:nvPr/>
-        </p:nvSpPr>
-        <p:spPr>
-          <a:xfrm>
-            <a:off x="6459806" y="2218414"/>
-            <a:ext cx="1214043" cy="522290"/>
-          </a:xfrm>
-          <a:prstGeom prst="rect">
-            <a:avLst/>
-          </a:prstGeom>
-          <a:solidFill>
-            <a:schemeClr val="bg2">
-              <a:lumMod val="50000"/>
-            </a:schemeClr>
-          </a:solidFill>
-          <a:ln>
-            <a:solidFill>
-              <a:schemeClr val="tx1"/>
-            </a:solidFill>
-          </a:ln>
-        </p:spPr>
-        <p:style>
-          <a:lnRef idx="2">
-            <a:schemeClr val="accent6"/>
-          </a:lnRef>
-          <a:fillRef idx="1">
-            <a:schemeClr val="lt1"/>
-          </a:fillRef>
-          <a:effectRef idx="0">
-            <a:schemeClr val="accent6"/>
-          </a:effectRef>
-          <a:fontRef idx="minor">
-            <a:schemeClr val="dk1"/>
-          </a:fontRef>
-        </p:style>
-        <p:txBody>
-          <a:bodyPr rtlCol="0" anchor="ctr"/>
-          <a:lstStyle/>
-          <a:p>
-            <a:pPr algn="ctr"/>
-            <a:endParaRPr lang="es-ES" sz="900" dirty="0" smtClean="0">
-              <a:solidFill>
-                <a:schemeClr val="bg1"/>
-              </a:solidFill>
-              <a:latin typeface="Arial" panose="020B0604020202020204" pitchFamily="34" charset="0"/>
-              <a:cs typeface="Arial" panose="020B0604020202020204" pitchFamily="34" charset="0"/>
-            </a:endParaRPr>
-          </a:p>
-          <a:p>
-            <a:pPr marL="171450" indent="-171450">
-              <a:buFont typeface="Arial" panose="020B0604020202020204" pitchFamily="34" charset="0"/>
-              <a:buChar char="•"/>
-            </a:pPr>
-            <a:r>
-              <a:rPr lang="es-ES" sz="900" dirty="0" smtClean="0">
-                <a:solidFill>
-                  <a:schemeClr val="bg1"/>
-                </a:solidFill>
-                <a:latin typeface="Arial" panose="020B0604020202020204" pitchFamily="34" charset="0"/>
-                <a:cs typeface="Arial" panose="020B0604020202020204" pitchFamily="34" charset="0"/>
-              </a:rPr>
-              <a:t>logarítmicas</a:t>
-            </a:r>
-          </a:p>
-          <a:p>
-            <a:pPr marL="171450" indent="-171450">
-              <a:buFont typeface="Arial" panose="020B0604020202020204" pitchFamily="34" charset="0"/>
-              <a:buChar char="•"/>
-            </a:pPr>
-            <a:r>
-              <a:rPr lang="es-ES" sz="900" dirty="0" smtClean="0">
-                <a:solidFill>
-                  <a:schemeClr val="bg1"/>
-                </a:solidFill>
-                <a:latin typeface="Arial" panose="020B0604020202020204" pitchFamily="34" charset="0"/>
-                <a:cs typeface="Arial" panose="020B0604020202020204" pitchFamily="34" charset="0"/>
-              </a:rPr>
-              <a:t>exponenciales</a:t>
-            </a:r>
-          </a:p>
-          <a:p>
-            <a:pPr marL="171450" indent="-171450">
-              <a:buFont typeface="Arial" panose="020B0604020202020204" pitchFamily="34" charset="0"/>
-              <a:buChar char="•"/>
-            </a:pPr>
-            <a:r>
-              <a:rPr lang="es-ES" sz="900" dirty="0" smtClean="0">
-                <a:solidFill>
-                  <a:schemeClr val="bg1"/>
-                </a:solidFill>
-                <a:latin typeface="Arial" panose="020B0604020202020204" pitchFamily="34" charset="0"/>
-                <a:cs typeface="Arial" panose="020B0604020202020204" pitchFamily="34" charset="0"/>
-              </a:rPr>
-              <a:t>trigonométricas</a:t>
-            </a:r>
-          </a:p>
           <a:p>
             <a:pPr algn="ctr"/>
             <a:endParaRPr lang="es-ES" sz="900" dirty="0">
@@ -4366,108 +3978,52 @@
               <a:cs typeface="Arial" panose="020B0604020202020204" pitchFamily="34" charset="0"/>
             </a:endParaRPr>
           </a:p>
-        </p:txBody>
-      </p:sp>
-      <p:sp>
-        <p:nvSpPr>
-          <p:cNvPr id="172" name="CuadroTexto 171" descr="Conector entre nodos" title="conector"/>
-          <p:cNvSpPr txBox="1"/>
-          <p:nvPr/>
-        </p:nvSpPr>
-        <p:spPr>
-          <a:xfrm>
-            <a:off x="7519923" y="1914239"/>
-            <a:ext cx="605960" cy="230836"/>
-          </a:xfrm>
-          <a:prstGeom prst="rect">
-            <a:avLst/>
-          </a:prstGeom>
-          <a:noFill/>
-        </p:spPr>
-        <p:txBody>
-          <a:bodyPr wrap="square" rtlCol="0">
-            <a:spAutoFit/>
-          </a:bodyPr>
-          <a:lstStyle/>
-          <a:p>
-            <a:pPr algn="ctr"/>
-            <a:r>
-              <a:rPr lang="es-ES" sz="900" dirty="0" smtClean="0">
-                <a:latin typeface="Arial" panose="020B0604020202020204" pitchFamily="34" charset="0"/>
-                <a:cs typeface="Arial" panose="020B0604020202020204" pitchFamily="34" charset="0"/>
-              </a:rPr>
-              <a:t>son</a:t>
-            </a:r>
-            <a:endParaRPr lang="es-ES" sz="900" dirty="0">
-              <a:latin typeface="Arial" panose="020B0604020202020204" pitchFamily="34" charset="0"/>
-              <a:cs typeface="Arial" panose="020B0604020202020204" pitchFamily="34" charset="0"/>
-            </a:endParaRPr>
-          </a:p>
-        </p:txBody>
-      </p:sp>
-      <p:sp>
-        <p:nvSpPr>
-          <p:cNvPr id="174" name="Rectángulo 173" descr="Nodo de segundo nivel" title="Nodo02"/>
-          <p:cNvSpPr/>
-          <p:nvPr/>
-        </p:nvSpPr>
-        <p:spPr>
-          <a:xfrm>
-            <a:off x="7202776" y="2901357"/>
-            <a:ext cx="1270404" cy="812999"/>
-          </a:xfrm>
-          <a:prstGeom prst="rect">
-            <a:avLst/>
-          </a:prstGeom>
-          <a:solidFill>
-            <a:schemeClr val="bg2">
-              <a:lumMod val="50000"/>
-            </a:schemeClr>
-          </a:solidFill>
-          <a:ln>
-            <a:solidFill>
-              <a:schemeClr val="tx1"/>
-            </a:solidFill>
-          </a:ln>
-        </p:spPr>
-        <p:style>
-          <a:lnRef idx="2">
-            <a:schemeClr val="accent6"/>
-          </a:lnRef>
-          <a:fillRef idx="1">
-            <a:schemeClr val="lt1"/>
-          </a:fillRef>
-          <a:effectRef idx="0">
-            <a:schemeClr val="accent6"/>
-          </a:effectRef>
-          <a:fontRef idx="minor">
-            <a:schemeClr val="dk1"/>
-          </a:fontRef>
-        </p:style>
-        <p:txBody>
-          <a:bodyPr rtlCol="0" anchor="ctr"/>
-          <a:lstStyle/>
-          <a:p>
-            <a:pPr algn="ctr"/>
-            <a:endParaRPr lang="es-ES" sz="900" dirty="0" smtClean="0">
-              <a:solidFill>
-                <a:schemeClr val="bg1"/>
-              </a:solidFill>
-              <a:latin typeface="Arial" panose="020B0604020202020204" pitchFamily="34" charset="0"/>
-              <a:cs typeface="Arial" panose="020B0604020202020204" pitchFamily="34" charset="0"/>
-            </a:endParaRPr>
-          </a:p>
-          <a:p>
-            <a:pPr algn="ctr"/>
-            <a:r>
-              <a:rPr lang="es-ES" sz="900" dirty="0" smtClean="0">
+          <a:p>
+            <a:pPr marL="171450" indent="-171450">
+              <a:buFont typeface="Arial" panose="020B0604020202020204" pitchFamily="34" charset="0"/>
+              <a:buChar char="•"/>
+            </a:pPr>
+            <a:r>
+              <a:rPr lang="es-ES" sz="900" dirty="0">
                 <a:solidFill>
                   <a:schemeClr val="bg1"/>
                 </a:solidFill>
                 <a:latin typeface="Arial" panose="020B0604020202020204" pitchFamily="34" charset="0"/>
                 <a:cs typeface="Arial" panose="020B0604020202020204" pitchFamily="34" charset="0"/>
               </a:rPr>
-              <a:t>aquellas funciones cuya expresión algebraica contienen un cociente de polinomios</a:t>
+              <a:t>logarítmicas</a:t>
+            </a:r>
+          </a:p>
+          <a:p>
+            <a:pPr marL="171450" indent="-171450">
+              <a:buFont typeface="Arial" panose="020B0604020202020204" pitchFamily="34" charset="0"/>
+              <a:buChar char="•"/>
+            </a:pPr>
+            <a:r>
+              <a:rPr lang="es-ES" sz="900" dirty="0">
+                <a:solidFill>
+                  <a:schemeClr val="bg1"/>
+                </a:solidFill>
+                <a:latin typeface="Arial" panose="020B0604020202020204" pitchFamily="34" charset="0"/>
+                <a:cs typeface="Arial" panose="020B0604020202020204" pitchFamily="34" charset="0"/>
+              </a:rPr>
+              <a:t>exponenciales</a:t>
+            </a:r>
+          </a:p>
+          <a:p>
+            <a:pPr marL="171450" indent="-171450">
+              <a:buFont typeface="Arial" panose="020B0604020202020204" pitchFamily="34" charset="0"/>
+              <a:buChar char="•"/>
+            </a:pPr>
+            <a:r>
+              <a:rPr lang="es-ES" sz="900" dirty="0">
+                <a:solidFill>
+                  <a:schemeClr val="bg1"/>
+                </a:solidFill>
+                <a:latin typeface="Arial" panose="020B0604020202020204" pitchFamily="34" charset="0"/>
+                <a:cs typeface="Arial" panose="020B0604020202020204" pitchFamily="34" charset="0"/>
+              </a:rPr>
+              <a:t>trigonométricas</a:t>
             </a:r>
           </a:p>
           <a:p>
@@ -4484,14 +4040,47 @@
       </p:sp>
       <p:sp>
         <p:nvSpPr>
-          <p:cNvPr id="175" name="Rectángulo 174" descr="Nodo de segundo nivel" title="Nodo02"/>
+          <p:cNvPr id="172" name="CuadroTexto 171" descr="Conector entre nodos" title="conector"/>
+          <p:cNvSpPr txBox="1"/>
+          <p:nvPr/>
+        </p:nvSpPr>
+        <p:spPr>
+          <a:xfrm>
+            <a:off x="7302557" y="1498624"/>
+            <a:ext cx="605960" cy="230836"/>
+          </a:xfrm>
+          <a:prstGeom prst="rect">
+            <a:avLst/>
+          </a:prstGeom>
+          <a:noFill/>
+        </p:spPr>
+        <p:txBody>
+          <a:bodyPr wrap="square" rtlCol="0">
+            <a:spAutoFit/>
+          </a:bodyPr>
+          <a:lstStyle/>
+          <a:p>
+            <a:pPr algn="ctr"/>
+            <a:r>
+              <a:rPr lang="es-ES" sz="900" dirty="0">
+                <a:latin typeface="Arial" panose="020B0604020202020204" pitchFamily="34" charset="0"/>
+                <a:cs typeface="Arial" panose="020B0604020202020204" pitchFamily="34" charset="0"/>
+              </a:rPr>
+              <a:t>son</a:t>
+            </a:r>
+          </a:p>
+        </p:txBody>
+      </p:sp>
+      <p:sp>
+        <p:nvSpPr>
+          <p:cNvPr id="174" name="Rectángulo 173" descr="Nodo de segundo nivel" title="Nodo02"/>
           <p:cNvSpPr/>
           <p:nvPr/>
         </p:nvSpPr>
         <p:spPr>
           <a:xfrm>
-            <a:off x="7837979" y="3905915"/>
-            <a:ext cx="1132536" cy="1072050"/>
+            <a:off x="7128175" y="1878153"/>
+            <a:ext cx="954474" cy="1082102"/>
           </a:xfrm>
           <a:prstGeom prst="rect">
             <a:avLst/>
@@ -4524,29 +4113,6 @@
         <p:txBody>
           <a:bodyPr rtlCol="0" anchor="ctr"/>
           <a:lstStyle/>
-          <a:p>
-            <a:pPr algn="ctr"/>
-            <a:endParaRPr lang="es-ES" sz="900" dirty="0" smtClean="0">
-              <a:solidFill>
-                <a:schemeClr val="bg1"/>
-              </a:solidFill>
-              <a:latin typeface="Arial" panose="020B0604020202020204" pitchFamily="34" charset="0"/>
-              <a:cs typeface="Arial" panose="020B0604020202020204" pitchFamily="34" charset="0"/>
-            </a:endParaRPr>
-          </a:p>
-          <a:p>
-            <a:pPr algn="ctr"/>
-            <a:r>
-              <a:rPr lang="es-ES" sz="900" dirty="0" smtClean="0">
-                <a:solidFill>
-                  <a:schemeClr val="bg1"/>
-                </a:solidFill>
-                <a:latin typeface="Arial" panose="020B0604020202020204" pitchFamily="34" charset="0"/>
-                <a:cs typeface="Arial" panose="020B0604020202020204" pitchFamily="34" charset="0"/>
-              </a:rPr>
-              <a:t>aquellas funciones cuya expresión algebraica contienen un radical cuyo radicando es un polinomio</a:t>
-            </a:r>
-          </a:p>
           <a:p>
             <a:pPr algn="ctr"/>
             <a:endParaRPr lang="es-ES" sz="900" dirty="0">
@@ -4557,62 +4123,21 @@
               <a:cs typeface="Arial" panose="020B0604020202020204" pitchFamily="34" charset="0"/>
             </a:endParaRPr>
           </a:p>
-        </p:txBody>
-      </p:sp>
-      <p:sp>
-        <p:nvSpPr>
-          <p:cNvPr id="176" name="Rectángulo 175" descr="Nodo de segundo nivel" title="Nodo02"/>
-          <p:cNvSpPr/>
-          <p:nvPr/>
-        </p:nvSpPr>
-        <p:spPr>
-          <a:xfrm>
-            <a:off x="7023926" y="4283781"/>
-            <a:ext cx="619938" cy="544605"/>
-          </a:xfrm>
-          <a:prstGeom prst="rect">
-            <a:avLst/>
-          </a:prstGeom>
-          <a:solidFill>
-            <a:schemeClr val="bg2">
-              <a:lumMod val="50000"/>
-            </a:schemeClr>
-          </a:solidFill>
-          <a:ln>
-            <a:solidFill>
-              <a:schemeClr val="tx1"/>
-            </a:solidFill>
-          </a:ln>
-        </p:spPr>
-        <p:style>
-          <a:lnRef idx="2">
-            <a:schemeClr val="accent6"/>
-          </a:lnRef>
-          <a:fillRef idx="1">
-            <a:schemeClr val="lt1"/>
-          </a:fillRef>
-          <a:effectRef idx="0">
-            <a:schemeClr val="accent6"/>
-          </a:effectRef>
-          <a:fontRef idx="minor">
-            <a:schemeClr val="dk1"/>
-          </a:fontRef>
-        </p:style>
-        <p:txBody>
-          <a:bodyPr rtlCol="0" anchor="ctr"/>
-          <a:lstStyle/>
           <a:p>
             <a:pPr algn="ctr"/>
             <a:r>
-              <a:rPr lang="es-ES" sz="900" dirty="0" smtClean="0">
+              <a:rPr lang="es-ES" sz="900" dirty="0">
                 <a:solidFill>
                   <a:schemeClr val="bg1"/>
                 </a:solidFill>
                 <a:latin typeface="Arial" panose="020B0604020202020204" pitchFamily="34" charset="0"/>
                 <a:cs typeface="Arial" panose="020B0604020202020204" pitchFamily="34" charset="0"/>
               </a:rPr>
-              <a:t>pares e impares</a:t>
-            </a:r>
+              <a:t>aquellas funciones cuya expresión algebraica contienen un cociente de polinomios</a:t>
+            </a:r>
+          </a:p>
+          <a:p>
+            <a:pPr algn="ctr"/>
             <a:endParaRPr lang="es-ES" sz="900" dirty="0">
               <a:solidFill>
                 <a:schemeClr val="bg1"/>
@@ -4623,20 +4148,157 @@
           </a:p>
         </p:txBody>
       </p:sp>
+      <p:sp>
+        <p:nvSpPr>
+          <p:cNvPr id="175" name="Rectángulo 174" descr="Nodo de segundo nivel" title="Nodo02"/>
+          <p:cNvSpPr/>
+          <p:nvPr/>
+        </p:nvSpPr>
+        <p:spPr>
+          <a:xfrm>
+            <a:off x="8159618" y="1875402"/>
+            <a:ext cx="935980" cy="1297181"/>
+          </a:xfrm>
+          <a:prstGeom prst="rect">
+            <a:avLst/>
+          </a:prstGeom>
+          <a:solidFill>
+            <a:schemeClr val="bg2">
+              <a:lumMod val="50000"/>
+            </a:schemeClr>
+          </a:solidFill>
+          <a:ln>
+            <a:solidFill>
+              <a:schemeClr val="tx1"/>
+            </a:solidFill>
+          </a:ln>
+        </p:spPr>
+        <p:style>
+          <a:lnRef idx="2">
+            <a:schemeClr val="accent6"/>
+          </a:lnRef>
+          <a:fillRef idx="1">
+            <a:schemeClr val="lt1"/>
+          </a:fillRef>
+          <a:effectRef idx="0">
+            <a:schemeClr val="accent6"/>
+          </a:effectRef>
+          <a:fontRef idx="minor">
+            <a:schemeClr val="dk1"/>
+          </a:fontRef>
+        </p:style>
+        <p:txBody>
+          <a:bodyPr rtlCol="0" anchor="ctr"/>
+          <a:lstStyle/>
+          <a:p>
+            <a:pPr algn="ctr"/>
+            <a:endParaRPr lang="es-ES" sz="900" dirty="0">
+              <a:solidFill>
+                <a:schemeClr val="bg1"/>
+              </a:solidFill>
+              <a:latin typeface="Arial" panose="020B0604020202020204" pitchFamily="34" charset="0"/>
+              <a:cs typeface="Arial" panose="020B0604020202020204" pitchFamily="34" charset="0"/>
+            </a:endParaRPr>
+          </a:p>
+          <a:p>
+            <a:pPr algn="ctr"/>
+            <a:r>
+              <a:rPr lang="es-ES" sz="900" dirty="0">
+                <a:solidFill>
+                  <a:schemeClr val="bg1"/>
+                </a:solidFill>
+                <a:latin typeface="Arial" panose="020B0604020202020204" pitchFamily="34" charset="0"/>
+                <a:cs typeface="Arial" panose="020B0604020202020204" pitchFamily="34" charset="0"/>
+              </a:rPr>
+              <a:t>aquellas funciones cuya expresión algebraica contienen un radical cuyo radicando es un polinomio</a:t>
+            </a:r>
+          </a:p>
+          <a:p>
+            <a:pPr algn="ctr"/>
+            <a:endParaRPr lang="es-ES" sz="900" dirty="0">
+              <a:solidFill>
+                <a:schemeClr val="bg1"/>
+              </a:solidFill>
+              <a:latin typeface="Arial" panose="020B0604020202020204" pitchFamily="34" charset="0"/>
+              <a:cs typeface="Arial" panose="020B0604020202020204" pitchFamily="34" charset="0"/>
+            </a:endParaRPr>
+          </a:p>
+        </p:txBody>
+      </p:sp>
+      <p:sp>
+        <p:nvSpPr>
+          <p:cNvPr id="176" name="Rectángulo 175" descr="Nodo de segundo nivel" title="Nodo02"/>
+          <p:cNvSpPr/>
+          <p:nvPr/>
+        </p:nvSpPr>
+        <p:spPr>
+          <a:xfrm>
+            <a:off x="8195629" y="4117519"/>
+            <a:ext cx="619938" cy="544605"/>
+          </a:xfrm>
+          <a:prstGeom prst="rect">
+            <a:avLst/>
+          </a:prstGeom>
+          <a:solidFill>
+            <a:schemeClr val="bg2">
+              <a:lumMod val="50000"/>
+            </a:schemeClr>
+          </a:solidFill>
+          <a:ln>
+            <a:solidFill>
+              <a:schemeClr val="tx1"/>
+            </a:solidFill>
+          </a:ln>
+        </p:spPr>
+        <p:style>
+          <a:lnRef idx="2">
+            <a:schemeClr val="accent6"/>
+          </a:lnRef>
+          <a:fillRef idx="1">
+            <a:schemeClr val="lt1"/>
+          </a:fillRef>
+          <a:effectRef idx="0">
+            <a:schemeClr val="accent6"/>
+          </a:effectRef>
+          <a:fontRef idx="minor">
+            <a:schemeClr val="dk1"/>
+          </a:fontRef>
+        </p:style>
+        <p:txBody>
+          <a:bodyPr rtlCol="0" anchor="ctr"/>
+          <a:lstStyle/>
+          <a:p>
+            <a:pPr algn="ctr"/>
+            <a:r>
+              <a:rPr lang="es-ES" sz="900" dirty="0">
+                <a:solidFill>
+                  <a:schemeClr val="bg1"/>
+                </a:solidFill>
+                <a:latin typeface="Arial" panose="020B0604020202020204" pitchFamily="34" charset="0"/>
+                <a:cs typeface="Arial" panose="020B0604020202020204" pitchFamily="34" charset="0"/>
+              </a:rPr>
+              <a:t>pares e impares</a:t>
+            </a:r>
+          </a:p>
+        </p:txBody>
+      </p:sp>
       <p:cxnSp>
         <p:nvCxnSpPr>
           <p:cNvPr id="177" name="Conector angular 176"/>
-          <p:cNvCxnSpPr/>
+          <p:cNvCxnSpPr>
+            <a:stCxn id="5" idx="2"/>
+            <a:endCxn id="218" idx="0"/>
+          </p:cNvCxnSpPr>
           <p:nvPr/>
         </p:nvCxnSpPr>
         <p:spPr>
           <a:xfrm rot="16200000" flipH="1">
-            <a:off x="1855182" y="1858004"/>
-            <a:ext cx="212150" cy="1732"/>
+            <a:off x="2533219" y="1385382"/>
+            <a:ext cx="369946" cy="1078495"/>
           </a:xfrm>
           <a:prstGeom prst="bentConnector3">
             <a:avLst>
-              <a:gd name="adj1" fmla="val 127863"/>
+              <a:gd name="adj1" fmla="val 50000"/>
             </a:avLst>
           </a:prstGeom>
           <a:ln w="12700">
@@ -4663,18 +4325,20 @@
       <p:cxnSp>
         <p:nvCxnSpPr>
           <p:cNvPr id="179" name="Conector angular 178"/>
-          <p:cNvCxnSpPr/>
+          <p:cNvCxnSpPr>
+            <a:stCxn id="5" idx="2"/>
+            <a:endCxn id="19" idx="0"/>
+          </p:cNvCxnSpPr>
           <p:nvPr/>
         </p:nvCxnSpPr>
         <p:spPr>
-          <a:xfrm rot="16200000" flipH="1" flipV="1">
-            <a:off x="2192489" y="1199673"/>
-            <a:ext cx="40784" cy="1840042"/>
-          </a:xfrm>
-          <a:prstGeom prst="bentConnector4">
+          <a:xfrm rot="5400000">
+            <a:off x="1595874" y="1541288"/>
+            <a:ext cx="384702" cy="781440"/>
+          </a:xfrm>
+          <a:prstGeom prst="bentConnector3">
             <a:avLst>
-              <a:gd name="adj1" fmla="val -168154"/>
-              <a:gd name="adj2" fmla="val 99921"/>
+              <a:gd name="adj1" fmla="val 50000"/>
             </a:avLst>
           </a:prstGeom>
           <a:ln w="12700">
@@ -4701,17 +4365,20 @@
       <p:cxnSp>
         <p:nvCxnSpPr>
           <p:cNvPr id="180" name="Conector angular 179"/>
-          <p:cNvCxnSpPr/>
+          <p:cNvCxnSpPr>
+            <a:stCxn id="218" idx="2"/>
+            <a:endCxn id="160" idx="0"/>
+          </p:cNvCxnSpPr>
           <p:nvPr/>
         </p:nvCxnSpPr>
         <p:spPr>
-          <a:xfrm rot="5400000">
-            <a:off x="3070200" y="2370612"/>
-            <a:ext cx="143025" cy="876"/>
+          <a:xfrm rot="16200000" flipH="1">
+            <a:off x="3150102" y="2447772"/>
+            <a:ext cx="214821" cy="145"/>
           </a:xfrm>
           <a:prstGeom prst="bentConnector3">
             <a:avLst>
-              <a:gd name="adj1" fmla="val 161884"/>
+              <a:gd name="adj1" fmla="val 50000"/>
             </a:avLst>
           </a:prstGeom>
           <a:ln w="12700">
@@ -4738,17 +4405,20 @@
       <p:cxnSp>
         <p:nvCxnSpPr>
           <p:cNvPr id="181" name="Conector angular 180"/>
-          <p:cNvCxnSpPr/>
+          <p:cNvCxnSpPr>
+            <a:stCxn id="85" idx="2"/>
+            <a:endCxn id="170" idx="0"/>
+          </p:cNvCxnSpPr>
           <p:nvPr/>
         </p:nvCxnSpPr>
         <p:spPr>
-          <a:xfrm rot="5400000">
-            <a:off x="4126473" y="1848501"/>
-            <a:ext cx="143025" cy="876"/>
+          <a:xfrm rot="16200000" flipH="1">
+            <a:off x="3326806" y="2388652"/>
+            <a:ext cx="2387148" cy="1075264"/>
           </a:xfrm>
           <a:prstGeom prst="bentConnector3">
             <a:avLst>
-              <a:gd name="adj1" fmla="val 1630866"/>
+              <a:gd name="adj1" fmla="val 90515"/>
             </a:avLst>
           </a:prstGeom>
           <a:ln w="12700">
@@ -4776,19 +4446,19 @@
         <p:nvCxnSpPr>
           <p:cNvPr id="234" name="Conector angular 233"/>
           <p:cNvCxnSpPr>
-            <a:endCxn id="44" idx="0"/>
+            <a:stCxn id="119" idx="0"/>
+            <a:endCxn id="19" idx="2"/>
           </p:cNvCxnSpPr>
           <p:nvPr/>
         </p:nvCxnSpPr>
         <p:spPr>
-          <a:xfrm rot="10800000">
-            <a:off x="892243" y="2554341"/>
-            <a:ext cx="1048040" cy="5216"/>
-          </a:xfrm>
-          <a:prstGeom prst="bentConnector4">
+          <a:xfrm rot="16200000" flipV="1">
+            <a:off x="1551592" y="2201104"/>
+            <a:ext cx="203406" cy="511580"/>
+          </a:xfrm>
+          <a:prstGeom prst="bentConnector3">
             <a:avLst>
-              <a:gd name="adj1" fmla="val 501"/>
-              <a:gd name="adj2" fmla="val 1853067"/>
+              <a:gd name="adj1" fmla="val 50000"/>
             </a:avLst>
           </a:prstGeom>
           <a:ln w="12700">
@@ -4815,17 +4485,20 @@
       <p:cxnSp>
         <p:nvCxnSpPr>
           <p:cNvPr id="235" name="Conector angular 234"/>
-          <p:cNvCxnSpPr/>
+          <p:cNvCxnSpPr>
+            <a:stCxn id="19" idx="2"/>
+            <a:endCxn id="44" idx="0"/>
+          </p:cNvCxnSpPr>
           <p:nvPr/>
         </p:nvCxnSpPr>
         <p:spPr>
           <a:xfrm rot="5400000">
-            <a:off x="1222954" y="2366122"/>
-            <a:ext cx="143029" cy="875"/>
+            <a:off x="1045299" y="2202135"/>
+            <a:ext cx="199150" cy="505262"/>
           </a:xfrm>
           <a:prstGeom prst="bentConnector3">
             <a:avLst>
-              <a:gd name="adj1" fmla="val 113613"/>
+              <a:gd name="adj1" fmla="val 50000"/>
             </a:avLst>
           </a:prstGeom>
           <a:ln w="12700">
@@ -5259,17 +4932,20 @@
       <p:cxnSp>
         <p:nvCxnSpPr>
           <p:cNvPr id="325" name="Conector angular 324"/>
-          <p:cNvCxnSpPr/>
+          <p:cNvCxnSpPr>
+            <a:stCxn id="4" idx="2"/>
+            <a:endCxn id="163" idx="0"/>
+          </p:cNvCxnSpPr>
           <p:nvPr/>
         </p:nvCxnSpPr>
         <p:spPr>
           <a:xfrm rot="5400000">
-            <a:off x="4111192" y="589959"/>
-            <a:ext cx="143025" cy="876"/>
+            <a:off x="4279456" y="140779"/>
+            <a:ext cx="181785" cy="762499"/>
           </a:xfrm>
           <a:prstGeom prst="bentConnector3">
             <a:avLst>
-              <a:gd name="adj1" fmla="val 161884"/>
+              <a:gd name="adj1" fmla="val 50000"/>
             </a:avLst>
           </a:prstGeom>
           <a:ln w="12700">
@@ -5296,13 +4972,16 @@
       <p:cxnSp>
         <p:nvCxnSpPr>
           <p:cNvPr id="326" name="Conector angular 325"/>
-          <p:cNvCxnSpPr/>
+          <p:cNvCxnSpPr>
+            <a:stCxn id="163" idx="2"/>
+            <a:endCxn id="162" idx="0"/>
+          </p:cNvCxnSpPr>
           <p:nvPr/>
         </p:nvCxnSpPr>
         <p:spPr>
           <a:xfrm rot="5400000">
-            <a:off x="4112069" y="993941"/>
-            <a:ext cx="143025" cy="876"/>
+            <a:off x="3854401" y="978450"/>
+            <a:ext cx="269394" cy="12700"/>
           </a:xfrm>
           <a:prstGeom prst="bentConnector3">
             <a:avLst>
@@ -5333,17 +5012,20 @@
       <p:cxnSp>
         <p:nvCxnSpPr>
           <p:cNvPr id="327" name="Conector angular 326"/>
-          <p:cNvCxnSpPr/>
+          <p:cNvCxnSpPr>
+            <a:stCxn id="162" idx="2"/>
+            <a:endCxn id="85" idx="0"/>
+          </p:cNvCxnSpPr>
           <p:nvPr/>
         </p:nvCxnSpPr>
         <p:spPr>
           <a:xfrm rot="5400000">
-            <a:off x="4112946" y="1447400"/>
-            <a:ext cx="143025" cy="876"/>
+            <a:off x="3916901" y="1445069"/>
+            <a:ext cx="138044" cy="6350"/>
           </a:xfrm>
           <a:prstGeom prst="bentConnector3">
             <a:avLst>
-              <a:gd name="adj1" fmla="val 145900"/>
+              <a:gd name="adj1" fmla="val 50000"/>
             </a:avLst>
           </a:prstGeom>
           <a:ln w="12700">
@@ -5370,17 +5052,20 @@
       <p:cxnSp>
         <p:nvCxnSpPr>
           <p:cNvPr id="328" name="Conector angular 327"/>
-          <p:cNvCxnSpPr/>
+          <p:cNvCxnSpPr>
+            <a:stCxn id="161" idx="0"/>
+            <a:endCxn id="85" idx="2"/>
+          </p:cNvCxnSpPr>
           <p:nvPr/>
         </p:nvCxnSpPr>
         <p:spPr>
           <a:xfrm rot="16200000" flipV="1">
-            <a:off x="5948995" y="3791698"/>
-            <a:ext cx="7554" cy="954088"/>
+            <a:off x="4547058" y="1168400"/>
+            <a:ext cx="2390066" cy="3518686"/>
           </a:xfrm>
           <a:prstGeom prst="bentConnector3">
             <a:avLst>
-              <a:gd name="adj1" fmla="val 2034790"/>
+              <a:gd name="adj1" fmla="val 9534"/>
             </a:avLst>
           </a:prstGeom>
           <a:ln w="12700">
@@ -5407,16 +5092,21 @@
       <p:cxnSp>
         <p:nvCxnSpPr>
           <p:cNvPr id="329" name="Conector angular 328"/>
-          <p:cNvCxnSpPr/>
+          <p:cNvCxnSpPr>
+            <a:stCxn id="173" idx="0"/>
+            <a:endCxn id="85" idx="2"/>
+          </p:cNvCxnSpPr>
           <p:nvPr/>
         </p:nvCxnSpPr>
         <p:spPr>
           <a:xfrm rot="16200000" flipV="1">
-            <a:off x="4768252" y="3554409"/>
-            <a:ext cx="145219" cy="1269732"/>
-          </a:xfrm>
-          <a:prstGeom prst="bentConnector2">
-            <a:avLst/>
+            <a:off x="3883430" y="1832028"/>
+            <a:ext cx="2387148" cy="2188511"/>
+          </a:xfrm>
+          <a:prstGeom prst="bentConnector3">
+            <a:avLst>
+              <a:gd name="adj1" fmla="val 9485"/>
+            </a:avLst>
           </a:prstGeom>
           <a:ln w="12700">
             <a:solidFill>
@@ -5447,7 +5137,7 @@
         </p:nvSpPr>
         <p:spPr>
           <a:xfrm>
-            <a:off x="3901636" y="4635162"/>
+            <a:off x="4770360" y="4549061"/>
             <a:ext cx="558588" cy="230832"/>
           </a:xfrm>
           <a:prstGeom prst="rect">
@@ -5463,16 +5153,12 @@
           <a:p>
             <a:pPr algn="ctr"/>
             <a:r>
-              <a:rPr lang="es-ES" sz="900" dirty="0" smtClean="0">
+              <a:rPr lang="es-ES" sz="900" dirty="0">
                 <a:latin typeface="Arial" panose="020B0604020202020204" pitchFamily="34" charset="0"/>
                 <a:cs typeface="Arial" panose="020B0604020202020204" pitchFamily="34" charset="0"/>
               </a:rPr>
               <a:t>son</a:t>
             </a:r>
-            <a:endParaRPr lang="es-ES" sz="900" dirty="0">
-              <a:latin typeface="Arial" panose="020B0604020202020204" pitchFamily="34" charset="0"/>
-              <a:cs typeface="Arial" panose="020B0604020202020204" pitchFamily="34" charset="0"/>
-            </a:endParaRPr>
           </a:p>
         </p:txBody>
       </p:sp>
@@ -5484,7 +5170,7 @@
         </p:nvSpPr>
         <p:spPr>
           <a:xfrm>
-            <a:off x="5224394" y="4638708"/>
+            <a:off x="5895017" y="4508137"/>
             <a:ext cx="558588" cy="230832"/>
           </a:xfrm>
           <a:prstGeom prst="rect">
@@ -5500,33 +5186,32 @@
           <a:p>
             <a:pPr algn="ctr"/>
             <a:r>
-              <a:rPr lang="es-ES" sz="900" dirty="0" smtClean="0">
+              <a:rPr lang="es-ES" sz="900" dirty="0">
                 <a:latin typeface="Arial" panose="020B0604020202020204" pitchFamily="34" charset="0"/>
                 <a:cs typeface="Arial" panose="020B0604020202020204" pitchFamily="34" charset="0"/>
               </a:rPr>
               <a:t>son</a:t>
             </a:r>
-            <a:endParaRPr lang="es-ES" sz="900" dirty="0">
-              <a:latin typeface="Arial" panose="020B0604020202020204" pitchFamily="34" charset="0"/>
-              <a:cs typeface="Arial" panose="020B0604020202020204" pitchFamily="34" charset="0"/>
-            </a:endParaRPr>
           </a:p>
         </p:txBody>
       </p:sp>
       <p:cxnSp>
         <p:nvCxnSpPr>
           <p:cNvPr id="332" name="Conector angular 331"/>
-          <p:cNvCxnSpPr/>
+          <p:cNvCxnSpPr>
+            <a:stCxn id="222" idx="0"/>
+            <a:endCxn id="220" idx="2"/>
+          </p:cNvCxnSpPr>
           <p:nvPr/>
         </p:nvCxnSpPr>
         <p:spPr>
-          <a:xfrm rot="5400000">
-            <a:off x="3048329" y="4592558"/>
-            <a:ext cx="143025" cy="876"/>
+          <a:xfrm rot="16200000" flipV="1">
+            <a:off x="3924071" y="4457625"/>
+            <a:ext cx="107188" cy="8792"/>
           </a:xfrm>
           <a:prstGeom prst="bentConnector3">
             <a:avLst>
-              <a:gd name="adj1" fmla="val 4715"/>
+              <a:gd name="adj1" fmla="val 50000"/>
             </a:avLst>
           </a:prstGeom>
           <a:ln w="12700">
@@ -5553,17 +5238,20 @@
       <p:cxnSp>
         <p:nvCxnSpPr>
           <p:cNvPr id="333" name="Conector angular 332"/>
-          <p:cNvCxnSpPr/>
+          <p:cNvCxnSpPr>
+            <a:stCxn id="330" idx="0"/>
+            <a:endCxn id="170" idx="2"/>
+          </p:cNvCxnSpPr>
           <p:nvPr/>
         </p:nvCxnSpPr>
         <p:spPr>
-          <a:xfrm rot="5400000">
-            <a:off x="4109856" y="4598904"/>
-            <a:ext cx="143025" cy="876"/>
+          <a:xfrm rot="5400000" flipH="1" flipV="1">
+            <a:off x="4981145" y="4472194"/>
+            <a:ext cx="145377" cy="8358"/>
           </a:xfrm>
           <a:prstGeom prst="bentConnector3">
             <a:avLst>
-              <a:gd name="adj1" fmla="val 4715"/>
+              <a:gd name="adj1" fmla="val 50000"/>
             </a:avLst>
           </a:prstGeom>
           <a:ln w="12700">
@@ -5590,17 +5278,20 @@
       <p:cxnSp>
         <p:nvCxnSpPr>
           <p:cNvPr id="334" name="Conector angular 333"/>
-          <p:cNvCxnSpPr/>
+          <p:cNvCxnSpPr>
+            <a:stCxn id="331" idx="0"/>
+            <a:endCxn id="173" idx="2"/>
+          </p:cNvCxnSpPr>
           <p:nvPr/>
         </p:nvCxnSpPr>
         <p:spPr>
-          <a:xfrm rot="5400000">
-            <a:off x="5410567" y="4611413"/>
-            <a:ext cx="143025" cy="876"/>
+          <a:xfrm rot="16200000" flipV="1">
+            <a:off x="6113628" y="4447454"/>
+            <a:ext cx="118314" cy="3052"/>
           </a:xfrm>
           <a:prstGeom prst="bentConnector3">
             <a:avLst>
-              <a:gd name="adj1" fmla="val 4715"/>
+              <a:gd name="adj1" fmla="val 50000"/>
             </a:avLst>
           </a:prstGeom>
           <a:ln w="12700">
@@ -5627,17 +5318,20 @@
       <p:cxnSp>
         <p:nvCxnSpPr>
           <p:cNvPr id="364" name="Conector angular 363"/>
-          <p:cNvCxnSpPr/>
+          <p:cNvCxnSpPr>
+            <a:stCxn id="330" idx="2"/>
+            <a:endCxn id="100" idx="0"/>
+          </p:cNvCxnSpPr>
           <p:nvPr/>
         </p:nvCxnSpPr>
         <p:spPr>
-          <a:xfrm rot="5400000">
-            <a:off x="4105647" y="4906014"/>
-            <a:ext cx="143025" cy="876"/>
+          <a:xfrm rot="16200000" flipH="1">
+            <a:off x="4979039" y="4850507"/>
+            <a:ext cx="141852" cy="623"/>
           </a:xfrm>
           <a:prstGeom prst="bentConnector3">
             <a:avLst>
-              <a:gd name="adj1" fmla="val 835492"/>
+              <a:gd name="adj1" fmla="val 50000"/>
             </a:avLst>
           </a:prstGeom>
           <a:ln w="12700">
@@ -5664,17 +5358,20 @@
       <p:cxnSp>
         <p:nvCxnSpPr>
           <p:cNvPr id="365" name="Conector angular 364"/>
-          <p:cNvCxnSpPr/>
+          <p:cNvCxnSpPr>
+            <a:stCxn id="222" idx="2"/>
+            <a:endCxn id="256" idx="0"/>
+          </p:cNvCxnSpPr>
           <p:nvPr/>
         </p:nvCxnSpPr>
         <p:spPr>
           <a:xfrm rot="5400000">
-            <a:off x="3037810" y="4998820"/>
-            <a:ext cx="143025" cy="876"/>
+            <a:off x="3888836" y="4828520"/>
+            <a:ext cx="175298" cy="11152"/>
           </a:xfrm>
           <a:prstGeom prst="bentConnector3">
             <a:avLst>
-              <a:gd name="adj1" fmla="val -62028"/>
+              <a:gd name="adj1" fmla="val 50000"/>
             </a:avLst>
           </a:prstGeom>
           <a:ln w="12700">
@@ -5701,17 +5398,20 @@
       <p:cxnSp>
         <p:nvCxnSpPr>
           <p:cNvPr id="367" name="Conector angular 366"/>
-          <p:cNvCxnSpPr/>
+          <p:cNvCxnSpPr>
+            <a:stCxn id="331" idx="2"/>
+            <a:endCxn id="101" idx="0"/>
+          </p:cNvCxnSpPr>
           <p:nvPr/>
         </p:nvCxnSpPr>
         <p:spPr>
           <a:xfrm rot="5400000">
-            <a:off x="5411006" y="4906340"/>
-            <a:ext cx="143025" cy="876"/>
+            <a:off x="6091001" y="4821671"/>
+            <a:ext cx="166012" cy="608"/>
           </a:xfrm>
           <a:prstGeom prst="bentConnector3">
             <a:avLst>
-              <a:gd name="adj1" fmla="val 145900"/>
+              <a:gd name="adj1" fmla="val 50000"/>
             </a:avLst>
           </a:prstGeom>
           <a:ln w="12700">
@@ -5738,17 +5438,20 @@
       <p:cxnSp>
         <p:nvCxnSpPr>
           <p:cNvPr id="368" name="Conector angular 367"/>
-          <p:cNvCxnSpPr/>
+          <p:cNvCxnSpPr>
+            <a:stCxn id="176" idx="0"/>
+            <a:endCxn id="85" idx="2"/>
+          </p:cNvCxnSpPr>
           <p:nvPr/>
         </p:nvCxnSpPr>
         <p:spPr>
           <a:xfrm rot="16200000" flipV="1">
-            <a:off x="6864695" y="3843477"/>
-            <a:ext cx="12700" cy="880608"/>
+            <a:off x="5051769" y="663690"/>
+            <a:ext cx="2384809" cy="4522850"/>
           </a:xfrm>
           <a:prstGeom prst="bentConnector3">
             <a:avLst>
-              <a:gd name="adj1" fmla="val 1318819"/>
+              <a:gd name="adj1" fmla="val 9445"/>
             </a:avLst>
           </a:prstGeom>
           <a:ln w="12700">
@@ -5775,17 +5478,20 @@
       <p:cxnSp>
         <p:nvCxnSpPr>
           <p:cNvPr id="369" name="Conector angular 368"/>
-          <p:cNvCxnSpPr/>
+          <p:cNvCxnSpPr>
+            <a:stCxn id="361" idx="2"/>
+            <a:endCxn id="145" idx="0"/>
+          </p:cNvCxnSpPr>
           <p:nvPr/>
         </p:nvCxnSpPr>
         <p:spPr>
-          <a:xfrm rot="16200000" flipV="1">
-            <a:off x="6214042" y="742291"/>
-            <a:ext cx="316720" cy="1126731"/>
+          <a:xfrm rot="5400000">
+            <a:off x="6023850" y="46713"/>
+            <a:ext cx="285204" cy="1892364"/>
           </a:xfrm>
           <a:prstGeom prst="bentConnector3">
             <a:avLst>
-              <a:gd name="adj1" fmla="val 160147"/>
+              <a:gd name="adj1" fmla="val 50000"/>
             </a:avLst>
           </a:prstGeom>
           <a:ln w="12700">
@@ -5849,17 +5555,20 @@
       <p:cxnSp>
         <p:nvCxnSpPr>
           <p:cNvPr id="372" name="Conector angular 371"/>
-          <p:cNvCxnSpPr/>
+          <p:cNvCxnSpPr>
+            <a:stCxn id="361" idx="2"/>
+            <a:endCxn id="153" idx="0"/>
+          </p:cNvCxnSpPr>
           <p:nvPr/>
         </p:nvCxnSpPr>
         <p:spPr>
-          <a:xfrm rot="5400000">
-            <a:off x="7737583" y="1030611"/>
-            <a:ext cx="143025" cy="876"/>
+          <a:xfrm rot="16200000" flipH="1">
+            <a:off x="7214409" y="748518"/>
+            <a:ext cx="290183" cy="493732"/>
           </a:xfrm>
           <a:prstGeom prst="bentConnector3">
             <a:avLst>
-              <a:gd name="adj1" fmla="val 121925"/>
+              <a:gd name="adj1" fmla="val 50000"/>
             </a:avLst>
           </a:prstGeom>
           <a:ln w="12700">
@@ -5886,17 +5595,20 @@
       <p:cxnSp>
         <p:nvCxnSpPr>
           <p:cNvPr id="373" name="Conector angular 372"/>
-          <p:cNvCxnSpPr/>
+          <p:cNvCxnSpPr>
+            <a:stCxn id="145" idx="2"/>
+            <a:endCxn id="165" idx="0"/>
+          </p:cNvCxnSpPr>
           <p:nvPr/>
         </p:nvCxnSpPr>
         <p:spPr>
-          <a:xfrm rot="5400000">
-            <a:off x="5737456" y="1468235"/>
-            <a:ext cx="143025" cy="876"/>
+          <a:xfrm rot="16200000" flipH="1">
+            <a:off x="5168875" y="1443767"/>
+            <a:ext cx="106251" cy="3461"/>
           </a:xfrm>
           <a:prstGeom prst="bentConnector3">
             <a:avLst>
-              <a:gd name="adj1" fmla="val 276429"/>
+              <a:gd name="adj1" fmla="val 50000"/>
             </a:avLst>
           </a:prstGeom>
           <a:ln w="12700">
@@ -5923,17 +5635,20 @@
       <p:cxnSp>
         <p:nvCxnSpPr>
           <p:cNvPr id="374" name="Conector angular 373"/>
-          <p:cNvCxnSpPr/>
+          <p:cNvCxnSpPr>
+            <a:stCxn id="165" idx="2"/>
+            <a:endCxn id="166" idx="0"/>
+          </p:cNvCxnSpPr>
           <p:nvPr/>
         </p:nvCxnSpPr>
         <p:spPr>
           <a:xfrm rot="5400000">
-            <a:off x="5736580" y="2036020"/>
-            <a:ext cx="143025" cy="876"/>
+            <a:off x="5144146" y="1801071"/>
+            <a:ext cx="151197" cy="7974"/>
           </a:xfrm>
           <a:prstGeom prst="bentConnector3">
             <a:avLst>
-              <a:gd name="adj1" fmla="val 145900"/>
+              <a:gd name="adj1" fmla="val 50000"/>
             </a:avLst>
           </a:prstGeom>
           <a:ln w="12700">
@@ -5960,17 +5675,20 @@
       <p:cxnSp>
         <p:nvCxnSpPr>
           <p:cNvPr id="375" name="Conector angular 374"/>
-          <p:cNvCxnSpPr/>
+          <p:cNvCxnSpPr>
+            <a:stCxn id="166" idx="2"/>
+            <a:endCxn id="167" idx="0"/>
+          </p:cNvCxnSpPr>
           <p:nvPr/>
         </p:nvCxnSpPr>
         <p:spPr>
           <a:xfrm rot="5400000">
-            <a:off x="5733933" y="2755444"/>
-            <a:ext cx="143025" cy="876"/>
+            <a:off x="5145524" y="2457292"/>
+            <a:ext cx="138754" cy="1713"/>
           </a:xfrm>
           <a:prstGeom prst="bentConnector3">
             <a:avLst>
-              <a:gd name="adj1" fmla="val 145900"/>
+              <a:gd name="adj1" fmla="val 50000"/>
             </a:avLst>
           </a:prstGeom>
           <a:ln w="12700">
@@ -5997,17 +5715,20 @@
       <p:cxnSp>
         <p:nvCxnSpPr>
           <p:cNvPr id="376" name="Conector angular 375"/>
-          <p:cNvCxnSpPr/>
+          <p:cNvCxnSpPr>
+            <a:stCxn id="167" idx="2"/>
+            <a:endCxn id="168" idx="0"/>
+          </p:cNvCxnSpPr>
           <p:nvPr/>
         </p:nvCxnSpPr>
         <p:spPr>
           <a:xfrm rot="5400000">
-            <a:off x="5735703" y="3117560"/>
-            <a:ext cx="143025" cy="876"/>
+            <a:off x="5151483" y="2820918"/>
+            <a:ext cx="125122" cy="12700"/>
           </a:xfrm>
           <a:prstGeom prst="bentConnector3">
             <a:avLst>
-              <a:gd name="adj1" fmla="val 145900"/>
+              <a:gd name="adj1" fmla="val 50000"/>
             </a:avLst>
           </a:prstGeom>
           <a:ln w="12700">
@@ -6034,17 +5755,20 @@
       <p:cxnSp>
         <p:nvCxnSpPr>
           <p:cNvPr id="377" name="Conector angular 376"/>
-          <p:cNvCxnSpPr/>
+          <p:cNvCxnSpPr>
+            <a:stCxn id="151" idx="2"/>
+            <a:endCxn id="169" idx="0"/>
+          </p:cNvCxnSpPr>
           <p:nvPr/>
         </p:nvCxnSpPr>
         <p:spPr>
           <a:xfrm rot="5400000">
-            <a:off x="6867070" y="1784882"/>
-            <a:ext cx="143025" cy="876"/>
+            <a:off x="6427644" y="1439269"/>
+            <a:ext cx="104220" cy="4291"/>
           </a:xfrm>
           <a:prstGeom prst="bentConnector3">
             <a:avLst>
-              <a:gd name="adj1" fmla="val 145900"/>
+              <a:gd name="adj1" fmla="val 50000"/>
             </a:avLst>
           </a:prstGeom>
           <a:ln w="12700">
@@ -6071,13 +5795,16 @@
       <p:cxnSp>
         <p:nvCxnSpPr>
           <p:cNvPr id="378" name="Conector angular 377"/>
-          <p:cNvCxnSpPr/>
+          <p:cNvCxnSpPr>
+            <a:stCxn id="169" idx="2"/>
+            <a:endCxn id="171" idx="0"/>
+          </p:cNvCxnSpPr>
           <p:nvPr/>
         </p:nvCxnSpPr>
         <p:spPr>
           <a:xfrm rot="5400000">
-            <a:off x="6873264" y="2139648"/>
-            <a:ext cx="143025" cy="876"/>
+            <a:off x="6397320" y="1802472"/>
+            <a:ext cx="158404" cy="2172"/>
           </a:xfrm>
           <a:prstGeom prst="bentConnector3">
             <a:avLst>
@@ -6108,17 +5835,20 @@
       <p:cxnSp>
         <p:nvCxnSpPr>
           <p:cNvPr id="379" name="Conector angular 378"/>
-          <p:cNvCxnSpPr/>
+          <p:cNvCxnSpPr>
+            <a:stCxn id="153" idx="2"/>
+            <a:endCxn id="172" idx="0"/>
+          </p:cNvCxnSpPr>
           <p:nvPr/>
         </p:nvCxnSpPr>
         <p:spPr>
           <a:xfrm rot="5400000">
-            <a:off x="7751829" y="1445777"/>
-            <a:ext cx="143025" cy="876"/>
+            <a:off x="7547648" y="1439906"/>
+            <a:ext cx="116608" cy="829"/>
           </a:xfrm>
           <a:prstGeom prst="bentConnector3">
             <a:avLst>
-              <a:gd name="adj1" fmla="val 393640"/>
+              <a:gd name="adj1" fmla="val 50000"/>
             </a:avLst>
           </a:prstGeom>
           <a:ln w="12700">
@@ -6145,17 +5875,20 @@
       <p:cxnSp>
         <p:nvCxnSpPr>
           <p:cNvPr id="380" name="Conector angular 379"/>
-          <p:cNvCxnSpPr/>
+          <p:cNvCxnSpPr>
+            <a:stCxn id="172" idx="2"/>
+            <a:endCxn id="174" idx="0"/>
+          </p:cNvCxnSpPr>
           <p:nvPr/>
         </p:nvCxnSpPr>
         <p:spPr>
           <a:xfrm rot="5400000">
-            <a:off x="7736707" y="2184553"/>
-            <a:ext cx="143025" cy="876"/>
+            <a:off x="7531129" y="1803744"/>
+            <a:ext cx="148693" cy="125"/>
           </a:xfrm>
           <a:prstGeom prst="bentConnector3">
             <a:avLst>
-              <a:gd name="adj1" fmla="val 548144"/>
+              <a:gd name="adj1" fmla="val 50000"/>
             </a:avLst>
           </a:prstGeom>
           <a:ln w="12700">
@@ -6187,8 +5920,8 @@
         </p:nvSpPr>
         <p:spPr>
           <a:xfrm>
-            <a:off x="8368244" y="1917700"/>
-            <a:ext cx="605960" cy="230836"/>
+            <a:off x="8439313" y="1498624"/>
+            <a:ext cx="376254" cy="230836"/>
           </a:xfrm>
           <a:prstGeom prst="rect">
             <a:avLst/>
@@ -6203,33 +5936,32 @@
           <a:p>
             <a:pPr algn="ctr"/>
             <a:r>
-              <a:rPr lang="es-ES" sz="900" dirty="0" smtClean="0">
+              <a:rPr lang="es-ES" sz="900" dirty="0">
                 <a:latin typeface="Arial" panose="020B0604020202020204" pitchFamily="34" charset="0"/>
                 <a:cs typeface="Arial" panose="020B0604020202020204" pitchFamily="34" charset="0"/>
               </a:rPr>
               <a:t>son</a:t>
             </a:r>
-            <a:endParaRPr lang="es-ES" sz="900" dirty="0">
-              <a:latin typeface="Arial" panose="020B0604020202020204" pitchFamily="34" charset="0"/>
-              <a:cs typeface="Arial" panose="020B0604020202020204" pitchFamily="34" charset="0"/>
-            </a:endParaRPr>
           </a:p>
         </p:txBody>
       </p:sp>
       <p:cxnSp>
         <p:nvCxnSpPr>
           <p:cNvPr id="382" name="Conector angular 381"/>
-          <p:cNvCxnSpPr/>
+          <p:cNvCxnSpPr>
+            <a:stCxn id="154" idx="2"/>
+            <a:endCxn id="381" idx="0"/>
+          </p:cNvCxnSpPr>
           <p:nvPr/>
         </p:nvCxnSpPr>
         <p:spPr>
           <a:xfrm rot="5400000">
-            <a:off x="8612112" y="1757439"/>
-            <a:ext cx="143025" cy="876"/>
+            <a:off x="8572181" y="1443363"/>
+            <a:ext cx="110521" cy="1"/>
           </a:xfrm>
           <a:prstGeom prst="bentConnector3">
             <a:avLst>
-              <a:gd name="adj1" fmla="val 145900"/>
+              <a:gd name="adj1" fmla="val 50000"/>
             </a:avLst>
           </a:prstGeom>
           <a:ln w="12700">
@@ -6256,17 +5988,20 @@
       <p:cxnSp>
         <p:nvCxnSpPr>
           <p:cNvPr id="383" name="Conector angular 382"/>
-          <p:cNvCxnSpPr/>
+          <p:cNvCxnSpPr>
+            <a:stCxn id="381" idx="2"/>
+            <a:endCxn id="175" idx="0"/>
+          </p:cNvCxnSpPr>
           <p:nvPr/>
         </p:nvCxnSpPr>
         <p:spPr>
-          <a:xfrm rot="5400000">
-            <a:off x="8610470" y="2174741"/>
-            <a:ext cx="143025" cy="876"/>
+          <a:xfrm rot="16200000" flipH="1">
+            <a:off x="8554553" y="1802347"/>
+            <a:ext cx="145942" cy="168"/>
           </a:xfrm>
           <a:prstGeom prst="bentConnector3">
             <a:avLst>
-              <a:gd name="adj1" fmla="val 1251406"/>
+              <a:gd name="adj1" fmla="val 50000"/>
             </a:avLst>
           </a:prstGeom>
           <a:ln w="12700">
@@ -6298,7 +6033,7 @@
         </p:nvSpPr>
         <p:spPr>
           <a:xfrm>
-            <a:off x="5020746" y="5939174"/>
+            <a:off x="5697594" y="5816224"/>
             <a:ext cx="961635" cy="230832"/>
           </a:xfrm>
           <a:prstGeom prst="rect">
@@ -6314,16 +6049,12 @@
           <a:p>
             <a:pPr algn="ctr"/>
             <a:r>
-              <a:rPr lang="es-ES" sz="900" dirty="0" smtClean="0">
+              <a:rPr lang="es-ES" sz="900" dirty="0">
                 <a:latin typeface="Arial" panose="020B0604020202020204" pitchFamily="34" charset="0"/>
                 <a:cs typeface="Arial" panose="020B0604020202020204" pitchFamily="34" charset="0"/>
               </a:rPr>
               <a:t>requisito para</a:t>
             </a:r>
-            <a:endParaRPr lang="es-ES" sz="900" dirty="0">
-              <a:latin typeface="Arial" panose="020B0604020202020204" pitchFamily="34" charset="0"/>
-              <a:cs typeface="Arial" panose="020B0604020202020204" pitchFamily="34" charset="0"/>
-            </a:endParaRPr>
           </a:p>
         </p:txBody>
       </p:sp>
@@ -6335,7 +6066,7 @@
         </p:nvSpPr>
         <p:spPr>
           <a:xfrm>
-            <a:off x="5192935" y="6258676"/>
+            <a:off x="5807096" y="6185174"/>
             <a:ext cx="759604" cy="434243"/>
           </a:xfrm>
           <a:prstGeom prst="rect">
@@ -6380,7 +6111,7 @@
           <a:p>
             <a:pPr algn="ctr"/>
             <a:r>
-              <a:rPr lang="es-ES" sz="900" dirty="0" smtClean="0">
+              <a:rPr lang="es-ES" sz="900" dirty="0">
                 <a:solidFill>
                   <a:schemeClr val="tx1"/>
                 </a:solidFill>
@@ -6402,17 +6133,20 @@
       <p:cxnSp>
         <p:nvCxnSpPr>
           <p:cNvPr id="386" name="Conector angular 385"/>
-          <p:cNvCxnSpPr/>
+          <p:cNvCxnSpPr>
+            <a:stCxn id="384" idx="0"/>
+            <a:endCxn id="101" idx="2"/>
+          </p:cNvCxnSpPr>
           <p:nvPr/>
         </p:nvCxnSpPr>
         <p:spPr>
-          <a:xfrm rot="5400000">
-            <a:off x="5457971" y="5907238"/>
-            <a:ext cx="143025" cy="876"/>
+          <a:xfrm rot="16200000" flipV="1">
+            <a:off x="6110376" y="5748187"/>
+            <a:ext cx="131364" cy="4709"/>
           </a:xfrm>
           <a:prstGeom prst="bentConnector3">
             <a:avLst>
-              <a:gd name="adj1" fmla="val 4715"/>
+              <a:gd name="adj1" fmla="val 50000"/>
             </a:avLst>
           </a:prstGeom>
           <a:ln w="12700">
@@ -6439,17 +6173,60 @@
       <p:cxnSp>
         <p:nvCxnSpPr>
           <p:cNvPr id="387" name="Conector angular 386"/>
-          <p:cNvCxnSpPr/>
+          <p:cNvCxnSpPr>
+            <a:stCxn id="385" idx="0"/>
+            <a:endCxn id="384" idx="2"/>
+          </p:cNvCxnSpPr>
           <p:nvPr/>
         </p:nvCxnSpPr>
         <p:spPr>
-          <a:xfrm rot="5400000">
-            <a:off x="5457972" y="6189018"/>
-            <a:ext cx="143025" cy="876"/>
+          <a:xfrm rot="16200000" flipV="1">
+            <a:off x="6113596" y="6111872"/>
+            <a:ext cx="138118" cy="8486"/>
           </a:xfrm>
           <a:prstGeom prst="bentConnector3">
             <a:avLst>
-              <a:gd name="adj1" fmla="val 4715"/>
+              <a:gd name="adj1" fmla="val 50000"/>
+            </a:avLst>
+          </a:prstGeom>
+          <a:ln w="12700">
+            <a:solidFill>
+              <a:schemeClr val="tx1"/>
+            </a:solidFill>
+          </a:ln>
+        </p:spPr>
+        <p:style>
+          <a:lnRef idx="1">
+            <a:schemeClr val="accent1"/>
+          </a:lnRef>
+          <a:fillRef idx="0">
+            <a:schemeClr val="accent1"/>
+          </a:fillRef>
+          <a:effectRef idx="0">
+            <a:schemeClr val="accent1"/>
+          </a:effectRef>
+          <a:fontRef idx="minor">
+            <a:schemeClr val="tx1"/>
+          </a:fontRef>
+        </p:style>
+      </p:cxnSp>
+      <p:cxnSp>
+        <p:nvCxnSpPr>
+          <p:cNvPr id="118" name="Conector angular 117"/>
+          <p:cNvCxnSpPr>
+            <a:stCxn id="361" idx="2"/>
+            <a:endCxn id="151" idx="0"/>
+          </p:cNvCxnSpPr>
+          <p:nvPr/>
+        </p:nvCxnSpPr>
+        <p:spPr>
+          <a:xfrm rot="5400000">
+            <a:off x="6650681" y="681512"/>
+            <a:ext cx="293173" cy="630735"/>
+          </a:xfrm>
+          <a:prstGeom prst="bentConnector3">
+            <a:avLst>
+              <a:gd name="adj1" fmla="val 50000"/>
             </a:avLst>
           </a:prstGeom>
           <a:ln w="12700">
@@ -6483,13 +6260,6 @@
   <p:clrMapOvr>
     <a:masterClrMapping/>
   </p:clrMapOvr>
-  <p:timing>
-    <p:tnLst>
-      <p:par>
-        <p:cTn id="1" dur="indefinite" restart="never" nodeType="tmRoot"/>
-      </p:par>
-    </p:tnLst>
-  </p:timing>
 </p:sld>
 </file>
 

--- a/fuentes/contenidos/grado10/guion01/MapaConceptualMA_10_01_CO.pptx
+++ b/fuentes/contenidos/grado10/guion01/MapaConceptualMA_10_01_CO.pptx
@@ -394,7 +394,7 @@
           <a:p>
             <a:fld id="{5001C876-01F7-4317-94B9-1AE222133113}" type="datetimeFigureOut">
               <a:rPr lang="es-ES" smtClean="0"/>
-              <a:t>23/07/2016</a:t>
+              <a:t>25/07/2016</a:t>
             </a:fld>
             <a:endParaRPr lang="es-ES"/>
           </a:p>
@@ -1051,15 +1051,12 @@
       <p:cxnSp>
         <p:nvCxnSpPr>
           <p:cNvPr id="12" name="Conector angular 11"/>
-          <p:cNvCxnSpPr>
-            <a:stCxn id="4" idx="2"/>
-            <a:endCxn id="130" idx="0"/>
-          </p:cNvCxnSpPr>
+          <p:cNvCxnSpPr/>
           <p:nvPr/>
         </p:nvCxnSpPr>
         <p:spPr>
           <a:xfrm rot="5400000">
-            <a:off x="3384705" y="-768972"/>
+            <a:off x="3384704" y="-756800"/>
             <a:ext cx="166785" cy="2567000"/>
           </a:xfrm>
           <a:prstGeom prst="bentConnector3">
@@ -1580,46 +1577,6 @@
           </a:p>
         </p:txBody>
       </p:sp>
-      <p:cxnSp>
-        <p:nvCxnSpPr>
-          <p:cNvPr id="221" name="Conector angular 220"/>
-          <p:cNvCxnSpPr>
-            <a:stCxn id="85" idx="2"/>
-            <a:endCxn id="220" idx="0"/>
-          </p:cNvCxnSpPr>
-          <p:nvPr/>
-        </p:nvCxnSpPr>
-        <p:spPr>
-          <a:xfrm rot="5400000">
-            <a:off x="2781692" y="2924288"/>
-            <a:ext cx="2392634" cy="9479"/>
-          </a:xfrm>
-          <a:prstGeom prst="bentConnector3">
-            <a:avLst>
-              <a:gd name="adj1" fmla="val 50000"/>
-            </a:avLst>
-          </a:prstGeom>
-          <a:ln w="12700">
-            <a:solidFill>
-              <a:schemeClr val="tx1"/>
-            </a:solidFill>
-          </a:ln>
-        </p:spPr>
-        <p:style>
-          <a:lnRef idx="1">
-            <a:schemeClr val="accent1"/>
-          </a:lnRef>
-          <a:fillRef idx="0">
-            <a:schemeClr val="accent1"/>
-          </a:fillRef>
-          <a:effectRef idx="0">
-            <a:schemeClr val="accent1"/>
-          </a:effectRef>
-          <a:fontRef idx="minor">
-            <a:schemeClr val="tx1"/>
-          </a:fontRef>
-        </p:style>
-      </p:cxnSp>
       <p:sp>
         <p:nvSpPr>
           <p:cNvPr id="222" name="CuadroTexto 221" descr="Conector entre nodos" title="conector"/>
@@ -2165,7 +2122,7 @@
           </a:xfrm>
           <a:prstGeom prst="bentConnector3">
             <a:avLst>
-              <a:gd name="adj1" fmla="val 50000"/>
+              <a:gd name="adj1" fmla="val 101841"/>
             </a:avLst>
           </a:prstGeom>
           <a:ln w="12700">
@@ -3373,7 +3330,7 @@
         </p:nvSpPr>
         <p:spPr>
           <a:xfrm>
-            <a:off x="6995365" y="4122776"/>
+            <a:off x="6814564" y="4101509"/>
             <a:ext cx="1012137" cy="544605"/>
           </a:xfrm>
           <a:prstGeom prst="rect">
@@ -3783,7 +3740,7 @@
         </p:nvSpPr>
         <p:spPr>
           <a:xfrm>
-            <a:off x="4669691" y="2883479"/>
+            <a:off x="4663874" y="2927971"/>
             <a:ext cx="1088705" cy="669904"/>
           </a:xfrm>
           <a:prstGeom prst="rect">
@@ -4233,7 +4190,7 @@
         </p:nvSpPr>
         <p:spPr>
           <a:xfrm>
-            <a:off x="8195629" y="4117519"/>
+            <a:off x="8069375" y="4101508"/>
             <a:ext cx="619938" cy="544605"/>
           </a:xfrm>
           <a:prstGeom prst="rect">
@@ -4285,15 +4242,12 @@
       <p:cxnSp>
         <p:nvCxnSpPr>
           <p:cNvPr id="177" name="Conector angular 176"/>
-          <p:cNvCxnSpPr>
-            <a:stCxn id="5" idx="2"/>
-            <a:endCxn id="218" idx="0"/>
-          </p:cNvCxnSpPr>
+          <p:cNvCxnSpPr/>
           <p:nvPr/>
         </p:nvCxnSpPr>
         <p:spPr>
           <a:xfrm rot="16200000" flipH="1">
-            <a:off x="2533219" y="1385382"/>
+            <a:off x="2533220" y="1394671"/>
             <a:ext cx="369946" cy="1078495"/>
           </a:xfrm>
           <a:prstGeom prst="bentConnector3">
@@ -4405,15 +4359,12 @@
       <p:cxnSp>
         <p:nvCxnSpPr>
           <p:cNvPr id="181" name="Conector angular 180"/>
-          <p:cNvCxnSpPr>
-            <a:stCxn id="85" idx="2"/>
-            <a:endCxn id="170" idx="0"/>
-          </p:cNvCxnSpPr>
+          <p:cNvCxnSpPr/>
           <p:nvPr/>
         </p:nvCxnSpPr>
         <p:spPr>
           <a:xfrm rot="16200000" flipH="1">
-            <a:off x="3326806" y="2388652"/>
+            <a:off x="3316332" y="2383014"/>
             <a:ext cx="2387148" cy="1075264"/>
           </a:xfrm>
           <a:prstGeom prst="bentConnector3">
@@ -4932,20 +4883,17 @@
       <p:cxnSp>
         <p:nvCxnSpPr>
           <p:cNvPr id="325" name="Conector angular 324"/>
-          <p:cNvCxnSpPr>
-            <a:stCxn id="4" idx="2"/>
-            <a:endCxn id="163" idx="0"/>
-          </p:cNvCxnSpPr>
+          <p:cNvCxnSpPr/>
           <p:nvPr/>
         </p:nvCxnSpPr>
         <p:spPr>
-          <a:xfrm rot="5400000">
-            <a:off x="4279456" y="140779"/>
-            <a:ext cx="181785" cy="762499"/>
+          <a:xfrm rot="5400000" flipH="1" flipV="1">
+            <a:off x="5551551" y="3620403"/>
+            <a:ext cx="5257" cy="1004164"/>
           </a:xfrm>
           <a:prstGeom prst="bentConnector3">
             <a:avLst>
-              <a:gd name="adj1" fmla="val 50000"/>
+              <a:gd name="adj1" fmla="val 4448488"/>
             </a:avLst>
           </a:prstGeom>
           <a:ln w="12700">
@@ -4985,7 +4933,7 @@
           </a:xfrm>
           <a:prstGeom prst="bentConnector3">
             <a:avLst>
-              <a:gd name="adj1" fmla="val 50000"/>
+              <a:gd name="adj1" fmla="val 99372"/>
             </a:avLst>
           </a:prstGeom>
           <a:ln w="12700">
@@ -5025,87 +4973,7 @@
           </a:xfrm>
           <a:prstGeom prst="bentConnector3">
             <a:avLst>
-              <a:gd name="adj1" fmla="val 50000"/>
-            </a:avLst>
-          </a:prstGeom>
-          <a:ln w="12700">
-            <a:solidFill>
-              <a:schemeClr val="tx1"/>
-            </a:solidFill>
-          </a:ln>
-        </p:spPr>
-        <p:style>
-          <a:lnRef idx="1">
-            <a:schemeClr val="accent1"/>
-          </a:lnRef>
-          <a:fillRef idx="0">
-            <a:schemeClr val="accent1"/>
-          </a:fillRef>
-          <a:effectRef idx="0">
-            <a:schemeClr val="accent1"/>
-          </a:effectRef>
-          <a:fontRef idx="minor">
-            <a:schemeClr val="tx1"/>
-          </a:fontRef>
-        </p:style>
-      </p:cxnSp>
-      <p:cxnSp>
-        <p:nvCxnSpPr>
-          <p:cNvPr id="328" name="Conector angular 327"/>
-          <p:cNvCxnSpPr>
-            <a:stCxn id="161" idx="0"/>
-            <a:endCxn id="85" idx="2"/>
-          </p:cNvCxnSpPr>
-          <p:nvPr/>
-        </p:nvCxnSpPr>
-        <p:spPr>
-          <a:xfrm rot="16200000" flipV="1">
-            <a:off x="4547058" y="1168400"/>
-            <a:ext cx="2390066" cy="3518686"/>
-          </a:xfrm>
-          <a:prstGeom prst="bentConnector3">
-            <a:avLst>
-              <a:gd name="adj1" fmla="val 9534"/>
-            </a:avLst>
-          </a:prstGeom>
-          <a:ln w="12700">
-            <a:solidFill>
-              <a:schemeClr val="tx1"/>
-            </a:solidFill>
-          </a:ln>
-        </p:spPr>
-        <p:style>
-          <a:lnRef idx="1">
-            <a:schemeClr val="accent1"/>
-          </a:lnRef>
-          <a:fillRef idx="0">
-            <a:schemeClr val="accent1"/>
-          </a:fillRef>
-          <a:effectRef idx="0">
-            <a:schemeClr val="accent1"/>
-          </a:effectRef>
-          <a:fontRef idx="minor">
-            <a:schemeClr val="tx1"/>
-          </a:fontRef>
-        </p:style>
-      </p:cxnSp>
-      <p:cxnSp>
-        <p:nvCxnSpPr>
-          <p:cNvPr id="329" name="Conector angular 328"/>
-          <p:cNvCxnSpPr>
-            <a:stCxn id="173" idx="0"/>
-            <a:endCxn id="85" idx="2"/>
-          </p:cNvCxnSpPr>
-          <p:nvPr/>
-        </p:nvCxnSpPr>
-        <p:spPr>
-          <a:xfrm rot="16200000" flipV="1">
-            <a:off x="3883430" y="1832028"/>
-            <a:ext cx="2387148" cy="2188511"/>
-          </a:xfrm>
-          <a:prstGeom prst="bentConnector3">
-            <a:avLst>
-              <a:gd name="adj1" fmla="val 9485"/>
+              <a:gd name="adj1" fmla="val 6326"/>
             </a:avLst>
           </a:prstGeom>
           <a:ln w="12700">
@@ -5211,7 +5079,7 @@
           </a:xfrm>
           <a:prstGeom prst="bentConnector3">
             <a:avLst>
-              <a:gd name="adj1" fmla="val 50000"/>
+              <a:gd name="adj1" fmla="val 96873"/>
             </a:avLst>
           </a:prstGeom>
           <a:ln w="12700">
@@ -5251,7 +5119,7 @@
           </a:xfrm>
           <a:prstGeom prst="bentConnector3">
             <a:avLst>
-              <a:gd name="adj1" fmla="val 50000"/>
+              <a:gd name="adj1" fmla="val 94928"/>
             </a:avLst>
           </a:prstGeom>
           <a:ln w="12700">
@@ -5291,7 +5159,7 @@
           </a:xfrm>
           <a:prstGeom prst="bentConnector3">
             <a:avLst>
-              <a:gd name="adj1" fmla="val 50000"/>
+              <a:gd name="adj1" fmla="val 96711"/>
             </a:avLst>
           </a:prstGeom>
           <a:ln w="12700">
@@ -5371,7 +5239,7 @@
           </a:xfrm>
           <a:prstGeom prst="bentConnector3">
             <a:avLst>
-              <a:gd name="adj1" fmla="val 50000"/>
+              <a:gd name="adj1" fmla="val 98723"/>
             </a:avLst>
           </a:prstGeom>
           <a:ln w="12700">
@@ -5437,56 +5305,13 @@
       </p:cxnSp>
       <p:cxnSp>
         <p:nvCxnSpPr>
-          <p:cNvPr id="368" name="Conector angular 367"/>
-          <p:cNvCxnSpPr>
-            <a:stCxn id="176" idx="0"/>
-            <a:endCxn id="85" idx="2"/>
-          </p:cNvCxnSpPr>
+          <p:cNvPr id="369" name="Conector angular 368"/>
+          <p:cNvCxnSpPr/>
           <p:nvPr/>
         </p:nvCxnSpPr>
         <p:spPr>
-          <a:xfrm rot="16200000" flipV="1">
-            <a:off x="5051769" y="663690"/>
-            <a:ext cx="2384809" cy="4522850"/>
-          </a:xfrm>
-          <a:prstGeom prst="bentConnector3">
-            <a:avLst>
-              <a:gd name="adj1" fmla="val 9445"/>
-            </a:avLst>
-          </a:prstGeom>
-          <a:ln w="12700">
-            <a:solidFill>
-              <a:schemeClr val="tx1"/>
-            </a:solidFill>
-          </a:ln>
-        </p:spPr>
-        <p:style>
-          <a:lnRef idx="1">
-            <a:schemeClr val="accent1"/>
-          </a:lnRef>
-          <a:fillRef idx="0">
-            <a:schemeClr val="accent1"/>
-          </a:fillRef>
-          <a:effectRef idx="0">
-            <a:schemeClr val="accent1"/>
-          </a:effectRef>
-          <a:fontRef idx="minor">
-            <a:schemeClr val="tx1"/>
-          </a:fontRef>
-        </p:style>
-      </p:cxnSp>
-      <p:cxnSp>
-        <p:nvCxnSpPr>
-          <p:cNvPr id="369" name="Conector angular 368"/>
-          <p:cNvCxnSpPr>
-            <a:stCxn id="361" idx="2"/>
-            <a:endCxn id="145" idx="0"/>
-          </p:cNvCxnSpPr>
-          <p:nvPr/>
-        </p:nvCxnSpPr>
-        <p:spPr>
           <a:xfrm rot="5400000">
-            <a:off x="6023850" y="46713"/>
+            <a:off x="6023849" y="46913"/>
             <a:ext cx="285204" cy="1892364"/>
           </a:xfrm>
           <a:prstGeom prst="bentConnector3">
@@ -5556,20 +5381,17 @@
         <p:nvCxnSpPr>
           <p:cNvPr id="372" name="Conector angular 371"/>
           <p:cNvCxnSpPr>
-            <a:stCxn id="361" idx="2"/>
             <a:endCxn id="153" idx="0"/>
           </p:cNvCxnSpPr>
           <p:nvPr/>
         </p:nvCxnSpPr>
         <p:spPr>
-          <a:xfrm rot="16200000" flipH="1">
-            <a:off x="7214409" y="748518"/>
-            <a:ext cx="290183" cy="493732"/>
-          </a:xfrm>
-          <a:prstGeom prst="bentConnector3">
-            <a:avLst>
-              <a:gd name="adj1" fmla="val 50000"/>
-            </a:avLst>
+          <a:xfrm>
+            <a:off x="7126488" y="988858"/>
+            <a:ext cx="479878" cy="151618"/>
+          </a:xfrm>
+          <a:prstGeom prst="bentConnector2">
+            <a:avLst/>
           </a:prstGeom>
           <a:ln w="12700">
             <a:solidFill>
@@ -5608,7 +5430,7 @@
           </a:xfrm>
           <a:prstGeom prst="bentConnector3">
             <a:avLst>
-              <a:gd name="adj1" fmla="val 50000"/>
+              <a:gd name="adj1" fmla="val -3525"/>
             </a:avLst>
           </a:prstGeom>
           <a:ln w="12700">
@@ -5648,7 +5470,7 @@
           </a:xfrm>
           <a:prstGeom prst="bentConnector3">
             <a:avLst>
-              <a:gd name="adj1" fmla="val 50000"/>
+              <a:gd name="adj1" fmla="val 96197"/>
             </a:avLst>
           </a:prstGeom>
           <a:ln w="12700">
@@ -5688,7 +5510,7 @@
           </a:xfrm>
           <a:prstGeom prst="bentConnector3">
             <a:avLst>
-              <a:gd name="adj1" fmla="val 50000"/>
+              <a:gd name="adj1" fmla="val -4315"/>
             </a:avLst>
           </a:prstGeom>
           <a:ln w="12700">
@@ -5723,12 +5545,12 @@
         </p:nvCxnSpPr>
         <p:spPr>
           <a:xfrm rot="5400000">
-            <a:off x="5151483" y="2820918"/>
-            <a:ext cx="125122" cy="12700"/>
+            <a:off x="5126329" y="2840256"/>
+            <a:ext cx="169614" cy="5817"/>
           </a:xfrm>
           <a:prstGeom prst="bentConnector3">
             <a:avLst>
-              <a:gd name="adj1" fmla="val 50000"/>
+              <a:gd name="adj1" fmla="val 103319"/>
             </a:avLst>
           </a:prstGeom>
           <a:ln w="12700">
@@ -5768,7 +5590,7 @@
           </a:xfrm>
           <a:prstGeom prst="bentConnector3">
             <a:avLst>
-              <a:gd name="adj1" fmla="val 50000"/>
+              <a:gd name="adj1" fmla="val 6612"/>
             </a:avLst>
           </a:prstGeom>
           <a:ln w="12700">
@@ -5808,7 +5630,7 @@
           </a:xfrm>
           <a:prstGeom prst="bentConnector3">
             <a:avLst>
-              <a:gd name="adj1" fmla="val 50000"/>
+              <a:gd name="adj1" fmla="val -10263"/>
             </a:avLst>
           </a:prstGeom>
           <a:ln w="12700">
@@ -6066,7 +5888,7 @@
         </p:nvSpPr>
         <p:spPr>
           <a:xfrm>
-            <a:off x="5807096" y="6185174"/>
+            <a:off x="5800690" y="6271681"/>
             <a:ext cx="759604" cy="434243"/>
           </a:xfrm>
           <a:prstGeom prst="rect">
@@ -6133,20 +5955,17 @@
       <p:cxnSp>
         <p:nvCxnSpPr>
           <p:cNvPr id="386" name="Conector angular 385"/>
-          <p:cNvCxnSpPr>
-            <a:stCxn id="384" idx="0"/>
-            <a:endCxn id="101" idx="2"/>
-          </p:cNvCxnSpPr>
+          <p:cNvCxnSpPr/>
           <p:nvPr/>
         </p:nvCxnSpPr>
         <p:spPr>
           <a:xfrm rot="16200000" flipV="1">
-            <a:off x="6110376" y="5748187"/>
+            <a:off x="6105665" y="5760650"/>
             <a:ext cx="131364" cy="4709"/>
           </a:xfrm>
           <a:prstGeom prst="bentConnector3">
             <a:avLst>
-              <a:gd name="adj1" fmla="val 50000"/>
+              <a:gd name="adj1" fmla="val 103543"/>
             </a:avLst>
           </a:prstGeom>
           <a:ln w="12700">
@@ -6181,8 +6000,8 @@
         </p:nvCxnSpPr>
         <p:spPr>
           <a:xfrm rot="16200000" flipV="1">
-            <a:off x="6113596" y="6111872"/>
-            <a:ext cx="138118" cy="8486"/>
+            <a:off x="6067140" y="6158329"/>
+            <a:ext cx="224625" cy="2080"/>
           </a:xfrm>
           <a:prstGeom prst="bentConnector3">
             <a:avLst>
@@ -6212,21 +6031,169 @@
       </p:cxnSp>
       <p:cxnSp>
         <p:nvCxnSpPr>
-          <p:cNvPr id="118" name="Conector angular 117"/>
+          <p:cNvPr id="132" name="Conector angular 131"/>
           <p:cNvCxnSpPr>
-            <a:stCxn id="361" idx="2"/>
-            <a:endCxn id="151" idx="0"/>
+            <a:endCxn id="220" idx="0"/>
           </p:cNvCxnSpPr>
           <p:nvPr/>
         </p:nvCxnSpPr>
         <p:spPr>
           <a:xfrm rot="5400000">
-            <a:off x="6650681" y="681512"/>
-            <a:ext cx="293173" cy="630735"/>
+            <a:off x="3863219" y="4006502"/>
+            <a:ext cx="228892" cy="8792"/>
           </a:xfrm>
           <a:prstGeom prst="bentConnector3">
             <a:avLst>
-              <a:gd name="adj1" fmla="val 50000"/>
+              <a:gd name="adj1" fmla="val -4875"/>
+            </a:avLst>
+          </a:prstGeom>
+          <a:ln w="12700">
+            <a:solidFill>
+              <a:schemeClr val="tx1"/>
+            </a:solidFill>
+          </a:ln>
+        </p:spPr>
+        <p:style>
+          <a:lnRef idx="1">
+            <a:schemeClr val="accent1"/>
+          </a:lnRef>
+          <a:fillRef idx="0">
+            <a:schemeClr val="accent1"/>
+          </a:fillRef>
+          <a:effectRef idx="0">
+            <a:schemeClr val="accent1"/>
+          </a:effectRef>
+          <a:fontRef idx="minor">
+            <a:schemeClr val="tx1"/>
+          </a:fontRef>
+        </p:style>
+      </p:cxnSp>
+      <p:cxnSp>
+        <p:nvCxnSpPr>
+          <p:cNvPr id="138" name="Conector angular 137"/>
+          <p:cNvCxnSpPr/>
+          <p:nvPr/>
+        </p:nvCxnSpPr>
+        <p:spPr>
+          <a:xfrm rot="5400000" flipH="1" flipV="1">
+            <a:off x="7995562" y="3606439"/>
+            <a:ext cx="5257" cy="1004164"/>
+          </a:xfrm>
+          <a:prstGeom prst="bentConnector3">
+            <a:avLst>
+              <a:gd name="adj1" fmla="val 4161670"/>
+            </a:avLst>
+          </a:prstGeom>
+          <a:ln w="12700">
+            <a:solidFill>
+              <a:schemeClr val="tx1"/>
+            </a:solidFill>
+          </a:ln>
+        </p:spPr>
+        <p:style>
+          <a:lnRef idx="1">
+            <a:schemeClr val="accent1"/>
+          </a:lnRef>
+          <a:fillRef idx="0">
+            <a:schemeClr val="accent1"/>
+          </a:fillRef>
+          <a:effectRef idx="0">
+            <a:schemeClr val="accent1"/>
+          </a:effectRef>
+          <a:fontRef idx="minor">
+            <a:schemeClr val="tx1"/>
+          </a:fontRef>
+        </p:style>
+      </p:cxnSp>
+      <p:cxnSp>
+        <p:nvCxnSpPr>
+          <p:cNvPr id="139" name="Conector angular 138"/>
+          <p:cNvCxnSpPr/>
+          <p:nvPr/>
+        </p:nvCxnSpPr>
+        <p:spPr>
+          <a:xfrm flipV="1">
+            <a:off x="6056262" y="4101509"/>
+            <a:ext cx="1439846" cy="11130"/>
+          </a:xfrm>
+          <a:prstGeom prst="bentConnector4">
+            <a:avLst>
+              <a:gd name="adj1" fmla="val 155"/>
+              <a:gd name="adj2" fmla="val 1973351"/>
+            </a:avLst>
+          </a:prstGeom>
+          <a:ln w="12700">
+            <a:solidFill>
+              <a:schemeClr val="tx1"/>
+            </a:solidFill>
+          </a:ln>
+        </p:spPr>
+        <p:style>
+          <a:lnRef idx="1">
+            <a:schemeClr val="accent1"/>
+          </a:lnRef>
+          <a:fillRef idx="0">
+            <a:schemeClr val="accent1"/>
+          </a:fillRef>
+          <a:effectRef idx="0">
+            <a:schemeClr val="accent1"/>
+          </a:effectRef>
+          <a:fontRef idx="minor">
+            <a:schemeClr val="tx1"/>
+          </a:fontRef>
+        </p:style>
+      </p:cxnSp>
+      <p:cxnSp>
+        <p:nvCxnSpPr>
+          <p:cNvPr id="150" name="Conector angular 149"/>
+          <p:cNvCxnSpPr/>
+          <p:nvPr/>
+        </p:nvCxnSpPr>
+        <p:spPr>
+          <a:xfrm rot="5400000">
+            <a:off x="6394126" y="1062428"/>
+            <a:ext cx="158404" cy="2172"/>
+          </a:xfrm>
+          <a:prstGeom prst="bentConnector3">
+            <a:avLst>
+              <a:gd name="adj1" fmla="val 100748"/>
+            </a:avLst>
+          </a:prstGeom>
+          <a:ln w="12700">
+            <a:solidFill>
+              <a:schemeClr val="tx1"/>
+            </a:solidFill>
+          </a:ln>
+        </p:spPr>
+        <p:style>
+          <a:lnRef idx="1">
+            <a:schemeClr val="accent1"/>
+          </a:lnRef>
+          <a:fillRef idx="0">
+            <a:schemeClr val="accent1"/>
+          </a:fillRef>
+          <a:effectRef idx="0">
+            <a:schemeClr val="accent1"/>
+          </a:effectRef>
+          <a:fontRef idx="minor">
+            <a:schemeClr val="tx1"/>
+          </a:fontRef>
+        </p:style>
+      </p:cxnSp>
+      <p:cxnSp>
+        <p:nvCxnSpPr>
+          <p:cNvPr id="152" name="Conector angular 151"/>
+          <p:cNvCxnSpPr/>
+          <p:nvPr/>
+        </p:nvCxnSpPr>
+        <p:spPr>
+          <a:xfrm rot="5400000">
+            <a:off x="3910640" y="612815"/>
+            <a:ext cx="169614" cy="5817"/>
+          </a:xfrm>
+          <a:prstGeom prst="bentConnector3">
+            <a:avLst>
+              <a:gd name="adj1" fmla="val -358"/>
             </a:avLst>
           </a:prstGeom>
           <a:ln w="12700">

--- a/fuentes/contenidos/grado10/guion01/MapaConceptualMA_10_01_CO.pptx
+++ b/fuentes/contenidos/grado10/guion01/MapaConceptualMA_10_01_CO.pptx
@@ -1056,7 +1056,7 @@
         </p:nvCxnSpPr>
         <p:spPr>
           <a:xfrm rot="5400000">
-            <a:off x="3384704" y="-756800"/>
+            <a:off x="3338140" y="-763435"/>
             <a:ext cx="166785" cy="2567000"/>
           </a:xfrm>
           <a:prstGeom prst="bentConnector3">
@@ -1670,20 +1670,17 @@
       <p:cxnSp>
         <p:nvCxnSpPr>
           <p:cNvPr id="336" name="Conector angular 335"/>
-          <p:cNvCxnSpPr>
-            <a:stCxn id="4" idx="2"/>
-            <a:endCxn id="361" idx="0"/>
-          </p:cNvCxnSpPr>
+          <p:cNvCxnSpPr/>
           <p:nvPr/>
         </p:nvCxnSpPr>
         <p:spPr>
-          <a:xfrm rot="16200000" flipH="1">
-            <a:off x="5837953" y="-655221"/>
-            <a:ext cx="188325" cy="2361037"/>
+          <a:xfrm>
+            <a:off x="4703848" y="521955"/>
+            <a:ext cx="2405108" cy="125496"/>
           </a:xfrm>
           <a:prstGeom prst="bentConnector3">
             <a:avLst>
-              <a:gd name="adj1" fmla="val 50000"/>
+              <a:gd name="adj1" fmla="val 100135"/>
             </a:avLst>
           </a:prstGeom>
           <a:ln w="12700">
@@ -1715,7 +1712,7 @@
         </p:nvSpPr>
         <p:spPr>
           <a:xfrm>
-            <a:off x="6551418" y="619461"/>
+            <a:off x="6565272" y="619286"/>
             <a:ext cx="1122431" cy="230832"/>
           </a:xfrm>
           <a:prstGeom prst="rect">
@@ -2109,15 +2106,12 @@
       <p:cxnSp>
         <p:nvCxnSpPr>
           <p:cNvPr id="149" name="Conector angular 148"/>
-          <p:cNvCxnSpPr>
-            <a:stCxn id="130" idx="2"/>
-            <a:endCxn id="5" idx="0"/>
-          </p:cNvCxnSpPr>
+          <p:cNvCxnSpPr/>
           <p:nvPr/>
         </p:nvCxnSpPr>
         <p:spPr>
           <a:xfrm rot="5400000">
-            <a:off x="2036399" y="971299"/>
+            <a:off x="1989834" y="961374"/>
             <a:ext cx="290744" cy="5652"/>
           </a:xfrm>
           <a:prstGeom prst="bentConnector3">
@@ -3042,16 +3036,13 @@
       <p:cxnSp>
         <p:nvCxnSpPr>
           <p:cNvPr id="105" name="Conector angular 104"/>
-          <p:cNvCxnSpPr>
-            <a:stCxn id="361" idx="2"/>
-            <a:endCxn id="154" idx="0"/>
-          </p:cNvCxnSpPr>
+          <p:cNvCxnSpPr/>
           <p:nvPr/>
         </p:nvCxnSpPr>
         <p:spPr>
           <a:xfrm rot="16200000" flipH="1">
-            <a:off x="7727997" y="234929"/>
-            <a:ext cx="284080" cy="1514807"/>
+            <a:off x="7716845" y="220466"/>
+            <a:ext cx="284255" cy="1500953"/>
           </a:xfrm>
           <a:prstGeom prst="bentConnector3">
             <a:avLst>
@@ -3271,7 +3262,7 @@
         </p:nvSpPr>
         <p:spPr>
           <a:xfrm>
-            <a:off x="8152394" y="1134373"/>
+            <a:off x="8159618" y="1126821"/>
             <a:ext cx="950093" cy="253730"/>
           </a:xfrm>
           <a:prstGeom prst="rect">
@@ -4247,7 +4238,7 @@
         </p:nvCxnSpPr>
         <p:spPr>
           <a:xfrm rot="16200000" flipH="1">
-            <a:off x="2533220" y="1394671"/>
+            <a:off x="2513274" y="1394186"/>
             <a:ext cx="369946" cy="1078495"/>
           </a:xfrm>
           <a:prstGeom prst="bentConnector3">
@@ -4279,15 +4270,12 @@
       <p:cxnSp>
         <p:nvCxnSpPr>
           <p:cNvPr id="179" name="Conector angular 178"/>
-          <p:cNvCxnSpPr>
-            <a:stCxn id="5" idx="2"/>
-            <a:endCxn id="19" idx="0"/>
-          </p:cNvCxnSpPr>
+          <p:cNvCxnSpPr/>
           <p:nvPr/>
         </p:nvCxnSpPr>
         <p:spPr>
           <a:xfrm rot="5400000">
-            <a:off x="1595874" y="1541288"/>
+            <a:off x="1568112" y="1541288"/>
             <a:ext cx="384702" cy="781440"/>
           </a:xfrm>
           <a:prstGeom prst="bentConnector3">
@@ -5310,88 +5298,14 @@
           <p:nvPr/>
         </p:nvCxnSpPr>
         <p:spPr>
-          <a:xfrm rot="5400000">
-            <a:off x="6023849" y="46913"/>
-            <a:ext cx="285204" cy="1892364"/>
+          <a:xfrm rot="10800000" flipV="1">
+            <a:off x="5211536" y="967778"/>
+            <a:ext cx="1909895" cy="158265"/>
           </a:xfrm>
           <a:prstGeom prst="bentConnector3">
             <a:avLst>
-              <a:gd name="adj1" fmla="val 50000"/>
+              <a:gd name="adj1" fmla="val 99718"/>
             </a:avLst>
-          </a:prstGeom>
-          <a:ln w="12700">
-            <a:solidFill>
-              <a:schemeClr val="tx1"/>
-            </a:solidFill>
-          </a:ln>
-        </p:spPr>
-        <p:style>
-          <a:lnRef idx="1">
-            <a:schemeClr val="accent1"/>
-          </a:lnRef>
-          <a:fillRef idx="0">
-            <a:schemeClr val="accent1"/>
-          </a:fillRef>
-          <a:effectRef idx="0">
-            <a:schemeClr val="accent1"/>
-          </a:effectRef>
-          <a:fontRef idx="minor">
-            <a:schemeClr val="tx1"/>
-          </a:fontRef>
-        </p:style>
-      </p:cxnSp>
-      <p:cxnSp>
-        <p:nvCxnSpPr>
-          <p:cNvPr id="371" name="Conector angular 370"/>
-          <p:cNvCxnSpPr/>
-          <p:nvPr/>
-        </p:nvCxnSpPr>
-        <p:spPr>
-          <a:xfrm rot="5400000">
-            <a:off x="7042672" y="880474"/>
-            <a:ext cx="143025" cy="876"/>
-          </a:xfrm>
-          <a:prstGeom prst="bentConnector3">
-            <a:avLst>
-              <a:gd name="adj1" fmla="val 50000"/>
-            </a:avLst>
-          </a:prstGeom>
-          <a:ln w="12700">
-            <a:solidFill>
-              <a:schemeClr val="tx1"/>
-            </a:solidFill>
-          </a:ln>
-        </p:spPr>
-        <p:style>
-          <a:lnRef idx="1">
-            <a:schemeClr val="accent1"/>
-          </a:lnRef>
-          <a:fillRef idx="0">
-            <a:schemeClr val="accent1"/>
-          </a:fillRef>
-          <a:effectRef idx="0">
-            <a:schemeClr val="accent1"/>
-          </a:effectRef>
-          <a:fontRef idx="minor">
-            <a:schemeClr val="tx1"/>
-          </a:fontRef>
-        </p:style>
-      </p:cxnSp>
-      <p:cxnSp>
-        <p:nvCxnSpPr>
-          <p:cNvPr id="372" name="Conector angular 371"/>
-          <p:cNvCxnSpPr>
-            <a:endCxn id="153" idx="0"/>
-          </p:cNvCxnSpPr>
-          <p:nvPr/>
-        </p:nvCxnSpPr>
-        <p:spPr>
-          <a:xfrm>
-            <a:off x="7126488" y="988858"/>
-            <a:ext cx="479878" cy="151618"/>
-          </a:xfrm>
-          <a:prstGeom prst="bentConnector2">
-            <a:avLst/>
           </a:prstGeom>
           <a:ln w="12700">
             <a:solidFill>
@@ -5417,15 +5331,12 @@
       <p:cxnSp>
         <p:nvCxnSpPr>
           <p:cNvPr id="373" name="Conector angular 372"/>
-          <p:cNvCxnSpPr>
-            <a:stCxn id="145" idx="2"/>
-            <a:endCxn id="165" idx="0"/>
-          </p:cNvCxnSpPr>
+          <p:cNvCxnSpPr/>
           <p:nvPr/>
         </p:nvCxnSpPr>
         <p:spPr>
           <a:xfrm rot="16200000" flipH="1">
-            <a:off x="5168875" y="1443767"/>
+            <a:off x="5168875" y="1452932"/>
             <a:ext cx="106251" cy="3461"/>
           </a:xfrm>
           <a:prstGeom prst="bentConnector3">
@@ -5497,15 +5408,12 @@
       <p:cxnSp>
         <p:nvCxnSpPr>
           <p:cNvPr id="375" name="Conector angular 374"/>
-          <p:cNvCxnSpPr>
-            <a:stCxn id="166" idx="2"/>
-            <a:endCxn id="167" idx="0"/>
-          </p:cNvCxnSpPr>
+          <p:cNvCxnSpPr/>
           <p:nvPr/>
         </p:nvCxnSpPr>
         <p:spPr>
           <a:xfrm rot="5400000">
-            <a:off x="5145524" y="2457292"/>
+            <a:off x="5145523" y="2466751"/>
             <a:ext cx="138754" cy="1713"/>
           </a:xfrm>
           <a:prstGeom prst="bentConnector3">
@@ -5590,7 +5498,7 @@
           </a:xfrm>
           <a:prstGeom prst="bentConnector3">
             <a:avLst>
-              <a:gd name="adj1" fmla="val 6612"/>
+              <a:gd name="adj1" fmla="val 1789"/>
             </a:avLst>
           </a:prstGeom>
           <a:ln w="12700">
@@ -5630,7 +5538,7 @@
           </a:xfrm>
           <a:prstGeom prst="bentConnector3">
             <a:avLst>
-              <a:gd name="adj1" fmla="val -10263"/>
+              <a:gd name="adj1" fmla="val 97576"/>
             </a:avLst>
           </a:prstGeom>
           <a:ln w="12700">
@@ -5770,20 +5678,17 @@
       <p:cxnSp>
         <p:nvCxnSpPr>
           <p:cNvPr id="382" name="Conector angular 381"/>
-          <p:cNvCxnSpPr>
-            <a:stCxn id="154" idx="2"/>
-            <a:endCxn id="381" idx="0"/>
-          </p:cNvCxnSpPr>
+          <p:cNvCxnSpPr/>
           <p:nvPr/>
         </p:nvCxnSpPr>
         <p:spPr>
           <a:xfrm rot="5400000">
-            <a:off x="8572181" y="1443363"/>
-            <a:ext cx="110521" cy="1"/>
+            <a:off x="8562897" y="1447291"/>
+            <a:ext cx="118073" cy="7225"/>
           </a:xfrm>
           <a:prstGeom prst="bentConnector3">
             <a:avLst>
-              <a:gd name="adj1" fmla="val 50000"/>
+              <a:gd name="adj1" fmla="val -9571"/>
             </a:avLst>
           </a:prstGeom>
           <a:ln w="12700">
@@ -6156,7 +6061,7 @@
           </a:xfrm>
           <a:prstGeom prst="bentConnector3">
             <a:avLst>
-              <a:gd name="adj1" fmla="val 100748"/>
+              <a:gd name="adj1" fmla="val -10263"/>
             </a:avLst>
           </a:prstGeom>
           <a:ln w="12700">
@@ -6194,6 +6099,45 @@
           <a:prstGeom prst="bentConnector3">
             <a:avLst>
               <a:gd name="adj1" fmla="val -358"/>
+            </a:avLst>
+          </a:prstGeom>
+          <a:ln w="12700">
+            <a:solidFill>
+              <a:schemeClr val="tx1"/>
+            </a:solidFill>
+          </a:ln>
+        </p:spPr>
+        <p:style>
+          <a:lnRef idx="1">
+            <a:schemeClr val="accent1"/>
+          </a:lnRef>
+          <a:fillRef idx="0">
+            <a:schemeClr val="accent1"/>
+          </a:fillRef>
+          <a:effectRef idx="0">
+            <a:schemeClr val="accent1"/>
+          </a:effectRef>
+          <a:fontRef idx="minor">
+            <a:schemeClr val="tx1"/>
+          </a:fontRef>
+        </p:style>
+      </p:cxnSp>
+      <p:cxnSp>
+        <p:nvCxnSpPr>
+          <p:cNvPr id="126" name="Conector angular 125"/>
+          <p:cNvCxnSpPr>
+            <a:endCxn id="153" idx="0"/>
+          </p:cNvCxnSpPr>
+          <p:nvPr/>
+        </p:nvCxnSpPr>
+        <p:spPr>
+          <a:xfrm rot="16200000" flipH="1">
+            <a:off x="7524461" y="1058570"/>
+            <a:ext cx="162857" cy="954"/>
+          </a:xfrm>
+          <a:prstGeom prst="bentConnector3">
+            <a:avLst>
+              <a:gd name="adj1" fmla="val 639"/>
             </a:avLst>
           </a:prstGeom>
           <a:ln w="12700">

--- a/fuentes/contenidos/grado10/guion01/MapaConceptualMA_10_01_CO.pptx
+++ b/fuentes/contenidos/grado10/guion01/MapaConceptualMA_10_01_CO.pptx
@@ -394,7 +394,7 @@
           <a:p>
             <a:fld id="{5001C876-01F7-4317-94B9-1AE222133113}" type="datetimeFigureOut">
               <a:rPr lang="es-ES" smtClean="0"/>
-              <a:t>25/07/2016</a:t>
+              <a:t>26/07/2016</a:t>
             </a:fld>
             <a:endParaRPr lang="es-ES"/>
           </a:p>
@@ -997,8 +997,8 @@
         </p:nvSpPr>
         <p:spPr>
           <a:xfrm>
-            <a:off x="1456740" y="1119497"/>
-            <a:ext cx="1444410" cy="620160"/>
+            <a:off x="971916" y="1168832"/>
+            <a:ext cx="1106775" cy="281864"/>
           </a:xfrm>
           <a:prstGeom prst="rect">
             <a:avLst/>
@@ -1039,12 +1039,16 @@
           <a:p>
             <a:pPr algn="ctr"/>
             <a:r>
-              <a:rPr lang="es-ES" sz="1050" b="1" dirty="0">
-                <a:latin typeface="Arial" panose="020B0604020202020204" pitchFamily="34" charset="0"/>
-                <a:cs typeface="Arial" panose="020B0604020202020204" pitchFamily="34" charset="0"/>
-              </a:rPr>
-              <a:t>Las relaciones que se establecen entre dos variables</a:t>
-            </a:r>
+              <a:rPr lang="es-ES" sz="1050" b="1" dirty="0" smtClean="0">
+                <a:latin typeface="Arial" panose="020B0604020202020204" pitchFamily="34" charset="0"/>
+                <a:cs typeface="Arial" panose="020B0604020202020204" pitchFamily="34" charset="0"/>
+              </a:rPr>
+              <a:t>Relaciones</a:t>
+            </a:r>
+            <a:endParaRPr lang="es-ES" sz="1050" b="1" dirty="0">
+              <a:latin typeface="Arial" panose="020B0604020202020204" pitchFamily="34" charset="0"/>
+              <a:cs typeface="Arial" panose="020B0604020202020204" pitchFamily="34" charset="0"/>
+            </a:endParaRPr>
           </a:p>
         </p:txBody>
       </p:sp>
@@ -1055,14 +1059,12 @@
           <p:nvPr/>
         </p:nvCxnSpPr>
         <p:spPr>
-          <a:xfrm rot="5400000">
-            <a:off x="3338140" y="-763435"/>
-            <a:ext cx="166785" cy="2567000"/>
-          </a:xfrm>
-          <a:prstGeom prst="bentConnector3">
-            <a:avLst>
-              <a:gd name="adj1" fmla="val 50000"/>
-            </a:avLst>
+          <a:xfrm rot="10800000" flipV="1">
+            <a:off x="1440282" y="546034"/>
+            <a:ext cx="3522965" cy="141321"/>
+          </a:xfrm>
+          <a:prstGeom prst="bentConnector2">
+            <a:avLst/>
           </a:prstGeom>
           <a:ln w="12700">
             <a:solidFill>
@@ -1087,14 +1089,14 @@
       </p:cxnSp>
       <p:sp>
         <p:nvSpPr>
-          <p:cNvPr id="19" name="CuadroTexto 18" descr="Conector entre nodos" title="conector"/>
+          <p:cNvPr id="130" name="CuadroTexto 129" descr="Conector entre nodos" title="conector"/>
           <p:cNvSpPr txBox="1"/>
           <p:nvPr/>
         </p:nvSpPr>
         <p:spPr>
           <a:xfrm>
-            <a:off x="899829" y="2124359"/>
-            <a:ext cx="995352" cy="230832"/>
+            <a:off x="1233909" y="729689"/>
+            <a:ext cx="432746" cy="230832"/>
           </a:xfrm>
           <a:prstGeom prst="rect">
             <a:avLst/>
@@ -1113,402 +1115,7 @@
                 <a:latin typeface="Arial" panose="020B0604020202020204" pitchFamily="34" charset="0"/>
                 <a:cs typeface="Arial" panose="020B0604020202020204" pitchFamily="34" charset="0"/>
               </a:rPr>
-              <a:t>denominadas</a:t>
-            </a:r>
-          </a:p>
-        </p:txBody>
-      </p:sp>
-      <p:sp>
-        <p:nvSpPr>
-          <p:cNvPr id="44" name="Rectángulo 43" descr="Nodo de segundo nivel" title="Nodo02"/>
-          <p:cNvSpPr/>
-          <p:nvPr/>
-        </p:nvSpPr>
-        <p:spPr>
-          <a:xfrm>
-            <a:off x="433838" y="2554341"/>
-            <a:ext cx="916810" cy="342440"/>
-          </a:xfrm>
-          <a:prstGeom prst="rect">
-            <a:avLst/>
-          </a:prstGeom>
-          <a:solidFill>
-            <a:schemeClr val="bg2">
-              <a:lumMod val="50000"/>
-            </a:schemeClr>
-          </a:solidFill>
-          <a:ln>
-            <a:solidFill>
-              <a:schemeClr val="tx1"/>
-            </a:solidFill>
-          </a:ln>
-        </p:spPr>
-        <p:style>
-          <a:lnRef idx="2">
-            <a:schemeClr val="accent6"/>
-          </a:lnRef>
-          <a:fillRef idx="1">
-            <a:schemeClr val="lt1"/>
-          </a:fillRef>
-          <a:effectRef idx="0">
-            <a:schemeClr val="accent6"/>
-          </a:effectRef>
-          <a:fontRef idx="minor">
-            <a:schemeClr val="dk1"/>
-          </a:fontRef>
-        </p:style>
-        <p:txBody>
-          <a:bodyPr rtlCol="0" anchor="ctr"/>
-          <a:lstStyle/>
-          <a:p>
-            <a:pPr algn="ctr"/>
-            <a:r>
-              <a:rPr lang="es-ES" sz="900" dirty="0">
-                <a:solidFill>
-                  <a:schemeClr val="bg1"/>
-                </a:solidFill>
-                <a:latin typeface="Arial" panose="020B0604020202020204" pitchFamily="34" charset="0"/>
-                <a:cs typeface="Arial" panose="020B0604020202020204" pitchFamily="34" charset="0"/>
-              </a:rPr>
-              <a:t>variable independiente</a:t>
-            </a:r>
-          </a:p>
-        </p:txBody>
-      </p:sp>
-      <p:sp>
-        <p:nvSpPr>
-          <p:cNvPr id="67" name="CuadroTexto 66" descr="Conector entre nodos" title="conector"/>
-          <p:cNvSpPr txBox="1"/>
-          <p:nvPr/>
-        </p:nvSpPr>
-        <p:spPr>
-          <a:xfrm>
-            <a:off x="507890" y="3010276"/>
-            <a:ext cx="937234" cy="230832"/>
-          </a:xfrm>
-          <a:prstGeom prst="rect">
-            <a:avLst/>
-          </a:prstGeom>
-          <a:noFill/>
-        </p:spPr>
-        <p:txBody>
-          <a:bodyPr wrap="square" rtlCol="0">
-            <a:spAutoFit/>
-          </a:bodyPr>
-          <a:lstStyle/>
-          <a:p>
-            <a:pPr algn="ctr"/>
-            <a:r>
-              <a:rPr lang="es-ES" sz="900" dirty="0">
-                <a:latin typeface="Arial" panose="020B0604020202020204" pitchFamily="34" charset="0"/>
-                <a:cs typeface="Arial" panose="020B0604020202020204" pitchFamily="34" charset="0"/>
-              </a:rPr>
-              <a:t>es aquella que</a:t>
-            </a:r>
-          </a:p>
-        </p:txBody>
-      </p:sp>
-      <p:cxnSp>
-        <p:nvCxnSpPr>
-          <p:cNvPr id="68" name="Conector angular 67"/>
-          <p:cNvCxnSpPr/>
-          <p:nvPr/>
-        </p:nvCxnSpPr>
-        <p:spPr>
-          <a:xfrm rot="5400000">
-            <a:off x="886264" y="2968748"/>
-            <a:ext cx="143026" cy="877"/>
-          </a:xfrm>
-          <a:prstGeom prst="bentConnector3">
-            <a:avLst>
-              <a:gd name="adj1" fmla="val 50000"/>
-            </a:avLst>
-          </a:prstGeom>
-          <a:ln w="12700">
-            <a:solidFill>
-              <a:schemeClr val="tx1"/>
-            </a:solidFill>
-          </a:ln>
-        </p:spPr>
-        <p:style>
-          <a:lnRef idx="1">
-            <a:schemeClr val="accent1"/>
-          </a:lnRef>
-          <a:fillRef idx="0">
-            <a:schemeClr val="accent1"/>
-          </a:fillRef>
-          <a:effectRef idx="0">
-            <a:schemeClr val="accent1"/>
-          </a:effectRef>
-          <a:fontRef idx="minor">
-            <a:schemeClr val="tx1"/>
-          </a:fontRef>
-        </p:style>
-      </p:cxnSp>
-      <p:sp>
-        <p:nvSpPr>
-          <p:cNvPr id="72" name="Rectángulo 71" descr="Nodo de tercer nivel" title="Nodo03"/>
-          <p:cNvSpPr/>
-          <p:nvPr/>
-        </p:nvSpPr>
-        <p:spPr>
-          <a:xfrm>
-            <a:off x="497086" y="3323312"/>
-            <a:ext cx="883571" cy="306143"/>
-          </a:xfrm>
-          <a:prstGeom prst="rect">
-            <a:avLst/>
-          </a:prstGeom>
-          <a:solidFill>
-            <a:schemeClr val="bg2">
-              <a:lumMod val="90000"/>
-            </a:schemeClr>
-          </a:solidFill>
-          <a:ln>
-            <a:solidFill>
-              <a:schemeClr val="tx1"/>
-            </a:solidFill>
-          </a:ln>
-        </p:spPr>
-        <p:style>
-          <a:lnRef idx="2">
-            <a:schemeClr val="accent6"/>
-          </a:lnRef>
-          <a:fillRef idx="1">
-            <a:schemeClr val="lt1"/>
-          </a:fillRef>
-          <a:effectRef idx="0">
-            <a:schemeClr val="accent6"/>
-          </a:effectRef>
-          <a:fontRef idx="minor">
-            <a:schemeClr val="dk1"/>
-          </a:fontRef>
-        </p:style>
-        <p:txBody>
-          <a:bodyPr rtlCol="0" anchor="ctr"/>
-          <a:lstStyle/>
-          <a:p>
-            <a:pPr algn="ctr"/>
-            <a:r>
-              <a:rPr lang="es-ES" sz="900" dirty="0">
-                <a:solidFill>
-                  <a:schemeClr val="tx1"/>
-                </a:solidFill>
-                <a:latin typeface="Arial" panose="020B0604020202020204" pitchFamily="34" charset="0"/>
-                <a:cs typeface="Arial" panose="020B0604020202020204" pitchFamily="34" charset="0"/>
-              </a:rPr>
-              <a:t>toma valores arbitrarios</a:t>
-            </a:r>
-          </a:p>
-        </p:txBody>
-      </p:sp>
-      <p:sp>
-        <p:nvSpPr>
-          <p:cNvPr id="73" name="Rectángulo 72" descr="Nodo de cuarto nivel&#10;" title="Nodo04"/>
-          <p:cNvSpPr/>
-          <p:nvPr/>
-        </p:nvSpPr>
-        <p:spPr>
-          <a:xfrm>
-            <a:off x="395548" y="4165766"/>
-            <a:ext cx="1042399" cy="344921"/>
-          </a:xfrm>
-          <a:prstGeom prst="rect">
-            <a:avLst/>
-          </a:prstGeom>
-          <a:solidFill>
-            <a:schemeClr val="bg1"/>
-          </a:solidFill>
-          <a:ln>
-            <a:solidFill>
-              <a:schemeClr val="tx1"/>
-            </a:solidFill>
-          </a:ln>
-        </p:spPr>
-        <p:style>
-          <a:lnRef idx="2">
-            <a:schemeClr val="accent6"/>
-          </a:lnRef>
-          <a:fillRef idx="1">
-            <a:schemeClr val="lt1"/>
-          </a:fillRef>
-          <a:effectRef idx="0">
-            <a:schemeClr val="accent6"/>
-          </a:effectRef>
-          <a:fontRef idx="minor">
-            <a:schemeClr val="dk1"/>
-          </a:fontRef>
-        </p:style>
-        <p:txBody>
-          <a:bodyPr rtlCol="0" anchor="ctr"/>
-          <a:lstStyle/>
-          <a:p>
-            <a:pPr algn="ctr"/>
-            <a:r>
-              <a:rPr lang="es-ES" sz="900" dirty="0">
-                <a:solidFill>
-                  <a:schemeClr val="tx1"/>
-                </a:solidFill>
-                <a:latin typeface="Arial" panose="020B0604020202020204" pitchFamily="34" charset="0"/>
-                <a:cs typeface="Arial" panose="020B0604020202020204" pitchFamily="34" charset="0"/>
-              </a:rPr>
-              <a:t>sobre el eje </a:t>
-            </a:r>
-            <a:r>
-              <a:rPr lang="es-ES" sz="900" i="1" dirty="0">
-                <a:solidFill>
-                  <a:schemeClr val="tx1"/>
-                </a:solidFill>
-                <a:latin typeface="Arial" panose="020B0604020202020204" pitchFamily="34" charset="0"/>
-                <a:cs typeface="Arial" panose="020B0604020202020204" pitchFamily="34" charset="0"/>
-              </a:rPr>
-              <a:t>X</a:t>
-            </a:r>
-            <a:r>
-              <a:rPr lang="es-ES" sz="900" dirty="0">
-                <a:solidFill>
-                  <a:schemeClr val="tx1"/>
-                </a:solidFill>
-                <a:latin typeface="Arial" panose="020B0604020202020204" pitchFamily="34" charset="0"/>
-                <a:cs typeface="Arial" panose="020B0604020202020204" pitchFamily="34" charset="0"/>
-              </a:rPr>
-              <a:t> o de abscisas</a:t>
-            </a:r>
-          </a:p>
-        </p:txBody>
-      </p:sp>
-      <p:sp>
-        <p:nvSpPr>
-          <p:cNvPr id="75" name="CuadroTexto 74" descr="Conector entre nodos" title="conector"/>
-          <p:cNvSpPr txBox="1"/>
-          <p:nvPr/>
-        </p:nvSpPr>
-        <p:spPr>
-          <a:xfrm>
-            <a:off x="374590" y="3732177"/>
-            <a:ext cx="1117174" cy="230832"/>
-          </a:xfrm>
-          <a:prstGeom prst="rect">
-            <a:avLst/>
-          </a:prstGeom>
-          <a:noFill/>
-        </p:spPr>
-        <p:txBody>
-          <a:bodyPr wrap="square" rtlCol="0">
-            <a:spAutoFit/>
-          </a:bodyPr>
-          <a:lstStyle/>
-          <a:p>
-            <a:pPr algn="ctr"/>
-            <a:r>
-              <a:rPr lang="es-ES" sz="900" dirty="0">
-                <a:latin typeface="Arial" panose="020B0604020202020204" pitchFamily="34" charset="0"/>
-                <a:cs typeface="Arial" panose="020B0604020202020204" pitchFamily="34" charset="0"/>
-              </a:rPr>
-              <a:t>se representa</a:t>
-            </a:r>
-          </a:p>
-        </p:txBody>
-      </p:sp>
-      <p:cxnSp>
-        <p:nvCxnSpPr>
-          <p:cNvPr id="82" name="Conector angular 81"/>
-          <p:cNvCxnSpPr/>
-          <p:nvPr/>
-        </p:nvCxnSpPr>
-        <p:spPr>
-          <a:xfrm rot="16200000" flipH="1">
-            <a:off x="852128" y="4061428"/>
-            <a:ext cx="212150" cy="1732"/>
-          </a:xfrm>
-          <a:prstGeom prst="bentConnector3">
-            <a:avLst>
-              <a:gd name="adj1" fmla="val 95187"/>
-            </a:avLst>
-          </a:prstGeom>
-          <a:ln w="12700">
-            <a:solidFill>
-              <a:schemeClr val="tx1"/>
-            </a:solidFill>
-          </a:ln>
-        </p:spPr>
-        <p:style>
-          <a:lnRef idx="1">
-            <a:schemeClr val="accent1"/>
-          </a:lnRef>
-          <a:fillRef idx="0">
-            <a:schemeClr val="accent1"/>
-          </a:fillRef>
-          <a:effectRef idx="0">
-            <a:schemeClr val="accent1"/>
-          </a:effectRef>
-          <a:fontRef idx="minor">
-            <a:schemeClr val="tx1"/>
-          </a:fontRef>
-        </p:style>
-      </p:cxnSp>
-      <p:sp>
-        <p:nvSpPr>
-          <p:cNvPr id="130" name="CuadroTexto 129" descr="Conector entre nodos" title="conector"/>
-          <p:cNvSpPr txBox="1"/>
-          <p:nvPr/>
-        </p:nvSpPr>
-        <p:spPr>
-          <a:xfrm>
-            <a:off x="1968224" y="597921"/>
-            <a:ext cx="432746" cy="230832"/>
-          </a:xfrm>
-          <a:prstGeom prst="rect">
-            <a:avLst/>
-          </a:prstGeom>
-          <a:noFill/>
-        </p:spPr>
-        <p:txBody>
-          <a:bodyPr wrap="square" rtlCol="0">
-            <a:spAutoFit/>
-          </a:bodyPr>
-          <a:lstStyle/>
-          <a:p>
-            <a:pPr algn="ctr"/>
-            <a:r>
-              <a:rPr lang="es-ES" sz="900" dirty="0">
-                <a:latin typeface="Arial" panose="020B0604020202020204" pitchFamily="34" charset="0"/>
-                <a:cs typeface="Arial" panose="020B0604020202020204" pitchFamily="34" charset="0"/>
-              </a:rPr>
               <a:t>son</a:t>
-            </a:r>
-          </a:p>
-        </p:txBody>
-      </p:sp>
-      <p:sp>
-        <p:nvSpPr>
-          <p:cNvPr id="218" name="CuadroTexto 217" descr="Conector entre nodos" title="conector"/>
-          <p:cNvSpPr txBox="1"/>
-          <p:nvPr/>
-        </p:nvSpPr>
-        <p:spPr>
-          <a:xfrm>
-            <a:off x="2883356" y="2109603"/>
-            <a:ext cx="748168" cy="230832"/>
-          </a:xfrm>
-          <a:prstGeom prst="rect">
-            <a:avLst/>
-          </a:prstGeom>
-          <a:noFill/>
-        </p:spPr>
-        <p:txBody>
-          <a:bodyPr wrap="square" rtlCol="0">
-            <a:spAutoFit/>
-          </a:bodyPr>
-          <a:lstStyle/>
-          <a:p>
-            <a:pPr algn="ctr"/>
-            <a:r>
-              <a:rPr lang="es-ES" sz="900" dirty="0">
-                <a:latin typeface="Arial" panose="020B0604020202020204" pitchFamily="34" charset="0"/>
-                <a:cs typeface="Arial" panose="020B0604020202020204" pitchFamily="34" charset="0"/>
-              </a:rPr>
-              <a:t>se pueden</a:t>
             </a:r>
           </a:p>
         </p:txBody>
@@ -1521,7 +1128,7 @@
         </p:nvSpPr>
         <p:spPr>
           <a:xfrm>
-            <a:off x="3646976" y="4125344"/>
+            <a:off x="2814376" y="4075385"/>
             <a:ext cx="652586" cy="283083"/>
           </a:xfrm>
           <a:prstGeom prst="rect">
@@ -1585,7 +1192,7 @@
         </p:nvSpPr>
         <p:spPr>
           <a:xfrm>
-            <a:off x="3702767" y="4515615"/>
+            <a:off x="2814630" y="4443533"/>
             <a:ext cx="558588" cy="230832"/>
           </a:xfrm>
           <a:prstGeom prst="rect">
@@ -1618,7 +1225,7 @@
         </p:nvSpPr>
         <p:spPr>
           <a:xfrm>
-            <a:off x="3462630" y="4921745"/>
+            <a:off x="2484070" y="4850564"/>
             <a:ext cx="1016558" cy="1010983"/>
           </a:xfrm>
           <a:prstGeom prst="rect">
@@ -1675,12 +1282,12 @@
         </p:nvCxnSpPr>
         <p:spPr>
           <a:xfrm>
-            <a:off x="4703848" y="521955"/>
-            <a:ext cx="2405108" cy="125496"/>
+            <a:off x="4878740" y="546831"/>
+            <a:ext cx="2204485" cy="153185"/>
           </a:xfrm>
           <a:prstGeom prst="bentConnector3">
             <a:avLst>
-              <a:gd name="adj1" fmla="val 100135"/>
+              <a:gd name="adj1" fmla="val 99684"/>
             </a:avLst>
           </a:prstGeom>
           <a:ln w="12700">
@@ -1712,7 +1319,7 @@
         </p:nvSpPr>
         <p:spPr>
           <a:xfrm>
-            <a:off x="6565272" y="619286"/>
+            <a:off x="6583902" y="656269"/>
             <a:ext cx="1122431" cy="230832"/>
           </a:xfrm>
           <a:prstGeom prst="rect">
@@ -1733,513 +1340,6 @@
                 <a:cs typeface="Arial" panose="020B0604020202020204" pitchFamily="34" charset="0"/>
               </a:rPr>
               <a:t>pueden ser</a:t>
-            </a:r>
-          </a:p>
-        </p:txBody>
-      </p:sp>
-      <p:sp>
-        <p:nvSpPr>
-          <p:cNvPr id="119" name="Rectángulo 118" descr="Nodo de segundo nivel" title="Nodo02"/>
-          <p:cNvSpPr/>
-          <p:nvPr/>
-        </p:nvSpPr>
-        <p:spPr>
-          <a:xfrm>
-            <a:off x="1475907" y="2558597"/>
-            <a:ext cx="866356" cy="338295"/>
-          </a:xfrm>
-          <a:prstGeom prst="rect">
-            <a:avLst/>
-          </a:prstGeom>
-          <a:solidFill>
-            <a:schemeClr val="bg2">
-              <a:lumMod val="50000"/>
-            </a:schemeClr>
-          </a:solidFill>
-          <a:ln>
-            <a:solidFill>
-              <a:schemeClr val="tx1"/>
-            </a:solidFill>
-          </a:ln>
-        </p:spPr>
-        <p:style>
-          <a:lnRef idx="2">
-            <a:schemeClr val="accent6"/>
-          </a:lnRef>
-          <a:fillRef idx="1">
-            <a:schemeClr val="lt1"/>
-          </a:fillRef>
-          <a:effectRef idx="0">
-            <a:schemeClr val="accent6"/>
-          </a:effectRef>
-          <a:fontRef idx="minor">
-            <a:schemeClr val="dk1"/>
-          </a:fontRef>
-        </p:style>
-        <p:txBody>
-          <a:bodyPr rtlCol="0" anchor="ctr"/>
-          <a:lstStyle/>
-          <a:p>
-            <a:pPr algn="ctr"/>
-            <a:r>
-              <a:rPr lang="es-ES" sz="900" dirty="0">
-                <a:solidFill>
-                  <a:schemeClr val="bg1"/>
-                </a:solidFill>
-                <a:latin typeface="Arial" panose="020B0604020202020204" pitchFamily="34" charset="0"/>
-                <a:cs typeface="Arial" panose="020B0604020202020204" pitchFamily="34" charset="0"/>
-              </a:rPr>
-              <a:t>variable dependiente</a:t>
-            </a:r>
-          </a:p>
-        </p:txBody>
-      </p:sp>
-      <p:sp>
-        <p:nvSpPr>
-          <p:cNvPr id="121" name="CuadroTexto 120" descr="Conector entre nodos" title="conector"/>
-          <p:cNvSpPr txBox="1"/>
-          <p:nvPr/>
-        </p:nvSpPr>
-        <p:spPr>
-          <a:xfrm>
-            <a:off x="1524688" y="3005183"/>
-            <a:ext cx="938144" cy="230832"/>
-          </a:xfrm>
-          <a:prstGeom prst="rect">
-            <a:avLst/>
-          </a:prstGeom>
-          <a:noFill/>
-        </p:spPr>
-        <p:txBody>
-          <a:bodyPr wrap="square" rtlCol="0">
-            <a:spAutoFit/>
-          </a:bodyPr>
-          <a:lstStyle/>
-          <a:p>
-            <a:pPr algn="ctr"/>
-            <a:r>
-              <a:rPr lang="es-ES" sz="900" dirty="0">
-                <a:latin typeface="Arial" panose="020B0604020202020204" pitchFamily="34" charset="0"/>
-                <a:cs typeface="Arial" panose="020B0604020202020204" pitchFamily="34" charset="0"/>
-              </a:rPr>
-              <a:t>es aquella que</a:t>
-            </a:r>
-          </a:p>
-        </p:txBody>
-      </p:sp>
-      <p:sp>
-        <p:nvSpPr>
-          <p:cNvPr id="123" name="Rectángulo 122" descr="Nodo de tercer nivel" title="Nodo03"/>
-          <p:cNvSpPr/>
-          <p:nvPr/>
-        </p:nvSpPr>
-        <p:spPr>
-          <a:xfrm>
-            <a:off x="1482845" y="3325968"/>
-            <a:ext cx="1118926" cy="607194"/>
-          </a:xfrm>
-          <a:prstGeom prst="rect">
-            <a:avLst/>
-          </a:prstGeom>
-          <a:solidFill>
-            <a:schemeClr val="bg2">
-              <a:lumMod val="90000"/>
-            </a:schemeClr>
-          </a:solidFill>
-          <a:ln>
-            <a:solidFill>
-              <a:schemeClr val="tx1"/>
-            </a:solidFill>
-          </a:ln>
-        </p:spPr>
-        <p:style>
-          <a:lnRef idx="2">
-            <a:schemeClr val="accent6"/>
-          </a:lnRef>
-          <a:fillRef idx="1">
-            <a:schemeClr val="lt1"/>
-          </a:fillRef>
-          <a:effectRef idx="0">
-            <a:schemeClr val="accent6"/>
-          </a:effectRef>
-          <a:fontRef idx="minor">
-            <a:schemeClr val="dk1"/>
-          </a:fontRef>
-        </p:style>
-        <p:txBody>
-          <a:bodyPr rtlCol="0" anchor="ctr"/>
-          <a:lstStyle/>
-          <a:p>
-            <a:pPr algn="ctr"/>
-            <a:r>
-              <a:rPr lang="es-ES" sz="900" dirty="0">
-                <a:solidFill>
-                  <a:schemeClr val="tx1"/>
-                </a:solidFill>
-                <a:latin typeface="Arial" panose="020B0604020202020204" pitchFamily="34" charset="0"/>
-                <a:cs typeface="Arial" panose="020B0604020202020204" pitchFamily="34" charset="0"/>
-              </a:rPr>
-              <a:t>depende de los valores que tome la variable independiente</a:t>
-            </a:r>
-          </a:p>
-        </p:txBody>
-      </p:sp>
-      <p:cxnSp>
-        <p:nvCxnSpPr>
-          <p:cNvPr id="124" name="Conector angular 123"/>
-          <p:cNvCxnSpPr/>
-          <p:nvPr/>
-        </p:nvCxnSpPr>
-        <p:spPr>
-          <a:xfrm rot="5400000">
-            <a:off x="1868331" y="3258695"/>
-            <a:ext cx="143029" cy="875"/>
-          </a:xfrm>
-          <a:prstGeom prst="bentConnector3">
-            <a:avLst>
-              <a:gd name="adj1" fmla="val 50000"/>
-            </a:avLst>
-          </a:prstGeom>
-          <a:ln w="12700">
-            <a:solidFill>
-              <a:schemeClr val="tx1"/>
-            </a:solidFill>
-          </a:ln>
-        </p:spPr>
-        <p:style>
-          <a:lnRef idx="1">
-            <a:schemeClr val="accent1"/>
-          </a:lnRef>
-          <a:fillRef idx="0">
-            <a:schemeClr val="accent1"/>
-          </a:fillRef>
-          <a:effectRef idx="0">
-            <a:schemeClr val="accent1"/>
-          </a:effectRef>
-          <a:fontRef idx="minor">
-            <a:schemeClr val="tx1"/>
-          </a:fontRef>
-        </p:style>
-      </p:cxnSp>
-      <p:cxnSp>
-        <p:nvCxnSpPr>
-          <p:cNvPr id="125" name="Conector angular 124"/>
-          <p:cNvCxnSpPr/>
-          <p:nvPr/>
-        </p:nvCxnSpPr>
-        <p:spPr>
-          <a:xfrm rot="5400000" flipH="1" flipV="1">
-            <a:off x="1883865" y="3997334"/>
-            <a:ext cx="127078" cy="876"/>
-          </a:xfrm>
-          <a:prstGeom prst="bentConnector3">
-            <a:avLst>
-              <a:gd name="adj1" fmla="val 20309"/>
-            </a:avLst>
-          </a:prstGeom>
-          <a:ln w="12700">
-            <a:solidFill>
-              <a:schemeClr val="tx1"/>
-            </a:solidFill>
-          </a:ln>
-        </p:spPr>
-        <p:style>
-          <a:lnRef idx="1">
-            <a:schemeClr val="accent1"/>
-          </a:lnRef>
-          <a:fillRef idx="0">
-            <a:schemeClr val="accent1"/>
-          </a:fillRef>
-          <a:effectRef idx="0">
-            <a:schemeClr val="accent1"/>
-          </a:effectRef>
-          <a:fontRef idx="minor">
-            <a:schemeClr val="tx1"/>
-          </a:fontRef>
-        </p:style>
-      </p:cxnSp>
-      <p:sp>
-        <p:nvSpPr>
-          <p:cNvPr id="131" name="Rectángulo 130" descr="Nodo de cuarto nivel&#10;" title="Nodo04"/>
-          <p:cNvSpPr/>
-          <p:nvPr/>
-        </p:nvSpPr>
-        <p:spPr>
-          <a:xfrm>
-            <a:off x="1501620" y="4403079"/>
-            <a:ext cx="1000403" cy="353519"/>
-          </a:xfrm>
-          <a:prstGeom prst="rect">
-            <a:avLst/>
-          </a:prstGeom>
-          <a:solidFill>
-            <a:schemeClr val="bg1"/>
-          </a:solidFill>
-          <a:ln>
-            <a:solidFill>
-              <a:schemeClr val="tx1"/>
-            </a:solidFill>
-          </a:ln>
-        </p:spPr>
-        <p:style>
-          <a:lnRef idx="2">
-            <a:schemeClr val="accent6"/>
-          </a:lnRef>
-          <a:fillRef idx="1">
-            <a:schemeClr val="lt1"/>
-          </a:fillRef>
-          <a:effectRef idx="0">
-            <a:schemeClr val="accent6"/>
-          </a:effectRef>
-          <a:fontRef idx="minor">
-            <a:schemeClr val="dk1"/>
-          </a:fontRef>
-        </p:style>
-        <p:txBody>
-          <a:bodyPr rtlCol="0" anchor="ctr"/>
-          <a:lstStyle/>
-          <a:p>
-            <a:pPr algn="ctr"/>
-            <a:r>
-              <a:rPr lang="es-ES" sz="900" dirty="0">
-                <a:solidFill>
-                  <a:schemeClr val="tx1"/>
-                </a:solidFill>
-                <a:latin typeface="Arial" panose="020B0604020202020204" pitchFamily="34" charset="0"/>
-                <a:cs typeface="Arial" panose="020B0604020202020204" pitchFamily="34" charset="0"/>
-              </a:rPr>
-              <a:t>sobre el eje </a:t>
-            </a:r>
-            <a:r>
-              <a:rPr lang="es-ES" sz="900" i="1" dirty="0">
-                <a:solidFill>
-                  <a:schemeClr val="tx1"/>
-                </a:solidFill>
-                <a:latin typeface="Arial" panose="020B0604020202020204" pitchFamily="34" charset="0"/>
-                <a:cs typeface="Arial" panose="020B0604020202020204" pitchFamily="34" charset="0"/>
-              </a:rPr>
-              <a:t>Y o</a:t>
-            </a:r>
-            <a:r>
-              <a:rPr lang="es-ES" sz="900" dirty="0">
-                <a:solidFill>
-                  <a:schemeClr val="tx1"/>
-                </a:solidFill>
-                <a:latin typeface="Arial" panose="020B0604020202020204" pitchFamily="34" charset="0"/>
-                <a:cs typeface="Arial" panose="020B0604020202020204" pitchFamily="34" charset="0"/>
-              </a:rPr>
-              <a:t> de ordenadas</a:t>
-            </a:r>
-          </a:p>
-        </p:txBody>
-      </p:sp>
-      <p:sp>
-        <p:nvSpPr>
-          <p:cNvPr id="135" name="CuadroTexto 134" descr="Conector entre nodos" title="conector"/>
-          <p:cNvSpPr txBox="1"/>
-          <p:nvPr/>
-        </p:nvSpPr>
-        <p:spPr>
-          <a:xfrm>
-            <a:off x="1537901" y="4037207"/>
-            <a:ext cx="916998" cy="230832"/>
-          </a:xfrm>
-          <a:prstGeom prst="rect">
-            <a:avLst/>
-          </a:prstGeom>
-          <a:noFill/>
-        </p:spPr>
-        <p:txBody>
-          <a:bodyPr wrap="square" rtlCol="0">
-            <a:spAutoFit/>
-          </a:bodyPr>
-          <a:lstStyle/>
-          <a:p>
-            <a:pPr algn="ctr"/>
-            <a:r>
-              <a:rPr lang="es-ES" sz="900" dirty="0">
-                <a:latin typeface="Arial" panose="020B0604020202020204" pitchFamily="34" charset="0"/>
-                <a:cs typeface="Arial" panose="020B0604020202020204" pitchFamily="34" charset="0"/>
-              </a:rPr>
-              <a:t>se representa</a:t>
-            </a:r>
-          </a:p>
-        </p:txBody>
-      </p:sp>
-      <p:cxnSp>
-        <p:nvCxnSpPr>
-          <p:cNvPr id="136" name="Conector angular 135"/>
-          <p:cNvCxnSpPr/>
-          <p:nvPr/>
-        </p:nvCxnSpPr>
-        <p:spPr>
-          <a:xfrm rot="5400000">
-            <a:off x="1865981" y="4326205"/>
-            <a:ext cx="150138" cy="3285"/>
-          </a:xfrm>
-          <a:prstGeom prst="bentConnector3">
-            <a:avLst>
-              <a:gd name="adj1" fmla="val 884"/>
-            </a:avLst>
-          </a:prstGeom>
-          <a:ln w="12700">
-            <a:solidFill>
-              <a:schemeClr val="tx1"/>
-            </a:solidFill>
-          </a:ln>
-        </p:spPr>
-        <p:style>
-          <a:lnRef idx="1">
-            <a:schemeClr val="accent1"/>
-          </a:lnRef>
-          <a:fillRef idx="0">
-            <a:schemeClr val="accent1"/>
-          </a:fillRef>
-          <a:effectRef idx="0">
-            <a:schemeClr val="accent1"/>
-          </a:effectRef>
-          <a:fontRef idx="minor">
-            <a:schemeClr val="tx1"/>
-          </a:fontRef>
-        </p:style>
-      </p:cxnSp>
-      <p:cxnSp>
-        <p:nvCxnSpPr>
-          <p:cNvPr id="149" name="Conector angular 148"/>
-          <p:cNvCxnSpPr/>
-          <p:nvPr/>
-        </p:nvCxnSpPr>
-        <p:spPr>
-          <a:xfrm rot="5400000">
-            <a:off x="1989834" y="961374"/>
-            <a:ext cx="290744" cy="5652"/>
-          </a:xfrm>
-          <a:prstGeom prst="bentConnector3">
-            <a:avLst>
-              <a:gd name="adj1" fmla="val 101841"/>
-            </a:avLst>
-          </a:prstGeom>
-          <a:ln w="12700">
-            <a:solidFill>
-              <a:schemeClr val="tx1"/>
-            </a:solidFill>
-          </a:ln>
-        </p:spPr>
-        <p:style>
-          <a:lnRef idx="1">
-            <a:schemeClr val="accent1"/>
-          </a:lnRef>
-          <a:fillRef idx="0">
-            <a:schemeClr val="accent1"/>
-          </a:fillRef>
-          <a:effectRef idx="0">
-            <a:schemeClr val="accent1"/>
-          </a:effectRef>
-          <a:fontRef idx="minor">
-            <a:schemeClr val="tx1"/>
-          </a:fontRef>
-        </p:style>
-      </p:cxnSp>
-      <p:sp>
-        <p:nvSpPr>
-          <p:cNvPr id="160" name="Rectángulo 159" descr="Nodo de segundo nivel" title="Nodo02"/>
-          <p:cNvSpPr/>
-          <p:nvPr/>
-        </p:nvSpPr>
-        <p:spPr>
-          <a:xfrm>
-            <a:off x="2752306" y="2555256"/>
-            <a:ext cx="1010558" cy="678493"/>
-          </a:xfrm>
-          <a:prstGeom prst="rect">
-            <a:avLst/>
-          </a:prstGeom>
-          <a:solidFill>
-            <a:schemeClr val="bg2">
-              <a:lumMod val="50000"/>
-            </a:schemeClr>
-          </a:solidFill>
-          <a:ln>
-            <a:solidFill>
-              <a:schemeClr val="tx1"/>
-            </a:solidFill>
-          </a:ln>
-        </p:spPr>
-        <p:style>
-          <a:lnRef idx="2">
-            <a:schemeClr val="accent6"/>
-          </a:lnRef>
-          <a:fillRef idx="1">
-            <a:schemeClr val="lt1"/>
-          </a:fillRef>
-          <a:effectRef idx="0">
-            <a:schemeClr val="accent6"/>
-          </a:effectRef>
-          <a:fontRef idx="minor">
-            <a:schemeClr val="dk1"/>
-          </a:fontRef>
-        </p:style>
-        <p:txBody>
-          <a:bodyPr rtlCol="0" anchor="ctr"/>
-          <a:lstStyle/>
-          <a:p>
-            <a:r>
-              <a:rPr lang="es-ES" sz="900" dirty="0">
-                <a:solidFill>
-                  <a:schemeClr val="bg1"/>
-                </a:solidFill>
-                <a:latin typeface="Arial" panose="020B0604020202020204" pitchFamily="34" charset="0"/>
-                <a:cs typeface="Arial" panose="020B0604020202020204" pitchFamily="34" charset="0"/>
-              </a:rPr>
-              <a:t>representar en</a:t>
-            </a:r>
-          </a:p>
-          <a:p>
-            <a:pPr marL="171450" indent="-171450">
-              <a:buFont typeface="Arial" panose="020B0604020202020204" pitchFamily="34" charset="0"/>
-              <a:buChar char="•"/>
-            </a:pPr>
-            <a:r>
-              <a:rPr lang="es-ES" sz="900" dirty="0">
-                <a:solidFill>
-                  <a:schemeClr val="bg1"/>
-                </a:solidFill>
-                <a:latin typeface="Arial" panose="020B0604020202020204" pitchFamily="34" charset="0"/>
-                <a:cs typeface="Arial" panose="020B0604020202020204" pitchFamily="34" charset="0"/>
-              </a:rPr>
-              <a:t>gráficas</a:t>
-            </a:r>
-          </a:p>
-          <a:p>
-            <a:pPr marL="171450" indent="-171450">
-              <a:buFont typeface="Arial" panose="020B0604020202020204" pitchFamily="34" charset="0"/>
-              <a:buChar char="•"/>
-            </a:pPr>
-            <a:r>
-              <a:rPr lang="es-ES" sz="900" dirty="0">
-                <a:solidFill>
-                  <a:schemeClr val="bg1"/>
-                </a:solidFill>
-                <a:latin typeface="Arial" panose="020B0604020202020204" pitchFamily="34" charset="0"/>
-                <a:cs typeface="Arial" panose="020B0604020202020204" pitchFamily="34" charset="0"/>
-              </a:rPr>
-              <a:t>tablas</a:t>
-            </a:r>
-          </a:p>
-          <a:p>
-            <a:pPr marL="171450" indent="-171450">
-              <a:buFont typeface="Arial" panose="020B0604020202020204" pitchFamily="34" charset="0"/>
-              <a:buChar char="•"/>
-            </a:pPr>
-            <a:r>
-              <a:rPr lang="es-ES" sz="900" dirty="0">
-                <a:solidFill>
-                  <a:schemeClr val="bg1"/>
-                </a:solidFill>
-                <a:latin typeface="Arial" panose="020B0604020202020204" pitchFamily="34" charset="0"/>
-                <a:cs typeface="Arial" panose="020B0604020202020204" pitchFamily="34" charset="0"/>
-              </a:rPr>
-              <a:t>fórmulas</a:t>
             </a:r>
           </a:p>
         </p:txBody>
@@ -2252,7 +1352,7 @@
         </p:nvSpPr>
         <p:spPr>
           <a:xfrm>
-            <a:off x="3453653" y="1113147"/>
+            <a:off x="3182014" y="1199835"/>
             <a:ext cx="1070890" cy="266075"/>
           </a:xfrm>
           <a:prstGeom prst="rect">
@@ -2311,7 +1411,7 @@
         </p:nvSpPr>
         <p:spPr>
           <a:xfrm>
-            <a:off x="3645602" y="612921"/>
+            <a:off x="3370044" y="691946"/>
             <a:ext cx="686992" cy="230832"/>
           </a:xfrm>
           <a:prstGeom prst="rect">
@@ -2344,7 +1444,7 @@
         </p:nvSpPr>
         <p:spPr>
           <a:xfrm>
-            <a:off x="4605763" y="4119858"/>
+            <a:off x="3580110" y="4074642"/>
             <a:ext cx="904498" cy="283826"/>
           </a:xfrm>
           <a:prstGeom prst="rect">
@@ -2408,7 +1508,7 @@
         </p:nvSpPr>
         <p:spPr>
           <a:xfrm>
-            <a:off x="5800690" y="4119858"/>
+            <a:off x="4675423" y="4085495"/>
             <a:ext cx="741138" cy="269965"/>
           </a:xfrm>
           <a:prstGeom prst="rect">
@@ -2472,8 +1572,8 @@
         </p:nvSpPr>
         <p:spPr>
           <a:xfrm>
-            <a:off x="3421532" y="1517266"/>
-            <a:ext cx="1122431" cy="215444"/>
+            <a:off x="3331794" y="1641758"/>
+            <a:ext cx="771610" cy="215444"/>
           </a:xfrm>
           <a:prstGeom prst="rect">
             <a:avLst/>
@@ -2493,388 +1593,6 @@
                 <a:cs typeface="Arial" panose="020B0604020202020204" pitchFamily="34" charset="0"/>
               </a:rPr>
               <a:t>tales como</a:t>
-            </a:r>
-          </a:p>
-        </p:txBody>
-      </p:sp>
-      <p:sp>
-        <p:nvSpPr>
-          <p:cNvPr id="87" name="Rectángulo 86" descr="Nodo de cuarto nivel&#10;" title="Nodo04"/>
-          <p:cNvSpPr/>
-          <p:nvPr/>
-        </p:nvSpPr>
-        <p:spPr>
-          <a:xfrm>
-            <a:off x="463527" y="5015397"/>
-            <a:ext cx="857719" cy="368687"/>
-          </a:xfrm>
-          <a:prstGeom prst="rect">
-            <a:avLst/>
-          </a:prstGeom>
-          <a:solidFill>
-            <a:schemeClr val="bg1"/>
-          </a:solidFill>
-          <a:ln>
-            <a:solidFill>
-              <a:schemeClr val="tx1"/>
-            </a:solidFill>
-          </a:ln>
-        </p:spPr>
-        <p:style>
-          <a:lnRef idx="2">
-            <a:schemeClr val="accent6"/>
-          </a:lnRef>
-          <a:fillRef idx="1">
-            <a:schemeClr val="lt1"/>
-          </a:fillRef>
-          <a:effectRef idx="0">
-            <a:schemeClr val="accent6"/>
-          </a:effectRef>
-          <a:fontRef idx="minor">
-            <a:schemeClr val="dk1"/>
-          </a:fontRef>
-        </p:style>
-        <p:txBody>
-          <a:bodyPr rtlCol="0" anchor="ctr"/>
-          <a:lstStyle/>
-          <a:p>
-            <a:pPr algn="ctr"/>
-            <a:r>
-              <a:rPr lang="es-ES" sz="900" dirty="0">
-                <a:solidFill>
-                  <a:schemeClr val="tx1"/>
-                </a:solidFill>
-                <a:latin typeface="Arial" panose="020B0604020202020204" pitchFamily="34" charset="0"/>
-                <a:cs typeface="Arial" panose="020B0604020202020204" pitchFamily="34" charset="0"/>
-              </a:rPr>
-              <a:t>el </a:t>
-            </a:r>
-            <a:r>
-              <a:rPr lang="es-ES" sz="900" b="1" dirty="0">
-                <a:solidFill>
-                  <a:schemeClr val="tx1"/>
-                </a:solidFill>
-                <a:latin typeface="Arial" panose="020B0604020202020204" pitchFamily="34" charset="0"/>
-                <a:cs typeface="Arial" panose="020B0604020202020204" pitchFamily="34" charset="0"/>
-              </a:rPr>
-              <a:t>dominio</a:t>
-            </a:r>
-            <a:r>
-              <a:rPr lang="es-ES" sz="900" dirty="0">
-                <a:solidFill>
-                  <a:schemeClr val="tx1"/>
-                </a:solidFill>
-                <a:latin typeface="Arial" panose="020B0604020202020204" pitchFamily="34" charset="0"/>
-                <a:cs typeface="Arial" panose="020B0604020202020204" pitchFamily="34" charset="0"/>
-              </a:rPr>
-              <a:t> de la función</a:t>
-            </a:r>
-          </a:p>
-        </p:txBody>
-      </p:sp>
-      <p:sp>
-        <p:nvSpPr>
-          <p:cNvPr id="89" name="CuadroTexto 88" descr="Conector entre nodos" title="conector"/>
-          <p:cNvSpPr txBox="1"/>
-          <p:nvPr/>
-        </p:nvSpPr>
-        <p:spPr>
-          <a:xfrm>
-            <a:off x="610969" y="4627193"/>
-            <a:ext cx="633154" cy="230832"/>
-          </a:xfrm>
-          <a:prstGeom prst="rect">
-            <a:avLst/>
-          </a:prstGeom>
-          <a:noFill/>
-        </p:spPr>
-        <p:txBody>
-          <a:bodyPr wrap="square" rtlCol="0">
-            <a:spAutoFit/>
-          </a:bodyPr>
-          <a:lstStyle/>
-          <a:p>
-            <a:pPr algn="ctr"/>
-            <a:r>
-              <a:rPr lang="es-ES" sz="900" dirty="0">
-                <a:latin typeface="Arial" panose="020B0604020202020204" pitchFamily="34" charset="0"/>
-                <a:cs typeface="Arial" panose="020B0604020202020204" pitchFamily="34" charset="0"/>
-              </a:rPr>
-              <a:t>definen</a:t>
-            </a:r>
-          </a:p>
-        </p:txBody>
-      </p:sp>
-      <p:sp>
-        <p:nvSpPr>
-          <p:cNvPr id="90" name="CuadroTexto 89" descr="Conector entre nodos" title="conector"/>
-          <p:cNvSpPr txBox="1"/>
-          <p:nvPr/>
-        </p:nvSpPr>
-        <p:spPr>
-          <a:xfrm>
-            <a:off x="1507901" y="4853186"/>
-            <a:ext cx="878129" cy="230832"/>
-          </a:xfrm>
-          <a:prstGeom prst="rect">
-            <a:avLst/>
-          </a:prstGeom>
-          <a:noFill/>
-        </p:spPr>
-        <p:txBody>
-          <a:bodyPr wrap="square" rtlCol="0">
-            <a:spAutoFit/>
-          </a:bodyPr>
-          <a:lstStyle/>
-          <a:p>
-            <a:pPr algn="ctr"/>
-            <a:r>
-              <a:rPr lang="es-ES" sz="900" dirty="0">
-                <a:latin typeface="Arial" panose="020B0604020202020204" pitchFamily="34" charset="0"/>
-                <a:cs typeface="Arial" panose="020B0604020202020204" pitchFamily="34" charset="0"/>
-              </a:rPr>
-              <a:t>conforman</a:t>
-            </a:r>
-          </a:p>
-        </p:txBody>
-      </p:sp>
-      <p:sp>
-        <p:nvSpPr>
-          <p:cNvPr id="91" name="Rectángulo 90" descr="Nodo de cuarto nivel&#10;" title="Nodo04"/>
-          <p:cNvSpPr/>
-          <p:nvPr/>
-        </p:nvSpPr>
-        <p:spPr>
-          <a:xfrm>
-            <a:off x="1581996" y="5233800"/>
-            <a:ext cx="760614" cy="353519"/>
-          </a:xfrm>
-          <a:prstGeom prst="rect">
-            <a:avLst/>
-          </a:prstGeom>
-          <a:solidFill>
-            <a:schemeClr val="bg1"/>
-          </a:solidFill>
-          <a:ln>
-            <a:solidFill>
-              <a:schemeClr val="tx1"/>
-            </a:solidFill>
-          </a:ln>
-        </p:spPr>
-        <p:style>
-          <a:lnRef idx="2">
-            <a:schemeClr val="accent6"/>
-          </a:lnRef>
-          <a:fillRef idx="1">
-            <a:schemeClr val="lt1"/>
-          </a:fillRef>
-          <a:effectRef idx="0">
-            <a:schemeClr val="accent6"/>
-          </a:effectRef>
-          <a:fontRef idx="minor">
-            <a:schemeClr val="dk1"/>
-          </a:fontRef>
-        </p:style>
-        <p:txBody>
-          <a:bodyPr rtlCol="0" anchor="ctr"/>
-          <a:lstStyle/>
-          <a:p>
-            <a:pPr algn="ctr"/>
-            <a:r>
-              <a:rPr lang="es-ES" sz="900" dirty="0">
-                <a:solidFill>
-                  <a:schemeClr val="tx1"/>
-                </a:solidFill>
-                <a:latin typeface="Arial" panose="020B0604020202020204" pitchFamily="34" charset="0"/>
-                <a:cs typeface="Arial" panose="020B0604020202020204" pitchFamily="34" charset="0"/>
-              </a:rPr>
-              <a:t>el recorrido o </a:t>
-            </a:r>
-            <a:r>
-              <a:rPr lang="es-ES" sz="900" b="1" dirty="0">
-                <a:solidFill>
-                  <a:schemeClr val="tx1"/>
-                </a:solidFill>
-                <a:latin typeface="Arial" panose="020B0604020202020204" pitchFamily="34" charset="0"/>
-                <a:cs typeface="Arial" panose="020B0604020202020204" pitchFamily="34" charset="0"/>
-              </a:rPr>
-              <a:t>rango</a:t>
-            </a:r>
-          </a:p>
-        </p:txBody>
-      </p:sp>
-      <p:sp>
-        <p:nvSpPr>
-          <p:cNvPr id="92" name="Rectángulo 91" descr="Nodo de cuarto nivel&#10;" title="Nodo04"/>
-          <p:cNvSpPr/>
-          <p:nvPr/>
-        </p:nvSpPr>
-        <p:spPr>
-          <a:xfrm>
-            <a:off x="420246" y="5959346"/>
-            <a:ext cx="960411" cy="690969"/>
-          </a:xfrm>
-          <a:prstGeom prst="rect">
-            <a:avLst/>
-          </a:prstGeom>
-          <a:solidFill>
-            <a:schemeClr val="bg1"/>
-          </a:solidFill>
-          <a:ln>
-            <a:solidFill>
-              <a:schemeClr val="tx1"/>
-            </a:solidFill>
-          </a:ln>
-        </p:spPr>
-        <p:style>
-          <a:lnRef idx="2">
-            <a:schemeClr val="accent6"/>
-          </a:lnRef>
-          <a:fillRef idx="1">
-            <a:schemeClr val="lt1"/>
-          </a:fillRef>
-          <a:effectRef idx="0">
-            <a:schemeClr val="accent6"/>
-          </a:effectRef>
-          <a:fontRef idx="minor">
-            <a:schemeClr val="dk1"/>
-          </a:fontRef>
-        </p:style>
-        <p:txBody>
-          <a:bodyPr rtlCol="0" anchor="ctr"/>
-          <a:lstStyle/>
-          <a:p>
-            <a:pPr algn="ctr"/>
-            <a:r>
-              <a:rPr lang="es-ES" sz="900" dirty="0">
-                <a:solidFill>
-                  <a:schemeClr val="tx1"/>
-                </a:solidFill>
-                <a:latin typeface="Arial" panose="020B0604020202020204" pitchFamily="34" charset="0"/>
-                <a:cs typeface="Arial" panose="020B0604020202020204" pitchFamily="34" charset="0"/>
-              </a:rPr>
-              <a:t>el conjunto numérico para los cuales está definida la función</a:t>
-            </a:r>
-          </a:p>
-        </p:txBody>
-      </p:sp>
-      <p:sp>
-        <p:nvSpPr>
-          <p:cNvPr id="93" name="CuadroTexto 92" descr="Conector entre nodos" title="conector"/>
-          <p:cNvSpPr txBox="1"/>
-          <p:nvPr/>
-        </p:nvSpPr>
-        <p:spPr>
-          <a:xfrm>
-            <a:off x="610969" y="5549318"/>
-            <a:ext cx="577721" cy="230832"/>
-          </a:xfrm>
-          <a:prstGeom prst="rect">
-            <a:avLst/>
-          </a:prstGeom>
-          <a:noFill/>
-        </p:spPr>
-        <p:txBody>
-          <a:bodyPr wrap="square" rtlCol="0">
-            <a:spAutoFit/>
-          </a:bodyPr>
-          <a:lstStyle/>
-          <a:p>
-            <a:pPr algn="ctr"/>
-            <a:r>
-              <a:rPr lang="es-ES" sz="900" dirty="0">
-                <a:latin typeface="Arial" panose="020B0604020202020204" pitchFamily="34" charset="0"/>
-                <a:cs typeface="Arial" panose="020B0604020202020204" pitchFamily="34" charset="0"/>
-              </a:rPr>
-              <a:t>que es</a:t>
-            </a:r>
-          </a:p>
-        </p:txBody>
-      </p:sp>
-      <p:sp>
-        <p:nvSpPr>
-          <p:cNvPr id="94" name="CuadroTexto 93" descr="Conector entre nodos" title="conector"/>
-          <p:cNvSpPr txBox="1"/>
-          <p:nvPr/>
-        </p:nvSpPr>
-        <p:spPr>
-          <a:xfrm>
-            <a:off x="1532602" y="5665507"/>
-            <a:ext cx="730690" cy="230832"/>
-          </a:xfrm>
-          <a:prstGeom prst="rect">
-            <a:avLst/>
-          </a:prstGeom>
-          <a:noFill/>
-        </p:spPr>
-        <p:txBody>
-          <a:bodyPr wrap="square" rtlCol="0">
-            <a:spAutoFit/>
-          </a:bodyPr>
-          <a:lstStyle/>
-          <a:p>
-            <a:pPr algn="ctr"/>
-            <a:r>
-              <a:rPr lang="es-ES" sz="900" dirty="0">
-                <a:latin typeface="Arial" panose="020B0604020202020204" pitchFamily="34" charset="0"/>
-                <a:cs typeface="Arial" panose="020B0604020202020204" pitchFamily="34" charset="0"/>
-              </a:rPr>
-              <a:t>que es</a:t>
-            </a:r>
-          </a:p>
-        </p:txBody>
-      </p:sp>
-      <p:sp>
-        <p:nvSpPr>
-          <p:cNvPr id="95" name="Rectángulo 94" descr="Nodo de cuarto nivel&#10;" title="Nodo04"/>
-          <p:cNvSpPr/>
-          <p:nvPr/>
-        </p:nvSpPr>
-        <p:spPr>
-          <a:xfrm>
-            <a:off x="1459971" y="6004232"/>
-            <a:ext cx="1241859" cy="701692"/>
-          </a:xfrm>
-          <a:prstGeom prst="rect">
-            <a:avLst/>
-          </a:prstGeom>
-          <a:solidFill>
-            <a:schemeClr val="bg1"/>
-          </a:solidFill>
-          <a:ln>
-            <a:solidFill>
-              <a:schemeClr val="tx1"/>
-            </a:solidFill>
-          </a:ln>
-        </p:spPr>
-        <p:style>
-          <a:lnRef idx="2">
-            <a:schemeClr val="accent6"/>
-          </a:lnRef>
-          <a:fillRef idx="1">
-            <a:schemeClr val="lt1"/>
-          </a:fillRef>
-          <a:effectRef idx="0">
-            <a:schemeClr val="accent6"/>
-          </a:effectRef>
-          <a:fontRef idx="minor">
-            <a:schemeClr val="dk1"/>
-          </a:fontRef>
-        </p:style>
-        <p:txBody>
-          <a:bodyPr rtlCol="0" anchor="ctr"/>
-          <a:lstStyle/>
-          <a:p>
-            <a:pPr algn="ctr"/>
-            <a:r>
-              <a:rPr lang="es-ES" sz="900" dirty="0">
-                <a:solidFill>
-                  <a:schemeClr val="tx1"/>
-                </a:solidFill>
-                <a:latin typeface="Arial" panose="020B0604020202020204" pitchFamily="34" charset="0"/>
-                <a:cs typeface="Arial" panose="020B0604020202020204" pitchFamily="34" charset="0"/>
-              </a:rPr>
-              <a:t>el conjunto formado por las imágenes de los elementos del dominio a través de la función</a:t>
             </a:r>
           </a:p>
         </p:txBody>
@@ -2887,7 +1605,7 @@
         </p:nvSpPr>
         <p:spPr>
           <a:xfrm>
-            <a:off x="4543963" y="4921745"/>
+            <a:off x="3602934" y="4849238"/>
             <a:ext cx="1012628" cy="1209877"/>
           </a:xfrm>
           <a:prstGeom prst="rect">
@@ -2944,8 +1662,8 @@
         </p:nvSpPr>
         <p:spPr>
           <a:xfrm>
-            <a:off x="5630831" y="4904981"/>
-            <a:ext cx="1085743" cy="779879"/>
+            <a:off x="4663874" y="4858567"/>
+            <a:ext cx="1054109" cy="929867"/>
           </a:xfrm>
           <a:prstGeom prst="rect">
             <a:avLst/>
@@ -3040,14 +1758,12 @@
           <p:nvPr/>
         </p:nvCxnSpPr>
         <p:spPr>
-          <a:xfrm rot="16200000" flipH="1">
-            <a:off x="7716845" y="220466"/>
-            <a:ext cx="284255" cy="1500953"/>
-          </a:xfrm>
-          <a:prstGeom prst="bentConnector3">
-            <a:avLst>
-              <a:gd name="adj1" fmla="val 50000"/>
-            </a:avLst>
+          <a:xfrm>
+            <a:off x="6866117" y="1037033"/>
+            <a:ext cx="1498009" cy="318766"/>
+          </a:xfrm>
+          <a:prstGeom prst="bentConnector2">
+            <a:avLst/>
           </a:prstGeom>
           <a:ln w="12700">
             <a:solidFill>
@@ -3078,7 +1794,7 @@
         </p:nvSpPr>
         <p:spPr>
           <a:xfrm>
-            <a:off x="4729689" y="1135497"/>
+            <a:off x="4501622" y="1208157"/>
             <a:ext cx="981161" cy="256876"/>
           </a:xfrm>
           <a:prstGeom prst="rect">
@@ -3144,7 +1860,7 @@
         </p:nvSpPr>
         <p:spPr>
           <a:xfrm>
-            <a:off x="5918280" y="1143466"/>
+            <a:off x="5690213" y="1216126"/>
             <a:ext cx="1127238" cy="245838"/>
           </a:xfrm>
           <a:prstGeom prst="rect">
@@ -3203,7 +1919,7 @@
         </p:nvSpPr>
         <p:spPr>
           <a:xfrm>
-            <a:off x="7130083" y="1140476"/>
+            <a:off x="6902016" y="1213136"/>
             <a:ext cx="952566" cy="241540"/>
           </a:xfrm>
           <a:prstGeom prst="rect">
@@ -3262,8 +1978,8 @@
         </p:nvSpPr>
         <p:spPr>
           <a:xfrm>
-            <a:off x="8159618" y="1126821"/>
-            <a:ext cx="950093" cy="253730"/>
+            <a:off x="7903248" y="1214631"/>
+            <a:ext cx="949338" cy="236065"/>
           </a:xfrm>
           <a:prstGeom prst="rect">
             <a:avLst/>
@@ -3321,7 +2037,7 @@
         </p:nvSpPr>
         <p:spPr>
           <a:xfrm>
-            <a:off x="6814564" y="4101509"/>
+            <a:off x="5615838" y="4080570"/>
             <a:ext cx="1012137" cy="544605"/>
           </a:xfrm>
           <a:prstGeom prst="rect">
@@ -3378,7 +2094,7 @@
         </p:nvSpPr>
         <p:spPr>
           <a:xfrm>
-            <a:off x="4665144" y="1498624"/>
+            <a:off x="4437077" y="1571284"/>
             <a:ext cx="1117174" cy="230836"/>
           </a:xfrm>
           <a:prstGeom prst="rect">
@@ -3411,7 +2127,7 @@
         </p:nvSpPr>
         <p:spPr>
           <a:xfrm>
-            <a:off x="4618625" y="1880657"/>
+            <a:off x="4390558" y="1953317"/>
             <a:ext cx="1194264" cy="508114"/>
           </a:xfrm>
           <a:prstGeom prst="rect">
@@ -3698,7 +2414,7 @@
         </p:nvSpPr>
         <p:spPr>
           <a:xfrm>
-            <a:off x="4703848" y="2527525"/>
+            <a:off x="4475781" y="2600185"/>
             <a:ext cx="1020392" cy="230832"/>
           </a:xfrm>
           <a:prstGeom prst="rect">
@@ -3731,7 +2447,7 @@
         </p:nvSpPr>
         <p:spPr>
           <a:xfrm>
-            <a:off x="4663874" y="2927971"/>
+            <a:off x="4435807" y="3000631"/>
             <a:ext cx="1088705" cy="669904"/>
           </a:xfrm>
           <a:prstGeom prst="rect">
@@ -3849,7 +2565,7 @@
         </p:nvSpPr>
         <p:spPr>
           <a:xfrm>
-            <a:off x="6106293" y="1493524"/>
+            <a:off x="5878570" y="1580448"/>
             <a:ext cx="742629" cy="230832"/>
           </a:xfrm>
           <a:prstGeom prst="rect">
@@ -3882,7 +2598,7 @@
         </p:nvSpPr>
         <p:spPr>
           <a:xfrm>
-            <a:off x="5868414" y="1882760"/>
+            <a:off x="5640347" y="1955420"/>
             <a:ext cx="1214043" cy="522290"/>
           </a:xfrm>
           <a:prstGeom prst="rect">
@@ -3994,7 +2710,7 @@
         </p:nvSpPr>
         <p:spPr>
           <a:xfrm>
-            <a:off x="7302557" y="1498624"/>
+            <a:off x="7074490" y="1571284"/>
             <a:ext cx="605960" cy="230836"/>
           </a:xfrm>
           <a:prstGeom prst="rect">
@@ -4027,7 +2743,7 @@
         </p:nvSpPr>
         <p:spPr>
           <a:xfrm>
-            <a:off x="7128175" y="1878153"/>
+            <a:off x="6900108" y="1950813"/>
             <a:ext cx="954474" cy="1082102"/>
           </a:xfrm>
           <a:prstGeom prst="rect">
@@ -4104,7 +2820,7 @@
         </p:nvSpPr>
         <p:spPr>
           <a:xfrm>
-            <a:off x="8159618" y="1875402"/>
+            <a:off x="7931551" y="1948062"/>
             <a:ext cx="935980" cy="1297181"/>
           </a:xfrm>
           <a:prstGeom prst="rect">
@@ -4181,7 +2897,7 @@
         </p:nvSpPr>
         <p:spPr>
           <a:xfrm>
-            <a:off x="8069375" y="4101508"/>
+            <a:off x="6726258" y="4078744"/>
             <a:ext cx="619938" cy="544605"/>
           </a:xfrm>
           <a:prstGeom prst="rect">
@@ -4232,619 +2948,20 @@
       </p:sp>
       <p:cxnSp>
         <p:nvCxnSpPr>
-          <p:cNvPr id="177" name="Conector angular 176"/>
-          <p:cNvCxnSpPr/>
+          <p:cNvPr id="181" name="Conector angular 180"/>
+          <p:cNvCxnSpPr>
+            <a:stCxn id="85" idx="2"/>
+          </p:cNvCxnSpPr>
           <p:nvPr/>
         </p:nvCxnSpPr>
         <p:spPr>
-          <a:xfrm rot="16200000" flipH="1">
-            <a:off x="2513274" y="1394186"/>
-            <a:ext cx="369946" cy="1078495"/>
+          <a:xfrm rot="5400000">
+            <a:off x="2676897" y="2894472"/>
+            <a:ext cx="2077972" cy="3432"/>
           </a:xfrm>
           <a:prstGeom prst="bentConnector3">
             <a:avLst>
-              <a:gd name="adj1" fmla="val 50000"/>
-            </a:avLst>
-          </a:prstGeom>
-          <a:ln w="12700">
-            <a:solidFill>
-              <a:schemeClr val="tx1"/>
-            </a:solidFill>
-          </a:ln>
-        </p:spPr>
-        <p:style>
-          <a:lnRef idx="1">
-            <a:schemeClr val="accent1"/>
-          </a:lnRef>
-          <a:fillRef idx="0">
-            <a:schemeClr val="accent1"/>
-          </a:fillRef>
-          <a:effectRef idx="0">
-            <a:schemeClr val="accent1"/>
-          </a:effectRef>
-          <a:fontRef idx="minor">
-            <a:schemeClr val="tx1"/>
-          </a:fontRef>
-        </p:style>
-      </p:cxnSp>
-      <p:cxnSp>
-        <p:nvCxnSpPr>
-          <p:cNvPr id="179" name="Conector angular 178"/>
-          <p:cNvCxnSpPr/>
-          <p:nvPr/>
-        </p:nvCxnSpPr>
-        <p:spPr>
-          <a:xfrm rot="5400000">
-            <a:off x="1568112" y="1541288"/>
-            <a:ext cx="384702" cy="781440"/>
-          </a:xfrm>
-          <a:prstGeom prst="bentConnector3">
-            <a:avLst>
-              <a:gd name="adj1" fmla="val 50000"/>
-            </a:avLst>
-          </a:prstGeom>
-          <a:ln w="12700">
-            <a:solidFill>
-              <a:schemeClr val="tx1"/>
-            </a:solidFill>
-          </a:ln>
-        </p:spPr>
-        <p:style>
-          <a:lnRef idx="1">
-            <a:schemeClr val="accent1"/>
-          </a:lnRef>
-          <a:fillRef idx="0">
-            <a:schemeClr val="accent1"/>
-          </a:fillRef>
-          <a:effectRef idx="0">
-            <a:schemeClr val="accent1"/>
-          </a:effectRef>
-          <a:fontRef idx="minor">
-            <a:schemeClr val="tx1"/>
-          </a:fontRef>
-        </p:style>
-      </p:cxnSp>
-      <p:cxnSp>
-        <p:nvCxnSpPr>
-          <p:cNvPr id="180" name="Conector angular 179"/>
-          <p:cNvCxnSpPr>
-            <a:stCxn id="218" idx="2"/>
-            <a:endCxn id="160" idx="0"/>
-          </p:cNvCxnSpPr>
-          <p:nvPr/>
-        </p:nvCxnSpPr>
-        <p:spPr>
-          <a:xfrm rot="16200000" flipH="1">
-            <a:off x="3150102" y="2447772"/>
-            <a:ext cx="214821" cy="145"/>
-          </a:xfrm>
-          <a:prstGeom prst="bentConnector3">
-            <a:avLst>
-              <a:gd name="adj1" fmla="val 50000"/>
-            </a:avLst>
-          </a:prstGeom>
-          <a:ln w="12700">
-            <a:solidFill>
-              <a:schemeClr val="tx1"/>
-            </a:solidFill>
-          </a:ln>
-        </p:spPr>
-        <p:style>
-          <a:lnRef idx="1">
-            <a:schemeClr val="accent1"/>
-          </a:lnRef>
-          <a:fillRef idx="0">
-            <a:schemeClr val="accent1"/>
-          </a:fillRef>
-          <a:effectRef idx="0">
-            <a:schemeClr val="accent1"/>
-          </a:effectRef>
-          <a:fontRef idx="minor">
-            <a:schemeClr val="tx1"/>
-          </a:fontRef>
-        </p:style>
-      </p:cxnSp>
-      <p:cxnSp>
-        <p:nvCxnSpPr>
-          <p:cNvPr id="181" name="Conector angular 180"/>
-          <p:cNvCxnSpPr/>
-          <p:nvPr/>
-        </p:nvCxnSpPr>
-        <p:spPr>
-          <a:xfrm rot="16200000" flipH="1">
-            <a:off x="3316332" y="2383014"/>
-            <a:ext cx="2387148" cy="1075264"/>
-          </a:xfrm>
-          <a:prstGeom prst="bentConnector3">
-            <a:avLst>
-              <a:gd name="adj1" fmla="val 90515"/>
-            </a:avLst>
-          </a:prstGeom>
-          <a:ln w="12700">
-            <a:solidFill>
-              <a:schemeClr val="tx1"/>
-            </a:solidFill>
-          </a:ln>
-        </p:spPr>
-        <p:style>
-          <a:lnRef idx="1">
-            <a:schemeClr val="accent1"/>
-          </a:lnRef>
-          <a:fillRef idx="0">
-            <a:schemeClr val="accent1"/>
-          </a:fillRef>
-          <a:effectRef idx="0">
-            <a:schemeClr val="accent1"/>
-          </a:effectRef>
-          <a:fontRef idx="minor">
-            <a:schemeClr val="tx1"/>
-          </a:fontRef>
-        </p:style>
-      </p:cxnSp>
-      <p:cxnSp>
-        <p:nvCxnSpPr>
-          <p:cNvPr id="234" name="Conector angular 233"/>
-          <p:cNvCxnSpPr>
-            <a:stCxn id="119" idx="0"/>
-            <a:endCxn id="19" idx="2"/>
-          </p:cNvCxnSpPr>
-          <p:nvPr/>
-        </p:nvCxnSpPr>
-        <p:spPr>
-          <a:xfrm rot="16200000" flipV="1">
-            <a:off x="1551592" y="2201104"/>
-            <a:ext cx="203406" cy="511580"/>
-          </a:xfrm>
-          <a:prstGeom prst="bentConnector3">
-            <a:avLst>
-              <a:gd name="adj1" fmla="val 50000"/>
-            </a:avLst>
-          </a:prstGeom>
-          <a:ln w="12700">
-            <a:solidFill>
-              <a:schemeClr val="tx1"/>
-            </a:solidFill>
-          </a:ln>
-        </p:spPr>
-        <p:style>
-          <a:lnRef idx="1">
-            <a:schemeClr val="accent1"/>
-          </a:lnRef>
-          <a:fillRef idx="0">
-            <a:schemeClr val="accent1"/>
-          </a:fillRef>
-          <a:effectRef idx="0">
-            <a:schemeClr val="accent1"/>
-          </a:effectRef>
-          <a:fontRef idx="minor">
-            <a:schemeClr val="tx1"/>
-          </a:fontRef>
-        </p:style>
-      </p:cxnSp>
-      <p:cxnSp>
-        <p:nvCxnSpPr>
-          <p:cNvPr id="235" name="Conector angular 234"/>
-          <p:cNvCxnSpPr>
-            <a:stCxn id="19" idx="2"/>
-            <a:endCxn id="44" idx="0"/>
-          </p:cNvCxnSpPr>
-          <p:nvPr/>
-        </p:nvCxnSpPr>
-        <p:spPr>
-          <a:xfrm rot="5400000">
-            <a:off x="1045299" y="2202135"/>
-            <a:ext cx="199150" cy="505262"/>
-          </a:xfrm>
-          <a:prstGeom prst="bentConnector3">
-            <a:avLst>
-              <a:gd name="adj1" fmla="val 50000"/>
-            </a:avLst>
-          </a:prstGeom>
-          <a:ln w="12700">
-            <a:solidFill>
-              <a:schemeClr val="tx1"/>
-            </a:solidFill>
-          </a:ln>
-        </p:spPr>
-        <p:style>
-          <a:lnRef idx="1">
-            <a:schemeClr val="accent1"/>
-          </a:lnRef>
-          <a:fillRef idx="0">
-            <a:schemeClr val="accent1"/>
-          </a:fillRef>
-          <a:effectRef idx="0">
-            <a:schemeClr val="accent1"/>
-          </a:effectRef>
-          <a:fontRef idx="minor">
-            <a:schemeClr val="tx1"/>
-          </a:fontRef>
-        </p:style>
-      </p:cxnSp>
-      <p:cxnSp>
-        <p:nvCxnSpPr>
-          <p:cNvPr id="247" name="Conector angular 246"/>
-          <p:cNvCxnSpPr/>
-          <p:nvPr/>
-        </p:nvCxnSpPr>
-        <p:spPr>
-          <a:xfrm rot="5400000">
-            <a:off x="879153" y="3243658"/>
-            <a:ext cx="143026" cy="877"/>
-          </a:xfrm>
-          <a:prstGeom prst="bentConnector3">
-            <a:avLst>
-              <a:gd name="adj1" fmla="val 100615"/>
-            </a:avLst>
-          </a:prstGeom>
-          <a:ln w="12700">
-            <a:solidFill>
-              <a:schemeClr val="tx1"/>
-            </a:solidFill>
-          </a:ln>
-        </p:spPr>
-        <p:style>
-          <a:lnRef idx="1">
-            <a:schemeClr val="accent1"/>
-          </a:lnRef>
-          <a:fillRef idx="0">
-            <a:schemeClr val="accent1"/>
-          </a:fillRef>
-          <a:effectRef idx="0">
-            <a:schemeClr val="accent1"/>
-          </a:effectRef>
-          <a:fontRef idx="minor">
-            <a:schemeClr val="tx1"/>
-          </a:fontRef>
-        </p:style>
-      </p:cxnSp>
-      <p:cxnSp>
-        <p:nvCxnSpPr>
-          <p:cNvPr id="251" name="Conector angular 250"/>
-          <p:cNvCxnSpPr/>
-          <p:nvPr/>
-        </p:nvCxnSpPr>
-        <p:spPr>
-          <a:xfrm rot="5400000">
-            <a:off x="886263" y="3700530"/>
-            <a:ext cx="143026" cy="877"/>
-          </a:xfrm>
-          <a:prstGeom prst="bentConnector3">
-            <a:avLst>
-              <a:gd name="adj1" fmla="val 100615"/>
-            </a:avLst>
-          </a:prstGeom>
-          <a:ln w="12700">
-            <a:solidFill>
-              <a:schemeClr val="tx1"/>
-            </a:solidFill>
-          </a:ln>
-        </p:spPr>
-        <p:style>
-          <a:lnRef idx="1">
-            <a:schemeClr val="accent1"/>
-          </a:lnRef>
-          <a:fillRef idx="0">
-            <a:schemeClr val="accent1"/>
-          </a:fillRef>
-          <a:effectRef idx="0">
-            <a:schemeClr val="accent1"/>
-          </a:effectRef>
-          <a:fontRef idx="minor">
-            <a:schemeClr val="tx1"/>
-          </a:fontRef>
-        </p:style>
-      </p:cxnSp>
-      <p:cxnSp>
-        <p:nvCxnSpPr>
-          <p:cNvPr id="252" name="Conector angular 251"/>
-          <p:cNvCxnSpPr/>
-          <p:nvPr/>
-        </p:nvCxnSpPr>
-        <p:spPr>
-          <a:xfrm rot="5400000">
-            <a:off x="873515" y="4584114"/>
-            <a:ext cx="150138" cy="3285"/>
-          </a:xfrm>
-          <a:prstGeom prst="bentConnector3">
-            <a:avLst>
-              <a:gd name="adj1" fmla="val 884"/>
-            </a:avLst>
-          </a:prstGeom>
-          <a:ln w="12700">
-            <a:solidFill>
-              <a:schemeClr val="tx1"/>
-            </a:solidFill>
-          </a:ln>
-        </p:spPr>
-        <p:style>
-          <a:lnRef idx="1">
-            <a:schemeClr val="accent1"/>
-          </a:lnRef>
-          <a:fillRef idx="0">
-            <a:schemeClr val="accent1"/>
-          </a:fillRef>
-          <a:effectRef idx="0">
-            <a:schemeClr val="accent1"/>
-          </a:effectRef>
-          <a:fontRef idx="minor">
-            <a:schemeClr val="tx1"/>
-          </a:fontRef>
-        </p:style>
-      </p:cxnSp>
-      <p:cxnSp>
-        <p:nvCxnSpPr>
-          <p:cNvPr id="253" name="Conector angular 252"/>
-          <p:cNvCxnSpPr/>
-          <p:nvPr/>
-        </p:nvCxnSpPr>
-        <p:spPr>
-          <a:xfrm rot="16200000" flipH="1">
-            <a:off x="840866" y="4911378"/>
-            <a:ext cx="212150" cy="1732"/>
-          </a:xfrm>
-          <a:prstGeom prst="bentConnector3">
-            <a:avLst>
-              <a:gd name="adj1" fmla="val 95187"/>
-            </a:avLst>
-          </a:prstGeom>
-          <a:ln w="12700">
-            <a:solidFill>
-              <a:schemeClr val="tx1"/>
-            </a:solidFill>
-          </a:ln>
-        </p:spPr>
-        <p:style>
-          <a:lnRef idx="1">
-            <a:schemeClr val="accent1"/>
-          </a:lnRef>
-          <a:fillRef idx="0">
-            <a:schemeClr val="accent1"/>
-          </a:fillRef>
-          <a:effectRef idx="0">
-            <a:schemeClr val="accent1"/>
-          </a:effectRef>
-          <a:fontRef idx="minor">
-            <a:schemeClr val="tx1"/>
-          </a:fontRef>
-        </p:style>
-      </p:cxnSp>
-      <p:cxnSp>
-        <p:nvCxnSpPr>
-          <p:cNvPr id="254" name="Conector angular 253"/>
-          <p:cNvCxnSpPr/>
-          <p:nvPr/>
-        </p:nvCxnSpPr>
-        <p:spPr>
-          <a:xfrm rot="16200000" flipH="1">
-            <a:off x="820605" y="5489293"/>
-            <a:ext cx="212150" cy="1732"/>
-          </a:xfrm>
-          <a:prstGeom prst="bentConnector3">
-            <a:avLst>
-              <a:gd name="adj1" fmla="val 95187"/>
-            </a:avLst>
-          </a:prstGeom>
-          <a:ln w="12700">
-            <a:solidFill>
-              <a:schemeClr val="tx1"/>
-            </a:solidFill>
-          </a:ln>
-        </p:spPr>
-        <p:style>
-          <a:lnRef idx="1">
-            <a:schemeClr val="accent1"/>
-          </a:lnRef>
-          <a:fillRef idx="0">
-            <a:schemeClr val="accent1"/>
-          </a:fillRef>
-          <a:effectRef idx="0">
-            <a:schemeClr val="accent1"/>
-          </a:effectRef>
-          <a:fontRef idx="minor">
-            <a:schemeClr val="tx1"/>
-          </a:fontRef>
-        </p:style>
-      </p:cxnSp>
-      <p:cxnSp>
-        <p:nvCxnSpPr>
-          <p:cNvPr id="255" name="Conector angular 254"/>
-          <p:cNvCxnSpPr/>
-          <p:nvPr/>
-        </p:nvCxnSpPr>
-        <p:spPr>
-          <a:xfrm rot="16200000" flipH="1">
-            <a:off x="819142" y="5855922"/>
-            <a:ext cx="212150" cy="1732"/>
-          </a:xfrm>
-          <a:prstGeom prst="bentConnector3">
-            <a:avLst>
-              <a:gd name="adj1" fmla="val 95187"/>
-            </a:avLst>
-          </a:prstGeom>
-          <a:ln w="12700">
-            <a:solidFill>
-              <a:schemeClr val="tx1"/>
-            </a:solidFill>
-          </a:ln>
-        </p:spPr>
-        <p:style>
-          <a:lnRef idx="1">
-            <a:schemeClr val="accent1"/>
-          </a:lnRef>
-          <a:fillRef idx="0">
-            <a:schemeClr val="accent1"/>
-          </a:fillRef>
-          <a:effectRef idx="0">
-            <a:schemeClr val="accent1"/>
-          </a:effectRef>
-          <a:fontRef idx="minor">
-            <a:schemeClr val="tx1"/>
-          </a:fontRef>
-        </p:style>
-      </p:cxnSp>
-      <p:cxnSp>
-        <p:nvCxnSpPr>
-          <p:cNvPr id="320" name="Conector angular 319"/>
-          <p:cNvCxnSpPr/>
-          <p:nvPr/>
-        </p:nvCxnSpPr>
-        <p:spPr>
-          <a:xfrm rot="5400000">
-            <a:off x="1860973" y="2970162"/>
-            <a:ext cx="143025" cy="876"/>
-          </a:xfrm>
-          <a:prstGeom prst="bentConnector3">
-            <a:avLst>
-              <a:gd name="adj1" fmla="val 50000"/>
-            </a:avLst>
-          </a:prstGeom>
-          <a:ln w="12700">
-            <a:solidFill>
-              <a:schemeClr val="tx1"/>
-            </a:solidFill>
-          </a:ln>
-        </p:spPr>
-        <p:style>
-          <a:lnRef idx="1">
-            <a:schemeClr val="accent1"/>
-          </a:lnRef>
-          <a:fillRef idx="0">
-            <a:schemeClr val="accent1"/>
-          </a:fillRef>
-          <a:effectRef idx="0">
-            <a:schemeClr val="accent1"/>
-          </a:effectRef>
-          <a:fontRef idx="minor">
-            <a:schemeClr val="tx1"/>
-          </a:fontRef>
-        </p:style>
-      </p:cxnSp>
-      <p:cxnSp>
-        <p:nvCxnSpPr>
-          <p:cNvPr id="321" name="Conector angular 320"/>
-          <p:cNvCxnSpPr/>
-          <p:nvPr/>
-        </p:nvCxnSpPr>
-        <p:spPr>
-          <a:xfrm rot="5400000">
-            <a:off x="1864073" y="4826195"/>
-            <a:ext cx="150138" cy="3285"/>
-          </a:xfrm>
-          <a:prstGeom prst="bentConnector3">
-            <a:avLst>
-              <a:gd name="adj1" fmla="val 884"/>
-            </a:avLst>
-          </a:prstGeom>
-          <a:ln w="12700">
-            <a:solidFill>
-              <a:schemeClr val="tx1"/>
-            </a:solidFill>
-          </a:ln>
-        </p:spPr>
-        <p:style>
-          <a:lnRef idx="1">
-            <a:schemeClr val="accent1"/>
-          </a:lnRef>
-          <a:fillRef idx="0">
-            <a:schemeClr val="accent1"/>
-          </a:fillRef>
-          <a:effectRef idx="0">
-            <a:schemeClr val="accent1"/>
-          </a:effectRef>
-          <a:fontRef idx="minor">
-            <a:schemeClr val="tx1"/>
-          </a:fontRef>
-        </p:style>
-      </p:cxnSp>
-      <p:cxnSp>
-        <p:nvCxnSpPr>
-          <p:cNvPr id="322" name="Conector angular 321"/>
-          <p:cNvCxnSpPr/>
-          <p:nvPr/>
-        </p:nvCxnSpPr>
-        <p:spPr>
-          <a:xfrm rot="5400000">
-            <a:off x="1864072" y="5157088"/>
-            <a:ext cx="150138" cy="3285"/>
-          </a:xfrm>
-          <a:prstGeom prst="bentConnector3">
-            <a:avLst>
-              <a:gd name="adj1" fmla="val 884"/>
-            </a:avLst>
-          </a:prstGeom>
-          <a:ln w="12700">
-            <a:solidFill>
-              <a:schemeClr val="tx1"/>
-            </a:solidFill>
-          </a:ln>
-        </p:spPr>
-        <p:style>
-          <a:lnRef idx="1">
-            <a:schemeClr val="accent1"/>
-          </a:lnRef>
-          <a:fillRef idx="0">
-            <a:schemeClr val="accent1"/>
-          </a:fillRef>
-          <a:effectRef idx="0">
-            <a:schemeClr val="accent1"/>
-          </a:effectRef>
-          <a:fontRef idx="minor">
-            <a:schemeClr val="tx1"/>
-          </a:fontRef>
-        </p:style>
-      </p:cxnSp>
-      <p:cxnSp>
-        <p:nvCxnSpPr>
-          <p:cNvPr id="323" name="Conector angular 322"/>
-          <p:cNvCxnSpPr/>
-          <p:nvPr/>
-        </p:nvCxnSpPr>
-        <p:spPr>
-          <a:xfrm rot="5400000">
-            <a:off x="1856977" y="5655398"/>
-            <a:ext cx="150138" cy="3285"/>
-          </a:xfrm>
-          <a:prstGeom prst="bentConnector3">
-            <a:avLst>
-              <a:gd name="adj1" fmla="val 884"/>
-            </a:avLst>
-          </a:prstGeom>
-          <a:ln w="12700">
-            <a:solidFill>
-              <a:schemeClr val="tx1"/>
-            </a:solidFill>
-          </a:ln>
-        </p:spPr>
-        <p:style>
-          <a:lnRef idx="1">
-            <a:schemeClr val="accent1"/>
-          </a:lnRef>
-          <a:fillRef idx="0">
-            <a:schemeClr val="accent1"/>
-          </a:fillRef>
-          <a:effectRef idx="0">
-            <a:schemeClr val="accent1"/>
-          </a:effectRef>
-          <a:fontRef idx="minor">
-            <a:schemeClr val="tx1"/>
-          </a:fontRef>
-        </p:style>
-      </p:cxnSp>
-      <p:cxnSp>
-        <p:nvCxnSpPr>
-          <p:cNvPr id="324" name="Conector angular 323"/>
-          <p:cNvCxnSpPr/>
-          <p:nvPr/>
-        </p:nvCxnSpPr>
-        <p:spPr>
-          <a:xfrm rot="5400000">
-            <a:off x="1853691" y="5920639"/>
-            <a:ext cx="150138" cy="3285"/>
-          </a:xfrm>
-          <a:prstGeom prst="bentConnector3">
-            <a:avLst>
-              <a:gd name="adj1" fmla="val 884"/>
+              <a:gd name="adj1" fmla="val -332"/>
             </a:avLst>
           </a:prstGeom>
           <a:ln w="12700">
@@ -4876,12 +2993,12 @@
         </p:nvCxnSpPr>
         <p:spPr>
           <a:xfrm rot="5400000" flipH="1" flipV="1">
-            <a:off x="5551551" y="3620403"/>
+            <a:off x="3601235" y="3571830"/>
             <a:ext cx="5257" cy="1004164"/>
           </a:xfrm>
           <a:prstGeom prst="bentConnector3">
             <a:avLst>
-              <a:gd name="adj1" fmla="val 4448488"/>
+              <a:gd name="adj1" fmla="val 2631177"/>
             </a:avLst>
           </a:prstGeom>
           <a:ln w="12700">
@@ -4915,13 +3032,13 @@
           <p:nvPr/>
         </p:nvCxnSpPr>
         <p:spPr>
-          <a:xfrm rot="5400000">
-            <a:off x="3854401" y="978450"/>
-            <a:ext cx="269394" cy="12700"/>
+          <a:xfrm rot="16200000" flipH="1">
+            <a:off x="3576971" y="1059346"/>
+            <a:ext cx="277057" cy="3919"/>
           </a:xfrm>
           <a:prstGeom prst="bentConnector3">
             <a:avLst>
-              <a:gd name="adj1" fmla="val 99372"/>
+              <a:gd name="adj1" fmla="val 97457"/>
             </a:avLst>
           </a:prstGeom>
           <a:ln w="12700">
@@ -4955,13 +3072,13 @@
           <p:nvPr/>
         </p:nvCxnSpPr>
         <p:spPr>
-          <a:xfrm rot="5400000">
-            <a:off x="3916901" y="1445069"/>
-            <a:ext cx="138044" cy="6350"/>
+          <a:xfrm rot="16200000" flipH="1">
+            <a:off x="3629605" y="1553764"/>
+            <a:ext cx="175848" cy="140"/>
           </a:xfrm>
           <a:prstGeom prst="bentConnector3">
             <a:avLst>
-              <a:gd name="adj1" fmla="val 6326"/>
+              <a:gd name="adj1" fmla="val 50000"/>
             </a:avLst>
           </a:prstGeom>
           <a:ln w="12700">
@@ -4993,7 +3110,7 @@
         </p:nvSpPr>
         <p:spPr>
           <a:xfrm>
-            <a:off x="4770360" y="4549061"/>
+            <a:off x="3821572" y="4436140"/>
             <a:ext cx="558588" cy="230832"/>
           </a:xfrm>
           <a:prstGeom prst="rect">
@@ -5026,8 +3143,8 @@
         </p:nvSpPr>
         <p:spPr>
           <a:xfrm>
-            <a:off x="5895017" y="4508137"/>
-            <a:ext cx="558588" cy="230832"/>
+            <a:off x="4811774" y="4451110"/>
+            <a:ext cx="551566" cy="230832"/>
           </a:xfrm>
           <a:prstGeom prst="rect">
             <a:avLst/>
@@ -5051,126 +3168,6 @@
           </a:p>
         </p:txBody>
       </p:sp>
-      <p:cxnSp>
-        <p:nvCxnSpPr>
-          <p:cNvPr id="332" name="Conector angular 331"/>
-          <p:cNvCxnSpPr>
-            <a:stCxn id="222" idx="0"/>
-            <a:endCxn id="220" idx="2"/>
-          </p:cNvCxnSpPr>
-          <p:nvPr/>
-        </p:nvCxnSpPr>
-        <p:spPr>
-          <a:xfrm rot="16200000" flipV="1">
-            <a:off x="3924071" y="4457625"/>
-            <a:ext cx="107188" cy="8792"/>
-          </a:xfrm>
-          <a:prstGeom prst="bentConnector3">
-            <a:avLst>
-              <a:gd name="adj1" fmla="val 96873"/>
-            </a:avLst>
-          </a:prstGeom>
-          <a:ln w="12700">
-            <a:solidFill>
-              <a:schemeClr val="tx1"/>
-            </a:solidFill>
-          </a:ln>
-        </p:spPr>
-        <p:style>
-          <a:lnRef idx="1">
-            <a:schemeClr val="accent1"/>
-          </a:lnRef>
-          <a:fillRef idx="0">
-            <a:schemeClr val="accent1"/>
-          </a:fillRef>
-          <a:effectRef idx="0">
-            <a:schemeClr val="accent1"/>
-          </a:effectRef>
-          <a:fontRef idx="minor">
-            <a:schemeClr val="tx1"/>
-          </a:fontRef>
-        </p:style>
-      </p:cxnSp>
-      <p:cxnSp>
-        <p:nvCxnSpPr>
-          <p:cNvPr id="333" name="Conector angular 332"/>
-          <p:cNvCxnSpPr>
-            <a:stCxn id="330" idx="0"/>
-            <a:endCxn id="170" idx="2"/>
-          </p:cNvCxnSpPr>
-          <p:nvPr/>
-        </p:nvCxnSpPr>
-        <p:spPr>
-          <a:xfrm rot="5400000" flipH="1" flipV="1">
-            <a:off x="4981145" y="4472194"/>
-            <a:ext cx="145377" cy="8358"/>
-          </a:xfrm>
-          <a:prstGeom prst="bentConnector3">
-            <a:avLst>
-              <a:gd name="adj1" fmla="val 94928"/>
-            </a:avLst>
-          </a:prstGeom>
-          <a:ln w="12700">
-            <a:solidFill>
-              <a:schemeClr val="tx1"/>
-            </a:solidFill>
-          </a:ln>
-        </p:spPr>
-        <p:style>
-          <a:lnRef idx="1">
-            <a:schemeClr val="accent1"/>
-          </a:lnRef>
-          <a:fillRef idx="0">
-            <a:schemeClr val="accent1"/>
-          </a:fillRef>
-          <a:effectRef idx="0">
-            <a:schemeClr val="accent1"/>
-          </a:effectRef>
-          <a:fontRef idx="minor">
-            <a:schemeClr val="tx1"/>
-          </a:fontRef>
-        </p:style>
-      </p:cxnSp>
-      <p:cxnSp>
-        <p:nvCxnSpPr>
-          <p:cNvPr id="334" name="Conector angular 333"/>
-          <p:cNvCxnSpPr>
-            <a:stCxn id="331" idx="0"/>
-            <a:endCxn id="173" idx="2"/>
-          </p:cNvCxnSpPr>
-          <p:nvPr/>
-        </p:nvCxnSpPr>
-        <p:spPr>
-          <a:xfrm rot="16200000" flipV="1">
-            <a:off x="6113628" y="4447454"/>
-            <a:ext cx="118314" cy="3052"/>
-          </a:xfrm>
-          <a:prstGeom prst="bentConnector3">
-            <a:avLst>
-              <a:gd name="adj1" fmla="val 96711"/>
-            </a:avLst>
-          </a:prstGeom>
-          <a:ln w="12700">
-            <a:solidFill>
-              <a:schemeClr val="tx1"/>
-            </a:solidFill>
-          </a:ln>
-        </p:spPr>
-        <p:style>
-          <a:lnRef idx="1">
-            <a:schemeClr val="accent1"/>
-          </a:lnRef>
-          <a:fillRef idx="0">
-            <a:schemeClr val="accent1"/>
-          </a:fillRef>
-          <a:effectRef idx="0">
-            <a:schemeClr val="accent1"/>
-          </a:effectRef>
-          <a:fontRef idx="minor">
-            <a:schemeClr val="tx1"/>
-          </a:fontRef>
-        </p:style>
-      </p:cxnSp>
       <p:cxnSp>
         <p:nvCxnSpPr>
           <p:cNvPr id="364" name="Conector angular 363"/>
@@ -5182,92 +3179,12 @@
         </p:nvCxnSpPr>
         <p:spPr>
           <a:xfrm rot="16200000" flipH="1">
-            <a:off x="4979039" y="4850507"/>
-            <a:ext cx="141852" cy="623"/>
+            <a:off x="4013924" y="4753914"/>
+            <a:ext cx="182266" cy="8382"/>
           </a:xfrm>
           <a:prstGeom prst="bentConnector3">
             <a:avLst>
-              <a:gd name="adj1" fmla="val 50000"/>
-            </a:avLst>
-          </a:prstGeom>
-          <a:ln w="12700">
-            <a:solidFill>
-              <a:schemeClr val="tx1"/>
-            </a:solidFill>
-          </a:ln>
-        </p:spPr>
-        <p:style>
-          <a:lnRef idx="1">
-            <a:schemeClr val="accent1"/>
-          </a:lnRef>
-          <a:fillRef idx="0">
-            <a:schemeClr val="accent1"/>
-          </a:fillRef>
-          <a:effectRef idx="0">
-            <a:schemeClr val="accent1"/>
-          </a:effectRef>
-          <a:fontRef idx="minor">
-            <a:schemeClr val="tx1"/>
-          </a:fontRef>
-        </p:style>
-      </p:cxnSp>
-      <p:cxnSp>
-        <p:nvCxnSpPr>
-          <p:cNvPr id="365" name="Conector angular 364"/>
-          <p:cNvCxnSpPr>
-            <a:stCxn id="222" idx="2"/>
-            <a:endCxn id="256" idx="0"/>
-          </p:cNvCxnSpPr>
-          <p:nvPr/>
-        </p:nvCxnSpPr>
-        <p:spPr>
-          <a:xfrm rot="5400000">
-            <a:off x="3888836" y="4828520"/>
-            <a:ext cx="175298" cy="11152"/>
-          </a:xfrm>
-          <a:prstGeom prst="bentConnector3">
-            <a:avLst>
-              <a:gd name="adj1" fmla="val 98723"/>
-            </a:avLst>
-          </a:prstGeom>
-          <a:ln w="12700">
-            <a:solidFill>
-              <a:schemeClr val="tx1"/>
-            </a:solidFill>
-          </a:ln>
-        </p:spPr>
-        <p:style>
-          <a:lnRef idx="1">
-            <a:schemeClr val="accent1"/>
-          </a:lnRef>
-          <a:fillRef idx="0">
-            <a:schemeClr val="accent1"/>
-          </a:fillRef>
-          <a:effectRef idx="0">
-            <a:schemeClr val="accent1"/>
-          </a:effectRef>
-          <a:fontRef idx="minor">
-            <a:schemeClr val="tx1"/>
-          </a:fontRef>
-        </p:style>
-      </p:cxnSp>
-      <p:cxnSp>
-        <p:nvCxnSpPr>
-          <p:cNvPr id="367" name="Conector angular 366"/>
-          <p:cNvCxnSpPr>
-            <a:stCxn id="331" idx="2"/>
-            <a:endCxn id="101" idx="0"/>
-          </p:cNvCxnSpPr>
-          <p:nvPr/>
-        </p:nvCxnSpPr>
-        <p:spPr>
-          <a:xfrm rot="5400000">
-            <a:off x="6091001" y="4821671"/>
-            <a:ext cx="166012" cy="608"/>
-          </a:xfrm>
-          <a:prstGeom prst="bentConnector3">
-            <a:avLst>
-              <a:gd name="adj1" fmla="val 50000"/>
+              <a:gd name="adj1" fmla="val 100362"/>
             </a:avLst>
           </a:prstGeom>
           <a:ln w="12700">
@@ -5299,7 +3216,7 @@
         </p:nvCxnSpPr>
         <p:spPr>
           <a:xfrm rot="10800000" flipV="1">
-            <a:off x="5211536" y="967778"/>
+            <a:off x="4970013" y="1038150"/>
             <a:ext cx="1909895" cy="158265"/>
           </a:xfrm>
           <a:prstGeom prst="bentConnector3">
@@ -5336,7 +3253,7 @@
         </p:nvCxnSpPr>
         <p:spPr>
           <a:xfrm rot="16200000" flipH="1">
-            <a:off x="5168875" y="1452932"/>
+            <a:off x="4940808" y="1525592"/>
             <a:ext cx="106251" cy="3461"/>
           </a:xfrm>
           <a:prstGeom prst="bentConnector3">
@@ -5376,7 +3293,7 @@
         </p:nvCxnSpPr>
         <p:spPr>
           <a:xfrm rot="5400000">
-            <a:off x="5144146" y="1801071"/>
+            <a:off x="4916079" y="1873731"/>
             <a:ext cx="151197" cy="7974"/>
           </a:xfrm>
           <a:prstGeom prst="bentConnector3">
@@ -5413,7 +3330,7 @@
         </p:nvCxnSpPr>
         <p:spPr>
           <a:xfrm rot="5400000">
-            <a:off x="5145523" y="2466751"/>
+            <a:off x="4917456" y="2539411"/>
             <a:ext cx="138754" cy="1713"/>
           </a:xfrm>
           <a:prstGeom prst="bentConnector3">
@@ -5453,7 +3370,7 @@
         </p:nvCxnSpPr>
         <p:spPr>
           <a:xfrm rot="5400000">
-            <a:off x="5126329" y="2840256"/>
+            <a:off x="4898262" y="2912916"/>
             <a:ext cx="169614" cy="5817"/>
           </a:xfrm>
           <a:prstGeom prst="bentConnector3">
@@ -5493,12 +3410,12 @@
         </p:nvCxnSpPr>
         <p:spPr>
           <a:xfrm rot="5400000">
-            <a:off x="6427644" y="1439269"/>
-            <a:ext cx="104220" cy="4291"/>
+            <a:off x="6192617" y="1519233"/>
+            <a:ext cx="118484" cy="3947"/>
           </a:xfrm>
           <a:prstGeom prst="bentConnector3">
             <a:avLst>
-              <a:gd name="adj1" fmla="val 1789"/>
+              <a:gd name="adj1" fmla="val 50000"/>
             </a:avLst>
           </a:prstGeom>
           <a:ln w="12700">
@@ -5533,12 +3450,12 @@
         </p:nvCxnSpPr>
         <p:spPr>
           <a:xfrm rot="5400000">
-            <a:off x="6397320" y="1802472"/>
-            <a:ext cx="158404" cy="2172"/>
+            <a:off x="6176557" y="1882092"/>
+            <a:ext cx="144140" cy="2516"/>
           </a:xfrm>
           <a:prstGeom prst="bentConnector3">
             <a:avLst>
-              <a:gd name="adj1" fmla="val 97576"/>
+              <a:gd name="adj1" fmla="val 50000"/>
             </a:avLst>
           </a:prstGeom>
           <a:ln w="12700">
@@ -5573,7 +3490,7 @@
         </p:nvCxnSpPr>
         <p:spPr>
           <a:xfrm rot="5400000">
-            <a:off x="7547648" y="1439906"/>
+            <a:off x="7319581" y="1512566"/>
             <a:ext cx="116608" cy="829"/>
           </a:xfrm>
           <a:prstGeom prst="bentConnector3">
@@ -5613,7 +3530,7 @@
         </p:nvCxnSpPr>
         <p:spPr>
           <a:xfrm rot="5400000">
-            <a:off x="7531129" y="1803744"/>
+            <a:off x="7303062" y="1876404"/>
             <a:ext cx="148693" cy="125"/>
           </a:xfrm>
           <a:prstGeom prst="bentConnector3">
@@ -5650,7 +3567,7 @@
         </p:nvSpPr>
         <p:spPr>
           <a:xfrm>
-            <a:off x="8439313" y="1498624"/>
+            <a:off x="8211246" y="1571284"/>
             <a:ext cx="376254" cy="230836"/>
           </a:xfrm>
           <a:prstGeom prst="rect">
@@ -5683,7 +3600,7 @@
         </p:nvCxnSpPr>
         <p:spPr>
           <a:xfrm rot="5400000">
-            <a:off x="8562897" y="1447291"/>
+            <a:off x="8334830" y="1519951"/>
             <a:ext cx="118073" cy="7225"/>
           </a:xfrm>
           <a:prstGeom prst="bentConnector3">
@@ -5717,13 +3634,12 @@
           <p:cNvPr id="383" name="Conector angular 382"/>
           <p:cNvCxnSpPr>
             <a:stCxn id="381" idx="2"/>
-            <a:endCxn id="175" idx="0"/>
           </p:cNvCxnSpPr>
           <p:nvPr/>
         </p:nvCxnSpPr>
         <p:spPr>
           <a:xfrm rot="16200000" flipH="1">
-            <a:off x="8554553" y="1802347"/>
+            <a:off x="8326486" y="1875007"/>
             <a:ext cx="145942" cy="168"/>
           </a:xfrm>
           <a:prstGeom prst="bentConnector3">
@@ -5760,7 +3676,7 @@
         </p:nvSpPr>
         <p:spPr>
           <a:xfrm>
-            <a:off x="5697594" y="5816224"/>
+            <a:off x="4654203" y="5899410"/>
             <a:ext cx="961635" cy="230832"/>
           </a:xfrm>
           <a:prstGeom prst="rect">
@@ -5793,7 +3709,7 @@
         </p:nvSpPr>
         <p:spPr>
           <a:xfrm>
-            <a:off x="5800690" y="6271681"/>
+            <a:off x="4723689" y="6241218"/>
             <a:ext cx="759604" cy="434243"/>
           </a:xfrm>
           <a:prstGeom prst="rect">
@@ -5859,172 +3775,18 @@
       </p:sp>
       <p:cxnSp>
         <p:nvCxnSpPr>
-          <p:cNvPr id="386" name="Conector angular 385"/>
+          <p:cNvPr id="138" name="Conector angular 137"/>
           <p:cNvCxnSpPr/>
           <p:nvPr/>
         </p:nvCxnSpPr>
         <p:spPr>
-          <a:xfrm rot="16200000" flipV="1">
-            <a:off x="6105665" y="5760650"/>
-            <a:ext cx="131364" cy="4709"/>
+          <a:xfrm rot="5400000" flipH="1" flipV="1">
+            <a:off x="5588666" y="3530345"/>
+            <a:ext cx="4925" cy="1075915"/>
           </a:xfrm>
           <a:prstGeom prst="bentConnector3">
             <a:avLst>
-              <a:gd name="adj1" fmla="val 103543"/>
-            </a:avLst>
-          </a:prstGeom>
-          <a:ln w="12700">
-            <a:solidFill>
-              <a:schemeClr val="tx1"/>
-            </a:solidFill>
-          </a:ln>
-        </p:spPr>
-        <p:style>
-          <a:lnRef idx="1">
-            <a:schemeClr val="accent1"/>
-          </a:lnRef>
-          <a:fillRef idx="0">
-            <a:schemeClr val="accent1"/>
-          </a:fillRef>
-          <a:effectRef idx="0">
-            <a:schemeClr val="accent1"/>
-          </a:effectRef>
-          <a:fontRef idx="minor">
-            <a:schemeClr val="tx1"/>
-          </a:fontRef>
-        </p:style>
-      </p:cxnSp>
-      <p:cxnSp>
-        <p:nvCxnSpPr>
-          <p:cNvPr id="387" name="Conector angular 386"/>
-          <p:cNvCxnSpPr>
-            <a:stCxn id="385" idx="0"/>
-            <a:endCxn id="384" idx="2"/>
-          </p:cNvCxnSpPr>
-          <p:nvPr/>
-        </p:nvCxnSpPr>
-        <p:spPr>
-          <a:xfrm rot="16200000" flipV="1">
-            <a:off x="6067140" y="6158329"/>
-            <a:ext cx="224625" cy="2080"/>
-          </a:xfrm>
-          <a:prstGeom prst="bentConnector3">
-            <a:avLst>
-              <a:gd name="adj1" fmla="val 50000"/>
-            </a:avLst>
-          </a:prstGeom>
-          <a:ln w="12700">
-            <a:solidFill>
-              <a:schemeClr val="tx1"/>
-            </a:solidFill>
-          </a:ln>
-        </p:spPr>
-        <p:style>
-          <a:lnRef idx="1">
-            <a:schemeClr val="accent1"/>
-          </a:lnRef>
-          <a:fillRef idx="0">
-            <a:schemeClr val="accent1"/>
-          </a:fillRef>
-          <a:effectRef idx="0">
-            <a:schemeClr val="accent1"/>
-          </a:effectRef>
-          <a:fontRef idx="minor">
-            <a:schemeClr val="tx1"/>
-          </a:fontRef>
-        </p:style>
-      </p:cxnSp>
-      <p:cxnSp>
-        <p:nvCxnSpPr>
-          <p:cNvPr id="132" name="Conector angular 131"/>
-          <p:cNvCxnSpPr>
-            <a:endCxn id="220" idx="0"/>
-          </p:cNvCxnSpPr>
-          <p:nvPr/>
-        </p:nvCxnSpPr>
-        <p:spPr>
-          <a:xfrm rot="5400000">
-            <a:off x="3863219" y="4006502"/>
-            <a:ext cx="228892" cy="8792"/>
-          </a:xfrm>
-          <a:prstGeom prst="bentConnector3">
-            <a:avLst>
-              <a:gd name="adj1" fmla="val -4875"/>
-            </a:avLst>
-          </a:prstGeom>
-          <a:ln w="12700">
-            <a:solidFill>
-              <a:schemeClr val="tx1"/>
-            </a:solidFill>
-          </a:ln>
-        </p:spPr>
-        <p:style>
-          <a:lnRef idx="1">
-            <a:schemeClr val="accent1"/>
-          </a:lnRef>
-          <a:fillRef idx="0">
-            <a:schemeClr val="accent1"/>
-          </a:fillRef>
-          <a:effectRef idx="0">
-            <a:schemeClr val="accent1"/>
-          </a:effectRef>
-          <a:fontRef idx="minor">
-            <a:schemeClr val="tx1"/>
-          </a:fontRef>
-        </p:style>
-      </p:cxnSp>
-      <p:cxnSp>
-        <p:nvCxnSpPr>
-          <p:cNvPr id="138" name="Conector angular 137"/>
-          <p:cNvCxnSpPr/>
-          <p:nvPr/>
-        </p:nvCxnSpPr>
-        <p:spPr>
-          <a:xfrm rot="5400000" flipH="1" flipV="1">
-            <a:off x="7995562" y="3606439"/>
-            <a:ext cx="5257" cy="1004164"/>
-          </a:xfrm>
-          <a:prstGeom prst="bentConnector3">
-            <a:avLst>
-              <a:gd name="adj1" fmla="val 4161670"/>
-            </a:avLst>
-          </a:prstGeom>
-          <a:ln w="12700">
-            <a:solidFill>
-              <a:schemeClr val="tx1"/>
-            </a:solidFill>
-          </a:ln>
-        </p:spPr>
-        <p:style>
-          <a:lnRef idx="1">
-            <a:schemeClr val="accent1"/>
-          </a:lnRef>
-          <a:fillRef idx="0">
-            <a:schemeClr val="accent1"/>
-          </a:fillRef>
-          <a:effectRef idx="0">
-            <a:schemeClr val="accent1"/>
-          </a:effectRef>
-          <a:fontRef idx="minor">
-            <a:schemeClr val="tx1"/>
-          </a:fontRef>
-        </p:style>
-      </p:cxnSp>
-      <p:cxnSp>
-        <p:nvCxnSpPr>
-          <p:cNvPr id="139" name="Conector angular 138"/>
-          <p:cNvCxnSpPr/>
-          <p:nvPr/>
-        </p:nvCxnSpPr>
-        <p:spPr>
-          <a:xfrm flipV="1">
-            <a:off x="6056262" y="4101509"/>
-            <a:ext cx="1439846" cy="11130"/>
-          </a:xfrm>
-          <a:prstGeom prst="bentConnector4">
-            <a:avLst>
-              <a:gd name="adj1" fmla="val 155"/>
-              <a:gd name="adj2" fmla="val 1973351"/>
+              <a:gd name="adj1" fmla="val 2773503"/>
             </a:avLst>
           </a:prstGeom>
           <a:ln w="12700">
@@ -6056,7 +3818,7 @@
         </p:nvCxnSpPr>
         <p:spPr>
           <a:xfrm rot="5400000">
-            <a:off x="6394126" y="1062428"/>
+            <a:off x="6166059" y="1135088"/>
             <a:ext cx="158404" cy="2172"/>
           </a:xfrm>
           <a:prstGeom prst="bentConnector3">
@@ -6093,12 +3855,12 @@
         </p:nvCxnSpPr>
         <p:spPr>
           <a:xfrm rot="5400000">
-            <a:off x="3910640" y="612815"/>
-            <a:ext cx="169614" cy="5817"/>
+            <a:off x="3609470" y="639731"/>
+            <a:ext cx="202325" cy="5817"/>
           </a:xfrm>
           <a:prstGeom prst="bentConnector3">
             <a:avLst>
-              <a:gd name="adj1" fmla="val -358"/>
+              <a:gd name="adj1" fmla="val 4349"/>
             </a:avLst>
           </a:prstGeom>
           <a:ln w="12700">
@@ -6132,12 +3894,1291 @@
         </p:nvCxnSpPr>
         <p:spPr>
           <a:xfrm rot="16200000" flipH="1">
-            <a:off x="7524461" y="1058570"/>
+            <a:off x="7296394" y="1131230"/>
             <a:ext cx="162857" cy="954"/>
           </a:xfrm>
           <a:prstGeom prst="bentConnector3">
             <a:avLst>
               <a:gd name="adj1" fmla="val 639"/>
+            </a:avLst>
+          </a:prstGeom>
+          <a:ln w="12700">
+            <a:solidFill>
+              <a:schemeClr val="tx1"/>
+            </a:solidFill>
+          </a:ln>
+        </p:spPr>
+        <p:style>
+          <a:lnRef idx="1">
+            <a:schemeClr val="accent1"/>
+          </a:lnRef>
+          <a:fillRef idx="0">
+            <a:schemeClr val="accent1"/>
+          </a:fillRef>
+          <a:effectRef idx="0">
+            <a:schemeClr val="accent1"/>
+          </a:effectRef>
+          <a:fontRef idx="minor">
+            <a:schemeClr val="tx1"/>
+          </a:fontRef>
+        </p:style>
+      </p:cxnSp>
+      <p:sp>
+        <p:nvSpPr>
+          <p:cNvPr id="111" name="CuadroTexto 110" descr="Conector entre nodos" title="conector"/>
+          <p:cNvSpPr txBox="1"/>
+          <p:nvPr/>
+        </p:nvSpPr>
+        <p:spPr>
+          <a:xfrm>
+            <a:off x="342092" y="1717230"/>
+            <a:ext cx="1418919" cy="230832"/>
+          </a:xfrm>
+          <a:prstGeom prst="rect">
+            <a:avLst/>
+          </a:prstGeom>
+          <a:noFill/>
+        </p:spPr>
+        <p:txBody>
+          <a:bodyPr wrap="square" rtlCol="0">
+            <a:spAutoFit/>
+          </a:bodyPr>
+          <a:lstStyle/>
+          <a:p>
+            <a:pPr algn="ctr"/>
+            <a:r>
+              <a:rPr lang="es-ES" sz="900" dirty="0" smtClean="0">
+                <a:latin typeface="Arial" panose="020B0604020202020204" pitchFamily="34" charset="0"/>
+                <a:cs typeface="Arial" panose="020B0604020202020204" pitchFamily="34" charset="0"/>
+              </a:rPr>
+              <a:t>en las cuales</a:t>
+            </a:r>
+            <a:endParaRPr lang="es-ES" sz="900" dirty="0">
+              <a:latin typeface="Arial" panose="020B0604020202020204" pitchFamily="34" charset="0"/>
+              <a:cs typeface="Arial" panose="020B0604020202020204" pitchFamily="34" charset="0"/>
+            </a:endParaRPr>
+          </a:p>
+        </p:txBody>
+      </p:sp>
+      <p:sp>
+        <p:nvSpPr>
+          <p:cNvPr id="113" name="Rectángulo 112" descr="Nodo de segundo nivel" title="Nodo02"/>
+          <p:cNvSpPr/>
+          <p:nvPr/>
+        </p:nvSpPr>
+        <p:spPr>
+          <a:xfrm>
+            <a:off x="513965" y="2036265"/>
+            <a:ext cx="1075174" cy="497217"/>
+          </a:xfrm>
+          <a:prstGeom prst="rect">
+            <a:avLst/>
+          </a:prstGeom>
+          <a:solidFill>
+            <a:schemeClr val="bg2">
+              <a:lumMod val="50000"/>
+            </a:schemeClr>
+          </a:solidFill>
+          <a:ln>
+            <a:solidFill>
+              <a:schemeClr val="tx1"/>
+            </a:solidFill>
+          </a:ln>
+        </p:spPr>
+        <p:style>
+          <a:lnRef idx="2">
+            <a:schemeClr val="accent6"/>
+          </a:lnRef>
+          <a:fillRef idx="1">
+            <a:schemeClr val="lt1"/>
+          </a:fillRef>
+          <a:effectRef idx="0">
+            <a:schemeClr val="accent6"/>
+          </a:effectRef>
+          <a:fontRef idx="minor">
+            <a:schemeClr val="dk1"/>
+          </a:fontRef>
+        </p:style>
+        <p:txBody>
+          <a:bodyPr rtlCol="0" anchor="ctr"/>
+          <a:lstStyle/>
+          <a:p>
+            <a:pPr algn="ctr"/>
+            <a:r>
+              <a:rPr lang="es-CO" sz="900" dirty="0" smtClean="0">
+                <a:solidFill>
+                  <a:schemeClr val="bg1"/>
+                </a:solidFill>
+                <a:latin typeface="Arial" panose="020B0604020202020204" pitchFamily="34" charset="0"/>
+                <a:cs typeface="Arial" panose="020B0604020202020204" pitchFamily="34" charset="0"/>
+              </a:rPr>
+              <a:t>se relacionan los elementos de dos conjuntos</a:t>
+            </a:r>
+            <a:endParaRPr lang="es-ES" sz="900" dirty="0">
+              <a:solidFill>
+                <a:schemeClr val="bg1"/>
+              </a:solidFill>
+              <a:latin typeface="Arial" panose="020B0604020202020204" pitchFamily="34" charset="0"/>
+              <a:cs typeface="Arial" panose="020B0604020202020204" pitchFamily="34" charset="0"/>
+            </a:endParaRPr>
+          </a:p>
+        </p:txBody>
+      </p:sp>
+      <p:sp>
+        <p:nvSpPr>
+          <p:cNvPr id="127" name="CuadroTexto 126" descr="Conector entre nodos" title="conector"/>
+          <p:cNvSpPr txBox="1"/>
+          <p:nvPr/>
+        </p:nvSpPr>
+        <p:spPr>
+          <a:xfrm>
+            <a:off x="286831" y="2684992"/>
+            <a:ext cx="1418919" cy="230832"/>
+          </a:xfrm>
+          <a:prstGeom prst="rect">
+            <a:avLst/>
+          </a:prstGeom>
+          <a:noFill/>
+        </p:spPr>
+        <p:txBody>
+          <a:bodyPr wrap="square" rtlCol="0">
+            <a:spAutoFit/>
+          </a:bodyPr>
+          <a:lstStyle/>
+          <a:p>
+            <a:pPr algn="ctr"/>
+            <a:r>
+              <a:rPr lang="es-ES" sz="900" dirty="0" smtClean="0">
+                <a:latin typeface="Arial" panose="020B0604020202020204" pitchFamily="34" charset="0"/>
+                <a:cs typeface="Arial" panose="020B0604020202020204" pitchFamily="34" charset="0"/>
+              </a:rPr>
+              <a:t>de manera que</a:t>
+            </a:r>
+            <a:endParaRPr lang="es-ES" sz="900" dirty="0">
+              <a:latin typeface="Arial" panose="020B0604020202020204" pitchFamily="34" charset="0"/>
+              <a:cs typeface="Arial" panose="020B0604020202020204" pitchFamily="34" charset="0"/>
+            </a:endParaRPr>
+          </a:p>
+        </p:txBody>
+      </p:sp>
+      <p:sp>
+        <p:nvSpPr>
+          <p:cNvPr id="128" name="Rectángulo 127" descr="Nodo de tercer nivel" title="Nodo03"/>
+          <p:cNvSpPr/>
+          <p:nvPr/>
+        </p:nvSpPr>
+        <p:spPr>
+          <a:xfrm>
+            <a:off x="340212" y="3016006"/>
+            <a:ext cx="1397689" cy="1141252"/>
+          </a:xfrm>
+          <a:prstGeom prst="rect">
+            <a:avLst/>
+          </a:prstGeom>
+          <a:solidFill>
+            <a:schemeClr val="bg2">
+              <a:lumMod val="90000"/>
+            </a:schemeClr>
+          </a:solidFill>
+          <a:ln>
+            <a:solidFill>
+              <a:schemeClr val="tx1"/>
+            </a:solidFill>
+          </a:ln>
+        </p:spPr>
+        <p:style>
+          <a:lnRef idx="2">
+            <a:schemeClr val="accent6"/>
+          </a:lnRef>
+          <a:fillRef idx="1">
+            <a:schemeClr val="lt1"/>
+          </a:fillRef>
+          <a:effectRef idx="0">
+            <a:schemeClr val="accent6"/>
+          </a:effectRef>
+          <a:fontRef idx="minor">
+            <a:schemeClr val="dk1"/>
+          </a:fontRef>
+        </p:style>
+        <p:txBody>
+          <a:bodyPr rtlCol="0" anchor="ctr"/>
+          <a:lstStyle/>
+          <a:p>
+            <a:r>
+              <a:rPr lang="es-ES" sz="900" dirty="0" smtClean="0">
+                <a:solidFill>
+                  <a:schemeClr val="tx1"/>
+                </a:solidFill>
+                <a:latin typeface="Arial" panose="020B0604020202020204" pitchFamily="34" charset="0"/>
+                <a:cs typeface="Arial" panose="020B0604020202020204" pitchFamily="34" charset="0"/>
+              </a:rPr>
+              <a:t>a cada elemento del primer conjunto llamado dominio, le corresponde solo un elemento del segundo conjunto llamado recorrido o </a:t>
+            </a:r>
+            <a:r>
+              <a:rPr lang="es-ES" sz="900" dirty="0" err="1" smtClean="0">
+                <a:solidFill>
+                  <a:schemeClr val="tx1"/>
+                </a:solidFill>
+                <a:latin typeface="Arial" panose="020B0604020202020204" pitchFamily="34" charset="0"/>
+                <a:cs typeface="Arial" panose="020B0604020202020204" pitchFamily="34" charset="0"/>
+              </a:rPr>
+              <a:t>codominio</a:t>
+            </a:r>
+            <a:endParaRPr lang="es-ES" sz="900" dirty="0">
+              <a:solidFill>
+                <a:schemeClr val="tx1"/>
+              </a:solidFill>
+              <a:latin typeface="Arial" panose="020B0604020202020204" pitchFamily="34" charset="0"/>
+              <a:cs typeface="Arial" panose="020B0604020202020204" pitchFamily="34" charset="0"/>
+            </a:endParaRPr>
+          </a:p>
+        </p:txBody>
+      </p:sp>
+      <p:sp>
+        <p:nvSpPr>
+          <p:cNvPr id="129" name="CuadroTexto 128" descr="Conector entre nodos" title="conector"/>
+          <p:cNvSpPr txBox="1"/>
+          <p:nvPr/>
+        </p:nvSpPr>
+        <p:spPr>
+          <a:xfrm>
+            <a:off x="435746" y="4211204"/>
+            <a:ext cx="1162272" cy="230832"/>
+          </a:xfrm>
+          <a:prstGeom prst="rect">
+            <a:avLst/>
+          </a:prstGeom>
+          <a:noFill/>
+        </p:spPr>
+        <p:txBody>
+          <a:bodyPr wrap="square" rtlCol="0">
+            <a:spAutoFit/>
+          </a:bodyPr>
+          <a:lstStyle/>
+          <a:p>
+            <a:pPr algn="ctr"/>
+            <a:r>
+              <a:rPr lang="es-ES" sz="900" dirty="0" smtClean="0">
+                <a:latin typeface="Arial" panose="020B0604020202020204" pitchFamily="34" charset="0"/>
+                <a:cs typeface="Arial" panose="020B0604020202020204" pitchFamily="34" charset="0"/>
+              </a:rPr>
+              <a:t>se identifican como</a:t>
+            </a:r>
+            <a:endParaRPr lang="es-ES" sz="900" dirty="0">
+              <a:latin typeface="Arial" panose="020B0604020202020204" pitchFamily="34" charset="0"/>
+              <a:cs typeface="Arial" panose="020B0604020202020204" pitchFamily="34" charset="0"/>
+            </a:endParaRPr>
+          </a:p>
+        </p:txBody>
+      </p:sp>
+      <p:cxnSp>
+        <p:nvCxnSpPr>
+          <p:cNvPr id="133" name="Conector angular 132"/>
+          <p:cNvCxnSpPr/>
+          <p:nvPr/>
+        </p:nvCxnSpPr>
+        <p:spPr>
+          <a:xfrm rot="5400000" flipH="1" flipV="1">
+            <a:off x="1014254" y="4118638"/>
+            <a:ext cx="5257" cy="1004164"/>
+          </a:xfrm>
+          <a:prstGeom prst="bentConnector3">
+            <a:avLst>
+              <a:gd name="adj1" fmla="val 2371562"/>
+            </a:avLst>
+          </a:prstGeom>
+          <a:ln w="12700">
+            <a:solidFill>
+              <a:schemeClr val="tx1"/>
+            </a:solidFill>
+          </a:ln>
+        </p:spPr>
+        <p:style>
+          <a:lnRef idx="1">
+            <a:schemeClr val="accent1"/>
+          </a:lnRef>
+          <a:fillRef idx="0">
+            <a:schemeClr val="accent1"/>
+          </a:fillRef>
+          <a:effectRef idx="0">
+            <a:schemeClr val="accent1"/>
+          </a:effectRef>
+          <a:fontRef idx="minor">
+            <a:schemeClr val="tx1"/>
+          </a:fontRef>
+        </p:style>
+      </p:cxnSp>
+      <p:sp>
+        <p:nvSpPr>
+          <p:cNvPr id="134" name="Rectángulo 133" descr="Nodo de cuarto nivel&#10;" title="Nodo04"/>
+          <p:cNvSpPr/>
+          <p:nvPr/>
+        </p:nvSpPr>
+        <p:spPr>
+          <a:xfrm>
+            <a:off x="164916" y="4625175"/>
+            <a:ext cx="905694" cy="689404"/>
+          </a:xfrm>
+          <a:prstGeom prst="rect">
+            <a:avLst/>
+          </a:prstGeom>
+          <a:solidFill>
+            <a:schemeClr val="bg1"/>
+          </a:solidFill>
+          <a:ln>
+            <a:solidFill>
+              <a:schemeClr val="tx1"/>
+            </a:solidFill>
+          </a:ln>
+        </p:spPr>
+        <p:style>
+          <a:lnRef idx="2">
+            <a:schemeClr val="accent6"/>
+          </a:lnRef>
+          <a:fillRef idx="1">
+            <a:schemeClr val="lt1"/>
+          </a:fillRef>
+          <a:effectRef idx="0">
+            <a:schemeClr val="accent6"/>
+          </a:effectRef>
+          <a:fontRef idx="minor">
+            <a:schemeClr val="dk1"/>
+          </a:fontRef>
+        </p:style>
+        <p:txBody>
+          <a:bodyPr rtlCol="0" anchor="ctr"/>
+          <a:lstStyle/>
+          <a:p>
+            <a:pPr algn="ctr"/>
+            <a:r>
+              <a:rPr lang="es-ES" sz="900" dirty="0" smtClean="0">
+                <a:solidFill>
+                  <a:schemeClr val="tx1"/>
+                </a:solidFill>
+                <a:latin typeface="Arial" panose="020B0604020202020204" pitchFamily="34" charset="0"/>
+                <a:cs typeface="Arial" panose="020B0604020202020204" pitchFamily="34" charset="0"/>
+              </a:rPr>
+              <a:t>variable independiente si es un elemento del dominio</a:t>
+            </a:r>
+            <a:endParaRPr lang="es-ES" sz="900" dirty="0">
+              <a:solidFill>
+                <a:schemeClr val="tx1"/>
+              </a:solidFill>
+              <a:latin typeface="Arial" panose="020B0604020202020204" pitchFamily="34" charset="0"/>
+              <a:cs typeface="Arial" panose="020B0604020202020204" pitchFamily="34" charset="0"/>
+            </a:endParaRPr>
+          </a:p>
+        </p:txBody>
+      </p:sp>
+      <p:sp>
+        <p:nvSpPr>
+          <p:cNvPr id="137" name="Rectángulo 136" descr="Nodo de cuarto nivel&#10;" title="Nodo04"/>
+          <p:cNvSpPr/>
+          <p:nvPr/>
+        </p:nvSpPr>
+        <p:spPr>
+          <a:xfrm>
+            <a:off x="1151860" y="4626012"/>
+            <a:ext cx="851883" cy="689403"/>
+          </a:xfrm>
+          <a:prstGeom prst="rect">
+            <a:avLst/>
+          </a:prstGeom>
+          <a:solidFill>
+            <a:schemeClr val="bg1"/>
+          </a:solidFill>
+          <a:ln>
+            <a:solidFill>
+              <a:schemeClr val="tx1"/>
+            </a:solidFill>
+          </a:ln>
+        </p:spPr>
+        <p:style>
+          <a:lnRef idx="2">
+            <a:schemeClr val="accent6"/>
+          </a:lnRef>
+          <a:fillRef idx="1">
+            <a:schemeClr val="lt1"/>
+          </a:fillRef>
+          <a:effectRef idx="0">
+            <a:schemeClr val="accent6"/>
+          </a:effectRef>
+          <a:fontRef idx="minor">
+            <a:schemeClr val="dk1"/>
+          </a:fontRef>
+        </p:style>
+        <p:txBody>
+          <a:bodyPr rtlCol="0" anchor="ctr"/>
+          <a:lstStyle/>
+          <a:p>
+            <a:pPr algn="ctr"/>
+            <a:r>
+              <a:rPr lang="es-ES" sz="900" dirty="0">
+                <a:solidFill>
+                  <a:schemeClr val="tx1"/>
+                </a:solidFill>
+                <a:latin typeface="Arial" panose="020B0604020202020204" pitchFamily="34" charset="0"/>
+                <a:cs typeface="Arial" panose="020B0604020202020204" pitchFamily="34" charset="0"/>
+              </a:rPr>
+              <a:t>variable </a:t>
+            </a:r>
+            <a:r>
+              <a:rPr lang="es-ES" sz="900" dirty="0" smtClean="0">
+                <a:solidFill>
+                  <a:schemeClr val="tx1"/>
+                </a:solidFill>
+                <a:latin typeface="Arial" panose="020B0604020202020204" pitchFamily="34" charset="0"/>
+                <a:cs typeface="Arial" panose="020B0604020202020204" pitchFamily="34" charset="0"/>
+              </a:rPr>
+              <a:t>dependiente </a:t>
+            </a:r>
+            <a:r>
+              <a:rPr lang="es-ES" sz="900" dirty="0">
+                <a:solidFill>
+                  <a:schemeClr val="tx1"/>
+                </a:solidFill>
+                <a:latin typeface="Arial" panose="020B0604020202020204" pitchFamily="34" charset="0"/>
+                <a:cs typeface="Arial" panose="020B0604020202020204" pitchFamily="34" charset="0"/>
+              </a:rPr>
+              <a:t>si es un elemento del </a:t>
+            </a:r>
+            <a:r>
+              <a:rPr lang="es-ES" sz="900" dirty="0" err="1" smtClean="0">
+                <a:solidFill>
+                  <a:schemeClr val="tx1"/>
+                </a:solidFill>
+                <a:latin typeface="Arial" panose="020B0604020202020204" pitchFamily="34" charset="0"/>
+                <a:cs typeface="Arial" panose="020B0604020202020204" pitchFamily="34" charset="0"/>
+              </a:rPr>
+              <a:t>codominio</a:t>
+            </a:r>
+            <a:endParaRPr lang="es-ES" sz="900" dirty="0">
+              <a:solidFill>
+                <a:schemeClr val="tx1"/>
+              </a:solidFill>
+              <a:latin typeface="Arial" panose="020B0604020202020204" pitchFamily="34" charset="0"/>
+              <a:cs typeface="Arial" panose="020B0604020202020204" pitchFamily="34" charset="0"/>
+            </a:endParaRPr>
+          </a:p>
+        </p:txBody>
+      </p:sp>
+      <p:sp>
+        <p:nvSpPr>
+          <p:cNvPr id="140" name="CuadroTexto 139" descr="Conector entre nodos" title="conector"/>
+          <p:cNvSpPr txBox="1"/>
+          <p:nvPr/>
+        </p:nvSpPr>
+        <p:spPr>
+          <a:xfrm>
+            <a:off x="1443743" y="1713212"/>
+            <a:ext cx="1418919" cy="230832"/>
+          </a:xfrm>
+          <a:prstGeom prst="rect">
+            <a:avLst/>
+          </a:prstGeom>
+          <a:noFill/>
+        </p:spPr>
+        <p:txBody>
+          <a:bodyPr wrap="square" rtlCol="0">
+            <a:spAutoFit/>
+          </a:bodyPr>
+          <a:lstStyle/>
+          <a:p>
+            <a:pPr algn="ctr"/>
+            <a:r>
+              <a:rPr lang="es-ES" sz="900" dirty="0" smtClean="0">
+                <a:latin typeface="Arial" panose="020B0604020202020204" pitchFamily="34" charset="0"/>
+                <a:cs typeface="Arial" panose="020B0604020202020204" pitchFamily="34" charset="0"/>
+              </a:rPr>
+              <a:t>se representan en</a:t>
+            </a:r>
+            <a:endParaRPr lang="es-ES" sz="900" dirty="0">
+              <a:latin typeface="Arial" panose="020B0604020202020204" pitchFamily="34" charset="0"/>
+              <a:cs typeface="Arial" panose="020B0604020202020204" pitchFamily="34" charset="0"/>
+            </a:endParaRPr>
+          </a:p>
+        </p:txBody>
+      </p:sp>
+      <p:sp>
+        <p:nvSpPr>
+          <p:cNvPr id="142" name="Rectángulo 141" descr="Nodo de segundo nivel" title="Nodo02"/>
+          <p:cNvSpPr/>
+          <p:nvPr/>
+        </p:nvSpPr>
+        <p:spPr>
+          <a:xfrm>
+            <a:off x="1717578" y="2036094"/>
+            <a:ext cx="950461" cy="475392"/>
+          </a:xfrm>
+          <a:prstGeom prst="rect">
+            <a:avLst/>
+          </a:prstGeom>
+          <a:solidFill>
+            <a:schemeClr val="bg2">
+              <a:lumMod val="50000"/>
+            </a:schemeClr>
+          </a:solidFill>
+          <a:ln>
+            <a:solidFill>
+              <a:schemeClr val="tx1"/>
+            </a:solidFill>
+          </a:ln>
+        </p:spPr>
+        <p:style>
+          <a:lnRef idx="2">
+            <a:schemeClr val="accent6"/>
+          </a:lnRef>
+          <a:fillRef idx="1">
+            <a:schemeClr val="lt1"/>
+          </a:fillRef>
+          <a:effectRef idx="0">
+            <a:schemeClr val="accent6"/>
+          </a:effectRef>
+          <a:fontRef idx="minor">
+            <a:schemeClr val="dk1"/>
+          </a:fontRef>
+        </p:style>
+        <p:txBody>
+          <a:bodyPr rtlCol="0" anchor="ctr"/>
+          <a:lstStyle/>
+          <a:p>
+            <a:pPr marL="171450" indent="-171450">
+              <a:buFont typeface="Arial" panose="020B0604020202020204" pitchFamily="34" charset="0"/>
+              <a:buChar char="•"/>
+            </a:pPr>
+            <a:r>
+              <a:rPr lang="es-ES" sz="900" dirty="0" smtClean="0">
+                <a:solidFill>
+                  <a:schemeClr val="bg1"/>
+                </a:solidFill>
+                <a:latin typeface="Arial" panose="020B0604020202020204" pitchFamily="34" charset="0"/>
+                <a:cs typeface="Arial" panose="020B0604020202020204" pitchFamily="34" charset="0"/>
+              </a:rPr>
+              <a:t>gráficas</a:t>
+            </a:r>
+            <a:endParaRPr lang="es-ES" sz="900" dirty="0">
+              <a:solidFill>
+                <a:schemeClr val="bg1"/>
+              </a:solidFill>
+              <a:latin typeface="Arial" panose="020B0604020202020204" pitchFamily="34" charset="0"/>
+              <a:cs typeface="Arial" panose="020B0604020202020204" pitchFamily="34" charset="0"/>
+            </a:endParaRPr>
+          </a:p>
+          <a:p>
+            <a:pPr marL="171450" indent="-171450">
+              <a:buFont typeface="Arial" panose="020B0604020202020204" pitchFamily="34" charset="0"/>
+              <a:buChar char="•"/>
+            </a:pPr>
+            <a:r>
+              <a:rPr lang="es-ES" sz="900" dirty="0">
+                <a:solidFill>
+                  <a:schemeClr val="bg1"/>
+                </a:solidFill>
+                <a:latin typeface="Arial" panose="020B0604020202020204" pitchFamily="34" charset="0"/>
+                <a:cs typeface="Arial" panose="020B0604020202020204" pitchFamily="34" charset="0"/>
+              </a:rPr>
+              <a:t>tablas</a:t>
+            </a:r>
+          </a:p>
+          <a:p>
+            <a:pPr marL="171450" indent="-171450">
+              <a:buFont typeface="Arial" panose="020B0604020202020204" pitchFamily="34" charset="0"/>
+              <a:buChar char="•"/>
+            </a:pPr>
+            <a:r>
+              <a:rPr lang="es-ES" sz="900" dirty="0">
+                <a:solidFill>
+                  <a:schemeClr val="bg1"/>
+                </a:solidFill>
+                <a:latin typeface="Arial" panose="020B0604020202020204" pitchFamily="34" charset="0"/>
+                <a:cs typeface="Arial" panose="020B0604020202020204" pitchFamily="34" charset="0"/>
+              </a:rPr>
+              <a:t>fórmulas</a:t>
+            </a:r>
+          </a:p>
+        </p:txBody>
+      </p:sp>
+      <p:cxnSp>
+        <p:nvCxnSpPr>
+          <p:cNvPr id="164" name="Conector angular 163"/>
+          <p:cNvCxnSpPr/>
+          <p:nvPr/>
+        </p:nvCxnSpPr>
+        <p:spPr>
+          <a:xfrm>
+            <a:off x="4104577" y="3935174"/>
+            <a:ext cx="945126" cy="143720"/>
+          </a:xfrm>
+          <a:prstGeom prst="bentConnector2">
+            <a:avLst/>
+          </a:prstGeom>
+          <a:ln w="12700">
+            <a:solidFill>
+              <a:schemeClr val="tx1"/>
+            </a:solidFill>
+          </a:ln>
+        </p:spPr>
+        <p:style>
+          <a:lnRef idx="1">
+            <a:schemeClr val="accent1"/>
+          </a:lnRef>
+          <a:fillRef idx="0">
+            <a:schemeClr val="accent1"/>
+          </a:fillRef>
+          <a:effectRef idx="0">
+            <a:schemeClr val="accent1"/>
+          </a:effectRef>
+          <a:fontRef idx="minor">
+            <a:schemeClr val="tx1"/>
+          </a:fontRef>
+        </p:style>
+      </p:cxnSp>
+      <p:cxnSp>
+        <p:nvCxnSpPr>
+          <p:cNvPr id="182" name="Conector angular 181"/>
+          <p:cNvCxnSpPr/>
+          <p:nvPr/>
+        </p:nvCxnSpPr>
+        <p:spPr>
+          <a:xfrm flipV="1">
+            <a:off x="6131577" y="4065840"/>
+            <a:ext cx="904650" cy="1399"/>
+          </a:xfrm>
+          <a:prstGeom prst="bentConnector4">
+            <a:avLst>
+              <a:gd name="adj1" fmla="val -695"/>
+              <a:gd name="adj2" fmla="val 9451608"/>
+            </a:avLst>
+          </a:prstGeom>
+          <a:ln w="12700">
+            <a:solidFill>
+              <a:schemeClr val="tx1"/>
+            </a:solidFill>
+          </a:ln>
+        </p:spPr>
+        <p:style>
+          <a:lnRef idx="1">
+            <a:schemeClr val="accent1"/>
+          </a:lnRef>
+          <a:fillRef idx="0">
+            <a:schemeClr val="accent1"/>
+          </a:fillRef>
+          <a:effectRef idx="0">
+            <a:schemeClr val="accent1"/>
+          </a:effectRef>
+          <a:fontRef idx="minor">
+            <a:schemeClr val="tx1"/>
+          </a:fontRef>
+        </p:style>
+      </p:cxnSp>
+      <p:cxnSp>
+        <p:nvCxnSpPr>
+          <p:cNvPr id="193" name="Conector angular 192"/>
+          <p:cNvCxnSpPr/>
+          <p:nvPr/>
+        </p:nvCxnSpPr>
+        <p:spPr>
+          <a:xfrm rot="16200000" flipV="1">
+            <a:off x="4037539" y="4433786"/>
+            <a:ext cx="131364" cy="4709"/>
+          </a:xfrm>
+          <a:prstGeom prst="bentConnector3">
+            <a:avLst>
+              <a:gd name="adj1" fmla="val 103543"/>
+            </a:avLst>
+          </a:prstGeom>
+          <a:ln w="12700">
+            <a:solidFill>
+              <a:schemeClr val="tx1"/>
+            </a:solidFill>
+          </a:ln>
+        </p:spPr>
+        <p:style>
+          <a:lnRef idx="1">
+            <a:schemeClr val="accent1"/>
+          </a:lnRef>
+          <a:fillRef idx="0">
+            <a:schemeClr val="accent1"/>
+          </a:fillRef>
+          <a:effectRef idx="0">
+            <a:schemeClr val="accent1"/>
+          </a:effectRef>
+          <a:fontRef idx="minor">
+            <a:schemeClr val="tx1"/>
+          </a:fontRef>
+        </p:style>
+      </p:cxnSp>
+      <p:cxnSp>
+        <p:nvCxnSpPr>
+          <p:cNvPr id="208" name="Conector angular 207"/>
+          <p:cNvCxnSpPr/>
+          <p:nvPr/>
+        </p:nvCxnSpPr>
+        <p:spPr>
+          <a:xfrm rot="16200000" flipV="1">
+            <a:off x="3045131" y="4429221"/>
+            <a:ext cx="131364" cy="4709"/>
+          </a:xfrm>
+          <a:prstGeom prst="bentConnector3">
+            <a:avLst>
+              <a:gd name="adj1" fmla="val 103543"/>
+            </a:avLst>
+          </a:prstGeom>
+          <a:ln w="12700">
+            <a:solidFill>
+              <a:schemeClr val="tx1"/>
+            </a:solidFill>
+          </a:ln>
+        </p:spPr>
+        <p:style>
+          <a:lnRef idx="1">
+            <a:schemeClr val="accent1"/>
+          </a:lnRef>
+          <a:fillRef idx="0">
+            <a:schemeClr val="accent1"/>
+          </a:fillRef>
+          <a:effectRef idx="0">
+            <a:schemeClr val="accent1"/>
+          </a:effectRef>
+          <a:fontRef idx="minor">
+            <a:schemeClr val="tx1"/>
+          </a:fontRef>
+        </p:style>
+      </p:cxnSp>
+      <p:cxnSp>
+        <p:nvCxnSpPr>
+          <p:cNvPr id="213" name="Conector angular 212"/>
+          <p:cNvCxnSpPr/>
+          <p:nvPr/>
+        </p:nvCxnSpPr>
+        <p:spPr>
+          <a:xfrm rot="16200000" flipH="1">
+            <a:off x="3017325" y="4751623"/>
+            <a:ext cx="182266" cy="8382"/>
+          </a:xfrm>
+          <a:prstGeom prst="bentConnector3">
+            <a:avLst>
+              <a:gd name="adj1" fmla="val 100362"/>
+            </a:avLst>
+          </a:prstGeom>
+          <a:ln w="12700">
+            <a:solidFill>
+              <a:schemeClr val="tx1"/>
+            </a:solidFill>
+          </a:ln>
+        </p:spPr>
+        <p:style>
+          <a:lnRef idx="1">
+            <a:schemeClr val="accent1"/>
+          </a:lnRef>
+          <a:fillRef idx="0">
+            <a:schemeClr val="accent1"/>
+          </a:fillRef>
+          <a:effectRef idx="0">
+            <a:schemeClr val="accent1"/>
+          </a:effectRef>
+          <a:fontRef idx="minor">
+            <a:schemeClr val="tx1"/>
+          </a:fontRef>
+        </p:style>
+      </p:cxnSp>
+      <p:cxnSp>
+        <p:nvCxnSpPr>
+          <p:cNvPr id="219" name="Conector angular 218"/>
+          <p:cNvCxnSpPr/>
+          <p:nvPr/>
+        </p:nvCxnSpPr>
+        <p:spPr>
+          <a:xfrm rot="16200000" flipV="1">
+            <a:off x="4987801" y="4428777"/>
+            <a:ext cx="131364" cy="4709"/>
+          </a:xfrm>
+          <a:prstGeom prst="bentConnector3">
+            <a:avLst>
+              <a:gd name="adj1" fmla="val 103543"/>
+            </a:avLst>
+          </a:prstGeom>
+          <a:ln w="12700">
+            <a:solidFill>
+              <a:schemeClr val="tx1"/>
+            </a:solidFill>
+          </a:ln>
+        </p:spPr>
+        <p:style>
+          <a:lnRef idx="1">
+            <a:schemeClr val="accent1"/>
+          </a:lnRef>
+          <a:fillRef idx="0">
+            <a:schemeClr val="accent1"/>
+          </a:fillRef>
+          <a:effectRef idx="0">
+            <a:schemeClr val="accent1"/>
+          </a:effectRef>
+          <a:fontRef idx="minor">
+            <a:schemeClr val="tx1"/>
+          </a:fontRef>
+        </p:style>
+      </p:cxnSp>
+      <p:cxnSp>
+        <p:nvCxnSpPr>
+          <p:cNvPr id="221" name="Conector angular 220"/>
+          <p:cNvCxnSpPr/>
+          <p:nvPr/>
+        </p:nvCxnSpPr>
+        <p:spPr>
+          <a:xfrm rot="16200000" flipV="1">
+            <a:off x="5006575" y="4782270"/>
+            <a:ext cx="131364" cy="4709"/>
+          </a:xfrm>
+          <a:prstGeom prst="bentConnector3">
+            <a:avLst>
+              <a:gd name="adj1" fmla="val -6649"/>
+            </a:avLst>
+          </a:prstGeom>
+          <a:ln w="12700">
+            <a:solidFill>
+              <a:schemeClr val="tx1"/>
+            </a:solidFill>
+          </a:ln>
+        </p:spPr>
+        <p:style>
+          <a:lnRef idx="1">
+            <a:schemeClr val="accent1"/>
+          </a:lnRef>
+          <a:fillRef idx="0">
+            <a:schemeClr val="accent1"/>
+          </a:fillRef>
+          <a:effectRef idx="0">
+            <a:schemeClr val="accent1"/>
+          </a:effectRef>
+          <a:fontRef idx="minor">
+            <a:schemeClr val="tx1"/>
+          </a:fontRef>
+        </p:style>
+      </p:cxnSp>
+      <p:cxnSp>
+        <p:nvCxnSpPr>
+          <p:cNvPr id="269" name="Conector angular 268"/>
+          <p:cNvCxnSpPr/>
+          <p:nvPr/>
+        </p:nvCxnSpPr>
+        <p:spPr>
+          <a:xfrm rot="16200000" flipV="1">
+            <a:off x="5042002" y="6167020"/>
+            <a:ext cx="131364" cy="4709"/>
+          </a:xfrm>
+          <a:prstGeom prst="bentConnector3">
+            <a:avLst>
+              <a:gd name="adj1" fmla="val -1061"/>
+            </a:avLst>
+          </a:prstGeom>
+          <a:ln w="12700">
+            <a:solidFill>
+              <a:schemeClr val="tx1"/>
+            </a:solidFill>
+          </a:ln>
+        </p:spPr>
+        <p:style>
+          <a:lnRef idx="1">
+            <a:schemeClr val="accent1"/>
+          </a:lnRef>
+          <a:fillRef idx="0">
+            <a:schemeClr val="accent1"/>
+          </a:fillRef>
+          <a:effectRef idx="0">
+            <a:schemeClr val="accent1"/>
+          </a:effectRef>
+          <a:fontRef idx="minor">
+            <a:schemeClr val="tx1"/>
+          </a:fontRef>
+        </p:style>
+      </p:cxnSp>
+      <p:cxnSp>
+        <p:nvCxnSpPr>
+          <p:cNvPr id="273" name="Conector angular 272"/>
+          <p:cNvCxnSpPr/>
+          <p:nvPr/>
+        </p:nvCxnSpPr>
+        <p:spPr>
+          <a:xfrm rot="16200000" flipV="1">
+            <a:off x="5040163" y="5857679"/>
+            <a:ext cx="131364" cy="4709"/>
+          </a:xfrm>
+          <a:prstGeom prst="bentConnector3">
+            <a:avLst>
+              <a:gd name="adj1" fmla="val 105441"/>
+            </a:avLst>
+          </a:prstGeom>
+          <a:ln w="12700">
+            <a:solidFill>
+              <a:schemeClr val="tx1"/>
+            </a:solidFill>
+          </a:ln>
+        </p:spPr>
+        <p:style>
+          <a:lnRef idx="1">
+            <a:schemeClr val="accent1"/>
+          </a:lnRef>
+          <a:fillRef idx="0">
+            <a:schemeClr val="accent1"/>
+          </a:fillRef>
+          <a:effectRef idx="0">
+            <a:schemeClr val="accent1"/>
+          </a:effectRef>
+          <a:fontRef idx="minor">
+            <a:schemeClr val="tx1"/>
+          </a:fontRef>
+        </p:style>
+      </p:cxnSp>
+      <p:cxnSp>
+        <p:nvCxnSpPr>
+          <p:cNvPr id="282" name="Conector angular 281"/>
+          <p:cNvCxnSpPr/>
+          <p:nvPr/>
+        </p:nvCxnSpPr>
+        <p:spPr>
+          <a:xfrm rot="16200000" flipH="1">
+            <a:off x="909291" y="1978841"/>
+            <a:ext cx="106251" cy="3461"/>
+          </a:xfrm>
+          <a:prstGeom prst="bentConnector3">
+            <a:avLst>
+              <a:gd name="adj1" fmla="val -3525"/>
+            </a:avLst>
+          </a:prstGeom>
+          <a:ln w="12700">
+            <a:solidFill>
+              <a:schemeClr val="tx1"/>
+            </a:solidFill>
+          </a:ln>
+        </p:spPr>
+        <p:style>
+          <a:lnRef idx="1">
+            <a:schemeClr val="accent1"/>
+          </a:lnRef>
+          <a:fillRef idx="0">
+            <a:schemeClr val="accent1"/>
+          </a:fillRef>
+          <a:effectRef idx="0">
+            <a:schemeClr val="accent1"/>
+          </a:effectRef>
+          <a:fontRef idx="minor">
+            <a:schemeClr val="tx1"/>
+          </a:fontRef>
+        </p:style>
+      </p:cxnSp>
+      <p:cxnSp>
+        <p:nvCxnSpPr>
+          <p:cNvPr id="283" name="Conector angular 282"/>
+          <p:cNvCxnSpPr/>
+          <p:nvPr/>
+        </p:nvCxnSpPr>
+        <p:spPr>
+          <a:xfrm rot="5400000">
+            <a:off x="857673" y="2642917"/>
+            <a:ext cx="205662" cy="363"/>
+          </a:xfrm>
+          <a:prstGeom prst="bentConnector3">
+            <a:avLst>
+              <a:gd name="adj1" fmla="val 50000"/>
+            </a:avLst>
+          </a:prstGeom>
+          <a:ln w="12700">
+            <a:solidFill>
+              <a:schemeClr val="tx1"/>
+            </a:solidFill>
+          </a:ln>
+        </p:spPr>
+        <p:style>
+          <a:lnRef idx="1">
+            <a:schemeClr val="accent1"/>
+          </a:lnRef>
+          <a:fillRef idx="0">
+            <a:schemeClr val="accent1"/>
+          </a:fillRef>
+          <a:effectRef idx="0">
+            <a:schemeClr val="accent1"/>
+          </a:effectRef>
+          <a:fontRef idx="minor">
+            <a:schemeClr val="tx1"/>
+          </a:fontRef>
+        </p:style>
+      </p:cxnSp>
+      <p:cxnSp>
+        <p:nvCxnSpPr>
+          <p:cNvPr id="284" name="Conector angular 283"/>
+          <p:cNvCxnSpPr/>
+          <p:nvPr/>
+        </p:nvCxnSpPr>
+        <p:spPr>
+          <a:xfrm rot="16200000" flipH="1">
+            <a:off x="905466" y="2958011"/>
+            <a:ext cx="106251" cy="3461"/>
+          </a:xfrm>
+          <a:prstGeom prst="bentConnector3">
+            <a:avLst>
+              <a:gd name="adj1" fmla="val -3525"/>
+            </a:avLst>
+          </a:prstGeom>
+          <a:ln w="12700">
+            <a:solidFill>
+              <a:schemeClr val="tx1"/>
+            </a:solidFill>
+          </a:ln>
+        </p:spPr>
+        <p:style>
+          <a:lnRef idx="1">
+            <a:schemeClr val="accent1"/>
+          </a:lnRef>
+          <a:fillRef idx="0">
+            <a:schemeClr val="accent1"/>
+          </a:fillRef>
+          <a:effectRef idx="0">
+            <a:schemeClr val="accent1"/>
+          </a:effectRef>
+          <a:fontRef idx="minor">
+            <a:schemeClr val="tx1"/>
+          </a:fontRef>
+        </p:style>
+      </p:cxnSp>
+      <p:cxnSp>
+        <p:nvCxnSpPr>
+          <p:cNvPr id="285" name="Conector angular 284"/>
+          <p:cNvCxnSpPr/>
+          <p:nvPr/>
+        </p:nvCxnSpPr>
+        <p:spPr>
+          <a:xfrm rot="16200000" flipH="1">
+            <a:off x="931384" y="4214824"/>
+            <a:ext cx="106251" cy="3461"/>
+          </a:xfrm>
+          <a:prstGeom prst="bentConnector3">
+            <a:avLst>
+              <a:gd name="adj1" fmla="val -3525"/>
+            </a:avLst>
+          </a:prstGeom>
+          <a:ln w="12700">
+            <a:solidFill>
+              <a:schemeClr val="tx1"/>
+            </a:solidFill>
+          </a:ln>
+        </p:spPr>
+        <p:style>
+          <a:lnRef idx="1">
+            <a:schemeClr val="accent1"/>
+          </a:lnRef>
+          <a:fillRef idx="0">
+            <a:schemeClr val="accent1"/>
+          </a:fillRef>
+          <a:effectRef idx="0">
+            <a:schemeClr val="accent1"/>
+          </a:effectRef>
+          <a:fontRef idx="minor">
+            <a:schemeClr val="tx1"/>
+          </a:fontRef>
+        </p:style>
+      </p:cxnSp>
+      <p:cxnSp>
+        <p:nvCxnSpPr>
+          <p:cNvPr id="286" name="Conector angular 285"/>
+          <p:cNvCxnSpPr/>
+          <p:nvPr/>
+        </p:nvCxnSpPr>
+        <p:spPr>
+          <a:xfrm rot="16200000" flipH="1">
+            <a:off x="918791" y="4440305"/>
+            <a:ext cx="106251" cy="3461"/>
+          </a:xfrm>
+          <a:prstGeom prst="bentConnector3">
+            <a:avLst>
+              <a:gd name="adj1" fmla="val -3525"/>
+            </a:avLst>
+          </a:prstGeom>
+          <a:ln w="12700">
+            <a:solidFill>
+              <a:schemeClr val="tx1"/>
+            </a:solidFill>
+          </a:ln>
+        </p:spPr>
+        <p:style>
+          <a:lnRef idx="1">
+            <a:schemeClr val="accent1"/>
+          </a:lnRef>
+          <a:fillRef idx="0">
+            <a:schemeClr val="accent1"/>
+          </a:fillRef>
+          <a:effectRef idx="0">
+            <a:schemeClr val="accent1"/>
+          </a:effectRef>
+          <a:fontRef idx="minor">
+            <a:schemeClr val="tx1"/>
+          </a:fontRef>
+        </p:style>
+      </p:cxnSp>
+      <p:cxnSp>
+        <p:nvCxnSpPr>
+          <p:cNvPr id="288" name="Conector angular 287"/>
+          <p:cNvCxnSpPr/>
+          <p:nvPr/>
+        </p:nvCxnSpPr>
+        <p:spPr>
+          <a:xfrm rot="5400000" flipH="1" flipV="1">
+            <a:off x="1463601" y="1258468"/>
+            <a:ext cx="5257" cy="1004164"/>
+          </a:xfrm>
+          <a:prstGeom prst="bentConnector3">
+            <a:avLst>
+              <a:gd name="adj1" fmla="val 2371562"/>
+            </a:avLst>
+          </a:prstGeom>
+          <a:ln w="12700">
+            <a:solidFill>
+              <a:schemeClr val="tx1"/>
+            </a:solidFill>
+          </a:ln>
+        </p:spPr>
+        <p:style>
+          <a:lnRef idx="1">
+            <a:schemeClr val="accent1"/>
+          </a:lnRef>
+          <a:fillRef idx="0">
+            <a:schemeClr val="accent1"/>
+          </a:fillRef>
+          <a:effectRef idx="0">
+            <a:schemeClr val="accent1"/>
+          </a:effectRef>
+          <a:fontRef idx="minor">
+            <a:schemeClr val="tx1"/>
+          </a:fontRef>
+        </p:style>
+      </p:cxnSp>
+      <p:cxnSp>
+        <p:nvCxnSpPr>
+          <p:cNvPr id="289" name="Conector angular 288"/>
+          <p:cNvCxnSpPr>
+            <a:stCxn id="130" idx="2"/>
+          </p:cNvCxnSpPr>
+          <p:nvPr/>
+        </p:nvCxnSpPr>
+        <p:spPr>
+          <a:xfrm rot="5400000">
+            <a:off x="1337309" y="1063512"/>
+            <a:ext cx="215964" cy="9983"/>
+          </a:xfrm>
+          <a:prstGeom prst="bentConnector3">
+            <a:avLst>
+              <a:gd name="adj1" fmla="val 97633"/>
+            </a:avLst>
+          </a:prstGeom>
+          <a:ln w="12700">
+            <a:solidFill>
+              <a:schemeClr val="tx1"/>
+            </a:solidFill>
+          </a:ln>
+        </p:spPr>
+        <p:style>
+          <a:lnRef idx="1">
+            <a:schemeClr val="accent1"/>
+          </a:lnRef>
+          <a:fillRef idx="0">
+            <a:schemeClr val="accent1"/>
+          </a:fillRef>
+          <a:effectRef idx="0">
+            <a:schemeClr val="accent1"/>
+          </a:effectRef>
+          <a:fontRef idx="minor">
+            <a:schemeClr val="tx1"/>
+          </a:fontRef>
+        </p:style>
+      </p:cxnSp>
+      <p:cxnSp>
+        <p:nvCxnSpPr>
+          <p:cNvPr id="290" name="Conector angular 289"/>
+          <p:cNvCxnSpPr/>
+          <p:nvPr/>
+        </p:nvCxnSpPr>
+        <p:spPr>
+          <a:xfrm rot="16200000" flipH="1">
+            <a:off x="1896024" y="1971321"/>
+            <a:ext cx="106251" cy="3461"/>
+          </a:xfrm>
+          <a:prstGeom prst="bentConnector3">
+            <a:avLst>
+              <a:gd name="adj1" fmla="val -3525"/>
+            </a:avLst>
+          </a:prstGeom>
+          <a:ln w="12700">
+            <a:solidFill>
+              <a:schemeClr val="tx1"/>
+            </a:solidFill>
+          </a:ln>
+        </p:spPr>
+        <p:style>
+          <a:lnRef idx="1">
+            <a:schemeClr val="accent1"/>
+          </a:lnRef>
+          <a:fillRef idx="0">
+            <a:schemeClr val="accent1"/>
+          </a:fillRef>
+          <a:effectRef idx="0">
+            <a:schemeClr val="accent1"/>
+          </a:effectRef>
+          <a:fontRef idx="minor">
+            <a:schemeClr val="tx1"/>
+          </a:fontRef>
+        </p:style>
+      </p:cxnSp>
+      <p:cxnSp>
+        <p:nvCxnSpPr>
+          <p:cNvPr id="291" name="Conector angular 290"/>
+          <p:cNvCxnSpPr/>
+          <p:nvPr/>
+        </p:nvCxnSpPr>
+        <p:spPr>
+          <a:xfrm rot="16200000" flipH="1">
+            <a:off x="1355163" y="1547566"/>
+            <a:ext cx="173699" cy="3461"/>
+          </a:xfrm>
+          <a:prstGeom prst="bentConnector3">
+            <a:avLst>
+              <a:gd name="adj1" fmla="val -7029"/>
+            </a:avLst>
+          </a:prstGeom>
+          <a:ln w="12700">
+            <a:solidFill>
+              <a:schemeClr val="tx1"/>
+            </a:solidFill>
+          </a:ln>
+        </p:spPr>
+        <p:style>
+          <a:lnRef idx="1">
+            <a:schemeClr val="accent1"/>
+          </a:lnRef>
+          <a:fillRef idx="0">
+            <a:schemeClr val="accent1"/>
+          </a:fillRef>
+          <a:effectRef idx="0">
+            <a:schemeClr val="accent1"/>
+          </a:effectRef>
+          <a:fontRef idx="minor">
+            <a:schemeClr val="tx1"/>
+          </a:fontRef>
+        </p:style>
+      </p:cxnSp>
+      <p:cxnSp>
+        <p:nvCxnSpPr>
+          <p:cNvPr id="292" name="Conector angular 291"/>
+          <p:cNvCxnSpPr/>
+          <p:nvPr/>
+        </p:nvCxnSpPr>
+        <p:spPr>
+          <a:xfrm rot="5400000">
+            <a:off x="7033260" y="971895"/>
+            <a:ext cx="104220" cy="4291"/>
+          </a:xfrm>
+          <a:prstGeom prst="bentConnector3">
+            <a:avLst>
+              <a:gd name="adj1" fmla="val 1789"/>
             </a:avLst>
           </a:prstGeom>
           <a:ln w="12700">
